--- a/documentation/presentation.pptx
+++ b/documentation/presentation.pptx
@@ -70,7 +70,7 @@
         <p:txBody>
           <a:bodyPr/>
           <a:p>
-            <a:fld id="{ABDA18DF-E9F1-46CE-8654-195EA2EC636D}" type="slidenum">
+            <a:fld id="{23ED435B-80D9-4AAD-B30A-BFDB49E1E13A}" type="slidenum">
               <a:t>&lt;#&gt;</a:t>
             </a:fld>
           </a:p>
@@ -131,8 +131,8 @@
         </p:nvSpPr>
         <p:spPr>
           <a:xfrm>
-            <a:off x="1620000" y="216000"/>
-            <a:ext cx="8099640" cy="935640"/>
+            <a:off x="504000" y="226080"/>
+            <a:ext cx="9072000" cy="946440"/>
           </a:xfrm>
           <a:prstGeom prst="rect">
             <a:avLst/>
@@ -147,10 +147,10 @@
             <a:noAutofit/>
           </a:bodyPr>
           <a:p>
-            <a:pPr indent="0" algn="ctr">
+            <a:pPr indent="0">
               <a:buNone/>
             </a:pPr>
-            <a:endParaRPr b="0" lang="en-US" sz="4400" spc="-1" strike="noStrike">
+            <a:endParaRPr b="0" lang="en-US" sz="1800" spc="-1" strike="noStrike">
               <a:solidFill>
                 <a:srgbClr val="000000"/>
               </a:solidFill>
@@ -171,8 +171,8 @@
         </p:nvSpPr>
         <p:spPr>
           <a:xfrm>
-            <a:off x="1620000" y="1368000"/>
-            <a:ext cx="8099640" cy="1568160"/>
+            <a:off x="504000" y="1326600"/>
+            <a:ext cx="9072000" cy="1568520"/>
           </a:xfrm>
           <a:prstGeom prst="rect">
             <a:avLst/>
@@ -188,12 +188,15 @@
           </a:bodyPr>
           <a:p>
             <a:pPr indent="0">
+              <a:lnSpc>
+                <a:spcPct val="90000"/>
+              </a:lnSpc>
               <a:spcBef>
                 <a:spcPts val="1417"/>
               </a:spcBef>
               <a:buNone/>
             </a:pPr>
-            <a:endParaRPr b="0" lang="en-US" sz="3200" spc="-1" strike="noStrike">
+            <a:endParaRPr b="0" lang="en-US" sz="2800" spc="-1" strike="noStrike">
               <a:solidFill>
                 <a:srgbClr val="000000"/>
               </a:solidFill>
@@ -214,8 +217,8 @@
         </p:nvSpPr>
         <p:spPr>
           <a:xfrm>
-            <a:off x="1620000" y="3085560"/>
-            <a:ext cx="8099640" cy="1568160"/>
+            <a:off x="504000" y="3044520"/>
+            <a:ext cx="9072000" cy="1568520"/>
           </a:xfrm>
           <a:prstGeom prst="rect">
             <a:avLst/>
@@ -231,12 +234,15 @@
           </a:bodyPr>
           <a:p>
             <a:pPr indent="0">
+              <a:lnSpc>
+                <a:spcPct val="90000"/>
+              </a:lnSpc>
               <a:spcBef>
                 <a:spcPts val="1417"/>
               </a:spcBef>
               <a:buNone/>
             </a:pPr>
-            <a:endParaRPr b="0" lang="en-US" sz="3200" spc="-1" strike="noStrike">
+            <a:endParaRPr b="0" lang="en-US" sz="2800" spc="-1" strike="noStrike">
               <a:solidFill>
                 <a:srgbClr val="000000"/>
               </a:solidFill>
@@ -279,7 +285,7 @@
         <p:txBody>
           <a:bodyPr/>
           <a:p>
-            <a:fld id="{C82B97DE-207E-4B57-9CF4-360E7CAB1EBE}" type="slidenum">
+            <a:fld id="{BF1FEA8D-99F2-4FA2-AEDC-7BE22C70A377}" type="slidenum">
               <a:t>&lt;#&gt;</a:t>
             </a:fld>
           </a:p>
@@ -340,8 +346,8 @@
         </p:nvSpPr>
         <p:spPr>
           <a:xfrm>
-            <a:off x="1620000" y="216000"/>
-            <a:ext cx="8099640" cy="935640"/>
+            <a:off x="504000" y="226080"/>
+            <a:ext cx="9072000" cy="946440"/>
           </a:xfrm>
           <a:prstGeom prst="rect">
             <a:avLst/>
@@ -356,10 +362,10 @@
             <a:noAutofit/>
           </a:bodyPr>
           <a:p>
-            <a:pPr indent="0" algn="ctr">
+            <a:pPr indent="0">
               <a:buNone/>
             </a:pPr>
-            <a:endParaRPr b="0" lang="en-US" sz="4400" spc="-1" strike="noStrike">
+            <a:endParaRPr b="0" lang="en-US" sz="1800" spc="-1" strike="noStrike">
               <a:solidFill>
                 <a:srgbClr val="000000"/>
               </a:solidFill>
@@ -380,8 +386,8 @@
         </p:nvSpPr>
         <p:spPr>
           <a:xfrm>
-            <a:off x="1620000" y="1368000"/>
-            <a:ext cx="3952440" cy="1568160"/>
+            <a:off x="504000" y="1326600"/>
+            <a:ext cx="4426920" cy="1568520"/>
           </a:xfrm>
           <a:prstGeom prst="rect">
             <a:avLst/>
@@ -397,12 +403,15 @@
           </a:bodyPr>
           <a:p>
             <a:pPr indent="0">
+              <a:lnSpc>
+                <a:spcPct val="90000"/>
+              </a:lnSpc>
               <a:spcBef>
                 <a:spcPts val="1417"/>
               </a:spcBef>
               <a:buNone/>
             </a:pPr>
-            <a:endParaRPr b="0" lang="en-US" sz="3200" spc="-1" strike="noStrike">
+            <a:endParaRPr b="0" lang="en-US" sz="2800" spc="-1" strike="noStrike">
               <a:solidFill>
                 <a:srgbClr val="000000"/>
               </a:solidFill>
@@ -423,8 +432,8 @@
         </p:nvSpPr>
         <p:spPr>
           <a:xfrm>
-            <a:off x="5770440" y="1368000"/>
-            <a:ext cx="3952440" cy="1568160"/>
+            <a:off x="5152680" y="1326600"/>
+            <a:ext cx="4426920" cy="1568520"/>
           </a:xfrm>
           <a:prstGeom prst="rect">
             <a:avLst/>
@@ -440,12 +449,15 @@
           </a:bodyPr>
           <a:p>
             <a:pPr indent="0">
+              <a:lnSpc>
+                <a:spcPct val="90000"/>
+              </a:lnSpc>
               <a:spcBef>
                 <a:spcPts val="1417"/>
               </a:spcBef>
               <a:buNone/>
             </a:pPr>
-            <a:endParaRPr b="0" lang="en-US" sz="3200" spc="-1" strike="noStrike">
+            <a:endParaRPr b="0" lang="en-US" sz="2800" spc="-1" strike="noStrike">
               <a:solidFill>
                 <a:srgbClr val="000000"/>
               </a:solidFill>
@@ -466,8 +478,8 @@
         </p:nvSpPr>
         <p:spPr>
           <a:xfrm>
-            <a:off x="1620000" y="3085560"/>
-            <a:ext cx="3952440" cy="1568160"/>
+            <a:off x="504000" y="3044520"/>
+            <a:ext cx="4426920" cy="1568520"/>
           </a:xfrm>
           <a:prstGeom prst="rect">
             <a:avLst/>
@@ -483,12 +495,15 @@
           </a:bodyPr>
           <a:p>
             <a:pPr indent="0">
+              <a:lnSpc>
+                <a:spcPct val="90000"/>
+              </a:lnSpc>
               <a:spcBef>
                 <a:spcPts val="1417"/>
               </a:spcBef>
               <a:buNone/>
             </a:pPr>
-            <a:endParaRPr b="0" lang="en-US" sz="3200" spc="-1" strike="noStrike">
+            <a:endParaRPr b="0" lang="en-US" sz="2800" spc="-1" strike="noStrike">
               <a:solidFill>
                 <a:srgbClr val="000000"/>
               </a:solidFill>
@@ -509,8 +524,8 @@
         </p:nvSpPr>
         <p:spPr>
           <a:xfrm>
-            <a:off x="5770440" y="3085560"/>
-            <a:ext cx="3952440" cy="1568160"/>
+            <a:off x="5152680" y="3044520"/>
+            <a:ext cx="4426920" cy="1568520"/>
           </a:xfrm>
           <a:prstGeom prst="rect">
             <a:avLst/>
@@ -526,12 +541,15 @@
           </a:bodyPr>
           <a:p>
             <a:pPr indent="0">
+              <a:lnSpc>
+                <a:spcPct val="90000"/>
+              </a:lnSpc>
               <a:spcBef>
                 <a:spcPts val="1417"/>
               </a:spcBef>
               <a:buNone/>
             </a:pPr>
-            <a:endParaRPr b="0" lang="en-US" sz="3200" spc="-1" strike="noStrike">
+            <a:endParaRPr b="0" lang="en-US" sz="2800" spc="-1" strike="noStrike">
               <a:solidFill>
                 <a:srgbClr val="000000"/>
               </a:solidFill>
@@ -574,7 +592,7 @@
         <p:txBody>
           <a:bodyPr/>
           <a:p>
-            <a:fld id="{290F0F5B-62BE-4F5E-908D-BD3C26528FBD}" type="slidenum">
+            <a:fld id="{DECD8BD2-DCDB-4B8C-BC16-6BAF720104D1}" type="slidenum">
               <a:t>&lt;#&gt;</a:t>
             </a:fld>
           </a:p>
@@ -635,8 +653,8 @@
         </p:nvSpPr>
         <p:spPr>
           <a:xfrm>
-            <a:off x="1620000" y="216000"/>
-            <a:ext cx="8099640" cy="935640"/>
+            <a:off x="504000" y="226080"/>
+            <a:ext cx="9072000" cy="946440"/>
           </a:xfrm>
           <a:prstGeom prst="rect">
             <a:avLst/>
@@ -651,10 +669,10 @@
             <a:noAutofit/>
           </a:bodyPr>
           <a:p>
-            <a:pPr indent="0" algn="ctr">
+            <a:pPr indent="0">
               <a:buNone/>
             </a:pPr>
-            <a:endParaRPr b="0" lang="en-US" sz="4400" spc="-1" strike="noStrike">
+            <a:endParaRPr b="0" lang="en-US" sz="1800" spc="-1" strike="noStrike">
               <a:solidFill>
                 <a:srgbClr val="000000"/>
               </a:solidFill>
@@ -675,8 +693,8 @@
         </p:nvSpPr>
         <p:spPr>
           <a:xfrm>
-            <a:off x="1620000" y="1368000"/>
-            <a:ext cx="2607840" cy="1568160"/>
+            <a:off x="504000" y="1326600"/>
+            <a:ext cx="2921040" cy="1568520"/>
           </a:xfrm>
           <a:prstGeom prst="rect">
             <a:avLst/>
@@ -692,12 +710,15 @@
           </a:bodyPr>
           <a:p>
             <a:pPr indent="0">
+              <a:lnSpc>
+                <a:spcPct val="90000"/>
+              </a:lnSpc>
               <a:spcBef>
                 <a:spcPts val="1417"/>
               </a:spcBef>
               <a:buNone/>
             </a:pPr>
-            <a:endParaRPr b="0" lang="en-US" sz="3200" spc="-1" strike="noStrike">
+            <a:endParaRPr b="0" lang="en-US" sz="2800" spc="-1" strike="noStrike">
               <a:solidFill>
                 <a:srgbClr val="000000"/>
               </a:solidFill>
@@ -718,8 +739,8 @@
         </p:nvSpPr>
         <p:spPr>
           <a:xfrm>
-            <a:off x="4358520" y="1368000"/>
-            <a:ext cx="2607840" cy="1568160"/>
+            <a:off x="3571560" y="1326600"/>
+            <a:ext cx="2921040" cy="1568520"/>
           </a:xfrm>
           <a:prstGeom prst="rect">
             <a:avLst/>
@@ -735,12 +756,15 @@
           </a:bodyPr>
           <a:p>
             <a:pPr indent="0">
+              <a:lnSpc>
+                <a:spcPct val="90000"/>
+              </a:lnSpc>
               <a:spcBef>
                 <a:spcPts val="1417"/>
               </a:spcBef>
               <a:buNone/>
             </a:pPr>
-            <a:endParaRPr b="0" lang="en-US" sz="3200" spc="-1" strike="noStrike">
+            <a:endParaRPr b="0" lang="en-US" sz="2800" spc="-1" strike="noStrike">
               <a:solidFill>
                 <a:srgbClr val="000000"/>
               </a:solidFill>
@@ -761,8 +785,8 @@
         </p:nvSpPr>
         <p:spPr>
           <a:xfrm>
-            <a:off x="7097400" y="1368000"/>
-            <a:ext cx="2607840" cy="1568160"/>
+            <a:off x="6639120" y="1326600"/>
+            <a:ext cx="2921040" cy="1568520"/>
           </a:xfrm>
           <a:prstGeom prst="rect">
             <a:avLst/>
@@ -778,12 +802,15 @@
           </a:bodyPr>
           <a:p>
             <a:pPr indent="0">
+              <a:lnSpc>
+                <a:spcPct val="90000"/>
+              </a:lnSpc>
               <a:spcBef>
                 <a:spcPts val="1417"/>
               </a:spcBef>
               <a:buNone/>
             </a:pPr>
-            <a:endParaRPr b="0" lang="en-US" sz="3200" spc="-1" strike="noStrike">
+            <a:endParaRPr b="0" lang="en-US" sz="2800" spc="-1" strike="noStrike">
               <a:solidFill>
                 <a:srgbClr val="000000"/>
               </a:solidFill>
@@ -804,8 +831,8 @@
         </p:nvSpPr>
         <p:spPr>
           <a:xfrm>
-            <a:off x="1620000" y="3085560"/>
-            <a:ext cx="2607840" cy="1568160"/>
+            <a:off x="504000" y="3044520"/>
+            <a:ext cx="2921040" cy="1568520"/>
           </a:xfrm>
           <a:prstGeom prst="rect">
             <a:avLst/>
@@ -821,12 +848,15 @@
           </a:bodyPr>
           <a:p>
             <a:pPr indent="0">
+              <a:lnSpc>
+                <a:spcPct val="90000"/>
+              </a:lnSpc>
               <a:spcBef>
                 <a:spcPts val="1417"/>
               </a:spcBef>
               <a:buNone/>
             </a:pPr>
-            <a:endParaRPr b="0" lang="en-US" sz="3200" spc="-1" strike="noStrike">
+            <a:endParaRPr b="0" lang="en-US" sz="2800" spc="-1" strike="noStrike">
               <a:solidFill>
                 <a:srgbClr val="000000"/>
               </a:solidFill>
@@ -847,8 +877,8 @@
         </p:nvSpPr>
         <p:spPr>
           <a:xfrm>
-            <a:off x="4358520" y="3085560"/>
-            <a:ext cx="2607840" cy="1568160"/>
+            <a:off x="3571560" y="3044520"/>
+            <a:ext cx="2921040" cy="1568520"/>
           </a:xfrm>
           <a:prstGeom prst="rect">
             <a:avLst/>
@@ -864,12 +894,15 @@
           </a:bodyPr>
           <a:p>
             <a:pPr indent="0">
+              <a:lnSpc>
+                <a:spcPct val="90000"/>
+              </a:lnSpc>
               <a:spcBef>
                 <a:spcPts val="1417"/>
               </a:spcBef>
               <a:buNone/>
             </a:pPr>
-            <a:endParaRPr b="0" lang="en-US" sz="3200" spc="-1" strike="noStrike">
+            <a:endParaRPr b="0" lang="en-US" sz="2800" spc="-1" strike="noStrike">
               <a:solidFill>
                 <a:srgbClr val="000000"/>
               </a:solidFill>
@@ -890,8 +923,8 @@
         </p:nvSpPr>
         <p:spPr>
           <a:xfrm>
-            <a:off x="7097400" y="3085560"/>
-            <a:ext cx="2607840" cy="1568160"/>
+            <a:off x="6639120" y="3044520"/>
+            <a:ext cx="2921040" cy="1568520"/>
           </a:xfrm>
           <a:prstGeom prst="rect">
             <a:avLst/>
@@ -907,12 +940,15 @@
           </a:bodyPr>
           <a:p>
             <a:pPr indent="0">
+              <a:lnSpc>
+                <a:spcPct val="90000"/>
+              </a:lnSpc>
               <a:spcBef>
                 <a:spcPts val="1417"/>
               </a:spcBef>
               <a:buNone/>
             </a:pPr>
-            <a:endParaRPr b="0" lang="en-US" sz="3200" spc="-1" strike="noStrike">
+            <a:endParaRPr b="0" lang="en-US" sz="2800" spc="-1" strike="noStrike">
               <a:solidFill>
                 <a:srgbClr val="000000"/>
               </a:solidFill>
@@ -955,7 +991,7 @@
         <p:txBody>
           <a:bodyPr/>
           <a:p>
-            <a:fld id="{F732441B-5004-4662-9A52-9B74930E0FA1}" type="slidenum">
+            <a:fld id="{9BB3695D-3B09-442F-87D3-6AE820A2B694}" type="slidenum">
               <a:t>&lt;#&gt;</a:t>
             </a:fld>
           </a:p>
@@ -1038,7 +1074,7 @@
         <p:txBody>
           <a:bodyPr/>
           <a:p>
-            <a:fld id="{74AE1959-8F9D-445B-A3A5-24DD4E9D7E76}" type="slidenum">
+            <a:fld id="{F15E030A-EFA5-44CD-AB82-0AB80640133B}" type="slidenum">
               <a:t>&lt;#&gt;</a:t>
             </a:fld>
           </a:p>
@@ -1099,8 +1135,8 @@
         </p:nvSpPr>
         <p:spPr>
           <a:xfrm>
-            <a:off x="1620000" y="216000"/>
-            <a:ext cx="8099640" cy="935640"/>
+            <a:off x="504000" y="226080"/>
+            <a:ext cx="9072000" cy="946440"/>
           </a:xfrm>
           <a:prstGeom prst="rect">
             <a:avLst/>
@@ -1115,10 +1151,10 @@
             <a:noAutofit/>
           </a:bodyPr>
           <a:p>
-            <a:pPr indent="0" algn="ctr">
+            <a:pPr indent="0">
               <a:buNone/>
             </a:pPr>
-            <a:endParaRPr b="0" lang="en-US" sz="4400" spc="-1" strike="noStrike">
+            <a:endParaRPr b="0" lang="en-US" sz="1800" spc="-1" strike="noStrike">
               <a:solidFill>
                 <a:srgbClr val="000000"/>
               </a:solidFill>
@@ -1139,8 +1175,8 @@
         </p:nvSpPr>
         <p:spPr>
           <a:xfrm>
-            <a:off x="1620000" y="1368000"/>
-            <a:ext cx="8099640" cy="3287880"/>
+            <a:off x="504000" y="1326600"/>
+            <a:ext cx="9072000" cy="3288600"/>
           </a:xfrm>
           <a:prstGeom prst="rect">
             <a:avLst/>
@@ -1201,7 +1237,7 @@
         <p:txBody>
           <a:bodyPr/>
           <a:p>
-            <a:fld id="{71C7DBF5-5822-49F0-BBCE-28D9773F8F4B}" type="slidenum">
+            <a:fld id="{0D1BBFB8-6ECE-4601-9487-AAA0FAF7E89E}" type="slidenum">
               <a:t>&lt;#&gt;</a:t>
             </a:fld>
           </a:p>
@@ -1262,8 +1298,8 @@
         </p:nvSpPr>
         <p:spPr>
           <a:xfrm>
-            <a:off x="1620000" y="216000"/>
-            <a:ext cx="8099640" cy="935640"/>
+            <a:off x="504000" y="226080"/>
+            <a:ext cx="9072000" cy="946440"/>
           </a:xfrm>
           <a:prstGeom prst="rect">
             <a:avLst/>
@@ -1278,10 +1314,10 @@
             <a:noAutofit/>
           </a:bodyPr>
           <a:p>
-            <a:pPr indent="0" algn="ctr">
+            <a:pPr indent="0">
               <a:buNone/>
             </a:pPr>
-            <a:endParaRPr b="0" lang="en-US" sz="4400" spc="-1" strike="noStrike">
+            <a:endParaRPr b="0" lang="en-US" sz="1800" spc="-1" strike="noStrike">
               <a:solidFill>
                 <a:srgbClr val="000000"/>
               </a:solidFill>
@@ -1302,8 +1338,8 @@
         </p:nvSpPr>
         <p:spPr>
           <a:xfrm>
-            <a:off x="1620000" y="1368000"/>
-            <a:ext cx="8099640" cy="3287880"/>
+            <a:off x="504000" y="1326600"/>
+            <a:ext cx="9072000" cy="3288600"/>
           </a:xfrm>
           <a:prstGeom prst="rect">
             <a:avLst/>
@@ -1319,12 +1355,15 @@
           </a:bodyPr>
           <a:p>
             <a:pPr indent="0">
+              <a:lnSpc>
+                <a:spcPct val="90000"/>
+              </a:lnSpc>
               <a:spcBef>
                 <a:spcPts val="1417"/>
               </a:spcBef>
               <a:buNone/>
             </a:pPr>
-            <a:endParaRPr b="0" lang="en-US" sz="3200" spc="-1" strike="noStrike">
+            <a:endParaRPr b="0" lang="en-US" sz="2800" spc="-1" strike="noStrike">
               <a:solidFill>
                 <a:srgbClr val="000000"/>
               </a:solidFill>
@@ -1367,7 +1406,7 @@
         <p:txBody>
           <a:bodyPr/>
           <a:p>
-            <a:fld id="{C055E1D1-262B-4B5D-A282-A02D8A24C0C7}" type="slidenum">
+            <a:fld id="{A5E363B8-2A4B-4538-A26A-79014AC230FC}" type="slidenum">
               <a:t>&lt;#&gt;</a:t>
             </a:fld>
           </a:p>
@@ -1428,8 +1467,8 @@
         </p:nvSpPr>
         <p:spPr>
           <a:xfrm>
-            <a:off x="1620000" y="216000"/>
-            <a:ext cx="8099640" cy="935640"/>
+            <a:off x="504000" y="226080"/>
+            <a:ext cx="9072000" cy="946440"/>
           </a:xfrm>
           <a:prstGeom prst="rect">
             <a:avLst/>
@@ -1444,10 +1483,10 @@
             <a:noAutofit/>
           </a:bodyPr>
           <a:p>
-            <a:pPr indent="0" algn="ctr">
+            <a:pPr indent="0">
               <a:buNone/>
             </a:pPr>
-            <a:endParaRPr b="0" lang="en-US" sz="4400" spc="-1" strike="noStrike">
+            <a:endParaRPr b="0" lang="en-US" sz="1800" spc="-1" strike="noStrike">
               <a:solidFill>
                 <a:srgbClr val="000000"/>
               </a:solidFill>
@@ -1468,8 +1507,8 @@
         </p:nvSpPr>
         <p:spPr>
           <a:xfrm>
-            <a:off x="1620000" y="1368000"/>
-            <a:ext cx="3952440" cy="3287880"/>
+            <a:off x="504000" y="1326600"/>
+            <a:ext cx="4426920" cy="3288600"/>
           </a:xfrm>
           <a:prstGeom prst="rect">
             <a:avLst/>
@@ -1485,12 +1524,15 @@
           </a:bodyPr>
           <a:p>
             <a:pPr indent="0">
+              <a:lnSpc>
+                <a:spcPct val="90000"/>
+              </a:lnSpc>
               <a:spcBef>
                 <a:spcPts val="1417"/>
               </a:spcBef>
               <a:buNone/>
             </a:pPr>
-            <a:endParaRPr b="0" lang="en-US" sz="3200" spc="-1" strike="noStrike">
+            <a:endParaRPr b="0" lang="en-US" sz="2800" spc="-1" strike="noStrike">
               <a:solidFill>
                 <a:srgbClr val="000000"/>
               </a:solidFill>
@@ -1511,8 +1553,8 @@
         </p:nvSpPr>
         <p:spPr>
           <a:xfrm>
-            <a:off x="5770440" y="1368000"/>
-            <a:ext cx="3952440" cy="3287880"/>
+            <a:off x="5152680" y="1326600"/>
+            <a:ext cx="4426920" cy="3288600"/>
           </a:xfrm>
           <a:prstGeom prst="rect">
             <a:avLst/>
@@ -1528,12 +1570,15 @@
           </a:bodyPr>
           <a:p>
             <a:pPr indent="0">
+              <a:lnSpc>
+                <a:spcPct val="90000"/>
+              </a:lnSpc>
               <a:spcBef>
                 <a:spcPts val="1417"/>
               </a:spcBef>
               <a:buNone/>
             </a:pPr>
-            <a:endParaRPr b="0" lang="en-US" sz="3200" spc="-1" strike="noStrike">
+            <a:endParaRPr b="0" lang="en-US" sz="2800" spc="-1" strike="noStrike">
               <a:solidFill>
                 <a:srgbClr val="000000"/>
               </a:solidFill>
@@ -1576,7 +1621,7 @@
         <p:txBody>
           <a:bodyPr/>
           <a:p>
-            <a:fld id="{82CCF493-9D2C-406C-8934-28799383898F}" type="slidenum">
+            <a:fld id="{84FEFA6B-A5BD-46A2-8AD1-FDB7A2EF0978}" type="slidenum">
               <a:t>&lt;#&gt;</a:t>
             </a:fld>
           </a:p>
@@ -1637,8 +1682,8 @@
         </p:nvSpPr>
         <p:spPr>
           <a:xfrm>
-            <a:off x="1620000" y="216000"/>
-            <a:ext cx="8099640" cy="935640"/>
+            <a:off x="504000" y="226080"/>
+            <a:ext cx="9072000" cy="946440"/>
           </a:xfrm>
           <a:prstGeom prst="rect">
             <a:avLst/>
@@ -1653,10 +1698,10 @@
             <a:noAutofit/>
           </a:bodyPr>
           <a:p>
-            <a:pPr indent="0" algn="ctr">
+            <a:pPr indent="0">
               <a:buNone/>
             </a:pPr>
-            <a:endParaRPr b="0" lang="en-US" sz="4400" spc="-1" strike="noStrike">
+            <a:endParaRPr b="0" lang="en-US" sz="1800" spc="-1" strike="noStrike">
               <a:solidFill>
                 <a:srgbClr val="000000"/>
               </a:solidFill>
@@ -1699,7 +1744,7 @@
         <p:txBody>
           <a:bodyPr/>
           <a:p>
-            <a:fld id="{9CD308A3-DDA1-4442-852C-E3F134447FEE}" type="slidenum">
+            <a:fld id="{36CF3CA9-7C76-4C23-9F49-A1F9FE926608}" type="slidenum">
               <a:t>&lt;#&gt;</a:t>
             </a:fld>
           </a:p>
@@ -1760,8 +1805,8 @@
         </p:nvSpPr>
         <p:spPr>
           <a:xfrm>
-            <a:off x="1620000" y="216000"/>
-            <a:ext cx="8099640" cy="4338360"/>
+            <a:off x="504000" y="226080"/>
+            <a:ext cx="9072000" cy="4388400"/>
           </a:xfrm>
           <a:prstGeom prst="rect">
             <a:avLst/>
@@ -1820,7 +1865,7 @@
         <p:txBody>
           <a:bodyPr/>
           <a:p>
-            <a:fld id="{EA146954-ADAF-467F-85E1-C52CEFF4A347}" type="slidenum">
+            <a:fld id="{FCC9B1DD-99C6-40A3-8485-E1A40F896FAE}" type="slidenum">
               <a:t>&lt;#&gt;</a:t>
             </a:fld>
           </a:p>
@@ -1881,8 +1926,8 @@
         </p:nvSpPr>
         <p:spPr>
           <a:xfrm>
-            <a:off x="1620000" y="216000"/>
-            <a:ext cx="8099640" cy="935640"/>
+            <a:off x="504000" y="226080"/>
+            <a:ext cx="9072000" cy="946440"/>
           </a:xfrm>
           <a:prstGeom prst="rect">
             <a:avLst/>
@@ -1897,10 +1942,10 @@
             <a:noAutofit/>
           </a:bodyPr>
           <a:p>
-            <a:pPr indent="0" algn="ctr">
+            <a:pPr indent="0">
               <a:buNone/>
             </a:pPr>
-            <a:endParaRPr b="0" lang="en-US" sz="4400" spc="-1" strike="noStrike">
+            <a:endParaRPr b="0" lang="en-US" sz="1800" spc="-1" strike="noStrike">
               <a:solidFill>
                 <a:srgbClr val="000000"/>
               </a:solidFill>
@@ -1921,8 +1966,8 @@
         </p:nvSpPr>
         <p:spPr>
           <a:xfrm>
-            <a:off x="1620000" y="1368000"/>
-            <a:ext cx="3952440" cy="1568160"/>
+            <a:off x="504000" y="1326600"/>
+            <a:ext cx="4426920" cy="1568520"/>
           </a:xfrm>
           <a:prstGeom prst="rect">
             <a:avLst/>
@@ -1938,12 +1983,15 @@
           </a:bodyPr>
           <a:p>
             <a:pPr indent="0">
+              <a:lnSpc>
+                <a:spcPct val="90000"/>
+              </a:lnSpc>
               <a:spcBef>
                 <a:spcPts val="1417"/>
               </a:spcBef>
               <a:buNone/>
             </a:pPr>
-            <a:endParaRPr b="0" lang="en-US" sz="3200" spc="-1" strike="noStrike">
+            <a:endParaRPr b="0" lang="en-US" sz="2800" spc="-1" strike="noStrike">
               <a:solidFill>
                 <a:srgbClr val="000000"/>
               </a:solidFill>
@@ -1964,8 +2012,8 @@
         </p:nvSpPr>
         <p:spPr>
           <a:xfrm>
-            <a:off x="5770440" y="1368000"/>
-            <a:ext cx="3952440" cy="3287880"/>
+            <a:off x="5152680" y="1326600"/>
+            <a:ext cx="4426920" cy="3288600"/>
           </a:xfrm>
           <a:prstGeom prst="rect">
             <a:avLst/>
@@ -1981,12 +2029,15 @@
           </a:bodyPr>
           <a:p>
             <a:pPr indent="0">
+              <a:lnSpc>
+                <a:spcPct val="90000"/>
+              </a:lnSpc>
               <a:spcBef>
                 <a:spcPts val="1417"/>
               </a:spcBef>
               <a:buNone/>
             </a:pPr>
-            <a:endParaRPr b="0" lang="en-US" sz="3200" spc="-1" strike="noStrike">
+            <a:endParaRPr b="0" lang="en-US" sz="2800" spc="-1" strike="noStrike">
               <a:solidFill>
                 <a:srgbClr val="000000"/>
               </a:solidFill>
@@ -2007,8 +2058,8 @@
         </p:nvSpPr>
         <p:spPr>
           <a:xfrm>
-            <a:off x="1620000" y="3085560"/>
-            <a:ext cx="3952440" cy="1568160"/>
+            <a:off x="504000" y="3044520"/>
+            <a:ext cx="4426920" cy="1568520"/>
           </a:xfrm>
           <a:prstGeom prst="rect">
             <a:avLst/>
@@ -2024,12 +2075,15 @@
           </a:bodyPr>
           <a:p>
             <a:pPr indent="0">
+              <a:lnSpc>
+                <a:spcPct val="90000"/>
+              </a:lnSpc>
               <a:spcBef>
                 <a:spcPts val="1417"/>
               </a:spcBef>
               <a:buNone/>
             </a:pPr>
-            <a:endParaRPr b="0" lang="en-US" sz="3200" spc="-1" strike="noStrike">
+            <a:endParaRPr b="0" lang="en-US" sz="2800" spc="-1" strike="noStrike">
               <a:solidFill>
                 <a:srgbClr val="000000"/>
               </a:solidFill>
@@ -2072,7 +2126,7 @@
         <p:txBody>
           <a:bodyPr/>
           <a:p>
-            <a:fld id="{2DFF8E5C-6CF4-4C0E-903C-081BA715D8A1}" type="slidenum">
+            <a:fld id="{318B7D4C-FA82-4D35-9B2C-A4671E96112C}" type="slidenum">
               <a:t>&lt;#&gt;</a:t>
             </a:fld>
           </a:p>
@@ -2133,8 +2187,8 @@
         </p:nvSpPr>
         <p:spPr>
           <a:xfrm>
-            <a:off x="1620000" y="216000"/>
-            <a:ext cx="8099640" cy="935640"/>
+            <a:off x="504000" y="226080"/>
+            <a:ext cx="9072000" cy="946440"/>
           </a:xfrm>
           <a:prstGeom prst="rect">
             <a:avLst/>
@@ -2149,10 +2203,10 @@
             <a:noAutofit/>
           </a:bodyPr>
           <a:p>
-            <a:pPr indent="0" algn="ctr">
+            <a:pPr indent="0">
               <a:buNone/>
             </a:pPr>
-            <a:endParaRPr b="0" lang="en-US" sz="4400" spc="-1" strike="noStrike">
+            <a:endParaRPr b="0" lang="en-US" sz="1800" spc="-1" strike="noStrike">
               <a:solidFill>
                 <a:srgbClr val="000000"/>
               </a:solidFill>
@@ -2173,8 +2227,8 @@
         </p:nvSpPr>
         <p:spPr>
           <a:xfrm>
-            <a:off x="1620000" y="1368000"/>
-            <a:ext cx="8099640" cy="3287880"/>
+            <a:off x="504000" y="1326600"/>
+            <a:ext cx="9072000" cy="3288600"/>
           </a:xfrm>
           <a:prstGeom prst="rect">
             <a:avLst/>
@@ -2235,7 +2289,7 @@
         <p:txBody>
           <a:bodyPr/>
           <a:p>
-            <a:fld id="{C958A02A-DF08-4FF6-9B5B-5ECB06892CE1}" type="slidenum">
+            <a:fld id="{24CDE016-4100-42F5-8ED7-91C10CD5E47C}" type="slidenum">
               <a:t>&lt;#&gt;</a:t>
             </a:fld>
           </a:p>
@@ -2296,8 +2350,8 @@
         </p:nvSpPr>
         <p:spPr>
           <a:xfrm>
-            <a:off x="1620000" y="216000"/>
-            <a:ext cx="8099640" cy="935640"/>
+            <a:off x="504000" y="226080"/>
+            <a:ext cx="9072000" cy="946440"/>
           </a:xfrm>
           <a:prstGeom prst="rect">
             <a:avLst/>
@@ -2312,10 +2366,10 @@
             <a:noAutofit/>
           </a:bodyPr>
           <a:p>
-            <a:pPr indent="0" algn="ctr">
+            <a:pPr indent="0">
               <a:buNone/>
             </a:pPr>
-            <a:endParaRPr b="0" lang="en-US" sz="4400" spc="-1" strike="noStrike">
+            <a:endParaRPr b="0" lang="en-US" sz="1800" spc="-1" strike="noStrike">
               <a:solidFill>
                 <a:srgbClr val="000000"/>
               </a:solidFill>
@@ -2336,8 +2390,8 @@
         </p:nvSpPr>
         <p:spPr>
           <a:xfrm>
-            <a:off x="1620000" y="1368000"/>
-            <a:ext cx="3952440" cy="3287880"/>
+            <a:off x="504000" y="1326600"/>
+            <a:ext cx="4426920" cy="3288600"/>
           </a:xfrm>
           <a:prstGeom prst="rect">
             <a:avLst/>
@@ -2353,12 +2407,15 @@
           </a:bodyPr>
           <a:p>
             <a:pPr indent="0">
+              <a:lnSpc>
+                <a:spcPct val="90000"/>
+              </a:lnSpc>
               <a:spcBef>
                 <a:spcPts val="1417"/>
               </a:spcBef>
               <a:buNone/>
             </a:pPr>
-            <a:endParaRPr b="0" lang="en-US" sz="3200" spc="-1" strike="noStrike">
+            <a:endParaRPr b="0" lang="en-US" sz="2800" spc="-1" strike="noStrike">
               <a:solidFill>
                 <a:srgbClr val="000000"/>
               </a:solidFill>
@@ -2379,8 +2436,8 @@
         </p:nvSpPr>
         <p:spPr>
           <a:xfrm>
-            <a:off x="5770440" y="1368000"/>
-            <a:ext cx="3952440" cy="1568160"/>
+            <a:off x="5152680" y="1326600"/>
+            <a:ext cx="4426920" cy="1568520"/>
           </a:xfrm>
           <a:prstGeom prst="rect">
             <a:avLst/>
@@ -2396,12 +2453,15 @@
           </a:bodyPr>
           <a:p>
             <a:pPr indent="0">
+              <a:lnSpc>
+                <a:spcPct val="90000"/>
+              </a:lnSpc>
               <a:spcBef>
                 <a:spcPts val="1417"/>
               </a:spcBef>
               <a:buNone/>
             </a:pPr>
-            <a:endParaRPr b="0" lang="en-US" sz="3200" spc="-1" strike="noStrike">
+            <a:endParaRPr b="0" lang="en-US" sz="2800" spc="-1" strike="noStrike">
               <a:solidFill>
                 <a:srgbClr val="000000"/>
               </a:solidFill>
@@ -2422,8 +2482,8 @@
         </p:nvSpPr>
         <p:spPr>
           <a:xfrm>
-            <a:off x="5770440" y="3085560"/>
-            <a:ext cx="3952440" cy="1568160"/>
+            <a:off x="5152680" y="3044520"/>
+            <a:ext cx="4426920" cy="1568520"/>
           </a:xfrm>
           <a:prstGeom prst="rect">
             <a:avLst/>
@@ -2439,12 +2499,15 @@
           </a:bodyPr>
           <a:p>
             <a:pPr indent="0">
+              <a:lnSpc>
+                <a:spcPct val="90000"/>
+              </a:lnSpc>
               <a:spcBef>
                 <a:spcPts val="1417"/>
               </a:spcBef>
               <a:buNone/>
             </a:pPr>
-            <a:endParaRPr b="0" lang="en-US" sz="3200" spc="-1" strike="noStrike">
+            <a:endParaRPr b="0" lang="en-US" sz="2800" spc="-1" strike="noStrike">
               <a:solidFill>
                 <a:srgbClr val="000000"/>
               </a:solidFill>
@@ -2487,7 +2550,7 @@
         <p:txBody>
           <a:bodyPr/>
           <a:p>
-            <a:fld id="{2A48BF8A-D9A5-416B-90B8-11277FA1BC76}" type="slidenum">
+            <a:fld id="{C8CA1036-8C6F-49C4-9DD6-E7779114E6C9}" type="slidenum">
               <a:t>&lt;#&gt;</a:t>
             </a:fld>
           </a:p>
@@ -2548,8 +2611,8 @@
         </p:nvSpPr>
         <p:spPr>
           <a:xfrm>
-            <a:off x="1620000" y="216000"/>
-            <a:ext cx="8099640" cy="935640"/>
+            <a:off x="504000" y="226080"/>
+            <a:ext cx="9072000" cy="946440"/>
           </a:xfrm>
           <a:prstGeom prst="rect">
             <a:avLst/>
@@ -2564,10 +2627,10 @@
             <a:noAutofit/>
           </a:bodyPr>
           <a:p>
-            <a:pPr indent="0" algn="ctr">
+            <a:pPr indent="0">
               <a:buNone/>
             </a:pPr>
-            <a:endParaRPr b="0" lang="en-US" sz="4400" spc="-1" strike="noStrike">
+            <a:endParaRPr b="0" lang="en-US" sz="1800" spc="-1" strike="noStrike">
               <a:solidFill>
                 <a:srgbClr val="000000"/>
               </a:solidFill>
@@ -2588,8 +2651,8 @@
         </p:nvSpPr>
         <p:spPr>
           <a:xfrm>
-            <a:off x="1620000" y="1368000"/>
-            <a:ext cx="3952440" cy="1568160"/>
+            <a:off x="504000" y="1326600"/>
+            <a:ext cx="4426920" cy="1568520"/>
           </a:xfrm>
           <a:prstGeom prst="rect">
             <a:avLst/>
@@ -2605,12 +2668,15 @@
           </a:bodyPr>
           <a:p>
             <a:pPr indent="0">
+              <a:lnSpc>
+                <a:spcPct val="90000"/>
+              </a:lnSpc>
               <a:spcBef>
                 <a:spcPts val="1417"/>
               </a:spcBef>
               <a:buNone/>
             </a:pPr>
-            <a:endParaRPr b="0" lang="en-US" sz="3200" spc="-1" strike="noStrike">
+            <a:endParaRPr b="0" lang="en-US" sz="2800" spc="-1" strike="noStrike">
               <a:solidFill>
                 <a:srgbClr val="000000"/>
               </a:solidFill>
@@ -2631,8 +2697,8 @@
         </p:nvSpPr>
         <p:spPr>
           <a:xfrm>
-            <a:off x="5770440" y="1368000"/>
-            <a:ext cx="3952440" cy="1568160"/>
+            <a:off x="5152680" y="1326600"/>
+            <a:ext cx="4426920" cy="1568520"/>
           </a:xfrm>
           <a:prstGeom prst="rect">
             <a:avLst/>
@@ -2648,12 +2714,15 @@
           </a:bodyPr>
           <a:p>
             <a:pPr indent="0">
+              <a:lnSpc>
+                <a:spcPct val="90000"/>
+              </a:lnSpc>
               <a:spcBef>
                 <a:spcPts val="1417"/>
               </a:spcBef>
               <a:buNone/>
             </a:pPr>
-            <a:endParaRPr b="0" lang="en-US" sz="3200" spc="-1" strike="noStrike">
+            <a:endParaRPr b="0" lang="en-US" sz="2800" spc="-1" strike="noStrike">
               <a:solidFill>
                 <a:srgbClr val="000000"/>
               </a:solidFill>
@@ -2674,8 +2743,8 @@
         </p:nvSpPr>
         <p:spPr>
           <a:xfrm>
-            <a:off x="1620000" y="3085560"/>
-            <a:ext cx="8099640" cy="1568160"/>
+            <a:off x="504000" y="3044520"/>
+            <a:ext cx="9072000" cy="1568520"/>
           </a:xfrm>
           <a:prstGeom prst="rect">
             <a:avLst/>
@@ -2691,12 +2760,15 @@
           </a:bodyPr>
           <a:p>
             <a:pPr indent="0">
+              <a:lnSpc>
+                <a:spcPct val="90000"/>
+              </a:lnSpc>
               <a:spcBef>
                 <a:spcPts val="1417"/>
               </a:spcBef>
               <a:buNone/>
             </a:pPr>
-            <a:endParaRPr b="0" lang="en-US" sz="3200" spc="-1" strike="noStrike">
+            <a:endParaRPr b="0" lang="en-US" sz="2800" spc="-1" strike="noStrike">
               <a:solidFill>
                 <a:srgbClr val="000000"/>
               </a:solidFill>
@@ -2739,7 +2811,7 @@
         <p:txBody>
           <a:bodyPr/>
           <a:p>
-            <a:fld id="{1AD0EC6C-2A18-4FB8-AC98-96AF12A128CB}" type="slidenum">
+            <a:fld id="{8AA5FFA1-1495-49D2-9314-96080E312B8E}" type="slidenum">
               <a:t>&lt;#&gt;</a:t>
             </a:fld>
           </a:p>
@@ -2800,8 +2872,8 @@
         </p:nvSpPr>
         <p:spPr>
           <a:xfrm>
-            <a:off x="1620000" y="216000"/>
-            <a:ext cx="8099640" cy="935640"/>
+            <a:off x="504000" y="226080"/>
+            <a:ext cx="9072000" cy="946440"/>
           </a:xfrm>
           <a:prstGeom prst="rect">
             <a:avLst/>
@@ -2816,10 +2888,10 @@
             <a:noAutofit/>
           </a:bodyPr>
           <a:p>
-            <a:pPr indent="0" algn="ctr">
+            <a:pPr indent="0">
               <a:buNone/>
             </a:pPr>
-            <a:endParaRPr b="0" lang="en-US" sz="4400" spc="-1" strike="noStrike">
+            <a:endParaRPr b="0" lang="en-US" sz="1800" spc="-1" strike="noStrike">
               <a:solidFill>
                 <a:srgbClr val="000000"/>
               </a:solidFill>
@@ -2840,8 +2912,8 @@
         </p:nvSpPr>
         <p:spPr>
           <a:xfrm>
-            <a:off x="1620000" y="1368000"/>
-            <a:ext cx="8099640" cy="1568160"/>
+            <a:off x="504000" y="1326600"/>
+            <a:ext cx="9072000" cy="1568520"/>
           </a:xfrm>
           <a:prstGeom prst="rect">
             <a:avLst/>
@@ -2857,12 +2929,15 @@
           </a:bodyPr>
           <a:p>
             <a:pPr indent="0">
+              <a:lnSpc>
+                <a:spcPct val="90000"/>
+              </a:lnSpc>
               <a:spcBef>
                 <a:spcPts val="1417"/>
               </a:spcBef>
               <a:buNone/>
             </a:pPr>
-            <a:endParaRPr b="0" lang="en-US" sz="3200" spc="-1" strike="noStrike">
+            <a:endParaRPr b="0" lang="en-US" sz="2800" spc="-1" strike="noStrike">
               <a:solidFill>
                 <a:srgbClr val="000000"/>
               </a:solidFill>
@@ -2883,8 +2958,8 @@
         </p:nvSpPr>
         <p:spPr>
           <a:xfrm>
-            <a:off x="1620000" y="3085560"/>
-            <a:ext cx="8099640" cy="1568160"/>
+            <a:off x="504000" y="3044520"/>
+            <a:ext cx="9072000" cy="1568520"/>
           </a:xfrm>
           <a:prstGeom prst="rect">
             <a:avLst/>
@@ -2900,12 +2975,15 @@
           </a:bodyPr>
           <a:p>
             <a:pPr indent="0">
+              <a:lnSpc>
+                <a:spcPct val="90000"/>
+              </a:lnSpc>
               <a:spcBef>
                 <a:spcPts val="1417"/>
               </a:spcBef>
               <a:buNone/>
             </a:pPr>
-            <a:endParaRPr b="0" lang="en-US" sz="3200" spc="-1" strike="noStrike">
+            <a:endParaRPr b="0" lang="en-US" sz="2800" spc="-1" strike="noStrike">
               <a:solidFill>
                 <a:srgbClr val="000000"/>
               </a:solidFill>
@@ -2948,7 +3026,7 @@
         <p:txBody>
           <a:bodyPr/>
           <a:p>
-            <a:fld id="{00C518BE-1D3C-4EF6-8CC6-29C5EDDFCF8F}" type="slidenum">
+            <a:fld id="{67CCA356-8509-48F1-873B-494D48AA1D58}" type="slidenum">
               <a:t>&lt;#&gt;</a:t>
             </a:fld>
           </a:p>
@@ -3009,8 +3087,8 @@
         </p:nvSpPr>
         <p:spPr>
           <a:xfrm>
-            <a:off x="1620000" y="216000"/>
-            <a:ext cx="8099640" cy="935640"/>
+            <a:off x="504000" y="226080"/>
+            <a:ext cx="9072000" cy="946440"/>
           </a:xfrm>
           <a:prstGeom prst="rect">
             <a:avLst/>
@@ -3025,10 +3103,10 @@
             <a:noAutofit/>
           </a:bodyPr>
           <a:p>
-            <a:pPr indent="0" algn="ctr">
+            <a:pPr indent="0">
               <a:buNone/>
             </a:pPr>
-            <a:endParaRPr b="0" lang="en-US" sz="4400" spc="-1" strike="noStrike">
+            <a:endParaRPr b="0" lang="en-US" sz="1800" spc="-1" strike="noStrike">
               <a:solidFill>
                 <a:srgbClr val="000000"/>
               </a:solidFill>
@@ -3049,8 +3127,8 @@
         </p:nvSpPr>
         <p:spPr>
           <a:xfrm>
-            <a:off x="1620000" y="1368000"/>
-            <a:ext cx="3952440" cy="1568160"/>
+            <a:off x="504000" y="1326600"/>
+            <a:ext cx="4426920" cy="1568520"/>
           </a:xfrm>
           <a:prstGeom prst="rect">
             <a:avLst/>
@@ -3066,12 +3144,15 @@
           </a:bodyPr>
           <a:p>
             <a:pPr indent="0">
+              <a:lnSpc>
+                <a:spcPct val="90000"/>
+              </a:lnSpc>
               <a:spcBef>
                 <a:spcPts val="1417"/>
               </a:spcBef>
               <a:buNone/>
             </a:pPr>
-            <a:endParaRPr b="0" lang="en-US" sz="3200" spc="-1" strike="noStrike">
+            <a:endParaRPr b="0" lang="en-US" sz="2800" spc="-1" strike="noStrike">
               <a:solidFill>
                 <a:srgbClr val="000000"/>
               </a:solidFill>
@@ -3092,8 +3173,8 @@
         </p:nvSpPr>
         <p:spPr>
           <a:xfrm>
-            <a:off x="5770440" y="1368000"/>
-            <a:ext cx="3952440" cy="1568160"/>
+            <a:off x="5152680" y="1326600"/>
+            <a:ext cx="4426920" cy="1568520"/>
           </a:xfrm>
           <a:prstGeom prst="rect">
             <a:avLst/>
@@ -3109,12 +3190,15 @@
           </a:bodyPr>
           <a:p>
             <a:pPr indent="0">
+              <a:lnSpc>
+                <a:spcPct val="90000"/>
+              </a:lnSpc>
               <a:spcBef>
                 <a:spcPts val="1417"/>
               </a:spcBef>
               <a:buNone/>
             </a:pPr>
-            <a:endParaRPr b="0" lang="en-US" sz="3200" spc="-1" strike="noStrike">
+            <a:endParaRPr b="0" lang="en-US" sz="2800" spc="-1" strike="noStrike">
               <a:solidFill>
                 <a:srgbClr val="000000"/>
               </a:solidFill>
@@ -3135,8 +3219,8 @@
         </p:nvSpPr>
         <p:spPr>
           <a:xfrm>
-            <a:off x="1620000" y="3085560"/>
-            <a:ext cx="3952440" cy="1568160"/>
+            <a:off x="504000" y="3044520"/>
+            <a:ext cx="4426920" cy="1568520"/>
           </a:xfrm>
           <a:prstGeom prst="rect">
             <a:avLst/>
@@ -3152,12 +3236,15 @@
           </a:bodyPr>
           <a:p>
             <a:pPr indent="0">
+              <a:lnSpc>
+                <a:spcPct val="90000"/>
+              </a:lnSpc>
               <a:spcBef>
                 <a:spcPts val="1417"/>
               </a:spcBef>
               <a:buNone/>
             </a:pPr>
-            <a:endParaRPr b="0" lang="en-US" sz="3200" spc="-1" strike="noStrike">
+            <a:endParaRPr b="0" lang="en-US" sz="2800" spc="-1" strike="noStrike">
               <a:solidFill>
                 <a:srgbClr val="000000"/>
               </a:solidFill>
@@ -3178,8 +3265,8 @@
         </p:nvSpPr>
         <p:spPr>
           <a:xfrm>
-            <a:off x="5770440" y="3085560"/>
-            <a:ext cx="3952440" cy="1568160"/>
+            <a:off x="5152680" y="3044520"/>
+            <a:ext cx="4426920" cy="1568520"/>
           </a:xfrm>
           <a:prstGeom prst="rect">
             <a:avLst/>
@@ -3195,12 +3282,15 @@
           </a:bodyPr>
           <a:p>
             <a:pPr indent="0">
+              <a:lnSpc>
+                <a:spcPct val="90000"/>
+              </a:lnSpc>
               <a:spcBef>
                 <a:spcPts val="1417"/>
               </a:spcBef>
               <a:buNone/>
             </a:pPr>
-            <a:endParaRPr b="0" lang="en-US" sz="3200" spc="-1" strike="noStrike">
+            <a:endParaRPr b="0" lang="en-US" sz="2800" spc="-1" strike="noStrike">
               <a:solidFill>
                 <a:srgbClr val="000000"/>
               </a:solidFill>
@@ -3243,7 +3333,7 @@
         <p:txBody>
           <a:bodyPr/>
           <a:p>
-            <a:fld id="{91D09CF3-8ABE-4F3E-A98B-5262071303BA}" type="slidenum">
+            <a:fld id="{C9AF102A-5EB8-4E10-A7CA-C28392BE3913}" type="slidenum">
               <a:t>&lt;#&gt;</a:t>
             </a:fld>
           </a:p>
@@ -3304,8 +3394,8 @@
         </p:nvSpPr>
         <p:spPr>
           <a:xfrm>
-            <a:off x="1620000" y="216000"/>
-            <a:ext cx="8099640" cy="935640"/>
+            <a:off x="504000" y="226080"/>
+            <a:ext cx="9072000" cy="946440"/>
           </a:xfrm>
           <a:prstGeom prst="rect">
             <a:avLst/>
@@ -3320,10 +3410,10 @@
             <a:noAutofit/>
           </a:bodyPr>
           <a:p>
-            <a:pPr indent="0" algn="ctr">
+            <a:pPr indent="0">
               <a:buNone/>
             </a:pPr>
-            <a:endParaRPr b="0" lang="en-US" sz="4400" spc="-1" strike="noStrike">
+            <a:endParaRPr b="0" lang="en-US" sz="1800" spc="-1" strike="noStrike">
               <a:solidFill>
                 <a:srgbClr val="000000"/>
               </a:solidFill>
@@ -3344,8 +3434,8 @@
         </p:nvSpPr>
         <p:spPr>
           <a:xfrm>
-            <a:off x="1620000" y="1368000"/>
-            <a:ext cx="2607840" cy="1568160"/>
+            <a:off x="504000" y="1326600"/>
+            <a:ext cx="2921040" cy="1568520"/>
           </a:xfrm>
           <a:prstGeom prst="rect">
             <a:avLst/>
@@ -3361,12 +3451,15 @@
           </a:bodyPr>
           <a:p>
             <a:pPr indent="0">
+              <a:lnSpc>
+                <a:spcPct val="90000"/>
+              </a:lnSpc>
               <a:spcBef>
                 <a:spcPts val="1417"/>
               </a:spcBef>
               <a:buNone/>
             </a:pPr>
-            <a:endParaRPr b="0" lang="en-US" sz="3200" spc="-1" strike="noStrike">
+            <a:endParaRPr b="0" lang="en-US" sz="2800" spc="-1" strike="noStrike">
               <a:solidFill>
                 <a:srgbClr val="000000"/>
               </a:solidFill>
@@ -3387,8 +3480,8 @@
         </p:nvSpPr>
         <p:spPr>
           <a:xfrm>
-            <a:off x="4358520" y="1368000"/>
-            <a:ext cx="2607840" cy="1568160"/>
+            <a:off x="3571560" y="1326600"/>
+            <a:ext cx="2921040" cy="1568520"/>
           </a:xfrm>
           <a:prstGeom prst="rect">
             <a:avLst/>
@@ -3404,12 +3497,15 @@
           </a:bodyPr>
           <a:p>
             <a:pPr indent="0">
+              <a:lnSpc>
+                <a:spcPct val="90000"/>
+              </a:lnSpc>
               <a:spcBef>
                 <a:spcPts val="1417"/>
               </a:spcBef>
               <a:buNone/>
             </a:pPr>
-            <a:endParaRPr b="0" lang="en-US" sz="3200" spc="-1" strike="noStrike">
+            <a:endParaRPr b="0" lang="en-US" sz="2800" spc="-1" strike="noStrike">
               <a:solidFill>
                 <a:srgbClr val="000000"/>
               </a:solidFill>
@@ -3430,8 +3526,8 @@
         </p:nvSpPr>
         <p:spPr>
           <a:xfrm>
-            <a:off x="7097400" y="1368000"/>
-            <a:ext cx="2607840" cy="1568160"/>
+            <a:off x="6639120" y="1326600"/>
+            <a:ext cx="2921040" cy="1568520"/>
           </a:xfrm>
           <a:prstGeom prst="rect">
             <a:avLst/>
@@ -3447,12 +3543,15 @@
           </a:bodyPr>
           <a:p>
             <a:pPr indent="0">
+              <a:lnSpc>
+                <a:spcPct val="90000"/>
+              </a:lnSpc>
               <a:spcBef>
                 <a:spcPts val="1417"/>
               </a:spcBef>
               <a:buNone/>
             </a:pPr>
-            <a:endParaRPr b="0" lang="en-US" sz="3200" spc="-1" strike="noStrike">
+            <a:endParaRPr b="0" lang="en-US" sz="2800" spc="-1" strike="noStrike">
               <a:solidFill>
                 <a:srgbClr val="000000"/>
               </a:solidFill>
@@ -3473,8 +3572,8 @@
         </p:nvSpPr>
         <p:spPr>
           <a:xfrm>
-            <a:off x="1620000" y="3085560"/>
-            <a:ext cx="2607840" cy="1568160"/>
+            <a:off x="504000" y="3044520"/>
+            <a:ext cx="2921040" cy="1568520"/>
           </a:xfrm>
           <a:prstGeom prst="rect">
             <a:avLst/>
@@ -3490,12 +3589,15 @@
           </a:bodyPr>
           <a:p>
             <a:pPr indent="0">
+              <a:lnSpc>
+                <a:spcPct val="90000"/>
+              </a:lnSpc>
               <a:spcBef>
                 <a:spcPts val="1417"/>
               </a:spcBef>
               <a:buNone/>
             </a:pPr>
-            <a:endParaRPr b="0" lang="en-US" sz="3200" spc="-1" strike="noStrike">
+            <a:endParaRPr b="0" lang="en-US" sz="2800" spc="-1" strike="noStrike">
               <a:solidFill>
                 <a:srgbClr val="000000"/>
               </a:solidFill>
@@ -3516,8 +3618,8 @@
         </p:nvSpPr>
         <p:spPr>
           <a:xfrm>
-            <a:off x="4358520" y="3085560"/>
-            <a:ext cx="2607840" cy="1568160"/>
+            <a:off x="3571560" y="3044520"/>
+            <a:ext cx="2921040" cy="1568520"/>
           </a:xfrm>
           <a:prstGeom prst="rect">
             <a:avLst/>
@@ -3533,12 +3635,15 @@
           </a:bodyPr>
           <a:p>
             <a:pPr indent="0">
+              <a:lnSpc>
+                <a:spcPct val="90000"/>
+              </a:lnSpc>
               <a:spcBef>
                 <a:spcPts val="1417"/>
               </a:spcBef>
               <a:buNone/>
             </a:pPr>
-            <a:endParaRPr b="0" lang="en-US" sz="3200" spc="-1" strike="noStrike">
+            <a:endParaRPr b="0" lang="en-US" sz="2800" spc="-1" strike="noStrike">
               <a:solidFill>
                 <a:srgbClr val="000000"/>
               </a:solidFill>
@@ -3559,8 +3664,8 @@
         </p:nvSpPr>
         <p:spPr>
           <a:xfrm>
-            <a:off x="7097400" y="3085560"/>
-            <a:ext cx="2607840" cy="1568160"/>
+            <a:off x="6639120" y="3044520"/>
+            <a:ext cx="2921040" cy="1568520"/>
           </a:xfrm>
           <a:prstGeom prst="rect">
             <a:avLst/>
@@ -3576,12 +3681,15 @@
           </a:bodyPr>
           <a:p>
             <a:pPr indent="0">
+              <a:lnSpc>
+                <a:spcPct val="90000"/>
+              </a:lnSpc>
               <a:spcBef>
                 <a:spcPts val="1417"/>
               </a:spcBef>
               <a:buNone/>
             </a:pPr>
-            <a:endParaRPr b="0" lang="en-US" sz="3200" spc="-1" strike="noStrike">
+            <a:endParaRPr b="0" lang="en-US" sz="2800" spc="-1" strike="noStrike">
               <a:solidFill>
                 <a:srgbClr val="000000"/>
               </a:solidFill>
@@ -3624,7 +3732,7 @@
         <p:txBody>
           <a:bodyPr/>
           <a:p>
-            <a:fld id="{445907B0-5E3B-4A45-B813-4312D31E8AC2}" type="slidenum">
+            <a:fld id="{7CDD6051-8BAD-4F4D-8920-AB0A81847C37}" type="slidenum">
               <a:t>&lt;#&gt;</a:t>
             </a:fld>
           </a:p>
@@ -3685,8 +3793,8 @@
         </p:nvSpPr>
         <p:spPr>
           <a:xfrm>
-            <a:off x="1620000" y="216000"/>
-            <a:ext cx="8099640" cy="935640"/>
+            <a:off x="504000" y="226080"/>
+            <a:ext cx="9072000" cy="946440"/>
           </a:xfrm>
           <a:prstGeom prst="rect">
             <a:avLst/>
@@ -3701,10 +3809,10 @@
             <a:noAutofit/>
           </a:bodyPr>
           <a:p>
-            <a:pPr indent="0" algn="ctr">
+            <a:pPr indent="0">
               <a:buNone/>
             </a:pPr>
-            <a:endParaRPr b="0" lang="en-US" sz="4400" spc="-1" strike="noStrike">
+            <a:endParaRPr b="0" lang="en-US" sz="1800" spc="-1" strike="noStrike">
               <a:solidFill>
                 <a:srgbClr val="000000"/>
               </a:solidFill>
@@ -3725,8 +3833,8 @@
         </p:nvSpPr>
         <p:spPr>
           <a:xfrm>
-            <a:off x="1620000" y="1368000"/>
-            <a:ext cx="8099640" cy="3287880"/>
+            <a:off x="504000" y="1326600"/>
+            <a:ext cx="9072000" cy="3288600"/>
           </a:xfrm>
           <a:prstGeom prst="rect">
             <a:avLst/>
@@ -3742,12 +3850,15 @@
           </a:bodyPr>
           <a:p>
             <a:pPr indent="0">
+              <a:lnSpc>
+                <a:spcPct val="90000"/>
+              </a:lnSpc>
               <a:spcBef>
                 <a:spcPts val="1417"/>
               </a:spcBef>
               <a:buNone/>
             </a:pPr>
-            <a:endParaRPr b="0" lang="en-US" sz="3200" spc="-1" strike="noStrike">
+            <a:endParaRPr b="0" lang="en-US" sz="2800" spc="-1" strike="noStrike">
               <a:solidFill>
                 <a:srgbClr val="000000"/>
               </a:solidFill>
@@ -3790,7 +3901,7 @@
         <p:txBody>
           <a:bodyPr/>
           <a:p>
-            <a:fld id="{8123EF01-BD1D-4780-9051-B6AB5D044A1F}" type="slidenum">
+            <a:fld id="{39FBD22B-7A9B-43E9-A422-CC0006246261}" type="slidenum">
               <a:t>&lt;#&gt;</a:t>
             </a:fld>
           </a:p>
@@ -3851,8 +3962,8 @@
         </p:nvSpPr>
         <p:spPr>
           <a:xfrm>
-            <a:off x="1620000" y="216000"/>
-            <a:ext cx="8099640" cy="935640"/>
+            <a:off x="504000" y="226080"/>
+            <a:ext cx="9072000" cy="946440"/>
           </a:xfrm>
           <a:prstGeom prst="rect">
             <a:avLst/>
@@ -3867,10 +3978,10 @@
             <a:noAutofit/>
           </a:bodyPr>
           <a:p>
-            <a:pPr indent="0" algn="ctr">
+            <a:pPr indent="0">
               <a:buNone/>
             </a:pPr>
-            <a:endParaRPr b="0" lang="en-US" sz="4400" spc="-1" strike="noStrike">
+            <a:endParaRPr b="0" lang="en-US" sz="1800" spc="-1" strike="noStrike">
               <a:solidFill>
                 <a:srgbClr val="000000"/>
               </a:solidFill>
@@ -3891,8 +4002,8 @@
         </p:nvSpPr>
         <p:spPr>
           <a:xfrm>
-            <a:off x="1620000" y="1368000"/>
-            <a:ext cx="3952440" cy="3287880"/>
+            <a:off x="504000" y="1326600"/>
+            <a:ext cx="4426920" cy="3288600"/>
           </a:xfrm>
           <a:prstGeom prst="rect">
             <a:avLst/>
@@ -3908,12 +4019,15 @@
           </a:bodyPr>
           <a:p>
             <a:pPr indent="0">
+              <a:lnSpc>
+                <a:spcPct val="90000"/>
+              </a:lnSpc>
               <a:spcBef>
                 <a:spcPts val="1417"/>
               </a:spcBef>
               <a:buNone/>
             </a:pPr>
-            <a:endParaRPr b="0" lang="en-US" sz="3200" spc="-1" strike="noStrike">
+            <a:endParaRPr b="0" lang="en-US" sz="2800" spc="-1" strike="noStrike">
               <a:solidFill>
                 <a:srgbClr val="000000"/>
               </a:solidFill>
@@ -3934,8 +4048,8 @@
         </p:nvSpPr>
         <p:spPr>
           <a:xfrm>
-            <a:off x="5770440" y="1368000"/>
-            <a:ext cx="3952440" cy="3287880"/>
+            <a:off x="5152680" y="1326600"/>
+            <a:ext cx="4426920" cy="3288600"/>
           </a:xfrm>
           <a:prstGeom prst="rect">
             <a:avLst/>
@@ -3951,12 +4065,15 @@
           </a:bodyPr>
           <a:p>
             <a:pPr indent="0">
+              <a:lnSpc>
+                <a:spcPct val="90000"/>
+              </a:lnSpc>
               <a:spcBef>
                 <a:spcPts val="1417"/>
               </a:spcBef>
               <a:buNone/>
             </a:pPr>
-            <a:endParaRPr b="0" lang="en-US" sz="3200" spc="-1" strike="noStrike">
+            <a:endParaRPr b="0" lang="en-US" sz="2800" spc="-1" strike="noStrike">
               <a:solidFill>
                 <a:srgbClr val="000000"/>
               </a:solidFill>
@@ -3999,7 +4116,7 @@
         <p:txBody>
           <a:bodyPr/>
           <a:p>
-            <a:fld id="{E6DAE684-7251-4D94-8888-ED7185153B2C}" type="slidenum">
+            <a:fld id="{FAE40204-4CA7-45CF-92AE-BA31251739B7}" type="slidenum">
               <a:t>&lt;#&gt;</a:t>
             </a:fld>
           </a:p>
@@ -4060,8 +4177,8 @@
         </p:nvSpPr>
         <p:spPr>
           <a:xfrm>
-            <a:off x="1620000" y="216000"/>
-            <a:ext cx="8099640" cy="935640"/>
+            <a:off x="504000" y="226080"/>
+            <a:ext cx="9072000" cy="946440"/>
           </a:xfrm>
           <a:prstGeom prst="rect">
             <a:avLst/>
@@ -4076,10 +4193,10 @@
             <a:noAutofit/>
           </a:bodyPr>
           <a:p>
-            <a:pPr indent="0" algn="ctr">
+            <a:pPr indent="0">
               <a:buNone/>
             </a:pPr>
-            <a:endParaRPr b="0" lang="en-US" sz="4400" spc="-1" strike="noStrike">
+            <a:endParaRPr b="0" lang="en-US" sz="1800" spc="-1" strike="noStrike">
               <a:solidFill>
                 <a:srgbClr val="000000"/>
               </a:solidFill>
@@ -4122,7 +4239,7 @@
         <p:txBody>
           <a:bodyPr/>
           <a:p>
-            <a:fld id="{6EC952C5-B497-44E5-B386-C5D240272697}" type="slidenum">
+            <a:fld id="{5EBA21D0-5BDA-43D3-8BF2-E7F535CE6277}" type="slidenum">
               <a:t>&lt;#&gt;</a:t>
             </a:fld>
           </a:p>
@@ -4183,8 +4300,8 @@
         </p:nvSpPr>
         <p:spPr>
           <a:xfrm>
-            <a:off x="1620000" y="216000"/>
-            <a:ext cx="8099640" cy="4338360"/>
+            <a:off x="504000" y="226080"/>
+            <a:ext cx="9072000" cy="4388400"/>
           </a:xfrm>
           <a:prstGeom prst="rect">
             <a:avLst/>
@@ -4243,7 +4360,7 @@
         <p:txBody>
           <a:bodyPr/>
           <a:p>
-            <a:fld id="{7CD3C25A-0496-418C-8C11-F2FEB2D48551}" type="slidenum">
+            <a:fld id="{23392B5A-73D9-4BFF-A484-A9078293ADBC}" type="slidenum">
               <a:t>&lt;#&gt;</a:t>
             </a:fld>
           </a:p>
@@ -4304,8 +4421,8 @@
         </p:nvSpPr>
         <p:spPr>
           <a:xfrm>
-            <a:off x="1620000" y="216000"/>
-            <a:ext cx="8099640" cy="935640"/>
+            <a:off x="504000" y="226080"/>
+            <a:ext cx="9072000" cy="946440"/>
           </a:xfrm>
           <a:prstGeom prst="rect">
             <a:avLst/>
@@ -4320,10 +4437,10 @@
             <a:noAutofit/>
           </a:bodyPr>
           <a:p>
-            <a:pPr indent="0" algn="ctr">
+            <a:pPr indent="0">
               <a:buNone/>
             </a:pPr>
-            <a:endParaRPr b="0" lang="en-US" sz="4400" spc="-1" strike="noStrike">
+            <a:endParaRPr b="0" lang="en-US" sz="1800" spc="-1" strike="noStrike">
               <a:solidFill>
                 <a:srgbClr val="000000"/>
               </a:solidFill>
@@ -4344,8 +4461,8 @@
         </p:nvSpPr>
         <p:spPr>
           <a:xfrm>
-            <a:off x="1620000" y="1368000"/>
-            <a:ext cx="3952440" cy="1568160"/>
+            <a:off x="504000" y="1326600"/>
+            <a:ext cx="4426920" cy="1568520"/>
           </a:xfrm>
           <a:prstGeom prst="rect">
             <a:avLst/>
@@ -4361,12 +4478,15 @@
           </a:bodyPr>
           <a:p>
             <a:pPr indent="0">
+              <a:lnSpc>
+                <a:spcPct val="90000"/>
+              </a:lnSpc>
               <a:spcBef>
                 <a:spcPts val="1417"/>
               </a:spcBef>
               <a:buNone/>
             </a:pPr>
-            <a:endParaRPr b="0" lang="en-US" sz="3200" spc="-1" strike="noStrike">
+            <a:endParaRPr b="0" lang="en-US" sz="2800" spc="-1" strike="noStrike">
               <a:solidFill>
                 <a:srgbClr val="000000"/>
               </a:solidFill>
@@ -4387,8 +4507,8 @@
         </p:nvSpPr>
         <p:spPr>
           <a:xfrm>
-            <a:off x="5770440" y="1368000"/>
-            <a:ext cx="3952440" cy="3287880"/>
+            <a:off x="5152680" y="1326600"/>
+            <a:ext cx="4426920" cy="3288600"/>
           </a:xfrm>
           <a:prstGeom prst="rect">
             <a:avLst/>
@@ -4404,12 +4524,15 @@
           </a:bodyPr>
           <a:p>
             <a:pPr indent="0">
+              <a:lnSpc>
+                <a:spcPct val="90000"/>
+              </a:lnSpc>
               <a:spcBef>
                 <a:spcPts val="1417"/>
               </a:spcBef>
               <a:buNone/>
             </a:pPr>
-            <a:endParaRPr b="0" lang="en-US" sz="3200" spc="-1" strike="noStrike">
+            <a:endParaRPr b="0" lang="en-US" sz="2800" spc="-1" strike="noStrike">
               <a:solidFill>
                 <a:srgbClr val="000000"/>
               </a:solidFill>
@@ -4430,8 +4553,8 @@
         </p:nvSpPr>
         <p:spPr>
           <a:xfrm>
-            <a:off x="1620000" y="3085560"/>
-            <a:ext cx="3952440" cy="1568160"/>
+            <a:off x="504000" y="3044520"/>
+            <a:ext cx="4426920" cy="1568520"/>
           </a:xfrm>
           <a:prstGeom prst="rect">
             <a:avLst/>
@@ -4447,12 +4570,15 @@
           </a:bodyPr>
           <a:p>
             <a:pPr indent="0">
+              <a:lnSpc>
+                <a:spcPct val="90000"/>
+              </a:lnSpc>
               <a:spcBef>
                 <a:spcPts val="1417"/>
               </a:spcBef>
               <a:buNone/>
             </a:pPr>
-            <a:endParaRPr b="0" lang="en-US" sz="3200" spc="-1" strike="noStrike">
+            <a:endParaRPr b="0" lang="en-US" sz="2800" spc="-1" strike="noStrike">
               <a:solidFill>
                 <a:srgbClr val="000000"/>
               </a:solidFill>
@@ -4495,7 +4621,7 @@
         <p:txBody>
           <a:bodyPr/>
           <a:p>
-            <a:fld id="{BECBD50C-CC5C-4C8C-A484-C191D0C4D6B1}" type="slidenum">
+            <a:fld id="{5B6CB46D-9BD7-4227-85D7-7DCA694F0AFB}" type="slidenum">
               <a:t>&lt;#&gt;</a:t>
             </a:fld>
           </a:p>
@@ -4556,8 +4682,8 @@
         </p:nvSpPr>
         <p:spPr>
           <a:xfrm>
-            <a:off x="1620000" y="216000"/>
-            <a:ext cx="8099640" cy="935640"/>
+            <a:off x="504000" y="226080"/>
+            <a:ext cx="9072000" cy="946440"/>
           </a:xfrm>
           <a:prstGeom prst="rect">
             <a:avLst/>
@@ -4572,10 +4698,10 @@
             <a:noAutofit/>
           </a:bodyPr>
           <a:p>
-            <a:pPr indent="0" algn="ctr">
+            <a:pPr indent="0">
               <a:buNone/>
             </a:pPr>
-            <a:endParaRPr b="0" lang="en-US" sz="4400" spc="-1" strike="noStrike">
+            <a:endParaRPr b="0" lang="en-US" sz="1800" spc="-1" strike="noStrike">
               <a:solidFill>
                 <a:srgbClr val="000000"/>
               </a:solidFill>
@@ -4596,8 +4722,8 @@
         </p:nvSpPr>
         <p:spPr>
           <a:xfrm>
-            <a:off x="1620000" y="1368000"/>
-            <a:ext cx="3952440" cy="3287880"/>
+            <a:off x="504000" y="1326600"/>
+            <a:ext cx="4426920" cy="3288600"/>
           </a:xfrm>
           <a:prstGeom prst="rect">
             <a:avLst/>
@@ -4613,12 +4739,15 @@
           </a:bodyPr>
           <a:p>
             <a:pPr indent="0">
+              <a:lnSpc>
+                <a:spcPct val="90000"/>
+              </a:lnSpc>
               <a:spcBef>
                 <a:spcPts val="1417"/>
               </a:spcBef>
               <a:buNone/>
             </a:pPr>
-            <a:endParaRPr b="0" lang="en-US" sz="3200" spc="-1" strike="noStrike">
+            <a:endParaRPr b="0" lang="en-US" sz="2800" spc="-1" strike="noStrike">
               <a:solidFill>
                 <a:srgbClr val="000000"/>
               </a:solidFill>
@@ -4639,8 +4768,8 @@
         </p:nvSpPr>
         <p:spPr>
           <a:xfrm>
-            <a:off x="5770440" y="1368000"/>
-            <a:ext cx="3952440" cy="1568160"/>
+            <a:off x="5152680" y="1326600"/>
+            <a:ext cx="4426920" cy="1568520"/>
           </a:xfrm>
           <a:prstGeom prst="rect">
             <a:avLst/>
@@ -4656,12 +4785,15 @@
           </a:bodyPr>
           <a:p>
             <a:pPr indent="0">
+              <a:lnSpc>
+                <a:spcPct val="90000"/>
+              </a:lnSpc>
               <a:spcBef>
                 <a:spcPts val="1417"/>
               </a:spcBef>
               <a:buNone/>
             </a:pPr>
-            <a:endParaRPr b="0" lang="en-US" sz="3200" spc="-1" strike="noStrike">
+            <a:endParaRPr b="0" lang="en-US" sz="2800" spc="-1" strike="noStrike">
               <a:solidFill>
                 <a:srgbClr val="000000"/>
               </a:solidFill>
@@ -4682,8 +4814,8 @@
         </p:nvSpPr>
         <p:spPr>
           <a:xfrm>
-            <a:off x="5770440" y="3085560"/>
-            <a:ext cx="3952440" cy="1568160"/>
+            <a:off x="5152680" y="3044520"/>
+            <a:ext cx="4426920" cy="1568520"/>
           </a:xfrm>
           <a:prstGeom prst="rect">
             <a:avLst/>
@@ -4699,12 +4831,15 @@
           </a:bodyPr>
           <a:p>
             <a:pPr indent="0">
+              <a:lnSpc>
+                <a:spcPct val="90000"/>
+              </a:lnSpc>
               <a:spcBef>
                 <a:spcPts val="1417"/>
               </a:spcBef>
               <a:buNone/>
             </a:pPr>
-            <a:endParaRPr b="0" lang="en-US" sz="3200" spc="-1" strike="noStrike">
+            <a:endParaRPr b="0" lang="en-US" sz="2800" spc="-1" strike="noStrike">
               <a:solidFill>
                 <a:srgbClr val="000000"/>
               </a:solidFill>
@@ -4747,7 +4882,7 @@
         <p:txBody>
           <a:bodyPr/>
           <a:p>
-            <a:fld id="{5D224443-6F46-41DF-831D-46F85099B0F4}" type="slidenum">
+            <a:fld id="{96F9E968-F3AF-4A4C-A489-B75F2E7E4E85}" type="slidenum">
               <a:t>&lt;#&gt;</a:t>
             </a:fld>
           </a:p>
@@ -4808,8 +4943,8 @@
         </p:nvSpPr>
         <p:spPr>
           <a:xfrm>
-            <a:off x="1620000" y="216000"/>
-            <a:ext cx="8099640" cy="935640"/>
+            <a:off x="504000" y="226080"/>
+            <a:ext cx="9072000" cy="946440"/>
           </a:xfrm>
           <a:prstGeom prst="rect">
             <a:avLst/>
@@ -4824,10 +4959,10 @@
             <a:noAutofit/>
           </a:bodyPr>
           <a:p>
-            <a:pPr indent="0" algn="ctr">
+            <a:pPr indent="0">
               <a:buNone/>
             </a:pPr>
-            <a:endParaRPr b="0" lang="en-US" sz="4400" spc="-1" strike="noStrike">
+            <a:endParaRPr b="0" lang="en-US" sz="1800" spc="-1" strike="noStrike">
               <a:solidFill>
                 <a:srgbClr val="000000"/>
               </a:solidFill>
@@ -4848,8 +4983,8 @@
         </p:nvSpPr>
         <p:spPr>
           <a:xfrm>
-            <a:off x="1620000" y="1368000"/>
-            <a:ext cx="3952440" cy="1568160"/>
+            <a:off x="504000" y="1326600"/>
+            <a:ext cx="4426920" cy="1568520"/>
           </a:xfrm>
           <a:prstGeom prst="rect">
             <a:avLst/>
@@ -4865,12 +5000,15 @@
           </a:bodyPr>
           <a:p>
             <a:pPr indent="0">
+              <a:lnSpc>
+                <a:spcPct val="90000"/>
+              </a:lnSpc>
               <a:spcBef>
                 <a:spcPts val="1417"/>
               </a:spcBef>
               <a:buNone/>
             </a:pPr>
-            <a:endParaRPr b="0" lang="en-US" sz="3200" spc="-1" strike="noStrike">
+            <a:endParaRPr b="0" lang="en-US" sz="2800" spc="-1" strike="noStrike">
               <a:solidFill>
                 <a:srgbClr val="000000"/>
               </a:solidFill>
@@ -4891,8 +5029,8 @@
         </p:nvSpPr>
         <p:spPr>
           <a:xfrm>
-            <a:off x="5770440" y="1368000"/>
-            <a:ext cx="3952440" cy="1568160"/>
+            <a:off x="5152680" y="1326600"/>
+            <a:ext cx="4426920" cy="1568520"/>
           </a:xfrm>
           <a:prstGeom prst="rect">
             <a:avLst/>
@@ -4908,12 +5046,15 @@
           </a:bodyPr>
           <a:p>
             <a:pPr indent="0">
+              <a:lnSpc>
+                <a:spcPct val="90000"/>
+              </a:lnSpc>
               <a:spcBef>
                 <a:spcPts val="1417"/>
               </a:spcBef>
               <a:buNone/>
             </a:pPr>
-            <a:endParaRPr b="0" lang="en-US" sz="3200" spc="-1" strike="noStrike">
+            <a:endParaRPr b="0" lang="en-US" sz="2800" spc="-1" strike="noStrike">
               <a:solidFill>
                 <a:srgbClr val="000000"/>
               </a:solidFill>
@@ -4934,8 +5075,8 @@
         </p:nvSpPr>
         <p:spPr>
           <a:xfrm>
-            <a:off x="1620000" y="3085560"/>
-            <a:ext cx="8099640" cy="1568160"/>
+            <a:off x="504000" y="3044520"/>
+            <a:ext cx="9072000" cy="1568520"/>
           </a:xfrm>
           <a:prstGeom prst="rect">
             <a:avLst/>
@@ -4951,12 +5092,15 @@
           </a:bodyPr>
           <a:p>
             <a:pPr indent="0">
+              <a:lnSpc>
+                <a:spcPct val="90000"/>
+              </a:lnSpc>
               <a:spcBef>
                 <a:spcPts val="1417"/>
               </a:spcBef>
               <a:buNone/>
             </a:pPr>
-            <a:endParaRPr b="0" lang="en-US" sz="3200" spc="-1" strike="noStrike">
+            <a:endParaRPr b="0" lang="en-US" sz="2800" spc="-1" strike="noStrike">
               <a:solidFill>
                 <a:srgbClr val="000000"/>
               </a:solidFill>
@@ -4999,7 +5143,7 @@
         <p:txBody>
           <a:bodyPr/>
           <a:p>
-            <a:fld id="{A03A7258-4F87-4311-841B-8D49D6620A38}" type="slidenum">
+            <a:fld id="{FAD8A1DB-9161-4DE5-B53D-0F253261DEB1}" type="slidenum">
               <a:t>&lt;#&gt;</a:t>
             </a:fld>
           </a:p>
@@ -5034,6 +5178,13 @@
 <file path=ppt/slideMasters/slideMaster1.xml><?xml version="1.0" encoding="utf-8"?>
 <p:sldMaster xmlns:a="http://schemas.openxmlformats.org/drawingml/2006/main" xmlns:p="http://schemas.openxmlformats.org/presentationml/2006/main" xmlns:r="http://schemas.openxmlformats.org/officeDocument/2006/relationships" xmlns:p14="http://schemas.microsoft.com/office/powerpoint/2010/main" xmlns:p15="http://schemas.microsoft.com/office/powerpoint/2012/main" xmlns:mc="http://schemas.openxmlformats.org/markup-compatibility/2006">
   <p:cSld>
+    <p:bg>
+      <p:bgPr>
+        <a:solidFill>
+          <a:srgbClr val="ffffff"/>
+        </a:solidFill>
+      </p:bgPr>
+    </p:bg>
     <p:spTree>
       <p:nvGrpSpPr>
         <p:cNvPr id="1" name=""/>
@@ -5050,18 +5201,18 @@
       </p:grpSpPr>
       <p:cxnSp>
         <p:nvCxnSpPr>
-          <p:cNvPr id="0" name=""/>
+          <p:cNvPr id="0" name="Elbow Connector 85"/>
           <p:cNvCxnSpPr/>
           <p:nvPr/>
         </p:nvCxnSpPr>
         <p:spPr>
           <a:xfrm>
             <a:off x="540000" y="306360"/>
-            <a:ext cx="720720" cy="720"/>
+            <a:ext cx="721080" cy="1080"/>
           </a:xfrm>
           <a:prstGeom prst="bentConnector3">
             <a:avLst>
-              <a:gd name="adj1" fmla="val 50024"/>
+              <a:gd name="adj1" fmla="val 50000"/>
             </a:avLst>
           </a:prstGeom>
           <a:ln w="18000">
@@ -5074,7 +5225,7 @@
       </p:cxnSp>
       <p:cxnSp>
         <p:nvCxnSpPr>
-          <p:cNvPr id="1" name=""/>
+          <p:cNvPr id="1" name="Elbow Connector 86"/>
           <p:cNvCxnSpPr>
             <a:stCxn id="2" idx="6"/>
             <a:endCxn id="3" idx="2"/>
@@ -5083,8 +5234,8 @@
         </p:nvCxnSpPr>
         <p:spPr>
           <a:xfrm>
-            <a:off x="719640" y="486360"/>
-            <a:ext cx="360720" cy="360"/>
+            <a:off x="719280" y="486000"/>
+            <a:ext cx="361080" cy="360"/>
           </a:xfrm>
           <a:prstGeom prst="bentConnector2">
             <a:avLst/>
@@ -5099,20 +5250,19 @@
       </p:cxnSp>
       <p:cxnSp>
         <p:nvCxnSpPr>
-          <p:cNvPr id="4" name=""/>
-          <p:cNvCxnSpPr>
-            <a:stCxn id="5" idx="6"/>
-            <a:endCxn id="6" idx="2"/>
-          </p:cNvCxnSpPr>
+          <p:cNvPr id="4" name="Elbow Connector 3"/>
+          <p:cNvCxnSpPr/>
           <p:nvPr/>
         </p:nvCxnSpPr>
         <p:spPr>
           <a:xfrm>
             <a:off x="863640" y="702360"/>
-            <a:ext cx="72720" cy="360"/>
-          </a:xfrm>
-          <a:prstGeom prst="bentConnector2">
-            <a:avLst/>
+            <a:ext cx="73080" cy="720"/>
+          </a:xfrm>
+          <a:prstGeom prst="bentConnector3">
+            <a:avLst>
+              <a:gd name="adj1" fmla="val 50000"/>
+            </a:avLst>
           </a:prstGeom>
           <a:ln w="18000">
             <a:solidFill>
@@ -5124,17 +5274,17 @@
       </p:cxnSp>
       <p:cxnSp>
         <p:nvCxnSpPr>
-          <p:cNvPr id="7" name=""/>
+          <p:cNvPr id="5" name="Elbow Connector 6"/>
           <p:cNvCxnSpPr>
-            <a:stCxn id="8" idx="6"/>
-            <a:endCxn id="9" idx="2"/>
+            <a:stCxn id="6" idx="6"/>
+            <a:endCxn id="7" idx="2"/>
           </p:cNvCxnSpPr>
           <p:nvPr/>
         </p:nvCxnSpPr>
         <p:spPr>
           <a:xfrm>
-            <a:off x="719640" y="126360"/>
-            <a:ext cx="360720" cy="360"/>
+            <a:off x="719280" y="126000"/>
+            <a:ext cx="361080" cy="360"/>
           </a:xfrm>
           <a:prstGeom prst="bentConnector2">
             <a:avLst/>
@@ -5149,17 +5299,17 @@
       </p:cxnSp>
       <p:cxnSp>
         <p:nvCxnSpPr>
-          <p:cNvPr id="10" name=""/>
+          <p:cNvPr id="8" name="Elbow Connector 9"/>
           <p:cNvCxnSpPr>
-            <a:stCxn id="11" idx="6"/>
-            <a:endCxn id="12" idx="2"/>
+            <a:stCxn id="9" idx="6"/>
+            <a:endCxn id="10" idx="2"/>
           </p:cNvCxnSpPr>
           <p:nvPr/>
         </p:nvCxnSpPr>
         <p:spPr>
           <a:xfrm>
-            <a:off x="863640" y="954360"/>
-            <a:ext cx="72720" cy="360"/>
+            <a:off x="863280" y="954000"/>
+            <a:ext cx="73080" cy="360"/>
           </a:xfrm>
           <a:prstGeom prst="bentConnector2">
             <a:avLst/>
@@ -5174,17 +5324,17 @@
       </p:cxnSp>
       <p:cxnSp>
         <p:nvCxnSpPr>
-          <p:cNvPr id="13" name=""/>
+          <p:cNvPr id="11" name="Elbow Connector 12"/>
           <p:cNvCxnSpPr>
-            <a:stCxn id="14" idx="6"/>
-            <a:endCxn id="15" idx="2"/>
+            <a:stCxn id="12" idx="6"/>
+            <a:endCxn id="13" idx="2"/>
           </p:cNvCxnSpPr>
           <p:nvPr/>
         </p:nvCxnSpPr>
         <p:spPr>
           <a:xfrm rot="10800000">
-            <a:off x="538920" y="1350360"/>
-            <a:ext cx="720720" cy="360"/>
+            <a:off x="538560" y="1350000"/>
+            <a:ext cx="721080" cy="360"/>
           </a:xfrm>
           <a:prstGeom prst="bentConnector2">
             <a:avLst/>
@@ -5199,17 +5349,17 @@
       </p:cxnSp>
       <p:cxnSp>
         <p:nvCxnSpPr>
-          <p:cNvPr id="16" name=""/>
+          <p:cNvPr id="14" name="Elbow Connector 15"/>
           <p:cNvCxnSpPr>
-            <a:stCxn id="17" idx="6"/>
-            <a:endCxn id="18" idx="2"/>
+            <a:stCxn id="15" idx="6"/>
+            <a:endCxn id="16" idx="2"/>
           </p:cNvCxnSpPr>
           <p:nvPr/>
         </p:nvCxnSpPr>
         <p:spPr>
           <a:xfrm rot="10800000">
-            <a:off x="718920" y="1170360"/>
-            <a:ext cx="360720" cy="360"/>
+            <a:off x="718560" y="1170000"/>
+            <a:ext cx="361080" cy="360"/>
           </a:xfrm>
           <a:prstGeom prst="bentConnector2">
             <a:avLst/>
@@ -5224,17 +5374,17 @@
       </p:cxnSp>
       <p:cxnSp>
         <p:nvCxnSpPr>
-          <p:cNvPr id="19" name=""/>
+          <p:cNvPr id="17" name="Elbow Connector 18"/>
           <p:cNvCxnSpPr>
-            <a:stCxn id="20" idx="6"/>
-            <a:endCxn id="21" idx="2"/>
+            <a:stCxn id="18" idx="6"/>
+            <a:endCxn id="19" idx="2"/>
           </p:cNvCxnSpPr>
           <p:nvPr/>
         </p:nvCxnSpPr>
         <p:spPr>
           <a:xfrm rot="10800000">
-            <a:off x="718920" y="1530360"/>
-            <a:ext cx="360720" cy="360"/>
+            <a:off x="718560" y="1530000"/>
+            <a:ext cx="361080" cy="360"/>
           </a:xfrm>
           <a:prstGeom prst="bentConnector2">
             <a:avLst/>
@@ -5249,17 +5399,17 @@
       </p:cxnSp>
       <p:cxnSp>
         <p:nvCxnSpPr>
-          <p:cNvPr id="22" name=""/>
+          <p:cNvPr id="20" name="Elbow Connector 21"/>
           <p:cNvCxnSpPr>
-            <a:stCxn id="23" idx="6"/>
-            <a:endCxn id="24" idx="2"/>
+            <a:stCxn id="21" idx="6"/>
+            <a:endCxn id="22" idx="2"/>
           </p:cNvCxnSpPr>
           <p:nvPr/>
         </p:nvCxnSpPr>
         <p:spPr>
           <a:xfrm rot="10800000">
-            <a:off x="862920" y="1746360"/>
-            <a:ext cx="72720" cy="360"/>
+            <a:off x="862560" y="1746000"/>
+            <a:ext cx="73080" cy="360"/>
           </a:xfrm>
           <a:prstGeom prst="bentConnector2">
             <a:avLst/>
@@ -5274,17 +5424,17 @@
       </p:cxnSp>
       <p:cxnSp>
         <p:nvCxnSpPr>
-          <p:cNvPr id="25" name=""/>
+          <p:cNvPr id="23" name="Elbow Connector 24"/>
           <p:cNvCxnSpPr>
-            <a:stCxn id="26" idx="6"/>
-            <a:endCxn id="27" idx="2"/>
+            <a:stCxn id="24" idx="6"/>
+            <a:endCxn id="25" idx="2"/>
           </p:cNvCxnSpPr>
           <p:nvPr/>
         </p:nvCxnSpPr>
         <p:spPr>
           <a:xfrm rot="10800000">
-            <a:off x="862920" y="1998360"/>
-            <a:ext cx="72720" cy="360"/>
+            <a:off x="862560" y="1998000"/>
+            <a:ext cx="73080" cy="360"/>
           </a:xfrm>
           <a:prstGeom prst="bentConnector2">
             <a:avLst/>
@@ -5299,17 +5449,17 @@
       </p:cxnSp>
       <p:cxnSp>
         <p:nvCxnSpPr>
-          <p:cNvPr id="28" name=""/>
+          <p:cNvPr id="26" name="Elbow Connector 27"/>
           <p:cNvCxnSpPr>
-            <a:stCxn id="29" idx="6"/>
-            <a:endCxn id="30" idx="2"/>
+            <a:stCxn id="27" idx="6"/>
+            <a:endCxn id="28" idx="2"/>
           </p:cNvCxnSpPr>
           <p:nvPr/>
         </p:nvCxnSpPr>
         <p:spPr>
           <a:xfrm>
-            <a:off x="539640" y="2394360"/>
-            <a:ext cx="720720" cy="360"/>
+            <a:off x="539280" y="2394000"/>
+            <a:ext cx="721080" cy="360"/>
           </a:xfrm>
           <a:prstGeom prst="bentConnector2">
             <a:avLst/>
@@ -5324,17 +5474,17 @@
       </p:cxnSp>
       <p:cxnSp>
         <p:nvCxnSpPr>
-          <p:cNvPr id="31" name=""/>
+          <p:cNvPr id="29" name="Elbow Connector 30"/>
           <p:cNvCxnSpPr>
-            <a:stCxn id="32" idx="6"/>
-            <a:endCxn id="33" idx="2"/>
+            <a:stCxn id="30" idx="6"/>
+            <a:endCxn id="31" idx="2"/>
           </p:cNvCxnSpPr>
           <p:nvPr/>
         </p:nvCxnSpPr>
         <p:spPr>
           <a:xfrm>
-            <a:off x="719640" y="2214360"/>
-            <a:ext cx="360720" cy="360"/>
+            <a:off x="719280" y="2214000"/>
+            <a:ext cx="361080" cy="360"/>
           </a:xfrm>
           <a:prstGeom prst="bentConnector2">
             <a:avLst/>
@@ -5349,17 +5499,17 @@
       </p:cxnSp>
       <p:cxnSp>
         <p:nvCxnSpPr>
-          <p:cNvPr id="34" name=""/>
+          <p:cNvPr id="32" name="Elbow Connector 33"/>
           <p:cNvCxnSpPr>
-            <a:stCxn id="35" idx="6"/>
-            <a:endCxn id="36" idx="2"/>
+            <a:stCxn id="33" idx="6"/>
+            <a:endCxn id="34" idx="2"/>
           </p:cNvCxnSpPr>
           <p:nvPr/>
         </p:nvCxnSpPr>
         <p:spPr>
           <a:xfrm>
-            <a:off x="719640" y="2583720"/>
-            <a:ext cx="360720" cy="360"/>
+            <a:off x="719280" y="2583360"/>
+            <a:ext cx="361080" cy="360"/>
           </a:xfrm>
           <a:prstGeom prst="bentConnector2">
             <a:avLst/>
@@ -5374,17 +5524,17 @@
       </p:cxnSp>
       <p:cxnSp>
         <p:nvCxnSpPr>
-          <p:cNvPr id="37" name=""/>
+          <p:cNvPr id="35" name="Elbow Connector 36"/>
           <p:cNvCxnSpPr>
-            <a:stCxn id="38" idx="6"/>
-            <a:endCxn id="39" idx="2"/>
+            <a:stCxn id="36" idx="6"/>
+            <a:endCxn id="37" idx="2"/>
           </p:cNvCxnSpPr>
           <p:nvPr/>
         </p:nvCxnSpPr>
         <p:spPr>
           <a:xfrm>
-            <a:off x="863640" y="2799720"/>
-            <a:ext cx="72720" cy="360"/>
+            <a:off x="863280" y="2799360"/>
+            <a:ext cx="73080" cy="360"/>
           </a:xfrm>
           <a:prstGeom prst="bentConnector2">
             <a:avLst/>
@@ -5399,17 +5549,17 @@
       </p:cxnSp>
       <p:cxnSp>
         <p:nvCxnSpPr>
-          <p:cNvPr id="40" name=""/>
+          <p:cNvPr id="38" name="Elbow Connector 39"/>
           <p:cNvCxnSpPr>
-            <a:stCxn id="41" idx="6"/>
-            <a:endCxn id="42" idx="2"/>
+            <a:stCxn id="39" idx="6"/>
+            <a:endCxn id="40" idx="2"/>
           </p:cNvCxnSpPr>
           <p:nvPr/>
         </p:nvCxnSpPr>
         <p:spPr>
           <a:xfrm>
-            <a:off x="863640" y="3051720"/>
-            <a:ext cx="72720" cy="360"/>
+            <a:off x="863280" y="3051360"/>
+            <a:ext cx="73080" cy="360"/>
           </a:xfrm>
           <a:prstGeom prst="bentConnector2">
             <a:avLst/>
@@ -5424,17 +5574,17 @@
       </p:cxnSp>
       <p:cxnSp>
         <p:nvCxnSpPr>
-          <p:cNvPr id="43" name=""/>
+          <p:cNvPr id="41" name="Elbow Connector 42"/>
           <p:cNvCxnSpPr>
-            <a:stCxn id="44" idx="6"/>
-            <a:endCxn id="45" idx="2"/>
+            <a:stCxn id="42" idx="6"/>
+            <a:endCxn id="43" idx="2"/>
           </p:cNvCxnSpPr>
           <p:nvPr/>
         </p:nvCxnSpPr>
         <p:spPr>
           <a:xfrm rot="10800000">
-            <a:off x="538920" y="3447720"/>
-            <a:ext cx="720720" cy="360"/>
+            <a:off x="538560" y="3447360"/>
+            <a:ext cx="721080" cy="360"/>
           </a:xfrm>
           <a:prstGeom prst="bentConnector2">
             <a:avLst/>
@@ -5449,17 +5599,17 @@
       </p:cxnSp>
       <p:cxnSp>
         <p:nvCxnSpPr>
-          <p:cNvPr id="46" name=""/>
+          <p:cNvPr id="44" name="Elbow Connector 45"/>
           <p:cNvCxnSpPr>
-            <a:stCxn id="47" idx="6"/>
-            <a:endCxn id="48" idx="2"/>
+            <a:stCxn id="45" idx="6"/>
+            <a:endCxn id="46" idx="2"/>
           </p:cNvCxnSpPr>
           <p:nvPr/>
         </p:nvCxnSpPr>
         <p:spPr>
           <a:xfrm rot="10800000">
-            <a:off x="737640" y="3267720"/>
-            <a:ext cx="360720" cy="360"/>
+            <a:off x="737280" y="3267360"/>
+            <a:ext cx="361080" cy="360"/>
           </a:xfrm>
           <a:prstGeom prst="bentConnector2">
             <a:avLst/>
@@ -5474,17 +5624,17 @@
       </p:cxnSp>
       <p:cxnSp>
         <p:nvCxnSpPr>
-          <p:cNvPr id="49" name=""/>
+          <p:cNvPr id="47" name="Elbow Connector 48"/>
           <p:cNvCxnSpPr>
-            <a:stCxn id="50" idx="6"/>
-            <a:endCxn id="51" idx="2"/>
+            <a:stCxn id="48" idx="6"/>
+            <a:endCxn id="49" idx="2"/>
           </p:cNvCxnSpPr>
           <p:nvPr/>
         </p:nvCxnSpPr>
         <p:spPr>
           <a:xfrm rot="10800000">
-            <a:off x="728280" y="3636720"/>
-            <a:ext cx="360720" cy="360"/>
+            <a:off x="727920" y="3636360"/>
+            <a:ext cx="361080" cy="360"/>
           </a:xfrm>
           <a:prstGeom prst="bentConnector2">
             <a:avLst/>
@@ -5499,17 +5649,17 @@
       </p:cxnSp>
       <p:cxnSp>
         <p:nvCxnSpPr>
-          <p:cNvPr id="52" name=""/>
+          <p:cNvPr id="50" name="Elbow Connector 51"/>
           <p:cNvCxnSpPr>
-            <a:stCxn id="53" idx="6"/>
-            <a:endCxn id="54" idx="2"/>
+            <a:stCxn id="51" idx="6"/>
+            <a:endCxn id="52" idx="2"/>
           </p:cNvCxnSpPr>
           <p:nvPr/>
         </p:nvCxnSpPr>
         <p:spPr>
           <a:xfrm rot="10800000">
-            <a:off x="872280" y="3852720"/>
-            <a:ext cx="72720" cy="360"/>
+            <a:off x="871920" y="3852360"/>
+            <a:ext cx="73080" cy="360"/>
           </a:xfrm>
           <a:prstGeom prst="bentConnector2">
             <a:avLst/>
@@ -5524,17 +5674,17 @@
       </p:cxnSp>
       <p:cxnSp>
         <p:nvCxnSpPr>
-          <p:cNvPr id="55" name=""/>
+          <p:cNvPr id="53" name="Elbow Connector 54"/>
           <p:cNvCxnSpPr>
-            <a:stCxn id="56" idx="6"/>
-            <a:endCxn id="57" idx="2"/>
+            <a:stCxn id="54" idx="6"/>
+            <a:endCxn id="55" idx="2"/>
           </p:cNvCxnSpPr>
           <p:nvPr/>
         </p:nvCxnSpPr>
         <p:spPr>
           <a:xfrm rot="10800000">
-            <a:off x="872280" y="4104720"/>
-            <a:ext cx="72720" cy="360"/>
+            <a:off x="871920" y="4104360"/>
+            <a:ext cx="73080" cy="360"/>
           </a:xfrm>
           <a:prstGeom prst="bentConnector2">
             <a:avLst/>
@@ -5549,17 +5699,17 @@
       </p:cxnSp>
       <p:cxnSp>
         <p:nvCxnSpPr>
-          <p:cNvPr id="58" name=""/>
+          <p:cNvPr id="56" name="Elbow Connector 57"/>
           <p:cNvCxnSpPr>
-            <a:stCxn id="59" idx="6"/>
-            <a:endCxn id="60" idx="2"/>
+            <a:stCxn id="57" idx="6"/>
+            <a:endCxn id="58" idx="2"/>
           </p:cNvCxnSpPr>
           <p:nvPr/>
         </p:nvCxnSpPr>
         <p:spPr>
           <a:xfrm>
-            <a:off x="549000" y="4500720"/>
-            <a:ext cx="720720" cy="360"/>
+            <a:off x="548640" y="4500360"/>
+            <a:ext cx="721080" cy="360"/>
           </a:xfrm>
           <a:prstGeom prst="bentConnector2">
             <a:avLst/>
@@ -5574,17 +5724,17 @@
       </p:cxnSp>
       <p:cxnSp>
         <p:nvCxnSpPr>
-          <p:cNvPr id="61" name=""/>
+          <p:cNvPr id="59" name="Elbow Connector 60"/>
           <p:cNvCxnSpPr>
-            <a:stCxn id="62" idx="6"/>
-            <a:endCxn id="63" idx="2"/>
+            <a:stCxn id="60" idx="6"/>
+            <a:endCxn id="61" idx="2"/>
           </p:cNvCxnSpPr>
           <p:nvPr/>
         </p:nvCxnSpPr>
         <p:spPr>
           <a:xfrm>
-            <a:off x="729000" y="4320720"/>
-            <a:ext cx="360720" cy="360"/>
+            <a:off x="728640" y="4320360"/>
+            <a:ext cx="361080" cy="360"/>
           </a:xfrm>
           <a:prstGeom prst="bentConnector2">
             <a:avLst/>
@@ -5599,17 +5749,17 @@
       </p:cxnSp>
       <p:cxnSp>
         <p:nvCxnSpPr>
-          <p:cNvPr id="64" name=""/>
+          <p:cNvPr id="62" name="Elbow Connector 63"/>
           <p:cNvCxnSpPr>
-            <a:stCxn id="65" idx="6"/>
-            <a:endCxn id="66" idx="2"/>
+            <a:stCxn id="63" idx="6"/>
+            <a:endCxn id="64" idx="2"/>
           </p:cNvCxnSpPr>
           <p:nvPr/>
         </p:nvCxnSpPr>
         <p:spPr>
           <a:xfrm>
-            <a:off x="729000" y="4680720"/>
-            <a:ext cx="360720" cy="360"/>
+            <a:off x="728640" y="4680360"/>
+            <a:ext cx="361080" cy="360"/>
           </a:xfrm>
           <a:prstGeom prst="bentConnector2">
             <a:avLst/>
@@ -5624,17 +5774,17 @@
       </p:cxnSp>
       <p:cxnSp>
         <p:nvCxnSpPr>
-          <p:cNvPr id="67" name=""/>
+          <p:cNvPr id="65" name="Elbow Connector 66"/>
           <p:cNvCxnSpPr>
-            <a:stCxn id="68" idx="6"/>
-            <a:endCxn id="69" idx="2"/>
+            <a:stCxn id="66" idx="6"/>
+            <a:endCxn id="67" idx="2"/>
           </p:cNvCxnSpPr>
           <p:nvPr/>
         </p:nvCxnSpPr>
         <p:spPr>
           <a:xfrm>
-            <a:off x="873000" y="4896720"/>
-            <a:ext cx="72720" cy="360"/>
+            <a:off x="872640" y="4896360"/>
+            <a:ext cx="73080" cy="360"/>
           </a:xfrm>
           <a:prstGeom prst="bentConnector2">
             <a:avLst/>
@@ -5649,17 +5799,17 @@
       </p:cxnSp>
       <p:cxnSp>
         <p:nvCxnSpPr>
-          <p:cNvPr id="70" name=""/>
+          <p:cNvPr id="68" name="Elbow Connector 69"/>
           <p:cNvCxnSpPr>
-            <a:stCxn id="71" idx="6"/>
-            <a:endCxn id="72" idx="2"/>
+            <a:stCxn id="69" idx="6"/>
+            <a:endCxn id="70" idx="2"/>
           </p:cNvCxnSpPr>
           <p:nvPr/>
         </p:nvCxnSpPr>
         <p:spPr>
           <a:xfrm>
-            <a:off x="873000" y="5148720"/>
-            <a:ext cx="72720" cy="360"/>
+            <a:off x="872640" y="5148360"/>
+            <a:ext cx="73080" cy="360"/>
           </a:xfrm>
           <a:prstGeom prst="bentConnector2">
             <a:avLst/>
@@ -5674,17 +5824,17 @@
       </p:cxnSp>
       <p:cxnSp>
         <p:nvCxnSpPr>
-          <p:cNvPr id="73" name=""/>
+          <p:cNvPr id="71" name="Elbow Connector 72"/>
           <p:cNvCxnSpPr>
-            <a:stCxn id="74" idx="6"/>
-            <a:endCxn id="75" idx="2"/>
+            <a:stCxn id="72" idx="6"/>
+            <a:endCxn id="73" idx="2"/>
           </p:cNvCxnSpPr>
           <p:nvPr/>
         </p:nvCxnSpPr>
         <p:spPr>
           <a:xfrm rot="10800000">
-            <a:off x="548280" y="5544720"/>
-            <a:ext cx="720720" cy="360"/>
+            <a:off x="547920" y="5544360"/>
+            <a:ext cx="721080" cy="360"/>
           </a:xfrm>
           <a:prstGeom prst="bentConnector2">
             <a:avLst/>
@@ -5699,17 +5849,17 @@
       </p:cxnSp>
       <p:cxnSp>
         <p:nvCxnSpPr>
-          <p:cNvPr id="76" name=""/>
+          <p:cNvPr id="74" name="Elbow Connector 75"/>
           <p:cNvCxnSpPr>
-            <a:stCxn id="77" idx="6"/>
-            <a:endCxn id="78" idx="2"/>
+            <a:stCxn id="75" idx="6"/>
+            <a:endCxn id="76" idx="2"/>
           </p:cNvCxnSpPr>
           <p:nvPr/>
         </p:nvCxnSpPr>
         <p:spPr>
           <a:xfrm rot="10800000">
-            <a:off x="728280" y="5364720"/>
-            <a:ext cx="360720" cy="360"/>
+            <a:off x="727920" y="5364360"/>
+            <a:ext cx="361080" cy="360"/>
           </a:xfrm>
           <a:prstGeom prst="bentConnector2">
             <a:avLst/>
@@ -5724,14 +5874,14 @@
       </p:cxnSp>
       <p:sp>
         <p:nvSpPr>
-          <p:cNvPr id="79" name=""/>
+          <p:cNvPr id="77" name="Oval 78"/>
           <p:cNvSpPr/>
           <p:nvPr/>
         </p:nvSpPr>
         <p:spPr>
           <a:xfrm>
             <a:off x="1260000" y="216360"/>
-            <a:ext cx="179640" cy="179640"/>
+            <a:ext cx="179280" cy="179280"/>
           </a:xfrm>
           <a:prstGeom prst="ellipse">
             <a:avLst/>
@@ -5774,14 +5924,14 @@
       </p:sp>
       <p:sp>
         <p:nvSpPr>
-          <p:cNvPr id="3" name=""/>
+          <p:cNvPr id="3" name="Oval 2"/>
           <p:cNvSpPr/>
           <p:nvPr/>
         </p:nvSpPr>
         <p:spPr>
           <a:xfrm>
             <a:off x="1080000" y="396360"/>
-            <a:ext cx="179640" cy="179640"/>
+            <a:ext cx="179280" cy="179280"/>
           </a:xfrm>
           <a:prstGeom prst="ellipse">
             <a:avLst/>
@@ -5824,14 +5974,14 @@
       </p:sp>
       <p:sp>
         <p:nvSpPr>
-          <p:cNvPr id="9" name=""/>
+          <p:cNvPr id="7" name="Oval 8"/>
           <p:cNvSpPr/>
           <p:nvPr/>
         </p:nvSpPr>
         <p:spPr>
           <a:xfrm>
             <a:off x="1080000" y="36360"/>
-            <a:ext cx="179640" cy="179640"/>
+            <a:ext cx="179280" cy="179280"/>
           </a:xfrm>
           <a:prstGeom prst="ellipse">
             <a:avLst/>
@@ -5874,14 +6024,14 @@
       </p:sp>
       <p:sp>
         <p:nvSpPr>
-          <p:cNvPr id="6" name=""/>
+          <p:cNvPr id="78" name="Oval 5"/>
           <p:cNvSpPr/>
           <p:nvPr/>
         </p:nvSpPr>
         <p:spPr>
           <a:xfrm>
             <a:off x="936000" y="612360"/>
-            <a:ext cx="179640" cy="179640"/>
+            <a:ext cx="179280" cy="179280"/>
           </a:xfrm>
           <a:prstGeom prst="ellipse">
             <a:avLst/>
@@ -5924,14 +6074,14 @@
       </p:sp>
       <p:sp>
         <p:nvSpPr>
-          <p:cNvPr id="12" name=""/>
+          <p:cNvPr id="10" name="Oval 11"/>
           <p:cNvSpPr/>
           <p:nvPr/>
         </p:nvSpPr>
         <p:spPr>
           <a:xfrm>
             <a:off x="936000" y="864360"/>
-            <a:ext cx="179640" cy="179640"/>
+            <a:ext cx="179280" cy="179280"/>
           </a:xfrm>
           <a:prstGeom prst="ellipse">
             <a:avLst/>
@@ -5974,14 +6124,14 @@
       </p:sp>
       <p:sp>
         <p:nvSpPr>
-          <p:cNvPr id="14" name=""/>
+          <p:cNvPr id="12" name="Oval 13"/>
           <p:cNvSpPr/>
           <p:nvPr/>
         </p:nvSpPr>
         <p:spPr>
           <a:xfrm flipH="1">
             <a:off x="1259280" y="1260360"/>
-            <a:ext cx="179640" cy="179640"/>
+            <a:ext cx="179280" cy="179280"/>
           </a:xfrm>
           <a:prstGeom prst="ellipse">
             <a:avLst/>
@@ -6024,14 +6174,14 @@
       </p:sp>
       <p:sp>
         <p:nvSpPr>
-          <p:cNvPr id="17" name=""/>
+          <p:cNvPr id="15" name="Oval 16"/>
           <p:cNvSpPr/>
           <p:nvPr/>
         </p:nvSpPr>
         <p:spPr>
           <a:xfrm flipH="1">
             <a:off x="1079280" y="1080360"/>
-            <a:ext cx="179640" cy="179640"/>
+            <a:ext cx="179280" cy="179280"/>
           </a:xfrm>
           <a:prstGeom prst="ellipse">
             <a:avLst/>
@@ -6074,14 +6224,14 @@
       </p:sp>
       <p:sp>
         <p:nvSpPr>
-          <p:cNvPr id="20" name=""/>
+          <p:cNvPr id="18" name="Oval 19"/>
           <p:cNvSpPr/>
           <p:nvPr/>
         </p:nvSpPr>
         <p:spPr>
           <a:xfrm flipH="1">
             <a:off x="1079280" y="1440360"/>
-            <a:ext cx="179640" cy="179640"/>
+            <a:ext cx="179280" cy="179280"/>
           </a:xfrm>
           <a:prstGeom prst="ellipse">
             <a:avLst/>
@@ -6124,14 +6274,14 @@
       </p:sp>
       <p:sp>
         <p:nvSpPr>
-          <p:cNvPr id="23" name=""/>
+          <p:cNvPr id="21" name="Oval 22"/>
           <p:cNvSpPr/>
           <p:nvPr/>
         </p:nvSpPr>
         <p:spPr>
           <a:xfrm flipH="1">
             <a:off x="935280" y="1656360"/>
-            <a:ext cx="179640" cy="179640"/>
+            <a:ext cx="179280" cy="179280"/>
           </a:xfrm>
           <a:prstGeom prst="ellipse">
             <a:avLst/>
@@ -6174,14 +6324,14 @@
       </p:sp>
       <p:sp>
         <p:nvSpPr>
-          <p:cNvPr id="26" name=""/>
+          <p:cNvPr id="24" name="Oval 25"/>
           <p:cNvSpPr/>
           <p:nvPr/>
         </p:nvSpPr>
         <p:spPr>
           <a:xfrm flipH="1">
             <a:off x="935280" y="1908360"/>
-            <a:ext cx="179640" cy="179640"/>
+            <a:ext cx="179280" cy="179280"/>
           </a:xfrm>
           <a:prstGeom prst="ellipse">
             <a:avLst/>
@@ -6224,14 +6374,14 @@
       </p:sp>
       <p:sp>
         <p:nvSpPr>
-          <p:cNvPr id="30" name=""/>
+          <p:cNvPr id="28" name="Oval 29"/>
           <p:cNvSpPr/>
           <p:nvPr/>
         </p:nvSpPr>
         <p:spPr>
           <a:xfrm>
             <a:off x="1260000" y="2304360"/>
-            <a:ext cx="179640" cy="179640"/>
+            <a:ext cx="179280" cy="179280"/>
           </a:xfrm>
           <a:prstGeom prst="ellipse">
             <a:avLst/>
@@ -6274,14 +6424,14 @@
       </p:sp>
       <p:sp>
         <p:nvSpPr>
-          <p:cNvPr id="33" name=""/>
+          <p:cNvPr id="31" name="Oval 32"/>
           <p:cNvSpPr/>
           <p:nvPr/>
         </p:nvSpPr>
         <p:spPr>
           <a:xfrm>
             <a:off x="1080000" y="2124360"/>
-            <a:ext cx="179640" cy="179640"/>
+            <a:ext cx="179280" cy="179280"/>
           </a:xfrm>
           <a:prstGeom prst="ellipse">
             <a:avLst/>
@@ -6324,14 +6474,14 @@
       </p:sp>
       <p:sp>
         <p:nvSpPr>
-          <p:cNvPr id="36" name=""/>
+          <p:cNvPr id="34" name="Oval 35"/>
           <p:cNvSpPr/>
           <p:nvPr/>
         </p:nvSpPr>
         <p:spPr>
           <a:xfrm>
             <a:off x="1080000" y="2493720"/>
-            <a:ext cx="179640" cy="179640"/>
+            <a:ext cx="179280" cy="179280"/>
           </a:xfrm>
           <a:prstGeom prst="ellipse">
             <a:avLst/>
@@ -6374,14 +6524,14 @@
       </p:sp>
       <p:sp>
         <p:nvSpPr>
-          <p:cNvPr id="39" name=""/>
+          <p:cNvPr id="37" name="Oval 38"/>
           <p:cNvSpPr/>
           <p:nvPr/>
         </p:nvSpPr>
         <p:spPr>
           <a:xfrm>
             <a:off x="936000" y="2709720"/>
-            <a:ext cx="179640" cy="179640"/>
+            <a:ext cx="179280" cy="179280"/>
           </a:xfrm>
           <a:prstGeom prst="ellipse">
             <a:avLst/>
@@ -6424,14 +6574,14 @@
       </p:sp>
       <p:sp>
         <p:nvSpPr>
-          <p:cNvPr id="42" name=""/>
+          <p:cNvPr id="40" name="Oval 41"/>
           <p:cNvSpPr/>
           <p:nvPr/>
         </p:nvSpPr>
         <p:spPr>
           <a:xfrm>
             <a:off x="936000" y="2961720"/>
-            <a:ext cx="179640" cy="179640"/>
+            <a:ext cx="179280" cy="179280"/>
           </a:xfrm>
           <a:prstGeom prst="ellipse">
             <a:avLst/>
@@ -6474,14 +6624,14 @@
       </p:sp>
       <p:sp>
         <p:nvSpPr>
-          <p:cNvPr id="44" name=""/>
+          <p:cNvPr id="42" name="Oval 43"/>
           <p:cNvSpPr/>
           <p:nvPr/>
         </p:nvSpPr>
         <p:spPr>
           <a:xfrm flipH="1">
             <a:off x="1259280" y="3357720"/>
-            <a:ext cx="179640" cy="179640"/>
+            <a:ext cx="179280" cy="179280"/>
           </a:xfrm>
           <a:prstGeom prst="ellipse">
             <a:avLst/>
@@ -6524,14 +6674,14 @@
       </p:sp>
       <p:sp>
         <p:nvSpPr>
-          <p:cNvPr id="47" name=""/>
+          <p:cNvPr id="45" name="Oval 46"/>
           <p:cNvSpPr/>
           <p:nvPr/>
         </p:nvSpPr>
         <p:spPr>
           <a:xfrm flipH="1">
             <a:off x="1098000" y="3177720"/>
-            <a:ext cx="179640" cy="179640"/>
+            <a:ext cx="179280" cy="179280"/>
           </a:xfrm>
           <a:prstGeom prst="ellipse">
             <a:avLst/>
@@ -6574,14 +6724,14 @@
       </p:sp>
       <p:sp>
         <p:nvSpPr>
-          <p:cNvPr id="50" name=""/>
+          <p:cNvPr id="48" name="Oval 49"/>
           <p:cNvSpPr/>
           <p:nvPr/>
         </p:nvSpPr>
         <p:spPr>
           <a:xfrm flipH="1">
             <a:off x="1088640" y="3546720"/>
-            <a:ext cx="179640" cy="179640"/>
+            <a:ext cx="179280" cy="179280"/>
           </a:xfrm>
           <a:prstGeom prst="ellipse">
             <a:avLst/>
@@ -6624,14 +6774,14 @@
       </p:sp>
       <p:sp>
         <p:nvSpPr>
-          <p:cNvPr id="53" name=""/>
+          <p:cNvPr id="51" name="Oval 52"/>
           <p:cNvSpPr/>
           <p:nvPr/>
         </p:nvSpPr>
         <p:spPr>
           <a:xfrm flipH="1">
             <a:off x="944640" y="3762720"/>
-            <a:ext cx="179640" cy="179640"/>
+            <a:ext cx="179280" cy="179280"/>
           </a:xfrm>
           <a:prstGeom prst="ellipse">
             <a:avLst/>
@@ -6674,14 +6824,14 @@
       </p:sp>
       <p:sp>
         <p:nvSpPr>
-          <p:cNvPr id="56" name=""/>
+          <p:cNvPr id="54" name="Oval 55"/>
           <p:cNvSpPr/>
           <p:nvPr/>
         </p:nvSpPr>
         <p:spPr>
           <a:xfrm flipH="1">
             <a:off x="944640" y="4014720"/>
-            <a:ext cx="179640" cy="179640"/>
+            <a:ext cx="179280" cy="179280"/>
           </a:xfrm>
           <a:prstGeom prst="ellipse">
             <a:avLst/>
@@ -6724,14 +6874,14 @@
       </p:sp>
       <p:sp>
         <p:nvSpPr>
-          <p:cNvPr id="60" name=""/>
+          <p:cNvPr id="58" name="Oval 59"/>
           <p:cNvSpPr/>
           <p:nvPr/>
         </p:nvSpPr>
         <p:spPr>
           <a:xfrm>
             <a:off x="1269360" y="4410720"/>
-            <a:ext cx="179640" cy="179640"/>
+            <a:ext cx="179280" cy="179280"/>
           </a:xfrm>
           <a:prstGeom prst="ellipse">
             <a:avLst/>
@@ -6774,14 +6924,14 @@
       </p:sp>
       <p:sp>
         <p:nvSpPr>
-          <p:cNvPr id="63" name=""/>
+          <p:cNvPr id="61" name="Oval 62"/>
           <p:cNvSpPr/>
           <p:nvPr/>
         </p:nvSpPr>
         <p:spPr>
           <a:xfrm>
             <a:off x="1089360" y="4230720"/>
-            <a:ext cx="179640" cy="179640"/>
+            <a:ext cx="179280" cy="179280"/>
           </a:xfrm>
           <a:prstGeom prst="ellipse">
             <a:avLst/>
@@ -6824,14 +6974,14 @@
       </p:sp>
       <p:sp>
         <p:nvSpPr>
-          <p:cNvPr id="66" name=""/>
+          <p:cNvPr id="64" name="Oval 65"/>
           <p:cNvSpPr/>
           <p:nvPr/>
         </p:nvSpPr>
         <p:spPr>
           <a:xfrm>
             <a:off x="1089360" y="4590720"/>
-            <a:ext cx="179640" cy="179640"/>
+            <a:ext cx="179280" cy="179280"/>
           </a:xfrm>
           <a:prstGeom prst="ellipse">
             <a:avLst/>
@@ -6874,14 +7024,14 @@
       </p:sp>
       <p:sp>
         <p:nvSpPr>
-          <p:cNvPr id="69" name=""/>
+          <p:cNvPr id="67" name="Oval 68"/>
           <p:cNvSpPr/>
           <p:nvPr/>
         </p:nvSpPr>
         <p:spPr>
           <a:xfrm>
             <a:off x="945360" y="4806720"/>
-            <a:ext cx="179640" cy="179640"/>
+            <a:ext cx="179280" cy="179280"/>
           </a:xfrm>
           <a:prstGeom prst="ellipse">
             <a:avLst/>
@@ -6924,14 +7074,14 @@
       </p:sp>
       <p:sp>
         <p:nvSpPr>
-          <p:cNvPr id="72" name=""/>
+          <p:cNvPr id="70" name="Oval 71"/>
           <p:cNvSpPr/>
           <p:nvPr/>
         </p:nvSpPr>
         <p:spPr>
           <a:xfrm>
             <a:off x="945360" y="5058720"/>
-            <a:ext cx="179640" cy="179640"/>
+            <a:ext cx="179280" cy="179280"/>
           </a:xfrm>
           <a:prstGeom prst="ellipse">
             <a:avLst/>
@@ -6974,14 +7124,14 @@
       </p:sp>
       <p:sp>
         <p:nvSpPr>
-          <p:cNvPr id="75" name=""/>
+          <p:cNvPr id="73" name="Oval 74"/>
           <p:cNvSpPr/>
           <p:nvPr/>
         </p:nvSpPr>
         <p:spPr>
           <a:xfrm flipH="1">
             <a:off x="368640" y="5454720"/>
-            <a:ext cx="179640" cy="179640"/>
+            <a:ext cx="179280" cy="179280"/>
           </a:xfrm>
           <a:prstGeom prst="ellipse">
             <a:avLst/>
@@ -7024,14 +7174,14 @@
       </p:sp>
       <p:sp>
         <p:nvSpPr>
-          <p:cNvPr id="78" name=""/>
+          <p:cNvPr id="76" name="Oval 77"/>
           <p:cNvSpPr/>
           <p:nvPr/>
         </p:nvSpPr>
         <p:spPr>
           <a:xfrm flipH="1">
             <a:off x="548640" y="5274720"/>
-            <a:ext cx="179640" cy="179640"/>
+            <a:ext cx="179280" cy="179280"/>
           </a:xfrm>
           <a:prstGeom prst="ellipse">
             <a:avLst/>
@@ -7074,14 +7224,14 @@
       </p:sp>
       <p:sp>
         <p:nvSpPr>
-          <p:cNvPr id="80" name=""/>
+          <p:cNvPr id="79" name="Oval 79"/>
           <p:cNvSpPr/>
           <p:nvPr/>
         </p:nvSpPr>
         <p:spPr>
           <a:xfrm>
             <a:off x="360000" y="216360"/>
-            <a:ext cx="179640" cy="179640"/>
+            <a:ext cx="179280" cy="179280"/>
           </a:xfrm>
           <a:prstGeom prst="ellipse">
             <a:avLst/>
@@ -7124,14 +7274,14 @@
       </p:sp>
       <p:sp>
         <p:nvSpPr>
-          <p:cNvPr id="2" name=""/>
+          <p:cNvPr id="2" name="Oval 1"/>
           <p:cNvSpPr/>
           <p:nvPr/>
         </p:nvSpPr>
         <p:spPr>
           <a:xfrm>
             <a:off x="540000" y="396360"/>
-            <a:ext cx="179640" cy="179640"/>
+            <a:ext cx="179280" cy="179280"/>
           </a:xfrm>
           <a:prstGeom prst="ellipse">
             <a:avLst/>
@@ -7174,14 +7324,14 @@
       </p:sp>
       <p:sp>
         <p:nvSpPr>
-          <p:cNvPr id="8" name=""/>
+          <p:cNvPr id="6" name="Oval 7"/>
           <p:cNvSpPr/>
           <p:nvPr/>
         </p:nvSpPr>
         <p:spPr>
           <a:xfrm>
             <a:off x="540000" y="36360"/>
-            <a:ext cx="179640" cy="179640"/>
+            <a:ext cx="179280" cy="179280"/>
           </a:xfrm>
           <a:prstGeom prst="ellipse">
             <a:avLst/>
@@ -7224,14 +7374,14 @@
       </p:sp>
       <p:sp>
         <p:nvSpPr>
-          <p:cNvPr id="5" name=""/>
+          <p:cNvPr id="80" name="Oval 4"/>
           <p:cNvSpPr/>
           <p:nvPr/>
         </p:nvSpPr>
         <p:spPr>
           <a:xfrm>
             <a:off x="684000" y="612360"/>
-            <a:ext cx="179640" cy="179640"/>
+            <a:ext cx="179280" cy="179280"/>
           </a:xfrm>
           <a:prstGeom prst="ellipse">
             <a:avLst/>
@@ -7274,14 +7424,14 @@
       </p:sp>
       <p:sp>
         <p:nvSpPr>
-          <p:cNvPr id="11" name=""/>
+          <p:cNvPr id="9" name="Oval 10"/>
           <p:cNvSpPr/>
           <p:nvPr/>
         </p:nvSpPr>
         <p:spPr>
           <a:xfrm>
             <a:off x="684000" y="864360"/>
-            <a:ext cx="179640" cy="179640"/>
+            <a:ext cx="179280" cy="179280"/>
           </a:xfrm>
           <a:prstGeom prst="ellipse">
             <a:avLst/>
@@ -7324,14 +7474,14 @@
       </p:sp>
       <p:sp>
         <p:nvSpPr>
-          <p:cNvPr id="15" name=""/>
+          <p:cNvPr id="13" name="Oval 14"/>
           <p:cNvSpPr/>
           <p:nvPr/>
         </p:nvSpPr>
         <p:spPr>
           <a:xfrm flipH="1">
             <a:off x="359280" y="1260360"/>
-            <a:ext cx="179640" cy="179640"/>
+            <a:ext cx="179280" cy="179280"/>
           </a:xfrm>
           <a:prstGeom prst="ellipse">
             <a:avLst/>
@@ -7374,14 +7524,14 @@
       </p:sp>
       <p:sp>
         <p:nvSpPr>
-          <p:cNvPr id="18" name=""/>
+          <p:cNvPr id="16" name="Oval 17"/>
           <p:cNvSpPr/>
           <p:nvPr/>
         </p:nvSpPr>
         <p:spPr>
           <a:xfrm flipH="1">
             <a:off x="539280" y="1080360"/>
-            <a:ext cx="179640" cy="179640"/>
+            <a:ext cx="179280" cy="179280"/>
           </a:xfrm>
           <a:prstGeom prst="ellipse">
             <a:avLst/>
@@ -7424,14 +7574,14 @@
       </p:sp>
       <p:sp>
         <p:nvSpPr>
-          <p:cNvPr id="21" name=""/>
+          <p:cNvPr id="19" name="Oval 20"/>
           <p:cNvSpPr/>
           <p:nvPr/>
         </p:nvSpPr>
         <p:spPr>
           <a:xfrm flipH="1">
             <a:off x="539280" y="1440360"/>
-            <a:ext cx="179640" cy="179640"/>
+            <a:ext cx="179280" cy="179280"/>
           </a:xfrm>
           <a:prstGeom prst="ellipse">
             <a:avLst/>
@@ -7474,14 +7624,14 @@
       </p:sp>
       <p:sp>
         <p:nvSpPr>
-          <p:cNvPr id="24" name=""/>
+          <p:cNvPr id="22" name="Oval 23"/>
           <p:cNvSpPr/>
           <p:nvPr/>
         </p:nvSpPr>
         <p:spPr>
           <a:xfrm flipH="1">
             <a:off x="683280" y="1656360"/>
-            <a:ext cx="179640" cy="179640"/>
+            <a:ext cx="179280" cy="179280"/>
           </a:xfrm>
           <a:prstGeom prst="ellipse">
             <a:avLst/>
@@ -7524,14 +7674,14 @@
       </p:sp>
       <p:sp>
         <p:nvSpPr>
-          <p:cNvPr id="27" name=""/>
+          <p:cNvPr id="25" name="Oval 26"/>
           <p:cNvSpPr/>
           <p:nvPr/>
         </p:nvSpPr>
         <p:spPr>
           <a:xfrm flipH="1">
             <a:off x="683280" y="1908360"/>
-            <a:ext cx="179640" cy="179640"/>
+            <a:ext cx="179280" cy="179280"/>
           </a:xfrm>
           <a:prstGeom prst="ellipse">
             <a:avLst/>
@@ -7574,14 +7724,14 @@
       </p:sp>
       <p:sp>
         <p:nvSpPr>
-          <p:cNvPr id="29" name=""/>
+          <p:cNvPr id="27" name="Oval 28"/>
           <p:cNvSpPr/>
           <p:nvPr/>
         </p:nvSpPr>
         <p:spPr>
           <a:xfrm>
             <a:off x="360000" y="2304360"/>
-            <a:ext cx="179640" cy="179640"/>
+            <a:ext cx="179280" cy="179280"/>
           </a:xfrm>
           <a:prstGeom prst="ellipse">
             <a:avLst/>
@@ -7624,14 +7774,14 @@
       </p:sp>
       <p:sp>
         <p:nvSpPr>
-          <p:cNvPr id="32" name=""/>
+          <p:cNvPr id="30" name="Oval 31"/>
           <p:cNvSpPr/>
           <p:nvPr/>
         </p:nvSpPr>
         <p:spPr>
           <a:xfrm>
             <a:off x="540000" y="2124360"/>
-            <a:ext cx="179640" cy="179640"/>
+            <a:ext cx="179280" cy="179280"/>
           </a:xfrm>
           <a:prstGeom prst="ellipse">
             <a:avLst/>
@@ -7674,14 +7824,14 @@
       </p:sp>
       <p:sp>
         <p:nvSpPr>
-          <p:cNvPr id="35" name=""/>
+          <p:cNvPr id="33" name="Oval 34"/>
           <p:cNvSpPr/>
           <p:nvPr/>
         </p:nvSpPr>
         <p:spPr>
           <a:xfrm>
             <a:off x="540000" y="2493720"/>
-            <a:ext cx="179640" cy="179640"/>
+            <a:ext cx="179280" cy="179280"/>
           </a:xfrm>
           <a:prstGeom prst="ellipse">
             <a:avLst/>
@@ -7724,14 +7874,14 @@
       </p:sp>
       <p:sp>
         <p:nvSpPr>
-          <p:cNvPr id="38" name=""/>
+          <p:cNvPr id="36" name="Oval 37"/>
           <p:cNvSpPr/>
           <p:nvPr/>
         </p:nvSpPr>
         <p:spPr>
           <a:xfrm>
             <a:off x="684000" y="2709720"/>
-            <a:ext cx="179640" cy="179640"/>
+            <a:ext cx="179280" cy="179280"/>
           </a:xfrm>
           <a:prstGeom prst="ellipse">
             <a:avLst/>
@@ -7774,14 +7924,14 @@
       </p:sp>
       <p:sp>
         <p:nvSpPr>
-          <p:cNvPr id="41" name=""/>
+          <p:cNvPr id="39" name="Oval 40"/>
           <p:cNvSpPr/>
           <p:nvPr/>
         </p:nvSpPr>
         <p:spPr>
           <a:xfrm>
             <a:off x="684000" y="2961720"/>
-            <a:ext cx="179640" cy="179640"/>
+            <a:ext cx="179280" cy="179280"/>
           </a:xfrm>
           <a:prstGeom prst="ellipse">
             <a:avLst/>
@@ -7824,14 +7974,14 @@
       </p:sp>
       <p:sp>
         <p:nvSpPr>
-          <p:cNvPr id="45" name=""/>
+          <p:cNvPr id="43" name="Oval 44"/>
           <p:cNvSpPr/>
           <p:nvPr/>
         </p:nvSpPr>
         <p:spPr>
           <a:xfrm flipH="1">
             <a:off x="359280" y="3357720"/>
-            <a:ext cx="179640" cy="179640"/>
+            <a:ext cx="179280" cy="179280"/>
           </a:xfrm>
           <a:prstGeom prst="ellipse">
             <a:avLst/>
@@ -7874,14 +8024,14 @@
       </p:sp>
       <p:sp>
         <p:nvSpPr>
-          <p:cNvPr id="48" name=""/>
+          <p:cNvPr id="46" name="Oval 47"/>
           <p:cNvSpPr/>
           <p:nvPr/>
         </p:nvSpPr>
         <p:spPr>
           <a:xfrm flipH="1">
             <a:off x="558000" y="3177720"/>
-            <a:ext cx="179640" cy="179640"/>
+            <a:ext cx="179280" cy="179280"/>
           </a:xfrm>
           <a:prstGeom prst="ellipse">
             <a:avLst/>
@@ -7924,14 +8074,14 @@
       </p:sp>
       <p:sp>
         <p:nvSpPr>
-          <p:cNvPr id="51" name=""/>
+          <p:cNvPr id="49" name="Oval 50"/>
           <p:cNvSpPr/>
           <p:nvPr/>
         </p:nvSpPr>
         <p:spPr>
           <a:xfrm flipH="1">
             <a:off x="548640" y="3546720"/>
-            <a:ext cx="179640" cy="179640"/>
+            <a:ext cx="179280" cy="179280"/>
           </a:xfrm>
           <a:prstGeom prst="ellipse">
             <a:avLst/>
@@ -7974,14 +8124,14 @@
       </p:sp>
       <p:sp>
         <p:nvSpPr>
-          <p:cNvPr id="54" name=""/>
+          <p:cNvPr id="52" name="Oval 53"/>
           <p:cNvSpPr/>
           <p:nvPr/>
         </p:nvSpPr>
         <p:spPr>
           <a:xfrm flipH="1">
             <a:off x="692640" y="3762720"/>
-            <a:ext cx="179640" cy="179640"/>
+            <a:ext cx="179280" cy="179280"/>
           </a:xfrm>
           <a:prstGeom prst="ellipse">
             <a:avLst/>
@@ -8024,14 +8174,14 @@
       </p:sp>
       <p:sp>
         <p:nvSpPr>
-          <p:cNvPr id="57" name=""/>
+          <p:cNvPr id="55" name="Oval 56"/>
           <p:cNvSpPr/>
           <p:nvPr/>
         </p:nvSpPr>
         <p:spPr>
           <a:xfrm flipH="1">
             <a:off x="692640" y="4014720"/>
-            <a:ext cx="179640" cy="179640"/>
+            <a:ext cx="179280" cy="179280"/>
           </a:xfrm>
           <a:prstGeom prst="ellipse">
             <a:avLst/>
@@ -8074,14 +8224,14 @@
       </p:sp>
       <p:sp>
         <p:nvSpPr>
-          <p:cNvPr id="59" name=""/>
+          <p:cNvPr id="57" name="Oval 58"/>
           <p:cNvSpPr/>
           <p:nvPr/>
         </p:nvSpPr>
         <p:spPr>
           <a:xfrm>
             <a:off x="369360" y="4410720"/>
-            <a:ext cx="179640" cy="179640"/>
+            <a:ext cx="179280" cy="179280"/>
           </a:xfrm>
           <a:prstGeom prst="ellipse">
             <a:avLst/>
@@ -8124,14 +8274,14 @@
       </p:sp>
       <p:sp>
         <p:nvSpPr>
-          <p:cNvPr id="62" name=""/>
+          <p:cNvPr id="60" name="Oval 61"/>
           <p:cNvSpPr/>
           <p:nvPr/>
         </p:nvSpPr>
         <p:spPr>
           <a:xfrm>
             <a:off x="549360" y="4230720"/>
-            <a:ext cx="179640" cy="179640"/>
+            <a:ext cx="179280" cy="179280"/>
           </a:xfrm>
           <a:prstGeom prst="ellipse">
             <a:avLst/>
@@ -8174,14 +8324,14 @@
       </p:sp>
       <p:sp>
         <p:nvSpPr>
-          <p:cNvPr id="65" name=""/>
+          <p:cNvPr id="63" name="Oval 64"/>
           <p:cNvSpPr/>
           <p:nvPr/>
         </p:nvSpPr>
         <p:spPr>
           <a:xfrm>
             <a:off x="549360" y="4590720"/>
-            <a:ext cx="179640" cy="179640"/>
+            <a:ext cx="179280" cy="179280"/>
           </a:xfrm>
           <a:prstGeom prst="ellipse">
             <a:avLst/>
@@ -8224,14 +8374,14 @@
       </p:sp>
       <p:sp>
         <p:nvSpPr>
-          <p:cNvPr id="68" name=""/>
+          <p:cNvPr id="66" name="Oval 67"/>
           <p:cNvSpPr/>
           <p:nvPr/>
         </p:nvSpPr>
         <p:spPr>
           <a:xfrm>
             <a:off x="693360" y="4806720"/>
-            <a:ext cx="179640" cy="179640"/>
+            <a:ext cx="179280" cy="179280"/>
           </a:xfrm>
           <a:prstGeom prst="ellipse">
             <a:avLst/>
@@ -8274,14 +8424,14 @@
       </p:sp>
       <p:sp>
         <p:nvSpPr>
-          <p:cNvPr id="71" name=""/>
+          <p:cNvPr id="69" name="Oval 70"/>
           <p:cNvSpPr/>
           <p:nvPr/>
         </p:nvSpPr>
         <p:spPr>
           <a:xfrm>
             <a:off x="693360" y="5058720"/>
-            <a:ext cx="179640" cy="179640"/>
+            <a:ext cx="179280" cy="179280"/>
           </a:xfrm>
           <a:prstGeom prst="ellipse">
             <a:avLst/>
@@ -8324,14 +8474,14 @@
       </p:sp>
       <p:sp>
         <p:nvSpPr>
-          <p:cNvPr id="74" name=""/>
+          <p:cNvPr id="72" name="Oval 73"/>
           <p:cNvSpPr/>
           <p:nvPr/>
         </p:nvSpPr>
         <p:spPr>
           <a:xfrm flipH="1">
             <a:off x="1268640" y="5454720"/>
-            <a:ext cx="179640" cy="179640"/>
+            <a:ext cx="179280" cy="179280"/>
           </a:xfrm>
           <a:prstGeom prst="ellipse">
             <a:avLst/>
@@ -8374,14 +8524,14 @@
       </p:sp>
       <p:sp>
         <p:nvSpPr>
-          <p:cNvPr id="77" name=""/>
+          <p:cNvPr id="75" name="Oval 76"/>
           <p:cNvSpPr/>
           <p:nvPr/>
         </p:nvSpPr>
         <p:spPr>
           <a:xfrm flipH="1">
             <a:off x="1088640" y="5274720"/>
-            <a:ext cx="179640" cy="179640"/>
+            <a:ext cx="179280" cy="179280"/>
           </a:xfrm>
           <a:prstGeom prst="ellipse">
             <a:avLst/>
@@ -8435,7 +8585,7 @@
         <p:spPr>
           <a:xfrm>
             <a:off x="1620000" y="216000"/>
-            <a:ext cx="8099640" cy="935640"/>
+            <a:ext cx="8099280" cy="935280"/>
           </a:xfrm>
           <a:prstGeom prst="rect">
             <a:avLst/>
@@ -8447,22 +8597,31 @@
         </p:spPr>
         <p:txBody>
           <a:bodyPr lIns="0" rIns="0" tIns="0" bIns="0" anchor="ctr">
-            <a:normAutofit/>
+            <a:noAutofit/>
           </a:bodyPr>
           <a:p>
             <a:pPr indent="0">
               <a:buNone/>
             </a:pPr>
             <a:r>
-              <a:rPr b="0" lang="en-US" sz="1800" spc="-1" strike="noStrike">
+              <a:rPr b="0" lang="en-US" sz="4400" spc="-1" strike="noStrike">
                 <a:solidFill>
                   <a:srgbClr val="000000"/>
                 </a:solidFill>
                 <a:latin typeface="Arial"/>
               </a:rPr>
-              <a:t>Click to edit the title text format</a:t>
+              <a:t>Click to edit the title text </a:t>
             </a:r>
-            <a:endParaRPr b="0" lang="en-US" sz="1800" spc="-1" strike="noStrike">
+            <a:r>
+              <a:rPr b="0" lang="en-US" sz="4400" spc="-1" strike="noStrike">
+                <a:solidFill>
+                  <a:srgbClr val="000000"/>
+                </a:solidFill>
+                <a:latin typeface="Arial"/>
+              </a:rPr>
+              <a:t>format</a:t>
+            </a:r>
+            <a:endParaRPr b="0" lang="en-US" sz="4400" spc="-1" strike="noStrike">
               <a:solidFill>
                 <a:srgbClr val="000000"/>
               </a:solidFill>
@@ -8478,13 +8637,565 @@
             <a:spLocks noGrp="1"/>
           </p:cNvSpPr>
           <p:nvPr>
+            <p:ph type="body"/>
+          </p:nvPr>
+        </p:nvSpPr>
+        <p:spPr>
+          <a:xfrm>
+            <a:off x="1620000" y="1368000"/>
+            <a:ext cx="8099280" cy="3287520"/>
+          </a:xfrm>
+          <a:prstGeom prst="rect">
+            <a:avLst/>
+          </a:prstGeom>
+          <a:noFill/>
+          <a:ln w="0">
+            <a:noFill/>
+          </a:ln>
+        </p:spPr>
+        <p:txBody>
+          <a:bodyPr lIns="0" rIns="0" tIns="0" bIns="0" anchor="t">
+            <a:normAutofit/>
+          </a:bodyPr>
+          <a:p>
+            <a:pPr marL="432000" indent="-324000">
+              <a:lnSpc>
+                <a:spcPct val="90000"/>
+              </a:lnSpc>
+              <a:spcBef>
+                <a:spcPts val="1417"/>
+              </a:spcBef>
+              <a:buClr>
+                <a:srgbClr val="000000"/>
+              </a:buClr>
+              <a:buSzPct val="45000"/>
+              <a:buFont typeface="Wingdings" charset="2"/>
+              <a:buChar char=""/>
+            </a:pPr>
+            <a:r>
+              <a:rPr b="0" lang="en-US" sz="2800" spc="-1" strike="noStrike">
+                <a:solidFill>
+                  <a:srgbClr val="000000"/>
+                </a:solidFill>
+                <a:latin typeface="Arial"/>
+              </a:rPr>
+              <a:t>Click to edit the </a:t>
+            </a:r>
+            <a:r>
+              <a:rPr b="0" lang="en-US" sz="2800" spc="-1" strike="noStrike">
+                <a:solidFill>
+                  <a:srgbClr val="000000"/>
+                </a:solidFill>
+                <a:latin typeface="Arial"/>
+              </a:rPr>
+              <a:t>outline text </a:t>
+            </a:r>
+            <a:r>
+              <a:rPr b="0" lang="en-US" sz="2800" spc="-1" strike="noStrike">
+                <a:solidFill>
+                  <a:srgbClr val="000000"/>
+                </a:solidFill>
+                <a:latin typeface="Arial"/>
+              </a:rPr>
+              <a:t>format</a:t>
+            </a:r>
+            <a:endParaRPr b="0" lang="en-US" sz="2800" spc="-1" strike="noStrike">
+              <a:solidFill>
+                <a:srgbClr val="000000"/>
+              </a:solidFill>
+              <a:latin typeface="Arial"/>
+            </a:endParaRPr>
+          </a:p>
+          <a:p>
+            <a:pPr lvl="1" marL="864000" indent="-324000">
+              <a:lnSpc>
+                <a:spcPct val="90000"/>
+              </a:lnSpc>
+              <a:spcBef>
+                <a:spcPts val="1134"/>
+              </a:spcBef>
+              <a:buClr>
+                <a:srgbClr val="000000"/>
+              </a:buClr>
+              <a:buSzPct val="75000"/>
+              <a:buFont typeface="Symbol" charset="2"/>
+              <a:buChar char=""/>
+            </a:pPr>
+            <a:r>
+              <a:rPr b="0" lang="en-US" sz="2800" spc="-1" strike="noStrike">
+                <a:solidFill>
+                  <a:srgbClr val="000000"/>
+                </a:solidFill>
+                <a:latin typeface="Arial"/>
+              </a:rPr>
+              <a:t>Second </a:t>
+            </a:r>
+            <a:r>
+              <a:rPr b="0" lang="en-US" sz="2800" spc="-1" strike="noStrike">
+                <a:solidFill>
+                  <a:srgbClr val="000000"/>
+                </a:solidFill>
+                <a:latin typeface="Arial"/>
+              </a:rPr>
+              <a:t>Outline Level</a:t>
+            </a:r>
+            <a:endParaRPr b="0" lang="en-US" sz="2800" spc="-1" strike="noStrike">
+              <a:solidFill>
+                <a:srgbClr val="000000"/>
+              </a:solidFill>
+              <a:latin typeface="Arial"/>
+            </a:endParaRPr>
+          </a:p>
+          <a:p>
+            <a:pPr lvl="2" marL="1296000" indent="-288000">
+              <a:lnSpc>
+                <a:spcPct val="90000"/>
+              </a:lnSpc>
+              <a:spcBef>
+                <a:spcPts val="850"/>
+              </a:spcBef>
+              <a:buClr>
+                <a:srgbClr val="000000"/>
+              </a:buClr>
+              <a:buSzPct val="45000"/>
+              <a:buFont typeface="Wingdings" charset="2"/>
+              <a:buChar char=""/>
+            </a:pPr>
+            <a:r>
+              <a:rPr b="0" lang="en-US" sz="2800" spc="-1" strike="noStrike">
+                <a:solidFill>
+                  <a:srgbClr val="000000"/>
+                </a:solidFill>
+                <a:latin typeface="Arial"/>
+              </a:rPr>
+              <a:t>Third </a:t>
+            </a:r>
+            <a:r>
+              <a:rPr b="0" lang="en-US" sz="2800" spc="-1" strike="noStrike">
+                <a:solidFill>
+                  <a:srgbClr val="000000"/>
+                </a:solidFill>
+                <a:latin typeface="Arial"/>
+              </a:rPr>
+              <a:t>Outline </a:t>
+            </a:r>
+            <a:r>
+              <a:rPr b="0" lang="en-US" sz="2800" spc="-1" strike="noStrike">
+                <a:solidFill>
+                  <a:srgbClr val="000000"/>
+                </a:solidFill>
+                <a:latin typeface="Arial"/>
+              </a:rPr>
+              <a:t>Level</a:t>
+            </a:r>
+            <a:endParaRPr b="0" lang="en-US" sz="2800" spc="-1" strike="noStrike">
+              <a:solidFill>
+                <a:srgbClr val="000000"/>
+              </a:solidFill>
+              <a:latin typeface="Arial"/>
+            </a:endParaRPr>
+          </a:p>
+          <a:p>
+            <a:pPr lvl="3" marL="1728000" indent="-216000">
+              <a:lnSpc>
+                <a:spcPct val="90000"/>
+              </a:lnSpc>
+              <a:spcBef>
+                <a:spcPts val="567"/>
+              </a:spcBef>
+              <a:buClr>
+                <a:srgbClr val="000000"/>
+              </a:buClr>
+              <a:buSzPct val="75000"/>
+              <a:buFont typeface="Symbol" charset="2"/>
+              <a:buChar char=""/>
+            </a:pPr>
+            <a:r>
+              <a:rPr b="0" lang="en-US" sz="2800" spc="-1" strike="noStrike">
+                <a:solidFill>
+                  <a:srgbClr val="000000"/>
+                </a:solidFill>
+                <a:latin typeface="Arial"/>
+              </a:rPr>
+              <a:t>Fourth </a:t>
+            </a:r>
+            <a:r>
+              <a:rPr b="0" lang="en-US" sz="2800" spc="-1" strike="noStrike">
+                <a:solidFill>
+                  <a:srgbClr val="000000"/>
+                </a:solidFill>
+                <a:latin typeface="Arial"/>
+              </a:rPr>
+              <a:t>Outline </a:t>
+            </a:r>
+            <a:r>
+              <a:rPr b="0" lang="en-US" sz="2800" spc="-1" strike="noStrike">
+                <a:solidFill>
+                  <a:srgbClr val="000000"/>
+                </a:solidFill>
+                <a:latin typeface="Arial"/>
+              </a:rPr>
+              <a:t>Level</a:t>
+            </a:r>
+            <a:endParaRPr b="0" lang="en-US" sz="2800" spc="-1" strike="noStrike">
+              <a:solidFill>
+                <a:srgbClr val="000000"/>
+              </a:solidFill>
+              <a:latin typeface="Arial"/>
+            </a:endParaRPr>
+          </a:p>
+          <a:p>
+            <a:pPr lvl="4" marL="2160000" indent="-216000">
+              <a:lnSpc>
+                <a:spcPct val="90000"/>
+              </a:lnSpc>
+              <a:spcBef>
+                <a:spcPts val="283"/>
+              </a:spcBef>
+              <a:buClr>
+                <a:srgbClr val="000000"/>
+              </a:buClr>
+              <a:buSzPct val="45000"/>
+              <a:buFont typeface="Wingdings" charset="2"/>
+              <a:buChar char=""/>
+            </a:pPr>
+            <a:r>
+              <a:rPr b="0" lang="en-US" sz="2800" spc="-1" strike="noStrike">
+                <a:solidFill>
+                  <a:srgbClr val="000000"/>
+                </a:solidFill>
+                <a:latin typeface="Arial"/>
+              </a:rPr>
+              <a:t>Fifth </a:t>
+            </a:r>
+            <a:r>
+              <a:rPr b="0" lang="en-US" sz="2800" spc="-1" strike="noStrike">
+                <a:solidFill>
+                  <a:srgbClr val="000000"/>
+                </a:solidFill>
+                <a:latin typeface="Arial"/>
+              </a:rPr>
+              <a:t>Outlin</a:t>
+            </a:r>
+            <a:r>
+              <a:rPr b="0" lang="en-US" sz="2800" spc="-1" strike="noStrike">
+                <a:solidFill>
+                  <a:srgbClr val="000000"/>
+                </a:solidFill>
+                <a:latin typeface="Arial"/>
+              </a:rPr>
+              <a:t>e </a:t>
+            </a:r>
+            <a:r>
+              <a:rPr b="0" lang="en-US" sz="2800" spc="-1" strike="noStrike">
+                <a:solidFill>
+                  <a:srgbClr val="000000"/>
+                </a:solidFill>
+                <a:latin typeface="Arial"/>
+              </a:rPr>
+              <a:t>Level</a:t>
+            </a:r>
+            <a:endParaRPr b="0" lang="en-US" sz="2800" spc="-1" strike="noStrike">
+              <a:solidFill>
+                <a:srgbClr val="000000"/>
+              </a:solidFill>
+              <a:latin typeface="Arial"/>
+            </a:endParaRPr>
+          </a:p>
+          <a:p>
+            <a:pPr lvl="5" marL="2592000" indent="-216000">
+              <a:lnSpc>
+                <a:spcPct val="90000"/>
+              </a:lnSpc>
+              <a:spcBef>
+                <a:spcPts val="283"/>
+              </a:spcBef>
+              <a:buClr>
+                <a:srgbClr val="000000"/>
+              </a:buClr>
+              <a:buSzPct val="45000"/>
+              <a:buFont typeface="Wingdings" charset="2"/>
+              <a:buChar char=""/>
+            </a:pPr>
+            <a:r>
+              <a:rPr b="0" lang="en-US" sz="2800" spc="-1" strike="noStrike">
+                <a:solidFill>
+                  <a:srgbClr val="000000"/>
+                </a:solidFill>
+                <a:latin typeface="Arial"/>
+              </a:rPr>
+              <a:t>Six</a:t>
+            </a:r>
+            <a:r>
+              <a:rPr b="0" lang="en-US" sz="2800" spc="-1" strike="noStrike">
+                <a:solidFill>
+                  <a:srgbClr val="000000"/>
+                </a:solidFill>
+                <a:latin typeface="Arial"/>
+              </a:rPr>
+              <a:t>th </a:t>
+            </a:r>
+            <a:r>
+              <a:rPr b="0" lang="en-US" sz="2800" spc="-1" strike="noStrike">
+                <a:solidFill>
+                  <a:srgbClr val="000000"/>
+                </a:solidFill>
+                <a:latin typeface="Arial"/>
+              </a:rPr>
+              <a:t>Out</a:t>
+            </a:r>
+            <a:r>
+              <a:rPr b="0" lang="en-US" sz="2800" spc="-1" strike="noStrike">
+                <a:solidFill>
+                  <a:srgbClr val="000000"/>
+                </a:solidFill>
+                <a:latin typeface="Arial"/>
+              </a:rPr>
+              <a:t>line </a:t>
+            </a:r>
+            <a:r>
+              <a:rPr b="0" lang="en-US" sz="2800" spc="-1" strike="noStrike">
+                <a:solidFill>
+                  <a:srgbClr val="000000"/>
+                </a:solidFill>
+                <a:latin typeface="Arial"/>
+              </a:rPr>
+              <a:t>Lev</a:t>
+            </a:r>
+            <a:r>
+              <a:rPr b="0" lang="en-US" sz="2800" spc="-1" strike="noStrike">
+                <a:solidFill>
+                  <a:srgbClr val="000000"/>
+                </a:solidFill>
+                <a:latin typeface="Arial"/>
+              </a:rPr>
+              <a:t>el</a:t>
+            </a:r>
+            <a:endParaRPr b="0" lang="en-US" sz="2800" spc="-1" strike="noStrike">
+              <a:solidFill>
+                <a:srgbClr val="000000"/>
+              </a:solidFill>
+              <a:latin typeface="Arial"/>
+            </a:endParaRPr>
+          </a:p>
+          <a:p>
+            <a:pPr lvl="6" marL="3024000" indent="-216000">
+              <a:lnSpc>
+                <a:spcPct val="90000"/>
+              </a:lnSpc>
+              <a:spcBef>
+                <a:spcPts val="283"/>
+              </a:spcBef>
+              <a:buClr>
+                <a:srgbClr val="000000"/>
+              </a:buClr>
+              <a:buSzPct val="45000"/>
+              <a:buFont typeface="Wingdings" charset="2"/>
+              <a:buChar char=""/>
+            </a:pPr>
+            <a:r>
+              <a:rPr b="0" lang="en-US" sz="2800" spc="-1" strike="noStrike">
+                <a:solidFill>
+                  <a:srgbClr val="000000"/>
+                </a:solidFill>
+                <a:latin typeface="Arial"/>
+              </a:rPr>
+              <a:t>S</a:t>
+            </a:r>
+            <a:r>
+              <a:rPr b="0" lang="en-US" sz="2800" spc="-1" strike="noStrike">
+                <a:solidFill>
+                  <a:srgbClr val="000000"/>
+                </a:solidFill>
+                <a:latin typeface="Arial"/>
+              </a:rPr>
+              <a:t>e</a:t>
+            </a:r>
+            <a:r>
+              <a:rPr b="0" lang="en-US" sz="2800" spc="-1" strike="noStrike">
+                <a:solidFill>
+                  <a:srgbClr val="000000"/>
+                </a:solidFill>
+                <a:latin typeface="Arial"/>
+              </a:rPr>
+              <a:t>v</a:t>
+            </a:r>
+            <a:r>
+              <a:rPr b="0" lang="en-US" sz="2800" spc="-1" strike="noStrike">
+                <a:solidFill>
+                  <a:srgbClr val="000000"/>
+                </a:solidFill>
+                <a:latin typeface="Arial"/>
+              </a:rPr>
+              <a:t>e</a:t>
+            </a:r>
+            <a:r>
+              <a:rPr b="0" lang="en-US" sz="2800" spc="-1" strike="noStrike">
+                <a:solidFill>
+                  <a:srgbClr val="000000"/>
+                </a:solidFill>
+                <a:latin typeface="Arial"/>
+              </a:rPr>
+              <a:t>n</a:t>
+            </a:r>
+            <a:r>
+              <a:rPr b="0" lang="en-US" sz="2800" spc="-1" strike="noStrike">
+                <a:solidFill>
+                  <a:srgbClr val="000000"/>
+                </a:solidFill>
+                <a:latin typeface="Arial"/>
+              </a:rPr>
+              <a:t>t</a:t>
+            </a:r>
+            <a:r>
+              <a:rPr b="0" lang="en-US" sz="2800" spc="-1" strike="noStrike">
+                <a:solidFill>
+                  <a:srgbClr val="000000"/>
+                </a:solidFill>
+                <a:latin typeface="Arial"/>
+              </a:rPr>
+              <a:t>h</a:t>
+            </a:r>
+            <a:r>
+              <a:rPr b="0" lang="en-US" sz="2800" spc="-1" strike="noStrike">
+                <a:solidFill>
+                  <a:srgbClr val="000000"/>
+                </a:solidFill>
+                <a:latin typeface="Arial"/>
+              </a:rPr>
+              <a:t> </a:t>
+            </a:r>
+            <a:r>
+              <a:rPr b="0" lang="en-US" sz="2800" spc="-1" strike="noStrike">
+                <a:solidFill>
+                  <a:srgbClr val="000000"/>
+                </a:solidFill>
+                <a:latin typeface="Arial"/>
+              </a:rPr>
+              <a:t>O</a:t>
+            </a:r>
+            <a:r>
+              <a:rPr b="0" lang="en-US" sz="2800" spc="-1" strike="noStrike">
+                <a:solidFill>
+                  <a:srgbClr val="000000"/>
+                </a:solidFill>
+                <a:latin typeface="Arial"/>
+              </a:rPr>
+              <a:t>u</a:t>
+            </a:r>
+            <a:r>
+              <a:rPr b="0" lang="en-US" sz="2800" spc="-1" strike="noStrike">
+                <a:solidFill>
+                  <a:srgbClr val="000000"/>
+                </a:solidFill>
+                <a:latin typeface="Arial"/>
+              </a:rPr>
+              <a:t>t</a:t>
+            </a:r>
+            <a:r>
+              <a:rPr b="0" lang="en-US" sz="2800" spc="-1" strike="noStrike">
+                <a:solidFill>
+                  <a:srgbClr val="000000"/>
+                </a:solidFill>
+                <a:latin typeface="Arial"/>
+              </a:rPr>
+              <a:t>li</a:t>
+            </a:r>
+            <a:r>
+              <a:rPr b="0" lang="en-US" sz="2800" spc="-1" strike="noStrike">
+                <a:solidFill>
+                  <a:srgbClr val="000000"/>
+                </a:solidFill>
+                <a:latin typeface="Arial"/>
+              </a:rPr>
+              <a:t>n</a:t>
+            </a:r>
+            <a:r>
+              <a:rPr b="0" lang="en-US" sz="2800" spc="-1" strike="noStrike">
+                <a:solidFill>
+                  <a:srgbClr val="000000"/>
+                </a:solidFill>
+                <a:latin typeface="Arial"/>
+              </a:rPr>
+              <a:t>e</a:t>
+            </a:r>
+            <a:r>
+              <a:rPr b="0" lang="en-US" sz="2800" spc="-1" strike="noStrike">
+                <a:solidFill>
+                  <a:srgbClr val="000000"/>
+                </a:solidFill>
+                <a:latin typeface="Arial"/>
+              </a:rPr>
+              <a:t> </a:t>
+            </a:r>
+            <a:r>
+              <a:rPr b="0" lang="en-US" sz="2800" spc="-1" strike="noStrike">
+                <a:solidFill>
+                  <a:srgbClr val="000000"/>
+                </a:solidFill>
+                <a:latin typeface="Arial"/>
+              </a:rPr>
+              <a:t>L</a:t>
+            </a:r>
+            <a:r>
+              <a:rPr b="0" lang="en-US" sz="2800" spc="-1" strike="noStrike">
+                <a:solidFill>
+                  <a:srgbClr val="000000"/>
+                </a:solidFill>
+                <a:latin typeface="Arial"/>
+              </a:rPr>
+              <a:t>e</a:t>
+            </a:r>
+            <a:r>
+              <a:rPr b="0" lang="en-US" sz="2800" spc="-1" strike="noStrike">
+                <a:solidFill>
+                  <a:srgbClr val="000000"/>
+                </a:solidFill>
+                <a:latin typeface="Arial"/>
+              </a:rPr>
+              <a:t>v</a:t>
+            </a:r>
+            <a:r>
+              <a:rPr b="0" lang="en-US" sz="2800" spc="-1" strike="noStrike">
+                <a:solidFill>
+                  <a:srgbClr val="000000"/>
+                </a:solidFill>
+                <a:latin typeface="Arial"/>
+              </a:rPr>
+              <a:t>e</a:t>
+            </a:r>
+            <a:r>
+              <a:rPr b="0" lang="en-US" sz="2800" spc="-1" strike="noStrike">
+                <a:solidFill>
+                  <a:srgbClr val="000000"/>
+                </a:solidFill>
+                <a:latin typeface="Arial"/>
+              </a:rPr>
+              <a:t>l</a:t>
+            </a:r>
+            <a:endParaRPr b="0" lang="en-US" sz="2800" spc="-1" strike="noStrike">
+              <a:solidFill>
+                <a:srgbClr val="000000"/>
+              </a:solidFill>
+              <a:latin typeface="Arial"/>
+            </a:endParaRPr>
+          </a:p>
+        </p:txBody>
+      </p:sp>
+      <p:sp>
+        <p:nvSpPr>
+          <p:cNvPr id="83" name="PlaceHolder 3"/>
+          <p:cNvSpPr>
+            <a:spLocks noGrp="1"/>
+          </p:cNvSpPr>
+          <p:nvPr>
             <p:ph type="ftr" idx="1"/>
           </p:nvPr>
         </p:nvSpPr>
         <p:spPr>
           <a:xfrm>
             <a:off x="3987000" y="5164920"/>
-            <a:ext cx="3194640" cy="390240"/>
+            <a:ext cx="3194280" cy="389880"/>
           </a:xfrm>
           <a:prstGeom prst="rect">
             <a:avLst/>
@@ -8512,6 +9223,7 @@
                   <a:srgbClr val="000000"/>
                 </a:solidFill>
                 <a:latin typeface="Arial"/>
+                <a:ea typeface="DejaVu Sans"/>
               </a:defRPr>
             </a:lvl1pPr>
           </a:lstStyle>
@@ -8531,6 +9243,7 @@
                   <a:srgbClr val="000000"/>
                 </a:solidFill>
                 <a:latin typeface="Arial"/>
+                <a:ea typeface="DejaVu Sans"/>
               </a:rPr>
               <a:t>&lt;footer&gt;</a:t>
             </a:r>
@@ -8545,7 +9258,7 @@
       </p:sp>
       <p:sp>
         <p:nvSpPr>
-          <p:cNvPr id="83" name="PlaceHolder 3"/>
+          <p:cNvPr id="84" name="PlaceHolder 4"/>
           <p:cNvSpPr>
             <a:spLocks noGrp="1"/>
           </p:cNvSpPr>
@@ -8556,7 +9269,7 @@
         <p:spPr>
           <a:xfrm>
             <a:off x="7227000" y="5164920"/>
-            <a:ext cx="2347920" cy="390240"/>
+            <a:ext cx="2347560" cy="389880"/>
           </a:xfrm>
           <a:prstGeom prst="rect">
             <a:avLst/>
@@ -8584,6 +9297,7 @@
                   <a:srgbClr val="000000"/>
                 </a:solidFill>
                 <a:latin typeface="Arial"/>
+                <a:ea typeface="DejaVu Sans"/>
               </a:defRPr>
             </a:lvl1pPr>
           </a:lstStyle>
@@ -8597,12 +9311,13 @@
                 <a:tab algn="l" pos="0"/>
               </a:tabLst>
             </a:pPr>
-            <a:fld id="{426D741F-06B2-41D4-93DF-D5103D70CD71}" type="slidenum">
+            <a:fld id="{78970371-1F55-491E-B7F0-EE6BA44F6B18}" type="slidenum">
               <a:rPr b="0" lang="en-US" sz="1400" spc="-1" strike="noStrike">
                 <a:solidFill>
                   <a:srgbClr val="000000"/>
                 </a:solidFill>
                 <a:latin typeface="Arial"/>
+                <a:ea typeface="DejaVu Sans"/>
               </a:rPr>
               <a:t>&lt;number&gt;</a:t>
             </a:fld>
@@ -8617,7 +9332,7 @@
       </p:sp>
       <p:sp>
         <p:nvSpPr>
-          <p:cNvPr id="84" name="PlaceHolder 4"/>
+          <p:cNvPr id="85" name="PlaceHolder 5"/>
           <p:cNvSpPr>
             <a:spLocks noGrp="1"/>
           </p:cNvSpPr>
@@ -8628,7 +9343,7 @@
         <p:spPr>
           <a:xfrm>
             <a:off x="1584000" y="5164920"/>
-            <a:ext cx="2347920" cy="390240"/>
+            <a:ext cx="2347560" cy="389880"/>
           </a:xfrm>
           <a:prstGeom prst="rect">
             <a:avLst/>
@@ -8671,231 +9386,6 @@
                 <a:srgbClr val="000000"/>
               </a:solidFill>
               <a:latin typeface="Times New Roman"/>
-            </a:endParaRPr>
-          </a:p>
-        </p:txBody>
-      </p:sp>
-      <p:sp>
-        <p:nvSpPr>
-          <p:cNvPr id="85" name="PlaceHolder 5"/>
-          <p:cNvSpPr>
-            <a:spLocks noGrp="1"/>
-          </p:cNvSpPr>
-          <p:nvPr>
-            <p:ph type="body"/>
-          </p:nvPr>
-        </p:nvSpPr>
-        <p:spPr>
-          <a:xfrm>
-            <a:off x="504000" y="1326600"/>
-            <a:ext cx="9072000" cy="3288600"/>
-          </a:xfrm>
-          <a:prstGeom prst="rect">
-            <a:avLst/>
-          </a:prstGeom>
-          <a:noFill/>
-          <a:ln w="0">
-            <a:noFill/>
-          </a:ln>
-        </p:spPr>
-        <p:txBody>
-          <a:bodyPr lIns="0" rIns="0" tIns="0" bIns="0" anchor="t">
-            <a:normAutofit/>
-          </a:bodyPr>
-          <a:p>
-            <a:pPr marL="432000" indent="-324000">
-              <a:spcBef>
-                <a:spcPts val="1417"/>
-              </a:spcBef>
-              <a:buClr>
-                <a:srgbClr val="000000"/>
-              </a:buClr>
-              <a:buSzPct val="45000"/>
-              <a:buFont typeface="Wingdings" charset="2"/>
-              <a:buChar char=""/>
-            </a:pPr>
-            <a:r>
-              <a:rPr b="0" lang="en-US" sz="3200" spc="-1" strike="noStrike">
-                <a:solidFill>
-                  <a:srgbClr val="000000"/>
-                </a:solidFill>
-                <a:latin typeface="Arial"/>
-              </a:rPr>
-              <a:t>Click to edit the outline text format</a:t>
-            </a:r>
-            <a:endParaRPr b="0" lang="en-US" sz="3200" spc="-1" strike="noStrike">
-              <a:solidFill>
-                <a:srgbClr val="000000"/>
-              </a:solidFill>
-              <a:latin typeface="Arial"/>
-            </a:endParaRPr>
-          </a:p>
-          <a:p>
-            <a:pPr lvl="1" marL="864000" indent="-324000">
-              <a:spcBef>
-                <a:spcPts val="1134"/>
-              </a:spcBef>
-              <a:buClr>
-                <a:srgbClr val="000000"/>
-              </a:buClr>
-              <a:buSzPct val="75000"/>
-              <a:buFont typeface="Symbol" charset="2"/>
-              <a:buChar char=""/>
-            </a:pPr>
-            <a:r>
-              <a:rPr b="0" lang="en-US" sz="2800" spc="-1" strike="noStrike">
-                <a:solidFill>
-                  <a:srgbClr val="000000"/>
-                </a:solidFill>
-                <a:latin typeface="Arial"/>
-              </a:rPr>
-              <a:t>Second Outline Level</a:t>
-            </a:r>
-            <a:endParaRPr b="0" lang="en-US" sz="2800" spc="-1" strike="noStrike">
-              <a:solidFill>
-                <a:srgbClr val="000000"/>
-              </a:solidFill>
-              <a:latin typeface="Arial"/>
-            </a:endParaRPr>
-          </a:p>
-          <a:p>
-            <a:pPr lvl="2" marL="1296000" indent="-288000">
-              <a:spcBef>
-                <a:spcPts val="850"/>
-              </a:spcBef>
-              <a:buClr>
-                <a:srgbClr val="000000"/>
-              </a:buClr>
-              <a:buSzPct val="45000"/>
-              <a:buFont typeface="Wingdings" charset="2"/>
-              <a:buChar char=""/>
-            </a:pPr>
-            <a:r>
-              <a:rPr b="0" lang="en-US" sz="2400" spc="-1" strike="noStrike">
-                <a:solidFill>
-                  <a:srgbClr val="000000"/>
-                </a:solidFill>
-                <a:latin typeface="Arial"/>
-              </a:rPr>
-              <a:t>Third Outline Level</a:t>
-            </a:r>
-            <a:endParaRPr b="0" lang="en-US" sz="2400" spc="-1" strike="noStrike">
-              <a:solidFill>
-                <a:srgbClr val="000000"/>
-              </a:solidFill>
-              <a:latin typeface="Arial"/>
-            </a:endParaRPr>
-          </a:p>
-          <a:p>
-            <a:pPr lvl="3" marL="1728000" indent="-216000">
-              <a:spcBef>
-                <a:spcPts val="567"/>
-              </a:spcBef>
-              <a:buClr>
-                <a:srgbClr val="000000"/>
-              </a:buClr>
-              <a:buSzPct val="75000"/>
-              <a:buFont typeface="Symbol" charset="2"/>
-              <a:buChar char=""/>
-            </a:pPr>
-            <a:r>
-              <a:rPr b="0" lang="en-US" sz="2000" spc="-1" strike="noStrike">
-                <a:solidFill>
-                  <a:srgbClr val="000000"/>
-                </a:solidFill>
-                <a:latin typeface="Arial"/>
-              </a:rPr>
-              <a:t>Fourth Outline Level</a:t>
-            </a:r>
-            <a:endParaRPr b="0" lang="en-US" sz="2000" spc="-1" strike="noStrike">
-              <a:solidFill>
-                <a:srgbClr val="000000"/>
-              </a:solidFill>
-              <a:latin typeface="Arial"/>
-            </a:endParaRPr>
-          </a:p>
-          <a:p>
-            <a:pPr lvl="4" marL="2160000" indent="-216000">
-              <a:spcBef>
-                <a:spcPts val="283"/>
-              </a:spcBef>
-              <a:buClr>
-                <a:srgbClr val="000000"/>
-              </a:buClr>
-              <a:buSzPct val="45000"/>
-              <a:buFont typeface="Wingdings" charset="2"/>
-              <a:buChar char=""/>
-            </a:pPr>
-            <a:r>
-              <a:rPr b="0" lang="en-US" sz="2000" spc="-1" strike="noStrike">
-                <a:solidFill>
-                  <a:srgbClr val="000000"/>
-                </a:solidFill>
-                <a:latin typeface="Arial"/>
-              </a:rPr>
-              <a:t>Fifth Outline Level</a:t>
-            </a:r>
-            <a:endParaRPr b="0" lang="en-US" sz="2000" spc="-1" strike="noStrike">
-              <a:solidFill>
-                <a:srgbClr val="000000"/>
-              </a:solidFill>
-              <a:latin typeface="Arial"/>
-            </a:endParaRPr>
-          </a:p>
-          <a:p>
-            <a:pPr lvl="5" marL="2592000" indent="-216000">
-              <a:spcBef>
-                <a:spcPts val="283"/>
-              </a:spcBef>
-              <a:buClr>
-                <a:srgbClr val="000000"/>
-              </a:buClr>
-              <a:buSzPct val="45000"/>
-              <a:buFont typeface="Wingdings" charset="2"/>
-              <a:buChar char=""/>
-            </a:pPr>
-            <a:r>
-              <a:rPr b="0" lang="en-US" sz="2000" spc="-1" strike="noStrike">
-                <a:solidFill>
-                  <a:srgbClr val="000000"/>
-                </a:solidFill>
-                <a:latin typeface="Arial"/>
-              </a:rPr>
-              <a:t>Sixth Outline Level</a:t>
-            </a:r>
-            <a:endParaRPr b="0" lang="en-US" sz="2000" spc="-1" strike="noStrike">
-              <a:solidFill>
-                <a:srgbClr val="000000"/>
-              </a:solidFill>
-              <a:latin typeface="Arial"/>
-            </a:endParaRPr>
-          </a:p>
-          <a:p>
-            <a:pPr lvl="6" marL="3024000" indent="-216000">
-              <a:spcBef>
-                <a:spcPts val="283"/>
-              </a:spcBef>
-              <a:buClr>
-                <a:srgbClr val="000000"/>
-              </a:buClr>
-              <a:buSzPct val="45000"/>
-              <a:buFont typeface="Wingdings" charset="2"/>
-              <a:buChar char=""/>
-            </a:pPr>
-            <a:r>
-              <a:rPr b="0" lang="en-US" sz="2000" spc="-1" strike="noStrike">
-                <a:solidFill>
-                  <a:srgbClr val="000000"/>
-                </a:solidFill>
-                <a:latin typeface="Arial"/>
-              </a:rPr>
-              <a:t>Seventh Outline Level</a:t>
-            </a:r>
-            <a:endParaRPr b="0" lang="en-US" sz="2000" spc="-1" strike="noStrike">
-              <a:solidFill>
-                <a:srgbClr val="000000"/>
-              </a:solidFill>
-              <a:latin typeface="Arial"/>
             </a:endParaRPr>
           </a:p>
         </p:txBody>
@@ -8923,6 +9413,13 @@
 <file path=ppt/slideMasters/slideMaster2.xml><?xml version="1.0" encoding="utf-8"?>
 <p:sldMaster xmlns:a="http://schemas.openxmlformats.org/drawingml/2006/main" xmlns:p="http://schemas.openxmlformats.org/presentationml/2006/main" xmlns:r="http://schemas.openxmlformats.org/officeDocument/2006/relationships" xmlns:p14="http://schemas.microsoft.com/office/powerpoint/2010/main" xmlns:p15="http://schemas.microsoft.com/office/powerpoint/2012/main" xmlns:mc="http://schemas.openxmlformats.org/markup-compatibility/2006">
   <p:cSld>
+    <p:bg>
+      <p:bgPr>
+        <a:solidFill>
+          <a:srgbClr val="ffffff"/>
+        </a:solidFill>
+      </p:bgPr>
+    </p:bg>
     <p:spTree>
       <p:nvGrpSpPr>
         <p:cNvPr id="1" name=""/>
@@ -8939,18 +9436,18 @@
       </p:grpSpPr>
       <p:cxnSp>
         <p:nvCxnSpPr>
-          <p:cNvPr id="122" name=""/>
+          <p:cNvPr id="122" name="Elbow Connector 121"/>
           <p:cNvCxnSpPr/>
           <p:nvPr/>
         </p:nvCxnSpPr>
         <p:spPr>
           <a:xfrm>
             <a:off x="540000" y="306360"/>
-            <a:ext cx="720720" cy="720"/>
+            <a:ext cx="721080" cy="1080"/>
           </a:xfrm>
           <a:prstGeom prst="bentConnector3">
             <a:avLst>
-              <a:gd name="adj1" fmla="val 50024"/>
+              <a:gd name="adj1" fmla="val 50000"/>
             </a:avLst>
           </a:prstGeom>
           <a:ln w="18000">
@@ -8963,7 +9460,7 @@
       </p:cxnSp>
       <p:cxnSp>
         <p:nvCxnSpPr>
-          <p:cNvPr id="123" name=""/>
+          <p:cNvPr id="123" name="Elbow Connector 122"/>
           <p:cNvCxnSpPr>
             <a:stCxn id="124" idx="6"/>
             <a:endCxn id="125" idx="2"/>
@@ -8972,8 +9469,8 @@
         </p:nvCxnSpPr>
         <p:spPr>
           <a:xfrm>
-            <a:off x="719640" y="486360"/>
-            <a:ext cx="360720" cy="360"/>
+            <a:off x="719280" y="486000"/>
+            <a:ext cx="361080" cy="360"/>
           </a:xfrm>
           <a:prstGeom prst="bentConnector2">
             <a:avLst/>
@@ -8988,7 +9485,7 @@
       </p:cxnSp>
       <p:cxnSp>
         <p:nvCxnSpPr>
-          <p:cNvPr id="126" name=""/>
+          <p:cNvPr id="126" name="Elbow Connector 125"/>
           <p:cNvCxnSpPr>
             <a:stCxn id="127" idx="6"/>
             <a:endCxn id="128" idx="2"/>
@@ -8997,8 +9494,8 @@
         </p:nvCxnSpPr>
         <p:spPr>
           <a:xfrm>
-            <a:off x="863640" y="702360"/>
-            <a:ext cx="72720" cy="360"/>
+            <a:off x="863280" y="702000"/>
+            <a:ext cx="73080" cy="360"/>
           </a:xfrm>
           <a:prstGeom prst="bentConnector2">
             <a:avLst/>
@@ -9013,7 +9510,7 @@
       </p:cxnSp>
       <p:cxnSp>
         <p:nvCxnSpPr>
-          <p:cNvPr id="129" name=""/>
+          <p:cNvPr id="129" name="Elbow Connector 128"/>
           <p:cNvCxnSpPr>
             <a:stCxn id="130" idx="6"/>
             <a:endCxn id="131" idx="2"/>
@@ -9022,8 +9519,8 @@
         </p:nvCxnSpPr>
         <p:spPr>
           <a:xfrm>
-            <a:off x="719640" y="126360"/>
-            <a:ext cx="360720" cy="360"/>
+            <a:off x="719280" y="126000"/>
+            <a:ext cx="361080" cy="360"/>
           </a:xfrm>
           <a:prstGeom prst="bentConnector2">
             <a:avLst/>
@@ -9038,7 +9535,7 @@
       </p:cxnSp>
       <p:cxnSp>
         <p:nvCxnSpPr>
-          <p:cNvPr id="132" name=""/>
+          <p:cNvPr id="132" name="Elbow Connector 131"/>
           <p:cNvCxnSpPr>
             <a:stCxn id="133" idx="6"/>
             <a:endCxn id="134" idx="2"/>
@@ -9047,8 +9544,8 @@
         </p:nvCxnSpPr>
         <p:spPr>
           <a:xfrm>
-            <a:off x="863640" y="954360"/>
-            <a:ext cx="72720" cy="360"/>
+            <a:off x="863280" y="954000"/>
+            <a:ext cx="73080" cy="360"/>
           </a:xfrm>
           <a:prstGeom prst="bentConnector2">
             <a:avLst/>
@@ -9063,7 +9560,7 @@
       </p:cxnSp>
       <p:cxnSp>
         <p:nvCxnSpPr>
-          <p:cNvPr id="135" name=""/>
+          <p:cNvPr id="135" name="Elbow Connector 134"/>
           <p:cNvCxnSpPr>
             <a:stCxn id="136" idx="6"/>
             <a:endCxn id="137" idx="2"/>
@@ -9072,8 +9569,8 @@
         </p:nvCxnSpPr>
         <p:spPr>
           <a:xfrm rot="10800000">
-            <a:off x="538920" y="1350360"/>
-            <a:ext cx="720720" cy="360"/>
+            <a:off x="538560" y="1350000"/>
+            <a:ext cx="721080" cy="360"/>
           </a:xfrm>
           <a:prstGeom prst="bentConnector2">
             <a:avLst/>
@@ -9088,7 +9585,7 @@
       </p:cxnSp>
       <p:cxnSp>
         <p:nvCxnSpPr>
-          <p:cNvPr id="138" name=""/>
+          <p:cNvPr id="138" name="Elbow Connector 137"/>
           <p:cNvCxnSpPr>
             <a:stCxn id="139" idx="6"/>
             <a:endCxn id="140" idx="2"/>
@@ -9097,8 +9594,8 @@
         </p:nvCxnSpPr>
         <p:spPr>
           <a:xfrm rot="10800000">
-            <a:off x="718920" y="1170360"/>
-            <a:ext cx="360720" cy="360"/>
+            <a:off x="718560" y="1170000"/>
+            <a:ext cx="361080" cy="360"/>
           </a:xfrm>
           <a:prstGeom prst="bentConnector2">
             <a:avLst/>
@@ -9113,7 +9610,7 @@
       </p:cxnSp>
       <p:cxnSp>
         <p:nvCxnSpPr>
-          <p:cNvPr id="141" name=""/>
+          <p:cNvPr id="141" name="Elbow Connector 140"/>
           <p:cNvCxnSpPr>
             <a:stCxn id="142" idx="6"/>
             <a:endCxn id="143" idx="2"/>
@@ -9122,8 +9619,8 @@
         </p:nvCxnSpPr>
         <p:spPr>
           <a:xfrm rot="10800000">
-            <a:off x="718920" y="1530360"/>
-            <a:ext cx="360720" cy="360"/>
+            <a:off x="718560" y="1530000"/>
+            <a:ext cx="361080" cy="360"/>
           </a:xfrm>
           <a:prstGeom prst="bentConnector2">
             <a:avLst/>
@@ -9138,7 +9635,7 @@
       </p:cxnSp>
       <p:cxnSp>
         <p:nvCxnSpPr>
-          <p:cNvPr id="144" name=""/>
+          <p:cNvPr id="144" name="Elbow Connector 143"/>
           <p:cNvCxnSpPr>
             <a:stCxn id="145" idx="6"/>
             <a:endCxn id="146" idx="2"/>
@@ -9147,8 +9644,8 @@
         </p:nvCxnSpPr>
         <p:spPr>
           <a:xfrm rot="10800000">
-            <a:off x="862920" y="1746360"/>
-            <a:ext cx="72720" cy="360"/>
+            <a:off x="862560" y="1746000"/>
+            <a:ext cx="73080" cy="360"/>
           </a:xfrm>
           <a:prstGeom prst="bentConnector2">
             <a:avLst/>
@@ -9163,7 +9660,7 @@
       </p:cxnSp>
       <p:cxnSp>
         <p:nvCxnSpPr>
-          <p:cNvPr id="147" name=""/>
+          <p:cNvPr id="147" name="Elbow Connector 146"/>
           <p:cNvCxnSpPr>
             <a:stCxn id="148" idx="6"/>
             <a:endCxn id="149" idx="2"/>
@@ -9172,8 +9669,8 @@
         </p:nvCxnSpPr>
         <p:spPr>
           <a:xfrm rot="10800000">
-            <a:off x="862920" y="1998360"/>
-            <a:ext cx="72720" cy="360"/>
+            <a:off x="862560" y="1998000"/>
+            <a:ext cx="73080" cy="360"/>
           </a:xfrm>
           <a:prstGeom prst="bentConnector2">
             <a:avLst/>
@@ -9188,7 +9685,7 @@
       </p:cxnSp>
       <p:cxnSp>
         <p:nvCxnSpPr>
-          <p:cNvPr id="150" name=""/>
+          <p:cNvPr id="150" name="Elbow Connector 149"/>
           <p:cNvCxnSpPr>
             <a:stCxn id="151" idx="6"/>
             <a:endCxn id="152" idx="2"/>
@@ -9197,8 +9694,8 @@
         </p:nvCxnSpPr>
         <p:spPr>
           <a:xfrm>
-            <a:off x="539640" y="2394360"/>
-            <a:ext cx="720720" cy="360"/>
+            <a:off x="539280" y="2394000"/>
+            <a:ext cx="721080" cy="360"/>
           </a:xfrm>
           <a:prstGeom prst="bentConnector2">
             <a:avLst/>
@@ -9213,7 +9710,7 @@
       </p:cxnSp>
       <p:cxnSp>
         <p:nvCxnSpPr>
-          <p:cNvPr id="153" name=""/>
+          <p:cNvPr id="153" name="Elbow Connector 152"/>
           <p:cNvCxnSpPr>
             <a:stCxn id="154" idx="6"/>
             <a:endCxn id="155" idx="2"/>
@@ -9222,8 +9719,8 @@
         </p:nvCxnSpPr>
         <p:spPr>
           <a:xfrm>
-            <a:off x="719640" y="2214360"/>
-            <a:ext cx="360720" cy="360"/>
+            <a:off x="719280" y="2214000"/>
+            <a:ext cx="361080" cy="360"/>
           </a:xfrm>
           <a:prstGeom prst="bentConnector2">
             <a:avLst/>
@@ -9238,7 +9735,7 @@
       </p:cxnSp>
       <p:cxnSp>
         <p:nvCxnSpPr>
-          <p:cNvPr id="156" name=""/>
+          <p:cNvPr id="156" name="Elbow Connector 155"/>
           <p:cNvCxnSpPr>
             <a:stCxn id="157" idx="6"/>
             <a:endCxn id="158" idx="2"/>
@@ -9247,8 +9744,8 @@
         </p:nvCxnSpPr>
         <p:spPr>
           <a:xfrm>
-            <a:off x="719640" y="2583720"/>
-            <a:ext cx="360720" cy="360"/>
+            <a:off x="719280" y="2583360"/>
+            <a:ext cx="361080" cy="360"/>
           </a:xfrm>
           <a:prstGeom prst="bentConnector2">
             <a:avLst/>
@@ -9263,7 +9760,7 @@
       </p:cxnSp>
       <p:cxnSp>
         <p:nvCxnSpPr>
-          <p:cNvPr id="159" name=""/>
+          <p:cNvPr id="159" name="Elbow Connector 158"/>
           <p:cNvCxnSpPr>
             <a:stCxn id="160" idx="6"/>
             <a:endCxn id="161" idx="2"/>
@@ -9272,8 +9769,8 @@
         </p:nvCxnSpPr>
         <p:spPr>
           <a:xfrm>
-            <a:off x="863640" y="2799720"/>
-            <a:ext cx="72720" cy="360"/>
+            <a:off x="863280" y="2799360"/>
+            <a:ext cx="73080" cy="360"/>
           </a:xfrm>
           <a:prstGeom prst="bentConnector2">
             <a:avLst/>
@@ -9288,7 +9785,7 @@
       </p:cxnSp>
       <p:cxnSp>
         <p:nvCxnSpPr>
-          <p:cNvPr id="162" name=""/>
+          <p:cNvPr id="162" name="Elbow Connector 161"/>
           <p:cNvCxnSpPr>
             <a:stCxn id="163" idx="6"/>
             <a:endCxn id="164" idx="2"/>
@@ -9297,8 +9794,8 @@
         </p:nvCxnSpPr>
         <p:spPr>
           <a:xfrm>
-            <a:off x="863640" y="3051720"/>
-            <a:ext cx="72720" cy="360"/>
+            <a:off x="863280" y="3051360"/>
+            <a:ext cx="73080" cy="360"/>
           </a:xfrm>
           <a:prstGeom prst="bentConnector2">
             <a:avLst/>
@@ -9313,7 +9810,7 @@
       </p:cxnSp>
       <p:cxnSp>
         <p:nvCxnSpPr>
-          <p:cNvPr id="165" name=""/>
+          <p:cNvPr id="165" name="Elbow Connector 164"/>
           <p:cNvCxnSpPr>
             <a:stCxn id="166" idx="6"/>
             <a:endCxn id="167" idx="2"/>
@@ -9322,8 +9819,8 @@
         </p:nvCxnSpPr>
         <p:spPr>
           <a:xfrm rot="10800000">
-            <a:off x="538920" y="3447720"/>
-            <a:ext cx="720720" cy="360"/>
+            <a:off x="538560" y="3447360"/>
+            <a:ext cx="721080" cy="360"/>
           </a:xfrm>
           <a:prstGeom prst="bentConnector2">
             <a:avLst/>
@@ -9338,7 +9835,7 @@
       </p:cxnSp>
       <p:cxnSp>
         <p:nvCxnSpPr>
-          <p:cNvPr id="168" name=""/>
+          <p:cNvPr id="168" name="Elbow Connector 167"/>
           <p:cNvCxnSpPr>
             <a:stCxn id="169" idx="6"/>
             <a:endCxn id="170" idx="2"/>
@@ -9347,8 +9844,8 @@
         </p:nvCxnSpPr>
         <p:spPr>
           <a:xfrm rot="10800000">
-            <a:off x="737640" y="3267720"/>
-            <a:ext cx="360720" cy="360"/>
+            <a:off x="737280" y="3267360"/>
+            <a:ext cx="361080" cy="360"/>
           </a:xfrm>
           <a:prstGeom prst="bentConnector2">
             <a:avLst/>
@@ -9363,7 +9860,7 @@
       </p:cxnSp>
       <p:cxnSp>
         <p:nvCxnSpPr>
-          <p:cNvPr id="171" name=""/>
+          <p:cNvPr id="171" name="Elbow Connector 170"/>
           <p:cNvCxnSpPr>
             <a:stCxn id="172" idx="6"/>
             <a:endCxn id="173" idx="2"/>
@@ -9372,8 +9869,8 @@
         </p:nvCxnSpPr>
         <p:spPr>
           <a:xfrm rot="10800000">
-            <a:off x="728280" y="3636720"/>
-            <a:ext cx="360720" cy="360"/>
+            <a:off x="727920" y="3636360"/>
+            <a:ext cx="361080" cy="360"/>
           </a:xfrm>
           <a:prstGeom prst="bentConnector2">
             <a:avLst/>
@@ -9388,7 +9885,7 @@
       </p:cxnSp>
       <p:cxnSp>
         <p:nvCxnSpPr>
-          <p:cNvPr id="174" name=""/>
+          <p:cNvPr id="174" name="Elbow Connector 173"/>
           <p:cNvCxnSpPr>
             <a:stCxn id="175" idx="6"/>
             <a:endCxn id="176" idx="2"/>
@@ -9397,8 +9894,8 @@
         </p:nvCxnSpPr>
         <p:spPr>
           <a:xfrm rot="10800000">
-            <a:off x="872280" y="3852720"/>
-            <a:ext cx="72720" cy="360"/>
+            <a:off x="871920" y="3852360"/>
+            <a:ext cx="73080" cy="360"/>
           </a:xfrm>
           <a:prstGeom prst="bentConnector2">
             <a:avLst/>
@@ -9413,7 +9910,7 @@
       </p:cxnSp>
       <p:cxnSp>
         <p:nvCxnSpPr>
-          <p:cNvPr id="177" name=""/>
+          <p:cNvPr id="177" name="Elbow Connector 176"/>
           <p:cNvCxnSpPr>
             <a:stCxn id="178" idx="6"/>
             <a:endCxn id="179" idx="2"/>
@@ -9422,8 +9919,8 @@
         </p:nvCxnSpPr>
         <p:spPr>
           <a:xfrm rot="10800000">
-            <a:off x="872280" y="4104720"/>
-            <a:ext cx="72720" cy="360"/>
+            <a:off x="871920" y="4104360"/>
+            <a:ext cx="73080" cy="360"/>
           </a:xfrm>
           <a:prstGeom prst="bentConnector2">
             <a:avLst/>
@@ -9438,7 +9935,7 @@
       </p:cxnSp>
       <p:cxnSp>
         <p:nvCxnSpPr>
-          <p:cNvPr id="180" name=""/>
+          <p:cNvPr id="180" name="Elbow Connector 179"/>
           <p:cNvCxnSpPr>
             <a:stCxn id="181" idx="6"/>
             <a:endCxn id="182" idx="2"/>
@@ -9447,8 +9944,8 @@
         </p:nvCxnSpPr>
         <p:spPr>
           <a:xfrm>
-            <a:off x="549000" y="4500720"/>
-            <a:ext cx="720720" cy="360"/>
+            <a:off x="548640" y="4500360"/>
+            <a:ext cx="721080" cy="360"/>
           </a:xfrm>
           <a:prstGeom prst="bentConnector2">
             <a:avLst/>
@@ -9463,7 +9960,7 @@
       </p:cxnSp>
       <p:cxnSp>
         <p:nvCxnSpPr>
-          <p:cNvPr id="183" name=""/>
+          <p:cNvPr id="183" name="Elbow Connector 182"/>
           <p:cNvCxnSpPr>
             <a:stCxn id="184" idx="6"/>
             <a:endCxn id="185" idx="2"/>
@@ -9472,8 +9969,8 @@
         </p:nvCxnSpPr>
         <p:spPr>
           <a:xfrm>
-            <a:off x="729000" y="4320720"/>
-            <a:ext cx="360720" cy="360"/>
+            <a:off x="728640" y="4320360"/>
+            <a:ext cx="361080" cy="360"/>
           </a:xfrm>
           <a:prstGeom prst="bentConnector2">
             <a:avLst/>
@@ -9488,7 +9985,7 @@
       </p:cxnSp>
       <p:cxnSp>
         <p:nvCxnSpPr>
-          <p:cNvPr id="186" name=""/>
+          <p:cNvPr id="186" name="Elbow Connector 185"/>
           <p:cNvCxnSpPr>
             <a:stCxn id="187" idx="6"/>
             <a:endCxn id="188" idx="2"/>
@@ -9497,8 +9994,8 @@
         </p:nvCxnSpPr>
         <p:spPr>
           <a:xfrm>
-            <a:off x="729000" y="4680720"/>
-            <a:ext cx="360720" cy="360"/>
+            <a:off x="728640" y="4680360"/>
+            <a:ext cx="361080" cy="360"/>
           </a:xfrm>
           <a:prstGeom prst="bentConnector2">
             <a:avLst/>
@@ -9513,7 +10010,7 @@
       </p:cxnSp>
       <p:cxnSp>
         <p:nvCxnSpPr>
-          <p:cNvPr id="189" name=""/>
+          <p:cNvPr id="189" name="Elbow Connector 188"/>
           <p:cNvCxnSpPr>
             <a:stCxn id="190" idx="6"/>
             <a:endCxn id="191" idx="2"/>
@@ -9522,8 +10019,8 @@
         </p:nvCxnSpPr>
         <p:spPr>
           <a:xfrm>
-            <a:off x="873000" y="4896720"/>
-            <a:ext cx="72720" cy="360"/>
+            <a:off x="872640" y="4896360"/>
+            <a:ext cx="73080" cy="360"/>
           </a:xfrm>
           <a:prstGeom prst="bentConnector2">
             <a:avLst/>
@@ -9538,7 +10035,7 @@
       </p:cxnSp>
       <p:cxnSp>
         <p:nvCxnSpPr>
-          <p:cNvPr id="192" name=""/>
+          <p:cNvPr id="192" name="Elbow Connector 191"/>
           <p:cNvCxnSpPr>
             <a:stCxn id="193" idx="6"/>
             <a:endCxn id="194" idx="2"/>
@@ -9547,8 +10044,8 @@
         </p:nvCxnSpPr>
         <p:spPr>
           <a:xfrm>
-            <a:off x="873000" y="5148720"/>
-            <a:ext cx="72720" cy="360"/>
+            <a:off x="872640" y="5148360"/>
+            <a:ext cx="73080" cy="360"/>
           </a:xfrm>
           <a:prstGeom prst="bentConnector2">
             <a:avLst/>
@@ -9563,7 +10060,7 @@
       </p:cxnSp>
       <p:cxnSp>
         <p:nvCxnSpPr>
-          <p:cNvPr id="195" name=""/>
+          <p:cNvPr id="195" name="Elbow Connector 194"/>
           <p:cNvCxnSpPr>
             <a:stCxn id="196" idx="6"/>
             <a:endCxn id="197" idx="2"/>
@@ -9572,8 +10069,8 @@
         </p:nvCxnSpPr>
         <p:spPr>
           <a:xfrm rot="10800000">
-            <a:off x="548280" y="5544720"/>
-            <a:ext cx="720720" cy="360"/>
+            <a:off x="547920" y="5544360"/>
+            <a:ext cx="721080" cy="360"/>
           </a:xfrm>
           <a:prstGeom prst="bentConnector2">
             <a:avLst/>
@@ -9588,7 +10085,7 @@
       </p:cxnSp>
       <p:cxnSp>
         <p:nvCxnSpPr>
-          <p:cNvPr id="198" name=""/>
+          <p:cNvPr id="198" name="Elbow Connector 197"/>
           <p:cNvCxnSpPr>
             <a:stCxn id="199" idx="6"/>
             <a:endCxn id="200" idx="2"/>
@@ -9597,8 +10094,8 @@
         </p:nvCxnSpPr>
         <p:spPr>
           <a:xfrm rot="10800000">
-            <a:off x="728280" y="5364720"/>
-            <a:ext cx="360720" cy="360"/>
+            <a:off x="727920" y="5364360"/>
+            <a:ext cx="361080" cy="360"/>
           </a:xfrm>
           <a:prstGeom prst="bentConnector2">
             <a:avLst/>
@@ -9613,14 +10110,14 @@
       </p:cxnSp>
       <p:sp>
         <p:nvSpPr>
-          <p:cNvPr id="201" name=""/>
+          <p:cNvPr id="201" name="Oval 200"/>
           <p:cNvSpPr/>
           <p:nvPr/>
         </p:nvSpPr>
         <p:spPr>
           <a:xfrm>
             <a:off x="1260000" y="216360"/>
-            <a:ext cx="179640" cy="179640"/>
+            <a:ext cx="179280" cy="179280"/>
           </a:xfrm>
           <a:prstGeom prst="ellipse">
             <a:avLst/>
@@ -9663,14 +10160,14 @@
       </p:sp>
       <p:sp>
         <p:nvSpPr>
-          <p:cNvPr id="125" name=""/>
+          <p:cNvPr id="125" name="Oval 124"/>
           <p:cNvSpPr/>
           <p:nvPr/>
         </p:nvSpPr>
         <p:spPr>
           <a:xfrm>
             <a:off x="1080000" y="396360"/>
-            <a:ext cx="179640" cy="179640"/>
+            <a:ext cx="179280" cy="179280"/>
           </a:xfrm>
           <a:prstGeom prst="ellipse">
             <a:avLst/>
@@ -9713,14 +10210,14 @@
       </p:sp>
       <p:sp>
         <p:nvSpPr>
-          <p:cNvPr id="131" name=""/>
+          <p:cNvPr id="131" name="Oval 130"/>
           <p:cNvSpPr/>
           <p:nvPr/>
         </p:nvSpPr>
         <p:spPr>
           <a:xfrm>
             <a:off x="1080000" y="36360"/>
-            <a:ext cx="179640" cy="179640"/>
+            <a:ext cx="179280" cy="179280"/>
           </a:xfrm>
           <a:prstGeom prst="ellipse">
             <a:avLst/>
@@ -9763,14 +10260,14 @@
       </p:sp>
       <p:sp>
         <p:nvSpPr>
-          <p:cNvPr id="128" name=""/>
+          <p:cNvPr id="128" name="Oval 127"/>
           <p:cNvSpPr/>
           <p:nvPr/>
         </p:nvSpPr>
         <p:spPr>
           <a:xfrm>
             <a:off x="936000" y="612360"/>
-            <a:ext cx="179640" cy="179640"/>
+            <a:ext cx="179280" cy="179280"/>
           </a:xfrm>
           <a:prstGeom prst="ellipse">
             <a:avLst/>
@@ -9813,14 +10310,14 @@
       </p:sp>
       <p:sp>
         <p:nvSpPr>
-          <p:cNvPr id="134" name=""/>
+          <p:cNvPr id="134" name="Oval 133"/>
           <p:cNvSpPr/>
           <p:nvPr/>
         </p:nvSpPr>
         <p:spPr>
           <a:xfrm>
             <a:off x="936000" y="864360"/>
-            <a:ext cx="179640" cy="179640"/>
+            <a:ext cx="179280" cy="179280"/>
           </a:xfrm>
           <a:prstGeom prst="ellipse">
             <a:avLst/>
@@ -9863,14 +10360,14 @@
       </p:sp>
       <p:sp>
         <p:nvSpPr>
-          <p:cNvPr id="136" name=""/>
+          <p:cNvPr id="136" name="Oval 135"/>
           <p:cNvSpPr/>
           <p:nvPr/>
         </p:nvSpPr>
         <p:spPr>
           <a:xfrm flipH="1">
             <a:off x="1259280" y="1260360"/>
-            <a:ext cx="179640" cy="179640"/>
+            <a:ext cx="179280" cy="179280"/>
           </a:xfrm>
           <a:prstGeom prst="ellipse">
             <a:avLst/>
@@ -9913,14 +10410,14 @@
       </p:sp>
       <p:sp>
         <p:nvSpPr>
-          <p:cNvPr id="139" name=""/>
+          <p:cNvPr id="139" name="Oval 138"/>
           <p:cNvSpPr/>
           <p:nvPr/>
         </p:nvSpPr>
         <p:spPr>
           <a:xfrm flipH="1">
             <a:off x="1079280" y="1080360"/>
-            <a:ext cx="179640" cy="179640"/>
+            <a:ext cx="179280" cy="179280"/>
           </a:xfrm>
           <a:prstGeom prst="ellipse">
             <a:avLst/>
@@ -9963,14 +10460,14 @@
       </p:sp>
       <p:sp>
         <p:nvSpPr>
-          <p:cNvPr id="142" name=""/>
+          <p:cNvPr id="142" name="Oval 141"/>
           <p:cNvSpPr/>
           <p:nvPr/>
         </p:nvSpPr>
         <p:spPr>
           <a:xfrm flipH="1">
             <a:off x="1079280" y="1440360"/>
-            <a:ext cx="179640" cy="179640"/>
+            <a:ext cx="179280" cy="179280"/>
           </a:xfrm>
           <a:prstGeom prst="ellipse">
             <a:avLst/>
@@ -10013,14 +10510,14 @@
       </p:sp>
       <p:sp>
         <p:nvSpPr>
-          <p:cNvPr id="145" name=""/>
+          <p:cNvPr id="145" name="Oval 144"/>
           <p:cNvSpPr/>
           <p:nvPr/>
         </p:nvSpPr>
         <p:spPr>
           <a:xfrm flipH="1">
             <a:off x="935280" y="1656360"/>
-            <a:ext cx="179640" cy="179640"/>
+            <a:ext cx="179280" cy="179280"/>
           </a:xfrm>
           <a:prstGeom prst="ellipse">
             <a:avLst/>
@@ -10063,14 +10560,14 @@
       </p:sp>
       <p:sp>
         <p:nvSpPr>
-          <p:cNvPr id="148" name=""/>
+          <p:cNvPr id="148" name="Oval 147"/>
           <p:cNvSpPr/>
           <p:nvPr/>
         </p:nvSpPr>
         <p:spPr>
           <a:xfrm flipH="1">
             <a:off x="935280" y="1908360"/>
-            <a:ext cx="179640" cy="179640"/>
+            <a:ext cx="179280" cy="179280"/>
           </a:xfrm>
           <a:prstGeom prst="ellipse">
             <a:avLst/>
@@ -10113,14 +10610,14 @@
       </p:sp>
       <p:sp>
         <p:nvSpPr>
-          <p:cNvPr id="152" name=""/>
+          <p:cNvPr id="152" name="Oval 151"/>
           <p:cNvSpPr/>
           <p:nvPr/>
         </p:nvSpPr>
         <p:spPr>
           <a:xfrm>
             <a:off x="1260000" y="2304360"/>
-            <a:ext cx="179640" cy="179640"/>
+            <a:ext cx="179280" cy="179280"/>
           </a:xfrm>
           <a:prstGeom prst="ellipse">
             <a:avLst/>
@@ -10163,14 +10660,14 @@
       </p:sp>
       <p:sp>
         <p:nvSpPr>
-          <p:cNvPr id="155" name=""/>
+          <p:cNvPr id="155" name="Oval 154"/>
           <p:cNvSpPr/>
           <p:nvPr/>
         </p:nvSpPr>
         <p:spPr>
           <a:xfrm>
             <a:off x="1080000" y="2124360"/>
-            <a:ext cx="179640" cy="179640"/>
+            <a:ext cx="179280" cy="179280"/>
           </a:xfrm>
           <a:prstGeom prst="ellipse">
             <a:avLst/>
@@ -10213,14 +10710,14 @@
       </p:sp>
       <p:sp>
         <p:nvSpPr>
-          <p:cNvPr id="158" name=""/>
+          <p:cNvPr id="158" name="Oval 157"/>
           <p:cNvSpPr/>
           <p:nvPr/>
         </p:nvSpPr>
         <p:spPr>
           <a:xfrm>
             <a:off x="1080000" y="2493720"/>
-            <a:ext cx="179640" cy="179640"/>
+            <a:ext cx="179280" cy="179280"/>
           </a:xfrm>
           <a:prstGeom prst="ellipse">
             <a:avLst/>
@@ -10263,14 +10760,14 @@
       </p:sp>
       <p:sp>
         <p:nvSpPr>
-          <p:cNvPr id="161" name=""/>
+          <p:cNvPr id="161" name="Oval 160"/>
           <p:cNvSpPr/>
           <p:nvPr/>
         </p:nvSpPr>
         <p:spPr>
           <a:xfrm>
             <a:off x="936000" y="2709720"/>
-            <a:ext cx="179640" cy="179640"/>
+            <a:ext cx="179280" cy="179280"/>
           </a:xfrm>
           <a:prstGeom prst="ellipse">
             <a:avLst/>
@@ -10313,14 +10810,14 @@
       </p:sp>
       <p:sp>
         <p:nvSpPr>
-          <p:cNvPr id="164" name=""/>
+          <p:cNvPr id="164" name="Oval 163"/>
           <p:cNvSpPr/>
           <p:nvPr/>
         </p:nvSpPr>
         <p:spPr>
           <a:xfrm>
             <a:off x="936000" y="2961720"/>
-            <a:ext cx="179640" cy="179640"/>
+            <a:ext cx="179280" cy="179280"/>
           </a:xfrm>
           <a:prstGeom prst="ellipse">
             <a:avLst/>
@@ -10363,14 +10860,14 @@
       </p:sp>
       <p:sp>
         <p:nvSpPr>
-          <p:cNvPr id="166" name=""/>
+          <p:cNvPr id="166" name="Oval 165"/>
           <p:cNvSpPr/>
           <p:nvPr/>
         </p:nvSpPr>
         <p:spPr>
           <a:xfrm flipH="1">
             <a:off x="1259280" y="3357720"/>
-            <a:ext cx="179640" cy="179640"/>
+            <a:ext cx="179280" cy="179280"/>
           </a:xfrm>
           <a:prstGeom prst="ellipse">
             <a:avLst/>
@@ -10413,14 +10910,14 @@
       </p:sp>
       <p:sp>
         <p:nvSpPr>
-          <p:cNvPr id="169" name=""/>
+          <p:cNvPr id="169" name="Oval 168"/>
           <p:cNvSpPr/>
           <p:nvPr/>
         </p:nvSpPr>
         <p:spPr>
           <a:xfrm flipH="1">
             <a:off x="1098000" y="3177720"/>
-            <a:ext cx="179640" cy="179640"/>
+            <a:ext cx="179280" cy="179280"/>
           </a:xfrm>
           <a:prstGeom prst="ellipse">
             <a:avLst/>
@@ -10463,14 +10960,14 @@
       </p:sp>
       <p:sp>
         <p:nvSpPr>
-          <p:cNvPr id="172" name=""/>
+          <p:cNvPr id="172" name="Oval 171"/>
           <p:cNvSpPr/>
           <p:nvPr/>
         </p:nvSpPr>
         <p:spPr>
           <a:xfrm flipH="1">
             <a:off x="1088640" y="3546720"/>
-            <a:ext cx="179640" cy="179640"/>
+            <a:ext cx="179280" cy="179280"/>
           </a:xfrm>
           <a:prstGeom prst="ellipse">
             <a:avLst/>
@@ -10513,14 +11010,14 @@
       </p:sp>
       <p:sp>
         <p:nvSpPr>
-          <p:cNvPr id="175" name=""/>
+          <p:cNvPr id="175" name="Oval 174"/>
           <p:cNvSpPr/>
           <p:nvPr/>
         </p:nvSpPr>
         <p:spPr>
           <a:xfrm flipH="1">
             <a:off x="944640" y="3762720"/>
-            <a:ext cx="179640" cy="179640"/>
+            <a:ext cx="179280" cy="179280"/>
           </a:xfrm>
           <a:prstGeom prst="ellipse">
             <a:avLst/>
@@ -10563,14 +11060,14 @@
       </p:sp>
       <p:sp>
         <p:nvSpPr>
-          <p:cNvPr id="178" name=""/>
+          <p:cNvPr id="178" name="Oval 177"/>
           <p:cNvSpPr/>
           <p:nvPr/>
         </p:nvSpPr>
         <p:spPr>
           <a:xfrm flipH="1">
             <a:off x="944640" y="4014720"/>
-            <a:ext cx="179640" cy="179640"/>
+            <a:ext cx="179280" cy="179280"/>
           </a:xfrm>
           <a:prstGeom prst="ellipse">
             <a:avLst/>
@@ -10613,14 +11110,14 @@
       </p:sp>
       <p:sp>
         <p:nvSpPr>
-          <p:cNvPr id="182" name=""/>
+          <p:cNvPr id="182" name="Oval 181"/>
           <p:cNvSpPr/>
           <p:nvPr/>
         </p:nvSpPr>
         <p:spPr>
           <a:xfrm>
             <a:off x="1269360" y="4410720"/>
-            <a:ext cx="179640" cy="179640"/>
+            <a:ext cx="179280" cy="179280"/>
           </a:xfrm>
           <a:prstGeom prst="ellipse">
             <a:avLst/>
@@ -10663,14 +11160,14 @@
       </p:sp>
       <p:sp>
         <p:nvSpPr>
-          <p:cNvPr id="185" name=""/>
+          <p:cNvPr id="185" name="Oval 184"/>
           <p:cNvSpPr/>
           <p:nvPr/>
         </p:nvSpPr>
         <p:spPr>
           <a:xfrm>
             <a:off x="1089360" y="4230720"/>
-            <a:ext cx="179640" cy="179640"/>
+            <a:ext cx="179280" cy="179280"/>
           </a:xfrm>
           <a:prstGeom prst="ellipse">
             <a:avLst/>
@@ -10713,14 +11210,14 @@
       </p:sp>
       <p:sp>
         <p:nvSpPr>
-          <p:cNvPr id="188" name=""/>
+          <p:cNvPr id="188" name="Oval 187"/>
           <p:cNvSpPr/>
           <p:nvPr/>
         </p:nvSpPr>
         <p:spPr>
           <a:xfrm>
             <a:off x="1089360" y="4590720"/>
-            <a:ext cx="179640" cy="179640"/>
+            <a:ext cx="179280" cy="179280"/>
           </a:xfrm>
           <a:prstGeom prst="ellipse">
             <a:avLst/>
@@ -10763,14 +11260,14 @@
       </p:sp>
       <p:sp>
         <p:nvSpPr>
-          <p:cNvPr id="191" name=""/>
+          <p:cNvPr id="191" name="Oval 190"/>
           <p:cNvSpPr/>
           <p:nvPr/>
         </p:nvSpPr>
         <p:spPr>
           <a:xfrm>
             <a:off x="945360" y="4806720"/>
-            <a:ext cx="179640" cy="179640"/>
+            <a:ext cx="179280" cy="179280"/>
           </a:xfrm>
           <a:prstGeom prst="ellipse">
             <a:avLst/>
@@ -10813,14 +11310,14 @@
       </p:sp>
       <p:sp>
         <p:nvSpPr>
-          <p:cNvPr id="194" name=""/>
+          <p:cNvPr id="194" name="Oval 193"/>
           <p:cNvSpPr/>
           <p:nvPr/>
         </p:nvSpPr>
         <p:spPr>
           <a:xfrm>
             <a:off x="945360" y="5058720"/>
-            <a:ext cx="179640" cy="179640"/>
+            <a:ext cx="179280" cy="179280"/>
           </a:xfrm>
           <a:prstGeom prst="ellipse">
             <a:avLst/>
@@ -10863,14 +11360,14 @@
       </p:sp>
       <p:sp>
         <p:nvSpPr>
-          <p:cNvPr id="197" name=""/>
+          <p:cNvPr id="197" name="Oval 196"/>
           <p:cNvSpPr/>
           <p:nvPr/>
         </p:nvSpPr>
         <p:spPr>
           <a:xfrm flipH="1">
             <a:off x="368640" y="5454720"/>
-            <a:ext cx="179640" cy="179640"/>
+            <a:ext cx="179280" cy="179280"/>
           </a:xfrm>
           <a:prstGeom prst="ellipse">
             <a:avLst/>
@@ -10913,14 +11410,14 @@
       </p:sp>
       <p:sp>
         <p:nvSpPr>
-          <p:cNvPr id="200" name=""/>
+          <p:cNvPr id="200" name="Oval 199"/>
           <p:cNvSpPr/>
           <p:nvPr/>
         </p:nvSpPr>
         <p:spPr>
           <a:xfrm flipH="1">
             <a:off x="548640" y="5274720"/>
-            <a:ext cx="179640" cy="179640"/>
+            <a:ext cx="179280" cy="179280"/>
           </a:xfrm>
           <a:prstGeom prst="ellipse">
             <a:avLst/>
@@ -10963,14 +11460,14 @@
       </p:sp>
       <p:sp>
         <p:nvSpPr>
-          <p:cNvPr id="202" name=""/>
+          <p:cNvPr id="202" name="Oval 201"/>
           <p:cNvSpPr/>
           <p:nvPr/>
         </p:nvSpPr>
         <p:spPr>
           <a:xfrm>
             <a:off x="360000" y="216360"/>
-            <a:ext cx="179640" cy="179640"/>
+            <a:ext cx="179280" cy="179280"/>
           </a:xfrm>
           <a:prstGeom prst="ellipse">
             <a:avLst/>
@@ -11013,14 +11510,14 @@
       </p:sp>
       <p:sp>
         <p:nvSpPr>
-          <p:cNvPr id="124" name=""/>
+          <p:cNvPr id="124" name="Oval 123"/>
           <p:cNvSpPr/>
           <p:nvPr/>
         </p:nvSpPr>
         <p:spPr>
           <a:xfrm>
             <a:off x="540000" y="396360"/>
-            <a:ext cx="179640" cy="179640"/>
+            <a:ext cx="179280" cy="179280"/>
           </a:xfrm>
           <a:prstGeom prst="ellipse">
             <a:avLst/>
@@ -11063,14 +11560,14 @@
       </p:sp>
       <p:sp>
         <p:nvSpPr>
-          <p:cNvPr id="130" name=""/>
+          <p:cNvPr id="130" name="Oval 129"/>
           <p:cNvSpPr/>
           <p:nvPr/>
         </p:nvSpPr>
         <p:spPr>
           <a:xfrm>
             <a:off x="540000" y="36360"/>
-            <a:ext cx="179640" cy="179640"/>
+            <a:ext cx="179280" cy="179280"/>
           </a:xfrm>
           <a:prstGeom prst="ellipse">
             <a:avLst/>
@@ -11113,14 +11610,14 @@
       </p:sp>
       <p:sp>
         <p:nvSpPr>
-          <p:cNvPr id="127" name=""/>
+          <p:cNvPr id="127" name="Oval 126"/>
           <p:cNvSpPr/>
           <p:nvPr/>
         </p:nvSpPr>
         <p:spPr>
           <a:xfrm>
             <a:off x="684000" y="612360"/>
-            <a:ext cx="179640" cy="179640"/>
+            <a:ext cx="179280" cy="179280"/>
           </a:xfrm>
           <a:prstGeom prst="ellipse">
             <a:avLst/>
@@ -11163,14 +11660,14 @@
       </p:sp>
       <p:sp>
         <p:nvSpPr>
-          <p:cNvPr id="133" name=""/>
+          <p:cNvPr id="133" name="Oval 132"/>
           <p:cNvSpPr/>
           <p:nvPr/>
         </p:nvSpPr>
         <p:spPr>
           <a:xfrm>
             <a:off x="684000" y="864360"/>
-            <a:ext cx="179640" cy="179640"/>
+            <a:ext cx="179280" cy="179280"/>
           </a:xfrm>
           <a:prstGeom prst="ellipse">
             <a:avLst/>
@@ -11213,14 +11710,14 @@
       </p:sp>
       <p:sp>
         <p:nvSpPr>
-          <p:cNvPr id="137" name=""/>
+          <p:cNvPr id="137" name="Oval 136"/>
           <p:cNvSpPr/>
           <p:nvPr/>
         </p:nvSpPr>
         <p:spPr>
           <a:xfrm flipH="1">
             <a:off x="359280" y="1260360"/>
-            <a:ext cx="179640" cy="179640"/>
+            <a:ext cx="179280" cy="179280"/>
           </a:xfrm>
           <a:prstGeom prst="ellipse">
             <a:avLst/>
@@ -11263,14 +11760,14 @@
       </p:sp>
       <p:sp>
         <p:nvSpPr>
-          <p:cNvPr id="140" name=""/>
+          <p:cNvPr id="140" name="Oval 139"/>
           <p:cNvSpPr/>
           <p:nvPr/>
         </p:nvSpPr>
         <p:spPr>
           <a:xfrm flipH="1">
             <a:off x="539280" y="1080360"/>
-            <a:ext cx="179640" cy="179640"/>
+            <a:ext cx="179280" cy="179280"/>
           </a:xfrm>
           <a:prstGeom prst="ellipse">
             <a:avLst/>
@@ -11313,14 +11810,14 @@
       </p:sp>
       <p:sp>
         <p:nvSpPr>
-          <p:cNvPr id="143" name=""/>
+          <p:cNvPr id="143" name="Oval 142"/>
           <p:cNvSpPr/>
           <p:nvPr/>
         </p:nvSpPr>
         <p:spPr>
           <a:xfrm flipH="1">
             <a:off x="539280" y="1440360"/>
-            <a:ext cx="179640" cy="179640"/>
+            <a:ext cx="179280" cy="179280"/>
           </a:xfrm>
           <a:prstGeom prst="ellipse">
             <a:avLst/>
@@ -11363,14 +11860,14 @@
       </p:sp>
       <p:sp>
         <p:nvSpPr>
-          <p:cNvPr id="146" name=""/>
+          <p:cNvPr id="146" name="Oval 145"/>
           <p:cNvSpPr/>
           <p:nvPr/>
         </p:nvSpPr>
         <p:spPr>
           <a:xfrm flipH="1">
             <a:off x="683280" y="1656360"/>
-            <a:ext cx="179640" cy="179640"/>
+            <a:ext cx="179280" cy="179280"/>
           </a:xfrm>
           <a:prstGeom prst="ellipse">
             <a:avLst/>
@@ -11413,14 +11910,14 @@
       </p:sp>
       <p:sp>
         <p:nvSpPr>
-          <p:cNvPr id="149" name=""/>
+          <p:cNvPr id="149" name="Oval 148"/>
           <p:cNvSpPr/>
           <p:nvPr/>
         </p:nvSpPr>
         <p:spPr>
           <a:xfrm flipH="1">
             <a:off x="683280" y="1908360"/>
-            <a:ext cx="179640" cy="179640"/>
+            <a:ext cx="179280" cy="179280"/>
           </a:xfrm>
           <a:prstGeom prst="ellipse">
             <a:avLst/>
@@ -11463,14 +11960,14 @@
       </p:sp>
       <p:sp>
         <p:nvSpPr>
-          <p:cNvPr id="151" name=""/>
+          <p:cNvPr id="151" name="Oval 150"/>
           <p:cNvSpPr/>
           <p:nvPr/>
         </p:nvSpPr>
         <p:spPr>
           <a:xfrm>
             <a:off x="360000" y="2304360"/>
-            <a:ext cx="179640" cy="179640"/>
+            <a:ext cx="179280" cy="179280"/>
           </a:xfrm>
           <a:prstGeom prst="ellipse">
             <a:avLst/>
@@ -11513,14 +12010,14 @@
       </p:sp>
       <p:sp>
         <p:nvSpPr>
-          <p:cNvPr id="154" name=""/>
+          <p:cNvPr id="154" name="Oval 153"/>
           <p:cNvSpPr/>
           <p:nvPr/>
         </p:nvSpPr>
         <p:spPr>
           <a:xfrm>
             <a:off x="540000" y="2124360"/>
-            <a:ext cx="179640" cy="179640"/>
+            <a:ext cx="179280" cy="179280"/>
           </a:xfrm>
           <a:prstGeom prst="ellipse">
             <a:avLst/>
@@ -11563,14 +12060,14 @@
       </p:sp>
       <p:sp>
         <p:nvSpPr>
-          <p:cNvPr id="157" name=""/>
+          <p:cNvPr id="157" name="Oval 156"/>
           <p:cNvSpPr/>
           <p:nvPr/>
         </p:nvSpPr>
         <p:spPr>
           <a:xfrm>
             <a:off x="540000" y="2493720"/>
-            <a:ext cx="179640" cy="179640"/>
+            <a:ext cx="179280" cy="179280"/>
           </a:xfrm>
           <a:prstGeom prst="ellipse">
             <a:avLst/>
@@ -11613,14 +12110,14 @@
       </p:sp>
       <p:sp>
         <p:nvSpPr>
-          <p:cNvPr id="160" name=""/>
+          <p:cNvPr id="160" name="Oval 159"/>
           <p:cNvSpPr/>
           <p:nvPr/>
         </p:nvSpPr>
         <p:spPr>
           <a:xfrm>
             <a:off x="684000" y="2709720"/>
-            <a:ext cx="179640" cy="179640"/>
+            <a:ext cx="179280" cy="179280"/>
           </a:xfrm>
           <a:prstGeom prst="ellipse">
             <a:avLst/>
@@ -11663,14 +12160,14 @@
       </p:sp>
       <p:sp>
         <p:nvSpPr>
-          <p:cNvPr id="163" name=""/>
+          <p:cNvPr id="163" name="Oval 162"/>
           <p:cNvSpPr/>
           <p:nvPr/>
         </p:nvSpPr>
         <p:spPr>
           <a:xfrm>
             <a:off x="684000" y="2961720"/>
-            <a:ext cx="179640" cy="179640"/>
+            <a:ext cx="179280" cy="179280"/>
           </a:xfrm>
           <a:prstGeom prst="ellipse">
             <a:avLst/>
@@ -11713,14 +12210,14 @@
       </p:sp>
       <p:sp>
         <p:nvSpPr>
-          <p:cNvPr id="167" name=""/>
+          <p:cNvPr id="167" name="Oval 166"/>
           <p:cNvSpPr/>
           <p:nvPr/>
         </p:nvSpPr>
         <p:spPr>
           <a:xfrm flipH="1">
             <a:off x="359280" y="3357720"/>
-            <a:ext cx="179640" cy="179640"/>
+            <a:ext cx="179280" cy="179280"/>
           </a:xfrm>
           <a:prstGeom prst="ellipse">
             <a:avLst/>
@@ -11763,14 +12260,14 @@
       </p:sp>
       <p:sp>
         <p:nvSpPr>
-          <p:cNvPr id="170" name=""/>
+          <p:cNvPr id="170" name="Oval 169"/>
           <p:cNvSpPr/>
           <p:nvPr/>
         </p:nvSpPr>
         <p:spPr>
           <a:xfrm flipH="1">
             <a:off x="558000" y="3177720"/>
-            <a:ext cx="179640" cy="179640"/>
+            <a:ext cx="179280" cy="179280"/>
           </a:xfrm>
           <a:prstGeom prst="ellipse">
             <a:avLst/>
@@ -11813,14 +12310,14 @@
       </p:sp>
       <p:sp>
         <p:nvSpPr>
-          <p:cNvPr id="173" name=""/>
+          <p:cNvPr id="173" name="Oval 172"/>
           <p:cNvSpPr/>
           <p:nvPr/>
         </p:nvSpPr>
         <p:spPr>
           <a:xfrm flipH="1">
             <a:off x="548640" y="3546720"/>
-            <a:ext cx="179640" cy="179640"/>
+            <a:ext cx="179280" cy="179280"/>
           </a:xfrm>
           <a:prstGeom prst="ellipse">
             <a:avLst/>
@@ -11863,14 +12360,14 @@
       </p:sp>
       <p:sp>
         <p:nvSpPr>
-          <p:cNvPr id="176" name=""/>
+          <p:cNvPr id="176" name="Oval 175"/>
           <p:cNvSpPr/>
           <p:nvPr/>
         </p:nvSpPr>
         <p:spPr>
           <a:xfrm flipH="1">
             <a:off x="692640" y="3762720"/>
-            <a:ext cx="179640" cy="179640"/>
+            <a:ext cx="179280" cy="179280"/>
           </a:xfrm>
           <a:prstGeom prst="ellipse">
             <a:avLst/>
@@ -11913,14 +12410,14 @@
       </p:sp>
       <p:sp>
         <p:nvSpPr>
-          <p:cNvPr id="179" name=""/>
+          <p:cNvPr id="179" name="Oval 178"/>
           <p:cNvSpPr/>
           <p:nvPr/>
         </p:nvSpPr>
         <p:spPr>
           <a:xfrm flipH="1">
             <a:off x="692640" y="4014720"/>
-            <a:ext cx="179640" cy="179640"/>
+            <a:ext cx="179280" cy="179280"/>
           </a:xfrm>
           <a:prstGeom prst="ellipse">
             <a:avLst/>
@@ -11963,14 +12460,14 @@
       </p:sp>
       <p:sp>
         <p:nvSpPr>
-          <p:cNvPr id="181" name=""/>
+          <p:cNvPr id="181" name="Oval 180"/>
           <p:cNvSpPr/>
           <p:nvPr/>
         </p:nvSpPr>
         <p:spPr>
           <a:xfrm>
             <a:off x="369360" y="4410720"/>
-            <a:ext cx="179640" cy="179640"/>
+            <a:ext cx="179280" cy="179280"/>
           </a:xfrm>
           <a:prstGeom prst="ellipse">
             <a:avLst/>
@@ -12013,14 +12510,14 @@
       </p:sp>
       <p:sp>
         <p:nvSpPr>
-          <p:cNvPr id="184" name=""/>
+          <p:cNvPr id="184" name="Oval 183"/>
           <p:cNvSpPr/>
           <p:nvPr/>
         </p:nvSpPr>
         <p:spPr>
           <a:xfrm>
             <a:off x="549360" y="4230720"/>
-            <a:ext cx="179640" cy="179640"/>
+            <a:ext cx="179280" cy="179280"/>
           </a:xfrm>
           <a:prstGeom prst="ellipse">
             <a:avLst/>
@@ -12063,14 +12560,14 @@
       </p:sp>
       <p:sp>
         <p:nvSpPr>
-          <p:cNvPr id="187" name=""/>
+          <p:cNvPr id="187" name="Oval 186"/>
           <p:cNvSpPr/>
           <p:nvPr/>
         </p:nvSpPr>
         <p:spPr>
           <a:xfrm>
             <a:off x="549360" y="4590720"/>
-            <a:ext cx="179640" cy="179640"/>
+            <a:ext cx="179280" cy="179280"/>
           </a:xfrm>
           <a:prstGeom prst="ellipse">
             <a:avLst/>
@@ -12113,14 +12610,14 @@
       </p:sp>
       <p:sp>
         <p:nvSpPr>
-          <p:cNvPr id="190" name=""/>
+          <p:cNvPr id="190" name="Oval 189"/>
           <p:cNvSpPr/>
           <p:nvPr/>
         </p:nvSpPr>
         <p:spPr>
           <a:xfrm>
             <a:off x="693360" y="4806720"/>
-            <a:ext cx="179640" cy="179640"/>
+            <a:ext cx="179280" cy="179280"/>
           </a:xfrm>
           <a:prstGeom prst="ellipse">
             <a:avLst/>
@@ -12163,14 +12660,14 @@
       </p:sp>
       <p:sp>
         <p:nvSpPr>
-          <p:cNvPr id="193" name=""/>
+          <p:cNvPr id="193" name="Oval 192"/>
           <p:cNvSpPr/>
           <p:nvPr/>
         </p:nvSpPr>
         <p:spPr>
           <a:xfrm>
             <a:off x="693360" y="5058720"/>
-            <a:ext cx="179640" cy="179640"/>
+            <a:ext cx="179280" cy="179280"/>
           </a:xfrm>
           <a:prstGeom prst="ellipse">
             <a:avLst/>
@@ -12213,14 +12710,14 @@
       </p:sp>
       <p:sp>
         <p:nvSpPr>
-          <p:cNvPr id="196" name=""/>
+          <p:cNvPr id="196" name="Oval 195"/>
           <p:cNvSpPr/>
           <p:nvPr/>
         </p:nvSpPr>
         <p:spPr>
           <a:xfrm flipH="1">
             <a:off x="1268640" y="5454720"/>
-            <a:ext cx="179640" cy="179640"/>
+            <a:ext cx="179280" cy="179280"/>
           </a:xfrm>
           <a:prstGeom prst="ellipse">
             <a:avLst/>
@@ -12263,14 +12760,14 @@
       </p:sp>
       <p:sp>
         <p:nvSpPr>
-          <p:cNvPr id="199" name=""/>
+          <p:cNvPr id="199" name="Oval 198"/>
           <p:cNvSpPr/>
           <p:nvPr/>
         </p:nvSpPr>
         <p:spPr>
           <a:xfrm flipH="1">
             <a:off x="1088640" y="5274720"/>
-            <a:ext cx="179640" cy="179640"/>
+            <a:ext cx="179280" cy="179280"/>
           </a:xfrm>
           <a:prstGeom prst="ellipse">
             <a:avLst/>
@@ -12318,287 +12815,13 @@
             <a:spLocks noGrp="1"/>
           </p:cNvSpPr>
           <p:nvPr>
-            <p:ph type="title"/>
-          </p:nvPr>
-        </p:nvSpPr>
-        <p:spPr>
-          <a:xfrm>
-            <a:off x="1620000" y="216000"/>
-            <a:ext cx="8099640" cy="935640"/>
-          </a:xfrm>
-          <a:prstGeom prst="rect">
-            <a:avLst/>
-          </a:prstGeom>
-          <a:noFill/>
-          <a:ln w="0">
-            <a:noFill/>
-          </a:ln>
-        </p:spPr>
-        <p:txBody>
-          <a:bodyPr lIns="0" rIns="0" tIns="0" bIns="0" anchor="ctr">
-            <a:normAutofit/>
-          </a:bodyPr>
-          <a:p>
-            <a:pPr indent="0">
-              <a:buNone/>
-            </a:pPr>
-            <a:r>
-              <a:rPr b="0" lang="en-US" sz="1800" spc="-1" strike="noStrike">
-                <a:solidFill>
-                  <a:srgbClr val="000000"/>
-                </a:solidFill>
-                <a:latin typeface="Arial"/>
-              </a:rPr>
-              <a:t>Click to edit the title text format</a:t>
-            </a:r>
-            <a:endParaRPr b="0" lang="en-US" sz="1800" spc="-1" strike="noStrike">
-              <a:solidFill>
-                <a:srgbClr val="000000"/>
-              </a:solidFill>
-              <a:latin typeface="Arial"/>
-            </a:endParaRPr>
-          </a:p>
-        </p:txBody>
-      </p:sp>
-      <p:sp>
-        <p:nvSpPr>
-          <p:cNvPr id="204" name="PlaceHolder 2"/>
-          <p:cNvSpPr>
-            <a:spLocks noGrp="1"/>
-          </p:cNvSpPr>
-          <p:nvPr>
-            <p:ph type="body"/>
-          </p:nvPr>
-        </p:nvSpPr>
-        <p:spPr>
-          <a:xfrm>
-            <a:off x="1620000" y="1368000"/>
-            <a:ext cx="8099640" cy="3287880"/>
-          </a:xfrm>
-          <a:prstGeom prst="rect">
-            <a:avLst/>
-          </a:prstGeom>
-          <a:noFill/>
-          <a:ln w="0">
-            <a:noFill/>
-          </a:ln>
-        </p:spPr>
-        <p:txBody>
-          <a:bodyPr lIns="0" rIns="0" tIns="0" bIns="0" anchor="t">
-            <a:normAutofit/>
-          </a:bodyPr>
-          <a:p>
-            <a:pPr marL="432000" indent="-324000">
-              <a:spcBef>
-                <a:spcPts val="1417"/>
-              </a:spcBef>
-              <a:buClr>
-                <a:srgbClr val="000000"/>
-              </a:buClr>
-              <a:buSzPct val="45000"/>
-              <a:buFont typeface="Wingdings" charset="2"/>
-              <a:buChar char=""/>
-            </a:pPr>
-            <a:r>
-              <a:rPr b="0" lang="en-US" sz="1800" spc="-1" strike="noStrike">
-                <a:solidFill>
-                  <a:srgbClr val="000000"/>
-                </a:solidFill>
-                <a:latin typeface="Arial"/>
-              </a:rPr>
-              <a:t>Click to edit the outline text format</a:t>
-            </a:r>
-            <a:endParaRPr b="0" lang="en-US" sz="1800" spc="-1" strike="noStrike">
-              <a:solidFill>
-                <a:srgbClr val="000000"/>
-              </a:solidFill>
-              <a:latin typeface="Arial"/>
-            </a:endParaRPr>
-          </a:p>
-          <a:p>
-            <a:pPr lvl="1" marL="864000" indent="-324000">
-              <a:spcBef>
-                <a:spcPts val="1134"/>
-              </a:spcBef>
-              <a:buClr>
-                <a:srgbClr val="000000"/>
-              </a:buClr>
-              <a:buSzPct val="75000"/>
-              <a:buFont typeface="Symbol" charset="2"/>
-              <a:buChar char=""/>
-            </a:pPr>
-            <a:r>
-              <a:rPr b="0" lang="en-US" sz="1800" spc="-1" strike="noStrike">
-                <a:solidFill>
-                  <a:srgbClr val="000000"/>
-                </a:solidFill>
-                <a:latin typeface="Arial"/>
-              </a:rPr>
-              <a:t>Second Outline Level</a:t>
-            </a:r>
-            <a:endParaRPr b="0" lang="en-US" sz="1800" spc="-1" strike="noStrike">
-              <a:solidFill>
-                <a:srgbClr val="000000"/>
-              </a:solidFill>
-              <a:latin typeface="Arial"/>
-            </a:endParaRPr>
-          </a:p>
-          <a:p>
-            <a:pPr lvl="2" marL="1296000" indent="-288000">
-              <a:spcBef>
-                <a:spcPts val="850"/>
-              </a:spcBef>
-              <a:buClr>
-                <a:srgbClr val="000000"/>
-              </a:buClr>
-              <a:buSzPct val="45000"/>
-              <a:buFont typeface="Wingdings" charset="2"/>
-              <a:buChar char=""/>
-            </a:pPr>
-            <a:r>
-              <a:rPr b="0" lang="en-US" sz="1800" spc="-1" strike="noStrike">
-                <a:solidFill>
-                  <a:srgbClr val="000000"/>
-                </a:solidFill>
-                <a:latin typeface="Arial"/>
-              </a:rPr>
-              <a:t>Third Outline Level</a:t>
-            </a:r>
-            <a:endParaRPr b="0" lang="en-US" sz="1800" spc="-1" strike="noStrike">
-              <a:solidFill>
-                <a:srgbClr val="000000"/>
-              </a:solidFill>
-              <a:latin typeface="Arial"/>
-            </a:endParaRPr>
-          </a:p>
-          <a:p>
-            <a:pPr lvl="3" marL="1728000" indent="-216000">
-              <a:spcBef>
-                <a:spcPts val="567"/>
-              </a:spcBef>
-              <a:buClr>
-                <a:srgbClr val="000000"/>
-              </a:buClr>
-              <a:buSzPct val="75000"/>
-              <a:buFont typeface="Symbol" charset="2"/>
-              <a:buChar char=""/>
-            </a:pPr>
-            <a:r>
-              <a:rPr b="0" lang="en-US" sz="1800" spc="-1" strike="noStrike">
-                <a:solidFill>
-                  <a:srgbClr val="000000"/>
-                </a:solidFill>
-                <a:latin typeface="Arial"/>
-              </a:rPr>
-              <a:t>Fourth Outline Level</a:t>
-            </a:r>
-            <a:endParaRPr b="0" lang="en-US" sz="1800" spc="-1" strike="noStrike">
-              <a:solidFill>
-                <a:srgbClr val="000000"/>
-              </a:solidFill>
-              <a:latin typeface="Arial"/>
-            </a:endParaRPr>
-          </a:p>
-          <a:p>
-            <a:pPr lvl="4" marL="2160000" indent="-216000">
-              <a:spcBef>
-                <a:spcPts val="283"/>
-              </a:spcBef>
-              <a:buClr>
-                <a:srgbClr val="000000"/>
-              </a:buClr>
-              <a:buSzPct val="45000"/>
-              <a:buFont typeface="Wingdings" charset="2"/>
-              <a:buChar char=""/>
-            </a:pPr>
-            <a:r>
-              <a:rPr b="0" lang="en-US" sz="1800" spc="-1" strike="noStrike">
-                <a:solidFill>
-                  <a:srgbClr val="000000"/>
-                </a:solidFill>
-                <a:latin typeface="Arial"/>
-              </a:rPr>
-              <a:t>Fifth Outline Level</a:t>
-            </a:r>
-            <a:endParaRPr b="0" lang="en-US" sz="1800" spc="-1" strike="noStrike">
-              <a:solidFill>
-                <a:srgbClr val="000000"/>
-              </a:solidFill>
-              <a:latin typeface="Arial"/>
-            </a:endParaRPr>
-          </a:p>
-          <a:p>
-            <a:pPr lvl="5" marL="2592000" indent="-216000">
-              <a:spcBef>
-                <a:spcPts val="283"/>
-              </a:spcBef>
-              <a:buClr>
-                <a:srgbClr val="000000"/>
-              </a:buClr>
-              <a:buSzPct val="45000"/>
-              <a:buFont typeface="Wingdings" charset="2"/>
-              <a:buChar char=""/>
-            </a:pPr>
-            <a:r>
-              <a:rPr b="0" lang="en-US" sz="1800" spc="-1" strike="noStrike">
-                <a:solidFill>
-                  <a:srgbClr val="000000"/>
-                </a:solidFill>
-                <a:latin typeface="Arial"/>
-              </a:rPr>
-              <a:t>Sixth Outline Level</a:t>
-            </a:r>
-            <a:endParaRPr b="0" lang="en-US" sz="1800" spc="-1" strike="noStrike">
-              <a:solidFill>
-                <a:srgbClr val="000000"/>
-              </a:solidFill>
-              <a:latin typeface="Arial"/>
-            </a:endParaRPr>
-          </a:p>
-          <a:p>
-            <a:pPr lvl="6" marL="3024000" indent="-216000">
-              <a:spcBef>
-                <a:spcPts val="283"/>
-              </a:spcBef>
-              <a:buClr>
-                <a:srgbClr val="000000"/>
-              </a:buClr>
-              <a:buSzPct val="45000"/>
-              <a:buFont typeface="Wingdings" charset="2"/>
-              <a:buChar char=""/>
-            </a:pPr>
-            <a:r>
-              <a:rPr b="0" lang="en-US" sz="1800" spc="-1" strike="noStrike">
-                <a:solidFill>
-                  <a:srgbClr val="000000"/>
-                </a:solidFill>
-                <a:latin typeface="Arial"/>
-              </a:rPr>
-              <a:t>Seventh Outline Level</a:t>
-            </a:r>
-            <a:endParaRPr b="0" lang="en-US" sz="1800" spc="-1" strike="noStrike">
-              <a:solidFill>
-                <a:srgbClr val="000000"/>
-              </a:solidFill>
-              <a:latin typeface="Arial"/>
-            </a:endParaRPr>
-          </a:p>
-        </p:txBody>
-      </p:sp>
-      <p:sp>
-        <p:nvSpPr>
-          <p:cNvPr id="205" name="PlaceHolder 3"/>
-          <p:cNvSpPr>
-            <a:spLocks noGrp="1"/>
-          </p:cNvSpPr>
-          <p:nvPr>
             <p:ph type="ftr" idx="4"/>
           </p:nvPr>
         </p:nvSpPr>
         <p:spPr>
           <a:xfrm>
             <a:off x="3987000" y="5164920"/>
-            <a:ext cx="3194640" cy="390240"/>
+            <a:ext cx="3194280" cy="389880"/>
           </a:xfrm>
           <a:prstGeom prst="rect">
             <a:avLst/>
@@ -12626,6 +12849,7 @@
                   <a:srgbClr val="000000"/>
                 </a:solidFill>
                 <a:latin typeface="Arial"/>
+                <a:ea typeface="DejaVu Sans"/>
               </a:defRPr>
             </a:lvl1pPr>
           </a:lstStyle>
@@ -12645,6 +12869,7 @@
                   <a:srgbClr val="000000"/>
                 </a:solidFill>
                 <a:latin typeface="Arial"/>
+                <a:ea typeface="DejaVu Sans"/>
               </a:rPr>
               <a:t>&lt;footer&gt;</a:t>
             </a:r>
@@ -12659,7 +12884,7 @@
       </p:sp>
       <p:sp>
         <p:nvSpPr>
-          <p:cNvPr id="206" name="PlaceHolder 4"/>
+          <p:cNvPr id="204" name="PlaceHolder 2"/>
           <p:cNvSpPr>
             <a:spLocks noGrp="1"/>
           </p:cNvSpPr>
@@ -12670,7 +12895,7 @@
         <p:spPr>
           <a:xfrm>
             <a:off x="7227000" y="5164920"/>
-            <a:ext cx="2347920" cy="390240"/>
+            <a:ext cx="2347560" cy="389880"/>
           </a:xfrm>
           <a:prstGeom prst="rect">
             <a:avLst/>
@@ -12698,6 +12923,7 @@
                   <a:srgbClr val="000000"/>
                 </a:solidFill>
                 <a:latin typeface="Arial"/>
+                <a:ea typeface="DejaVu Sans"/>
               </a:defRPr>
             </a:lvl1pPr>
           </a:lstStyle>
@@ -12711,12 +12937,13 @@
                 <a:tab algn="l" pos="0"/>
               </a:tabLst>
             </a:pPr>
-            <a:fld id="{4AAA4413-C927-45E2-98E7-A9B159A5E7F3}" type="slidenum">
+            <a:fld id="{3E12D02E-6BFB-4692-A99A-4659A20B13A7}" type="slidenum">
               <a:rPr b="0" lang="en-US" sz="1400" spc="-1" strike="noStrike">
                 <a:solidFill>
                   <a:srgbClr val="000000"/>
                 </a:solidFill>
                 <a:latin typeface="Arial"/>
+                <a:ea typeface="DejaVu Sans"/>
               </a:rPr>
               <a:t>&lt;number&gt;</a:t>
             </a:fld>
@@ -12731,7 +12958,7 @@
       </p:sp>
       <p:sp>
         <p:nvSpPr>
-          <p:cNvPr id="207" name="PlaceHolder 5"/>
+          <p:cNvPr id="205" name="PlaceHolder 3"/>
           <p:cNvSpPr>
             <a:spLocks noGrp="1"/>
           </p:cNvSpPr>
@@ -12742,7 +12969,7 @@
         <p:spPr>
           <a:xfrm>
             <a:off x="1584000" y="5164920"/>
-            <a:ext cx="2347920" cy="390240"/>
+            <a:ext cx="2347560" cy="389880"/>
           </a:xfrm>
           <a:prstGeom prst="rect">
             <a:avLst/>
@@ -12785,6 +13012,301 @@
                 <a:srgbClr val="000000"/>
               </a:solidFill>
               <a:latin typeface="Times New Roman"/>
+            </a:endParaRPr>
+          </a:p>
+        </p:txBody>
+      </p:sp>
+      <p:sp>
+        <p:nvSpPr>
+          <p:cNvPr id="206" name="PlaceHolder 4"/>
+          <p:cNvSpPr>
+            <a:spLocks noGrp="1"/>
+          </p:cNvSpPr>
+          <p:nvPr>
+            <p:ph type="title"/>
+          </p:nvPr>
+        </p:nvSpPr>
+        <p:spPr>
+          <a:xfrm>
+            <a:off x="504000" y="226080"/>
+            <a:ext cx="9072000" cy="946440"/>
+          </a:xfrm>
+          <a:prstGeom prst="rect">
+            <a:avLst/>
+          </a:prstGeom>
+          <a:noFill/>
+          <a:ln w="0">
+            <a:noFill/>
+          </a:ln>
+        </p:spPr>
+        <p:txBody>
+          <a:bodyPr lIns="0" rIns="0" tIns="0" bIns="0" anchor="ctr">
+            <a:noAutofit/>
+          </a:bodyPr>
+          <a:p>
+            <a:pPr indent="0">
+              <a:buNone/>
+            </a:pPr>
+            <a:r>
+              <a:rPr b="0" lang="en-US" sz="1800" spc="-1" strike="noStrike">
+                <a:solidFill>
+                  <a:srgbClr val="000000"/>
+                </a:solidFill>
+                <a:latin typeface="Arial"/>
+              </a:rPr>
+              <a:t>Click to edit the title text format</a:t>
+            </a:r>
+            <a:endParaRPr b="0" lang="en-US" sz="1800" spc="-1" strike="noStrike">
+              <a:solidFill>
+                <a:srgbClr val="000000"/>
+              </a:solidFill>
+              <a:latin typeface="Arial"/>
+            </a:endParaRPr>
+          </a:p>
+        </p:txBody>
+      </p:sp>
+      <p:sp>
+        <p:nvSpPr>
+          <p:cNvPr id="207" name="PlaceHolder 5"/>
+          <p:cNvSpPr>
+            <a:spLocks noGrp="1"/>
+          </p:cNvSpPr>
+          <p:nvPr>
+            <p:ph type="body"/>
+          </p:nvPr>
+        </p:nvSpPr>
+        <p:spPr>
+          <a:xfrm>
+            <a:off x="504000" y="1326600"/>
+            <a:ext cx="9072000" cy="3288600"/>
+          </a:xfrm>
+          <a:prstGeom prst="rect">
+            <a:avLst/>
+          </a:prstGeom>
+          <a:noFill/>
+          <a:ln w="0">
+            <a:noFill/>
+          </a:ln>
+        </p:spPr>
+        <p:txBody>
+          <a:bodyPr lIns="0" rIns="0" tIns="0" bIns="0" anchor="t">
+            <a:normAutofit/>
+          </a:bodyPr>
+          <a:p>
+            <a:pPr marL="432000" indent="-324000">
+              <a:lnSpc>
+                <a:spcPct val="90000"/>
+              </a:lnSpc>
+              <a:spcBef>
+                <a:spcPts val="1417"/>
+              </a:spcBef>
+              <a:buClr>
+                <a:srgbClr val="000000"/>
+              </a:buClr>
+              <a:buSzPct val="45000"/>
+              <a:buFont typeface="Wingdings" charset="2"/>
+              <a:buChar char=""/>
+            </a:pPr>
+            <a:r>
+              <a:rPr b="0" lang="en-US" sz="2800" spc="-1" strike="noStrike">
+                <a:solidFill>
+                  <a:srgbClr val="000000"/>
+                </a:solidFill>
+                <a:latin typeface="Arial"/>
+              </a:rPr>
+              <a:t>Click to edit the outline text format</a:t>
+            </a:r>
+            <a:endParaRPr b="0" lang="en-US" sz="2800" spc="-1" strike="noStrike">
+              <a:solidFill>
+                <a:srgbClr val="000000"/>
+              </a:solidFill>
+              <a:latin typeface="Arial"/>
+            </a:endParaRPr>
+          </a:p>
+          <a:p>
+            <a:pPr lvl="1" marL="864000" indent="-324000">
+              <a:lnSpc>
+                <a:spcPct val="90000"/>
+              </a:lnSpc>
+              <a:spcBef>
+                <a:spcPts val="1134"/>
+              </a:spcBef>
+              <a:buClr>
+                <a:srgbClr val="000000"/>
+              </a:buClr>
+              <a:buSzPct val="75000"/>
+              <a:buFont typeface="Symbol" charset="2"/>
+              <a:buChar char=""/>
+            </a:pPr>
+            <a:r>
+              <a:rPr b="0" lang="en-US" sz="2000" spc="-1" strike="noStrike">
+                <a:solidFill>
+                  <a:srgbClr val="000000"/>
+                </a:solidFill>
+                <a:latin typeface="Arial"/>
+              </a:rPr>
+              <a:t>Second Outline Level</a:t>
+            </a:r>
+            <a:endParaRPr b="0" lang="en-US" sz="2000" spc="-1" strike="noStrike">
+              <a:solidFill>
+                <a:srgbClr val="000000"/>
+              </a:solidFill>
+              <a:latin typeface="Arial"/>
+            </a:endParaRPr>
+          </a:p>
+          <a:p>
+            <a:pPr lvl="2" marL="1296000" indent="-288000">
+              <a:lnSpc>
+                <a:spcPct val="90000"/>
+              </a:lnSpc>
+              <a:spcBef>
+                <a:spcPts val="850"/>
+              </a:spcBef>
+              <a:buClr>
+                <a:srgbClr val="000000"/>
+              </a:buClr>
+              <a:buSzPct val="45000"/>
+              <a:buFont typeface="Wingdings" charset="2"/>
+              <a:buChar char=""/>
+            </a:pPr>
+            <a:r>
+              <a:rPr b="0" lang="en-US" sz="1800" spc="-1" strike="noStrike">
+                <a:solidFill>
+                  <a:srgbClr val="000000"/>
+                </a:solidFill>
+                <a:latin typeface="Arial"/>
+              </a:rPr>
+              <a:t>Third Outline Level</a:t>
+            </a:r>
+            <a:endParaRPr b="0" lang="en-US" sz="1800" spc="-1" strike="noStrike">
+              <a:solidFill>
+                <a:srgbClr val="000000"/>
+              </a:solidFill>
+              <a:latin typeface="Arial"/>
+            </a:endParaRPr>
+          </a:p>
+          <a:p>
+            <a:pPr lvl="3" marL="1728000" indent="-216000">
+              <a:lnSpc>
+                <a:spcPct val="90000"/>
+              </a:lnSpc>
+              <a:spcBef>
+                <a:spcPts val="567"/>
+              </a:spcBef>
+              <a:buClr>
+                <a:srgbClr val="000000"/>
+              </a:buClr>
+              <a:buSzPct val="75000"/>
+              <a:buFont typeface="Symbol" charset="2"/>
+              <a:buChar char=""/>
+            </a:pPr>
+            <a:r>
+              <a:rPr b="0" lang="en-US" sz="1800" spc="-1" strike="noStrike">
+                <a:solidFill>
+                  <a:srgbClr val="000000"/>
+                </a:solidFill>
+                <a:latin typeface="Arial"/>
+              </a:rPr>
+              <a:t>Fourth Outline Level</a:t>
+            </a:r>
+            <a:endParaRPr b="0" lang="en-US" sz="1800" spc="-1" strike="noStrike">
+              <a:solidFill>
+                <a:srgbClr val="000000"/>
+              </a:solidFill>
+              <a:latin typeface="Arial"/>
+            </a:endParaRPr>
+          </a:p>
+          <a:p>
+            <a:pPr lvl="4" marL="2160000" indent="-216000">
+              <a:lnSpc>
+                <a:spcPct val="90000"/>
+              </a:lnSpc>
+              <a:spcBef>
+                <a:spcPts val="283"/>
+              </a:spcBef>
+              <a:buClr>
+                <a:srgbClr val="000000"/>
+              </a:buClr>
+              <a:buSzPct val="45000"/>
+              <a:buFont typeface="Wingdings" charset="2"/>
+              <a:buChar char=""/>
+            </a:pPr>
+            <a:r>
+              <a:rPr b="0" lang="en-US" sz="2000" spc="-1" strike="noStrike">
+                <a:solidFill>
+                  <a:srgbClr val="000000"/>
+                </a:solidFill>
+                <a:latin typeface="Arial"/>
+              </a:rPr>
+              <a:t>Fifth Outline Level</a:t>
+            </a:r>
+            <a:endParaRPr b="0" lang="en-US" sz="2000" spc="-1" strike="noStrike">
+              <a:solidFill>
+                <a:srgbClr val="000000"/>
+              </a:solidFill>
+              <a:latin typeface="Arial"/>
+            </a:endParaRPr>
+          </a:p>
+          <a:p>
+            <a:pPr lvl="5" marL="2592000" indent="-216000">
+              <a:lnSpc>
+                <a:spcPct val="90000"/>
+              </a:lnSpc>
+              <a:spcBef>
+                <a:spcPts val="283"/>
+              </a:spcBef>
+              <a:buClr>
+                <a:srgbClr val="000000"/>
+              </a:buClr>
+              <a:buSzPct val="45000"/>
+              <a:buFont typeface="Wingdings" charset="2"/>
+              <a:buChar char=""/>
+            </a:pPr>
+            <a:r>
+              <a:rPr b="0" lang="en-US" sz="2000" spc="-1" strike="noStrike">
+                <a:solidFill>
+                  <a:srgbClr val="000000"/>
+                </a:solidFill>
+                <a:latin typeface="Arial"/>
+              </a:rPr>
+              <a:t>Sixth Outline Level</a:t>
+            </a:r>
+            <a:endParaRPr b="0" lang="en-US" sz="2000" spc="-1" strike="noStrike">
+              <a:solidFill>
+                <a:srgbClr val="000000"/>
+              </a:solidFill>
+              <a:latin typeface="Arial"/>
+            </a:endParaRPr>
+          </a:p>
+          <a:p>
+            <a:pPr lvl="6" marL="3024000" indent="-216000">
+              <a:lnSpc>
+                <a:spcPct val="90000"/>
+              </a:lnSpc>
+              <a:spcBef>
+                <a:spcPts val="283"/>
+              </a:spcBef>
+              <a:buClr>
+                <a:srgbClr val="000000"/>
+              </a:buClr>
+              <a:buSzPct val="45000"/>
+              <a:buFont typeface="Wingdings" charset="2"/>
+              <a:buChar char=""/>
+            </a:pPr>
+            <a:r>
+              <a:rPr b="0" lang="en-US" sz="2000" spc="-1" strike="noStrike">
+                <a:solidFill>
+                  <a:srgbClr val="000000"/>
+                </a:solidFill>
+                <a:latin typeface="Arial"/>
+              </a:rPr>
+              <a:t>Seventh Outline Level</a:t>
+            </a:r>
+            <a:endParaRPr b="0" lang="en-US" sz="2000" spc="-1" strike="noStrike">
+              <a:solidFill>
+                <a:srgbClr val="000000"/>
+              </a:solidFill>
+              <a:latin typeface="Arial"/>
             </a:endParaRPr>
           </a:p>
         </p:txBody>
@@ -12839,7 +13361,7 @@
         <p:spPr>
           <a:xfrm>
             <a:off x="1620000" y="216000"/>
-            <a:ext cx="8099640" cy="935640"/>
+            <a:ext cx="8099280" cy="935280"/>
           </a:xfrm>
           <a:prstGeom prst="rect">
             <a:avLst/>
@@ -12869,6 +13391,7 @@
                   <a:srgbClr val="050505"/>
                 </a:solidFill>
                 <a:latin typeface="Times New Roman"/>
+                <a:ea typeface="DejaVu Sans"/>
               </a:rPr>
               <a:t>Chutes and Ladders in Java</a:t>
             </a:r>
@@ -12894,7 +13417,7 @@
         <p:spPr>
           <a:xfrm>
             <a:off x="1620000" y="1368000"/>
-            <a:ext cx="8099640" cy="3287880"/>
+            <a:ext cx="8099280" cy="3287520"/>
           </a:xfrm>
           <a:prstGeom prst="rect">
             <a:avLst/>
@@ -12909,10 +13432,13 @@
             <a:noAutofit/>
           </a:bodyPr>
           <a:p>
-            <a:pPr indent="0">
+            <a:pPr marL="228600" indent="0">
               <a:lnSpc>
                 <a:spcPct val="100000"/>
               </a:lnSpc>
+              <a:spcBef>
+                <a:spcPts val="1001"/>
+              </a:spcBef>
               <a:buNone/>
               <a:tabLst>
                 <a:tab algn="l" pos="0"/>
@@ -12924,6 +13450,7 @@
                   <a:srgbClr val="000000"/>
                 </a:solidFill>
                 <a:latin typeface="Times New Roman"/>
+                <a:ea typeface="DejaVu Sans"/>
               </a:rPr>
               <a:t>Written by:</a:t>
             </a:r>
@@ -12935,10 +13462,13 @@
             </a:endParaRPr>
           </a:p>
           <a:p>
-            <a:pPr indent="0">
+            <a:pPr marL="228600" indent="0">
               <a:lnSpc>
                 <a:spcPct val="100000"/>
               </a:lnSpc>
+              <a:spcBef>
+                <a:spcPts val="1001"/>
+              </a:spcBef>
               <a:buNone/>
               <a:tabLst>
                 <a:tab algn="l" pos="0"/>
@@ -12952,10 +13482,13 @@
             </a:endParaRPr>
           </a:p>
           <a:p>
-            <a:pPr indent="0">
+            <a:pPr marL="228600" indent="0">
               <a:lnSpc>
                 <a:spcPct val="100000"/>
               </a:lnSpc>
+              <a:spcBef>
+                <a:spcPts val="1001"/>
+              </a:spcBef>
               <a:buNone/>
               <a:tabLst>
                 <a:tab algn="l" pos="0"/>
@@ -12967,6 +13500,7 @@
                   <a:srgbClr val="000000"/>
                 </a:solidFill>
                 <a:latin typeface="Times New Roman"/>
+                <a:ea typeface="DejaVu Sans"/>
               </a:rPr>
               <a:t>Ryan, Christina, David, Donnie, Joshua, and Bruce</a:t>
             </a:r>
@@ -12993,7 +13527,7 @@
         <p:txBody>
           <a:bodyPr/>
           <a:p>
-            <a:fld id="{9B4985EA-B838-49D9-9109-1AC53534133A}" type="slidenum">
+            <a:fld id="{B32DC72E-16A4-455E-9950-820E700EC1D9}" type="slidenum">
               <a:t>1</a:t>
             </a:fld>
           </a:p>
@@ -13042,7 +13576,7 @@
         <p:spPr>
           <a:xfrm>
             <a:off x="1620000" y="216000"/>
-            <a:ext cx="8099640" cy="935640"/>
+            <a:ext cx="8099280" cy="935280"/>
           </a:xfrm>
           <a:prstGeom prst="rect">
             <a:avLst/>
@@ -13072,6 +13606,7 @@
                   <a:srgbClr val="050505"/>
                 </a:solidFill>
                 <a:latin typeface="Times New Roman"/>
+                <a:ea typeface="DejaVu Sans"/>
               </a:rPr>
               <a:t>Task</a:t>
             </a:r>
@@ -13097,7 +13632,7 @@
         <p:spPr>
           <a:xfrm>
             <a:off x="1620000" y="1368000"/>
-            <a:ext cx="8099640" cy="3287880"/>
+            <a:ext cx="8099280" cy="3287520"/>
           </a:xfrm>
           <a:prstGeom prst="rect">
             <a:avLst/>
@@ -13109,13 +13644,16 @@
         </p:spPr>
         <p:txBody>
           <a:bodyPr lIns="0" rIns="0" tIns="0" bIns="0" anchor="t">
-            <a:normAutofit/>
-          </a:bodyPr>
-          <a:p>
-            <a:pPr marL="432000" indent="-324000">
+            <a:normAutofit fontScale="93000"/>
+          </a:bodyPr>
+          <a:p>
+            <a:pPr marL="401760" indent="-301320">
               <a:lnSpc>
                 <a:spcPct val="100000"/>
               </a:lnSpc>
+              <a:spcBef>
+                <a:spcPts val="1001"/>
+              </a:spcBef>
               <a:spcAft>
                 <a:spcPts val="1060"/>
               </a:spcAft>
@@ -13132,6 +13670,7 @@
                   <a:srgbClr val="050505"/>
                 </a:solidFill>
                 <a:latin typeface="Arial"/>
+                <a:ea typeface="DejaVu Sans"/>
               </a:rPr>
               <a:t>2-4 Players</a:t>
             </a:r>
@@ -13143,10 +13682,13 @@
             </a:endParaRPr>
           </a:p>
           <a:p>
-            <a:pPr marL="432000" indent="-324000">
+            <a:pPr marL="401760" indent="-301320">
               <a:lnSpc>
                 <a:spcPct val="100000"/>
               </a:lnSpc>
+              <a:spcBef>
+                <a:spcPts val="1001"/>
+              </a:spcBef>
               <a:spcAft>
                 <a:spcPts val="1060"/>
               </a:spcAft>
@@ -13163,6 +13705,7 @@
                   <a:srgbClr val="050505"/>
                 </a:solidFill>
                 <a:latin typeface="Arial"/>
+                <a:ea typeface="DejaVu Sans"/>
               </a:rPr>
               <a:t>10x10 Board</a:t>
             </a:r>
@@ -13174,10 +13717,13 @@
             </a:endParaRPr>
           </a:p>
           <a:p>
-            <a:pPr marL="432000" indent="-324000">
+            <a:pPr marL="401760" indent="-301320">
               <a:lnSpc>
                 <a:spcPct val="100000"/>
               </a:lnSpc>
+              <a:spcBef>
+                <a:spcPts val="1001"/>
+              </a:spcBef>
               <a:spcAft>
                 <a:spcPts val="1060"/>
               </a:spcAft>
@@ -13194,6 +13740,7 @@
                   <a:srgbClr val="050505"/>
                 </a:solidFill>
                 <a:latin typeface="Arial"/>
+                <a:ea typeface="DejaVu Sans"/>
               </a:rPr>
               <a:t>Dice rolls</a:t>
             </a:r>
@@ -13205,10 +13752,13 @@
             </a:endParaRPr>
           </a:p>
           <a:p>
-            <a:pPr marL="432000" indent="-324000">
+            <a:pPr marL="401760" indent="-301320">
               <a:lnSpc>
                 <a:spcPct val="100000"/>
               </a:lnSpc>
+              <a:spcBef>
+                <a:spcPts val="1001"/>
+              </a:spcBef>
               <a:spcAft>
                 <a:spcPts val="1060"/>
               </a:spcAft>
@@ -13225,6 +13775,7 @@
                   <a:srgbClr val="050505"/>
                 </a:solidFill>
                 <a:latin typeface="Arial"/>
+                <a:ea typeface="DejaVu Sans"/>
               </a:rPr>
               <a:t>Chute and Ladder functionality</a:t>
             </a:r>
@@ -13236,10 +13787,13 @@
             </a:endParaRPr>
           </a:p>
           <a:p>
-            <a:pPr marL="432000" indent="-324000">
+            <a:pPr marL="401760" indent="-301320">
               <a:lnSpc>
                 <a:spcPct val="100000"/>
               </a:lnSpc>
+              <a:spcBef>
+                <a:spcPts val="1001"/>
+              </a:spcBef>
               <a:spcAft>
                 <a:spcPts val="1060"/>
               </a:spcAft>
@@ -13256,6 +13810,7 @@
                   <a:srgbClr val="050505"/>
                 </a:solidFill>
                 <a:latin typeface="Arial"/>
+                <a:ea typeface="DejaVu Sans"/>
               </a:rPr>
               <a:t>Report winner at square 100</a:t>
             </a:r>
@@ -13267,10 +13822,13 @@
             </a:endParaRPr>
           </a:p>
           <a:p>
-            <a:pPr marL="432000" indent="-324000">
+            <a:pPr marL="401760" indent="-301320">
               <a:lnSpc>
                 <a:spcPct val="100000"/>
               </a:lnSpc>
+              <a:spcBef>
+                <a:spcPts val="1001"/>
+              </a:spcBef>
               <a:spcAft>
                 <a:spcPts val="1060"/>
               </a:spcAft>
@@ -13287,6 +13845,7 @@
                   <a:srgbClr val="050505"/>
                 </a:solidFill>
                 <a:latin typeface="Arial"/>
+                <a:ea typeface="DejaVu Sans"/>
               </a:rPr>
               <a:t>Write winner</a:t>
             </a:r>
@@ -13313,7 +13872,7 @@
         <p:txBody>
           <a:bodyPr/>
           <a:p>
-            <a:fld id="{91E5C186-5A97-434C-86AB-01BB2C6E0E8B}" type="slidenum">
+            <a:fld id="{C07B977E-25D2-49D1-B08D-9DF3B48A04D3}" type="slidenum">
               <a:t>2</a:t>
             </a:fld>
           </a:p>
@@ -13362,7 +13921,7 @@
         <p:spPr>
           <a:xfrm>
             <a:off x="1656000" y="216000"/>
-            <a:ext cx="3866040" cy="935640"/>
+            <a:ext cx="3865680" cy="935280"/>
           </a:xfrm>
           <a:prstGeom prst="rect">
             <a:avLst/>
@@ -13392,6 +13951,7 @@
                   <a:srgbClr val="050505"/>
                 </a:solidFill>
                 <a:latin typeface="Times New Roman"/>
+                <a:ea typeface="DejaVu Sans"/>
               </a:rPr>
               <a:t>Board</a:t>
             </a:r>
@@ -13417,7 +13977,7 @@
         <p:spPr>
           <a:xfrm>
             <a:off x="1620000" y="1368000"/>
-            <a:ext cx="3866040" cy="3287880"/>
+            <a:ext cx="3865680" cy="3287520"/>
           </a:xfrm>
           <a:prstGeom prst="rect">
             <a:avLst/>
@@ -13436,6 +13996,9 @@
               <a:lnSpc>
                 <a:spcPct val="100000"/>
               </a:lnSpc>
+              <a:spcBef>
+                <a:spcPts val="1001"/>
+              </a:spcBef>
               <a:spcAft>
                 <a:spcPts val="1060"/>
               </a:spcAft>
@@ -13452,6 +14015,7 @@
                   <a:srgbClr val="050505"/>
                 </a:solidFill>
                 <a:latin typeface="Arial"/>
+                <a:ea typeface="DejaVu Sans"/>
               </a:rPr>
               <a:t>Dynamically print board based on Token values</a:t>
             </a:r>
@@ -13466,7 +14030,7 @@
       </p:sp>
       <p:pic>
         <p:nvPicPr>
-          <p:cNvPr id="250" name="" descr=""/>
+          <p:cNvPr id="250" name="Picture 249" descr=""/>
           <p:cNvPicPr/>
           <p:nvPr/>
         </p:nvPicPr>
@@ -13477,7 +14041,7 @@
         <p:spPr>
           <a:xfrm>
             <a:off x="5486400" y="228600"/>
-            <a:ext cx="3729960" cy="5041440"/>
+            <a:ext cx="3729600" cy="5041080"/>
           </a:xfrm>
           <a:prstGeom prst="rect">
             <a:avLst/>
@@ -13501,7 +14065,7 @@
         <p:txBody>
           <a:bodyPr/>
           <a:p>
-            <a:fld id="{4EF68FF6-679A-4193-BB4D-9ADA437A0387}" type="slidenum">
+            <a:fld id="{1E225293-F7F4-4ED2-A870-1242B0797882}" type="slidenum">
               <a:t>3</a:t>
             </a:fld>
           </a:p>
@@ -13550,7 +14114,7 @@
         <p:spPr>
           <a:xfrm>
             <a:off x="1620000" y="216000"/>
-            <a:ext cx="8099640" cy="935640"/>
+            <a:ext cx="8099280" cy="935280"/>
           </a:xfrm>
           <a:prstGeom prst="rect">
             <a:avLst/>
@@ -13580,6 +14144,7 @@
                   <a:srgbClr val="050505"/>
                 </a:solidFill>
                 <a:latin typeface="Times New Roman"/>
+                <a:ea typeface="DejaVu Sans"/>
               </a:rPr>
               <a:t>Board cont.</a:t>
             </a:r>
@@ -13594,7 +14159,7 @@
       </p:sp>
       <p:pic>
         <p:nvPicPr>
-          <p:cNvPr id="252" name="" descr=""/>
+          <p:cNvPr id="252" name="Picture 251" descr=""/>
           <p:cNvPicPr/>
           <p:nvPr/>
         </p:nvPicPr>
@@ -13605,7 +14170,7 @@
         <p:spPr>
           <a:xfrm>
             <a:off x="2475000" y="1371600"/>
-            <a:ext cx="6391440" cy="3481560"/>
+            <a:ext cx="6391080" cy="3481200"/>
           </a:xfrm>
           <a:prstGeom prst="rect">
             <a:avLst/>
@@ -13629,7 +14194,7 @@
         <p:txBody>
           <a:bodyPr/>
           <a:p>
-            <a:fld id="{BC511285-EE5E-407D-AA6E-EBF0E06495CD}" type="slidenum">
+            <a:fld id="{5A4C2ADF-EFEA-4A53-BF02-B035F8AF2E73}" type="slidenum">
               <a:t>4</a:t>
             </a:fld>
           </a:p>
@@ -13678,7 +14243,7 @@
         <p:spPr>
           <a:xfrm>
             <a:off x="1620000" y="216000"/>
-            <a:ext cx="8099640" cy="935640"/>
+            <a:ext cx="8099280" cy="935280"/>
           </a:xfrm>
           <a:prstGeom prst="rect">
             <a:avLst/>
@@ -13708,6 +14273,7 @@
                   <a:srgbClr val="050505"/>
                 </a:solidFill>
                 <a:latin typeface="Times New Roman"/>
+                <a:ea typeface="DejaVu Sans"/>
               </a:rPr>
               <a:t>Score</a:t>
             </a:r>
@@ -13733,7 +14299,7 @@
         <p:spPr>
           <a:xfrm>
             <a:off x="1620000" y="1368000"/>
-            <a:ext cx="4094640" cy="3287880"/>
+            <a:ext cx="4094280" cy="3287520"/>
           </a:xfrm>
           <a:prstGeom prst="rect">
             <a:avLst/>
@@ -13752,6 +14318,9 @@
               <a:lnSpc>
                 <a:spcPct val="100000"/>
               </a:lnSpc>
+              <a:spcBef>
+                <a:spcPts val="1001"/>
+              </a:spcBef>
               <a:spcAft>
                 <a:spcPts val="1060"/>
               </a:spcAft>
@@ -13768,6 +14337,7 @@
                   <a:srgbClr val="050505"/>
                 </a:solidFill>
                 <a:latin typeface="Arial"/>
+                <a:ea typeface="DejaVu Sans"/>
               </a:rPr>
               <a:t>Class level scope to print each players score</a:t>
             </a:r>
@@ -13783,6 +14353,9 @@
               <a:lnSpc>
                 <a:spcPct val="100000"/>
               </a:lnSpc>
+              <a:spcBef>
+                <a:spcPts val="1001"/>
+              </a:spcBef>
               <a:spcAft>
                 <a:spcPts val="1060"/>
               </a:spcAft>
@@ -13799,6 +14372,7 @@
                   <a:srgbClr val="050505"/>
                 </a:solidFill>
                 <a:latin typeface="Arial"/>
+                <a:ea typeface="DejaVu Sans"/>
               </a:rPr>
               <a:t>Writes player number and score to winners.txt</a:t>
             </a:r>
@@ -13813,7 +14387,7 @@
       </p:sp>
       <p:pic>
         <p:nvPicPr>
-          <p:cNvPr id="255" name="" descr=""/>
+          <p:cNvPr id="255" name="Picture 254" descr=""/>
           <p:cNvPicPr/>
           <p:nvPr/>
         </p:nvPicPr>
@@ -13824,7 +14398,7 @@
         <p:spPr>
           <a:xfrm>
             <a:off x="2916000" y="3200400"/>
-            <a:ext cx="6301440" cy="1828440"/>
+            <a:ext cx="6301080" cy="1828080"/>
           </a:xfrm>
           <a:prstGeom prst="rect">
             <a:avLst/>
@@ -13848,7 +14422,7 @@
         <p:txBody>
           <a:bodyPr/>
           <a:p>
-            <a:fld id="{F2335746-8B7F-4F93-8042-C90D2453AEE9}" type="slidenum">
+            <a:fld id="{AA5E6D00-DFDE-4F5B-8EB8-C4B48B92E0A9}" type="slidenum">
               <a:t>5</a:t>
             </a:fld>
           </a:p>
@@ -13897,7 +14471,7 @@
         <p:spPr>
           <a:xfrm>
             <a:off x="2016000" y="216000"/>
-            <a:ext cx="2170440" cy="935640"/>
+            <a:ext cx="2170080" cy="935280"/>
           </a:xfrm>
           <a:prstGeom prst="rect">
             <a:avLst/>
@@ -13927,6 +14501,7 @@
                   <a:srgbClr val="050505"/>
                 </a:solidFill>
                 <a:latin typeface="Times New Roman"/>
+                <a:ea typeface="DejaVu Sans"/>
               </a:rPr>
               <a:t>Token</a:t>
             </a:r>
@@ -13952,7 +14527,7 @@
         <p:spPr>
           <a:xfrm>
             <a:off x="1620000" y="1368000"/>
-            <a:ext cx="3180240" cy="3287880"/>
+            <a:ext cx="3179880" cy="3287520"/>
           </a:xfrm>
           <a:prstGeom prst="rect">
             <a:avLst/>
@@ -13971,6 +14546,9 @@
               <a:lnSpc>
                 <a:spcPct val="100000"/>
               </a:lnSpc>
+              <a:spcBef>
+                <a:spcPts val="1001"/>
+              </a:spcBef>
               <a:spcAft>
                 <a:spcPts val="1060"/>
               </a:spcAft>
@@ -13987,6 +14565,7 @@
                   <a:srgbClr val="050505"/>
                 </a:solidFill>
                 <a:latin typeface="Arial"/>
+                <a:ea typeface="DejaVu Sans"/>
               </a:rPr>
               <a:t>Stores player information and coordinates </a:t>
             </a:r>
@@ -14001,7 +14580,7 @@
       </p:sp>
       <p:pic>
         <p:nvPicPr>
-          <p:cNvPr id="258" name="" descr=""/>
+          <p:cNvPr id="258" name="Picture 257" descr=""/>
           <p:cNvPicPr/>
           <p:nvPr/>
         </p:nvPicPr>
@@ -14012,7 +14591,7 @@
         <p:spPr>
           <a:xfrm>
             <a:off x="4343400" y="673200"/>
-            <a:ext cx="5257440" cy="3994560"/>
+            <a:ext cx="5257080" cy="3994200"/>
           </a:xfrm>
           <a:prstGeom prst="rect">
             <a:avLst/>
@@ -14036,7 +14615,7 @@
         <p:txBody>
           <a:bodyPr/>
           <a:p>
-            <a:fld id="{8EE552E9-A46F-44B5-BC04-0FAFDD8D5476}" type="slidenum">
+            <a:fld id="{96B01C56-10F2-4F8F-944B-10712BF15203}" type="slidenum">
               <a:t>6</a:t>
             </a:fld>
           </a:p>
@@ -14084,8 +14663,8 @@
         </p:nvSpPr>
         <p:spPr>
           <a:xfrm>
-            <a:off x="1620000" y="216000"/>
-            <a:ext cx="4095000" cy="935640"/>
+            <a:off x="3368880" y="230760"/>
+            <a:ext cx="4094640" cy="935280"/>
           </a:xfrm>
           <a:prstGeom prst="rect">
             <a:avLst/>
@@ -14101,7 +14680,13 @@
           </a:bodyPr>
           <a:p>
             <a:pPr indent="0" algn="ctr">
+              <a:lnSpc>
+                <a:spcPct val="90000"/>
+              </a:lnSpc>
               <a:buNone/>
+              <a:tabLst>
+                <a:tab algn="l" pos="0"/>
+              </a:tabLst>
             </a:pPr>
             <a:r>
               <a:rPr b="0" lang="en-US" sz="4400" spc="-1" strike="noStrike">
@@ -14109,6 +14694,7 @@
                   <a:srgbClr val="000000"/>
                 </a:solidFill>
                 <a:latin typeface="Arial"/>
+                <a:ea typeface="DejaVu Sans"/>
               </a:rPr>
               <a:t>Dice</a:t>
             </a:r>
@@ -14123,7 +14709,7 @@
       </p:sp>
       <p:pic>
         <p:nvPicPr>
-          <p:cNvPr id="260" name="" descr=""/>
+          <p:cNvPr id="260" name="Picture 259" descr=""/>
           <p:cNvPicPr/>
           <p:nvPr/>
         </p:nvPicPr>
@@ -14133,8 +14719,8 @@
         </p:blipFill>
         <p:spPr>
           <a:xfrm>
-            <a:off x="5934960" y="1143000"/>
-            <a:ext cx="3209040" cy="3233160"/>
+            <a:off x="6122520" y="2194560"/>
+            <a:ext cx="3208680" cy="3232800"/>
           </a:xfrm>
           <a:prstGeom prst="rect">
             <a:avLst/>
@@ -14147,13 +14733,13 @@
       <p:sp>
         <p:nvSpPr>
           <p:cNvPr id="261" name="PlaceHolder 3"/>
-          <p:cNvSpPr txBox="1"/>
+          <p:cNvSpPr/>
           <p:nvPr/>
         </p:nvSpPr>
         <p:spPr>
           <a:xfrm>
             <a:off x="2057400" y="1371600"/>
-            <a:ext cx="3180240" cy="3287880"/>
+            <a:ext cx="7517160" cy="853920"/>
           </a:xfrm>
           <a:prstGeom prst="rect">
             <a:avLst/>
@@ -14163,6 +14749,12 @@
             <a:noFill/>
           </a:ln>
         </p:spPr>
+        <p:style>
+          <a:lnRef idx="0"/>
+          <a:fillRef idx="0"/>
+          <a:effectRef idx="0"/>
+          <a:fontRef idx="minor"/>
+        </p:style>
         <p:txBody>
           <a:bodyPr lIns="0" rIns="0" tIns="0" bIns="0" anchor="t">
             <a:normAutofit/>
@@ -14188,6 +14780,7 @@
                   <a:srgbClr val="050505"/>
                 </a:solidFill>
                 <a:latin typeface="Arial"/>
+                <a:ea typeface="DejaVu Sans"/>
               </a:rPr>
               <a:t>Uses Processing library to generate and animate an integer and its associated die. </a:t>
             </a:r>
@@ -14200,6 +14793,40 @@
           </a:p>
         </p:txBody>
       </p:sp>
+      <p:pic>
+        <p:nvPicPr>
+          <p:cNvPr id="262" name="" descr="">
+            <a:hlinkClick r:id="" action="ppaction://media"/>
+          </p:cNvPr>
+          <p:cNvPicPr/>
+          <p:nvPr>
+            <a:videoFile r:link="rId2"/>
+            <p:extLst>
+              <p:ext uri="{DAA4B4D4-6D71-4841-9C94-3DE7FCFB9230}">
+                <p14:media r:embed="rId3"/>
+              </p:ext>
+            </p:extLst>
+          </p:nvPr>
+        </p:nvPicPr>
+        <p:blipFill>
+          <a:blip r:embed="rId4"/>
+          <a:stretch>
+            <a:fillRect/>
+          </a:stretch>
+        </p:blipFill>
+        <p:spPr>
+          <a:xfrm>
+            <a:off x="2251440" y="2194560"/>
+            <a:ext cx="3291120" cy="3438000"/>
+          </a:xfrm>
+          <a:prstGeom prst="rect">
+            <a:avLst/>
+          </a:prstGeom>
+          <a:ln w="0">
+            <a:noFill/>
+          </a:ln>
+        </p:spPr>
+      </p:pic>
       <p:sp>
         <p:nvSpPr>
           <p:cNvPr id="3" name="PlaceHolder 2"/>
@@ -14214,7 +14841,7 @@
         <p:txBody>
           <a:bodyPr/>
           <a:p>
-            <a:fld id="{774090D0-4740-4017-9AF4-B239D76A13CE}" type="slidenum">
+            <a:fld id="{A638F805-A9E8-47B5-A575-3BE1689DCAD3}" type="slidenum">
               <a:t>7</a:t>
             </a:fld>
           </a:p>
@@ -14230,6 +14857,137 @@
       <p:transition spd="slow"/>
     </mc:Fallback>
   </mc:AlternateContent>
+  <p:timing>
+    <p:tnLst>
+      <p:par>
+        <p:cTn id="1" dur="indefinite" restart="never" nodeType="tmRoot">
+          <p:childTnLst>
+            <p:seq>
+              <p:cTn id="2" dur="indefinite" nodeType="mainSeq">
+                <p:childTnLst>
+                  <p:par>
+                    <p:cTn id="3" fill="hold">
+                      <p:stCondLst>
+                        <p:cond delay="indefinite"/>
+                      </p:stCondLst>
+                      <p:childTnLst>
+                        <p:par>
+                          <p:cTn id="4" fill="hold">
+                            <p:stCondLst>
+                              <p:cond delay="0"/>
+                            </p:stCondLst>
+                            <p:childTnLst>
+                              <p:par>
+                                <p:cTn id="5" nodeType="clickEffect" fill="hold" presetClass="mediacall">
+                                  <p:stCondLst>
+                                    <p:cond delay="0"/>
+                                  </p:stCondLst>
+                                  <p:childTnLst>
+                                    <p:cmd type="call" cmd="playFrom(0.0)">
+                                      <p:cBhvr>
+                                        <p:cTn id="6" dur="5700" fill="hold"/>
+                                        <p:tgtEl>
+                                          <p:spTgt spid="262"/>
+                                        </p:tgtEl>
+                                      </p:cBhvr>
+                                    </p:cmd>
+                                  </p:childTnLst>
+                                </p:cTn>
+                              </p:par>
+                            </p:childTnLst>
+                          </p:cTn>
+                        </p:par>
+                      </p:childTnLst>
+                    </p:cTn>
+                  </p:par>
+                </p:childTnLst>
+              </p:cTn>
+              <p:prevCondLst>
+                <p:cond evt="onPrev">
+                  <p:tgtEl>
+                    <p:sldTgt/>
+                  </p:tgtEl>
+                </p:cond>
+              </p:prevCondLst>
+              <p:nextCondLst>
+                <p:cond evt="onNext">
+                  <p:tgtEl>
+                    <p:sldTgt/>
+                  </p:tgtEl>
+                </p:cond>
+              </p:nextCondLst>
+            </p:seq>
+            <p:seq>
+              <p:cTn id="7" restart="whenNotActive" nodeType="interactiveSeq" fill="hold">
+                <p:stCondLst>
+                  <p:cond delay="0" evt="onClick">
+                    <p:tgtEl>
+                      <p:spTgt spid="262"/>
+                    </p:tgtEl>
+                  </p:cond>
+                </p:stCondLst>
+                <p:childTnLst>
+                  <p:par>
+                    <p:cTn id="8" fill="hold">
+                      <p:stCondLst>
+                        <p:cond delay="0" evt="onClick">
+                          <p:tgtEl>
+                            <p:spTgt spid="262"/>
+                          </p:tgtEl>
+                        </p:cond>
+                      </p:stCondLst>
+                      <p:childTnLst>
+                        <p:par>
+                          <p:cTn id="9" fill="hold">
+                            <p:stCondLst>
+                              <p:cond delay="0"/>
+                            </p:stCondLst>
+                            <p:childTnLst>
+                              <p:par>
+                                <p:cTn id="10" nodeType="clickEffect" fill="hold" presetClass="mediacall">
+                                  <p:stCondLst>
+                                    <p:cond delay="0"/>
+                                  </p:stCondLst>
+                                  <p:childTnLst>
+                                    <p:cmd type="call" cmd="togglePause">
+                                      <p:cBhvr>
+                                        <p:cTn id="11" dur="1" fill="hold"/>
+                                        <p:tgtEl>
+                                          <p:spTgt spid="262"/>
+                                        </p:tgtEl>
+                                      </p:cBhvr>
+                                    </p:cmd>
+                                  </p:childTnLst>
+                                </p:cTn>
+                              </p:par>
+                            </p:childTnLst>
+                          </p:cTn>
+                        </p:par>
+                      </p:childTnLst>
+                    </p:cTn>
+                  </p:par>
+                </p:childTnLst>
+              </p:cTn>
+              <p:prevCondLst>
+                <p:cond evt="onPrev">
+                  <p:tgtEl>
+                    <p:sldTgt/>
+                  </p:tgtEl>
+                </p:cond>
+              </p:prevCondLst>
+              <p:nextCondLst>
+                <p:cond evt="onNext">
+                  <p:tgtEl>
+                    <p:sldTgt/>
+                  </p:tgtEl>
+                </p:cond>
+              </p:nextCondLst>
+            </p:seq>
+          </p:childTnLst>
+        </p:cTn>
+      </p:par>
+    </p:tnLst>
+  </p:timing>
 </p:sld>
 </file>
 

--- a/documentation/presentation.pptx
+++ b/documentation/presentation.pptx
@@ -13,6 +13,8 @@
     <p:sldId id="260" r:id="rId8"/>
     <p:sldId id="261" r:id="rId9"/>
     <p:sldId id="262" r:id="rId10"/>
+    <p:sldId id="263" r:id="rId11"/>
+    <p:sldId id="264" r:id="rId12"/>
   </p:sldIdLst>
   <p:sldSz cx="10080625" cy="5670550"/>
   <p:notesSz cx="7772400" cy="10058400"/>
@@ -70,7 +72,7 @@
         <p:txBody>
           <a:bodyPr/>
           <a:p>
-            <a:fld id="{23ED435B-80D9-4AAD-B30A-BFDB49E1E13A}" type="slidenum">
+            <a:fld id="{0CF4F9CD-FFEA-4237-A588-C18038EF6B19}" type="slidenum">
               <a:t>&lt;#&gt;</a:t>
             </a:fld>
           </a:p>
@@ -121,7 +123,7 @@
       </p:grpSpPr>
       <p:sp>
         <p:nvSpPr>
-          <p:cNvPr id="107" name="PlaceHolder 1"/>
+          <p:cNvPr id="109" name="PlaceHolder 1"/>
           <p:cNvSpPr>
             <a:spLocks noGrp="1"/>
           </p:cNvSpPr>
@@ -147,21 +149,21 @@
             <a:noAutofit/>
           </a:bodyPr>
           <a:p>
-            <a:pPr indent="0">
+            <a:pPr indent="0" algn="ctr">
               <a:buNone/>
             </a:pPr>
-            <a:endParaRPr b="0" lang="en-US" sz="1800" spc="-1" strike="noStrike">
-              <a:solidFill>
-                <a:srgbClr val="000000"/>
-              </a:solidFill>
-              <a:latin typeface="Arial"/>
-            </a:endParaRPr>
-          </a:p>
-        </p:txBody>
-      </p:sp>
-      <p:sp>
-        <p:nvSpPr>
-          <p:cNvPr id="108" name="PlaceHolder 2"/>
+            <a:endParaRPr b="0" lang="en-US" sz="4400" spc="-1" strike="noStrike">
+              <a:solidFill>
+                <a:srgbClr val="000000"/>
+              </a:solidFill>
+              <a:latin typeface="Arial"/>
+            </a:endParaRPr>
+          </a:p>
+        </p:txBody>
+      </p:sp>
+      <p:sp>
+        <p:nvSpPr>
+          <p:cNvPr id="110" name="PlaceHolder 2"/>
           <p:cNvSpPr>
             <a:spLocks noGrp="1"/>
           </p:cNvSpPr>
@@ -188,26 +190,23 @@
           </a:bodyPr>
           <a:p>
             <a:pPr indent="0">
-              <a:lnSpc>
-                <a:spcPct val="90000"/>
-              </a:lnSpc>
               <a:spcBef>
                 <a:spcPts val="1417"/>
               </a:spcBef>
               <a:buNone/>
             </a:pPr>
-            <a:endParaRPr b="0" lang="en-US" sz="2800" spc="-1" strike="noStrike">
-              <a:solidFill>
-                <a:srgbClr val="000000"/>
-              </a:solidFill>
-              <a:latin typeface="Arial"/>
-            </a:endParaRPr>
-          </a:p>
-        </p:txBody>
-      </p:sp>
-      <p:sp>
-        <p:nvSpPr>
-          <p:cNvPr id="109" name="PlaceHolder 3"/>
+            <a:endParaRPr b="0" lang="en-US" sz="3200" spc="-1" strike="noStrike">
+              <a:solidFill>
+                <a:srgbClr val="000000"/>
+              </a:solidFill>
+              <a:latin typeface="Arial"/>
+            </a:endParaRPr>
+          </a:p>
+        </p:txBody>
+      </p:sp>
+      <p:sp>
+        <p:nvSpPr>
+          <p:cNvPr id="111" name="PlaceHolder 3"/>
           <p:cNvSpPr>
             <a:spLocks noGrp="1"/>
           </p:cNvSpPr>
@@ -234,15 +233,12 @@
           </a:bodyPr>
           <a:p>
             <a:pPr indent="0">
-              <a:lnSpc>
-                <a:spcPct val="90000"/>
-              </a:lnSpc>
               <a:spcBef>
                 <a:spcPts val="1417"/>
               </a:spcBef>
               <a:buNone/>
             </a:pPr>
-            <a:endParaRPr b="0" lang="en-US" sz="2800" spc="-1" strike="noStrike">
+            <a:endParaRPr b="0" lang="en-US" sz="3200" spc="-1" strike="noStrike">
               <a:solidFill>
                 <a:srgbClr val="000000"/>
               </a:solidFill>
@@ -285,7 +281,7 @@
         <p:txBody>
           <a:bodyPr/>
           <a:p>
-            <a:fld id="{BF1FEA8D-99F2-4FA2-AEDC-7BE22C70A377}" type="slidenum">
+            <a:fld id="{8EF0FCAA-38C6-4967-AE55-BCE61C606225}" type="slidenum">
               <a:t>&lt;#&gt;</a:t>
             </a:fld>
           </a:p>
@@ -336,7 +332,7 @@
       </p:grpSpPr>
       <p:sp>
         <p:nvSpPr>
-          <p:cNvPr id="110" name="PlaceHolder 1"/>
+          <p:cNvPr id="112" name="PlaceHolder 1"/>
           <p:cNvSpPr>
             <a:spLocks noGrp="1"/>
           </p:cNvSpPr>
@@ -362,21 +358,21 @@
             <a:noAutofit/>
           </a:bodyPr>
           <a:p>
-            <a:pPr indent="0">
+            <a:pPr indent="0" algn="ctr">
               <a:buNone/>
             </a:pPr>
-            <a:endParaRPr b="0" lang="en-US" sz="1800" spc="-1" strike="noStrike">
-              <a:solidFill>
-                <a:srgbClr val="000000"/>
-              </a:solidFill>
-              <a:latin typeface="Arial"/>
-            </a:endParaRPr>
-          </a:p>
-        </p:txBody>
-      </p:sp>
-      <p:sp>
-        <p:nvSpPr>
-          <p:cNvPr id="111" name="PlaceHolder 2"/>
+            <a:endParaRPr b="0" lang="en-US" sz="4400" spc="-1" strike="noStrike">
+              <a:solidFill>
+                <a:srgbClr val="000000"/>
+              </a:solidFill>
+              <a:latin typeface="Arial"/>
+            </a:endParaRPr>
+          </a:p>
+        </p:txBody>
+      </p:sp>
+      <p:sp>
+        <p:nvSpPr>
+          <p:cNvPr id="113" name="PlaceHolder 2"/>
           <p:cNvSpPr>
             <a:spLocks noGrp="1"/>
           </p:cNvSpPr>
@@ -403,26 +399,23 @@
           </a:bodyPr>
           <a:p>
             <a:pPr indent="0">
-              <a:lnSpc>
-                <a:spcPct val="90000"/>
-              </a:lnSpc>
               <a:spcBef>
                 <a:spcPts val="1417"/>
               </a:spcBef>
               <a:buNone/>
             </a:pPr>
-            <a:endParaRPr b="0" lang="en-US" sz="2800" spc="-1" strike="noStrike">
-              <a:solidFill>
-                <a:srgbClr val="000000"/>
-              </a:solidFill>
-              <a:latin typeface="Arial"/>
-            </a:endParaRPr>
-          </a:p>
-        </p:txBody>
-      </p:sp>
-      <p:sp>
-        <p:nvSpPr>
-          <p:cNvPr id="112" name="PlaceHolder 3"/>
+            <a:endParaRPr b="0" lang="en-US" sz="3200" spc="-1" strike="noStrike">
+              <a:solidFill>
+                <a:srgbClr val="000000"/>
+              </a:solidFill>
+              <a:latin typeface="Arial"/>
+            </a:endParaRPr>
+          </a:p>
+        </p:txBody>
+      </p:sp>
+      <p:sp>
+        <p:nvSpPr>
+          <p:cNvPr id="114" name="PlaceHolder 3"/>
           <p:cNvSpPr>
             <a:spLocks noGrp="1"/>
           </p:cNvSpPr>
@@ -449,26 +442,23 @@
           </a:bodyPr>
           <a:p>
             <a:pPr indent="0">
-              <a:lnSpc>
-                <a:spcPct val="90000"/>
-              </a:lnSpc>
               <a:spcBef>
                 <a:spcPts val="1417"/>
               </a:spcBef>
               <a:buNone/>
             </a:pPr>
-            <a:endParaRPr b="0" lang="en-US" sz="2800" spc="-1" strike="noStrike">
-              <a:solidFill>
-                <a:srgbClr val="000000"/>
-              </a:solidFill>
-              <a:latin typeface="Arial"/>
-            </a:endParaRPr>
-          </a:p>
-        </p:txBody>
-      </p:sp>
-      <p:sp>
-        <p:nvSpPr>
-          <p:cNvPr id="113" name="PlaceHolder 4"/>
+            <a:endParaRPr b="0" lang="en-US" sz="3200" spc="-1" strike="noStrike">
+              <a:solidFill>
+                <a:srgbClr val="000000"/>
+              </a:solidFill>
+              <a:latin typeface="Arial"/>
+            </a:endParaRPr>
+          </a:p>
+        </p:txBody>
+      </p:sp>
+      <p:sp>
+        <p:nvSpPr>
+          <p:cNvPr id="115" name="PlaceHolder 4"/>
           <p:cNvSpPr>
             <a:spLocks noGrp="1"/>
           </p:cNvSpPr>
@@ -495,26 +485,23 @@
           </a:bodyPr>
           <a:p>
             <a:pPr indent="0">
-              <a:lnSpc>
-                <a:spcPct val="90000"/>
-              </a:lnSpc>
               <a:spcBef>
                 <a:spcPts val="1417"/>
               </a:spcBef>
               <a:buNone/>
             </a:pPr>
-            <a:endParaRPr b="0" lang="en-US" sz="2800" spc="-1" strike="noStrike">
-              <a:solidFill>
-                <a:srgbClr val="000000"/>
-              </a:solidFill>
-              <a:latin typeface="Arial"/>
-            </a:endParaRPr>
-          </a:p>
-        </p:txBody>
-      </p:sp>
-      <p:sp>
-        <p:nvSpPr>
-          <p:cNvPr id="114" name="PlaceHolder 5"/>
+            <a:endParaRPr b="0" lang="en-US" sz="3200" spc="-1" strike="noStrike">
+              <a:solidFill>
+                <a:srgbClr val="000000"/>
+              </a:solidFill>
+              <a:latin typeface="Arial"/>
+            </a:endParaRPr>
+          </a:p>
+        </p:txBody>
+      </p:sp>
+      <p:sp>
+        <p:nvSpPr>
+          <p:cNvPr id="116" name="PlaceHolder 5"/>
           <p:cNvSpPr>
             <a:spLocks noGrp="1"/>
           </p:cNvSpPr>
@@ -541,15 +528,12 @@
           </a:bodyPr>
           <a:p>
             <a:pPr indent="0">
-              <a:lnSpc>
-                <a:spcPct val="90000"/>
-              </a:lnSpc>
               <a:spcBef>
                 <a:spcPts val="1417"/>
               </a:spcBef>
               <a:buNone/>
             </a:pPr>
-            <a:endParaRPr b="0" lang="en-US" sz="2800" spc="-1" strike="noStrike">
+            <a:endParaRPr b="0" lang="en-US" sz="3200" spc="-1" strike="noStrike">
               <a:solidFill>
                 <a:srgbClr val="000000"/>
               </a:solidFill>
@@ -592,7 +576,7 @@
         <p:txBody>
           <a:bodyPr/>
           <a:p>
-            <a:fld id="{DECD8BD2-DCDB-4B8C-BC16-6BAF720104D1}" type="slidenum">
+            <a:fld id="{39256097-B60F-4733-83CB-253F166643BA}" type="slidenum">
               <a:t>&lt;#&gt;</a:t>
             </a:fld>
           </a:p>
@@ -643,7 +627,7 @@
       </p:grpSpPr>
       <p:sp>
         <p:nvSpPr>
-          <p:cNvPr id="115" name="PlaceHolder 1"/>
+          <p:cNvPr id="117" name="PlaceHolder 1"/>
           <p:cNvSpPr>
             <a:spLocks noGrp="1"/>
           </p:cNvSpPr>
@@ -669,21 +653,21 @@
             <a:noAutofit/>
           </a:bodyPr>
           <a:p>
-            <a:pPr indent="0">
+            <a:pPr indent="0" algn="ctr">
               <a:buNone/>
             </a:pPr>
-            <a:endParaRPr b="0" lang="en-US" sz="1800" spc="-1" strike="noStrike">
-              <a:solidFill>
-                <a:srgbClr val="000000"/>
-              </a:solidFill>
-              <a:latin typeface="Arial"/>
-            </a:endParaRPr>
-          </a:p>
-        </p:txBody>
-      </p:sp>
-      <p:sp>
-        <p:nvSpPr>
-          <p:cNvPr id="116" name="PlaceHolder 2"/>
+            <a:endParaRPr b="0" lang="en-US" sz="4400" spc="-1" strike="noStrike">
+              <a:solidFill>
+                <a:srgbClr val="000000"/>
+              </a:solidFill>
+              <a:latin typeface="Arial"/>
+            </a:endParaRPr>
+          </a:p>
+        </p:txBody>
+      </p:sp>
+      <p:sp>
+        <p:nvSpPr>
+          <p:cNvPr id="118" name="PlaceHolder 2"/>
           <p:cNvSpPr>
             <a:spLocks noGrp="1"/>
           </p:cNvSpPr>
@@ -710,26 +694,23 @@
           </a:bodyPr>
           <a:p>
             <a:pPr indent="0">
-              <a:lnSpc>
-                <a:spcPct val="90000"/>
-              </a:lnSpc>
               <a:spcBef>
                 <a:spcPts val="1417"/>
               </a:spcBef>
               <a:buNone/>
             </a:pPr>
-            <a:endParaRPr b="0" lang="en-US" sz="2800" spc="-1" strike="noStrike">
-              <a:solidFill>
-                <a:srgbClr val="000000"/>
-              </a:solidFill>
-              <a:latin typeface="Arial"/>
-            </a:endParaRPr>
-          </a:p>
-        </p:txBody>
-      </p:sp>
-      <p:sp>
-        <p:nvSpPr>
-          <p:cNvPr id="117" name="PlaceHolder 3"/>
+            <a:endParaRPr b="0" lang="en-US" sz="3200" spc="-1" strike="noStrike">
+              <a:solidFill>
+                <a:srgbClr val="000000"/>
+              </a:solidFill>
+              <a:latin typeface="Arial"/>
+            </a:endParaRPr>
+          </a:p>
+        </p:txBody>
+      </p:sp>
+      <p:sp>
+        <p:nvSpPr>
+          <p:cNvPr id="119" name="PlaceHolder 3"/>
           <p:cNvSpPr>
             <a:spLocks noGrp="1"/>
           </p:cNvSpPr>
@@ -756,26 +737,23 @@
           </a:bodyPr>
           <a:p>
             <a:pPr indent="0">
-              <a:lnSpc>
-                <a:spcPct val="90000"/>
-              </a:lnSpc>
               <a:spcBef>
                 <a:spcPts val="1417"/>
               </a:spcBef>
               <a:buNone/>
             </a:pPr>
-            <a:endParaRPr b="0" lang="en-US" sz="2800" spc="-1" strike="noStrike">
-              <a:solidFill>
-                <a:srgbClr val="000000"/>
-              </a:solidFill>
-              <a:latin typeface="Arial"/>
-            </a:endParaRPr>
-          </a:p>
-        </p:txBody>
-      </p:sp>
-      <p:sp>
-        <p:nvSpPr>
-          <p:cNvPr id="118" name="PlaceHolder 4"/>
+            <a:endParaRPr b="0" lang="en-US" sz="3200" spc="-1" strike="noStrike">
+              <a:solidFill>
+                <a:srgbClr val="000000"/>
+              </a:solidFill>
+              <a:latin typeface="Arial"/>
+            </a:endParaRPr>
+          </a:p>
+        </p:txBody>
+      </p:sp>
+      <p:sp>
+        <p:nvSpPr>
+          <p:cNvPr id="120" name="PlaceHolder 4"/>
           <p:cNvSpPr>
             <a:spLocks noGrp="1"/>
           </p:cNvSpPr>
@@ -802,26 +780,23 @@
           </a:bodyPr>
           <a:p>
             <a:pPr indent="0">
-              <a:lnSpc>
-                <a:spcPct val="90000"/>
-              </a:lnSpc>
               <a:spcBef>
                 <a:spcPts val="1417"/>
               </a:spcBef>
               <a:buNone/>
             </a:pPr>
-            <a:endParaRPr b="0" lang="en-US" sz="2800" spc="-1" strike="noStrike">
-              <a:solidFill>
-                <a:srgbClr val="000000"/>
-              </a:solidFill>
-              <a:latin typeface="Arial"/>
-            </a:endParaRPr>
-          </a:p>
-        </p:txBody>
-      </p:sp>
-      <p:sp>
-        <p:nvSpPr>
-          <p:cNvPr id="119" name="PlaceHolder 5"/>
+            <a:endParaRPr b="0" lang="en-US" sz="3200" spc="-1" strike="noStrike">
+              <a:solidFill>
+                <a:srgbClr val="000000"/>
+              </a:solidFill>
+              <a:latin typeface="Arial"/>
+            </a:endParaRPr>
+          </a:p>
+        </p:txBody>
+      </p:sp>
+      <p:sp>
+        <p:nvSpPr>
+          <p:cNvPr id="121" name="PlaceHolder 5"/>
           <p:cNvSpPr>
             <a:spLocks noGrp="1"/>
           </p:cNvSpPr>
@@ -848,26 +823,23 @@
           </a:bodyPr>
           <a:p>
             <a:pPr indent="0">
-              <a:lnSpc>
-                <a:spcPct val="90000"/>
-              </a:lnSpc>
               <a:spcBef>
                 <a:spcPts val="1417"/>
               </a:spcBef>
               <a:buNone/>
             </a:pPr>
-            <a:endParaRPr b="0" lang="en-US" sz="2800" spc="-1" strike="noStrike">
-              <a:solidFill>
-                <a:srgbClr val="000000"/>
-              </a:solidFill>
-              <a:latin typeface="Arial"/>
-            </a:endParaRPr>
-          </a:p>
-        </p:txBody>
-      </p:sp>
-      <p:sp>
-        <p:nvSpPr>
-          <p:cNvPr id="120" name="PlaceHolder 6"/>
+            <a:endParaRPr b="0" lang="en-US" sz="3200" spc="-1" strike="noStrike">
+              <a:solidFill>
+                <a:srgbClr val="000000"/>
+              </a:solidFill>
+              <a:latin typeface="Arial"/>
+            </a:endParaRPr>
+          </a:p>
+        </p:txBody>
+      </p:sp>
+      <p:sp>
+        <p:nvSpPr>
+          <p:cNvPr id="122" name="PlaceHolder 6"/>
           <p:cNvSpPr>
             <a:spLocks noGrp="1"/>
           </p:cNvSpPr>
@@ -894,26 +866,23 @@
           </a:bodyPr>
           <a:p>
             <a:pPr indent="0">
-              <a:lnSpc>
-                <a:spcPct val="90000"/>
-              </a:lnSpc>
               <a:spcBef>
                 <a:spcPts val="1417"/>
               </a:spcBef>
               <a:buNone/>
             </a:pPr>
-            <a:endParaRPr b="0" lang="en-US" sz="2800" spc="-1" strike="noStrike">
-              <a:solidFill>
-                <a:srgbClr val="000000"/>
-              </a:solidFill>
-              <a:latin typeface="Arial"/>
-            </a:endParaRPr>
-          </a:p>
-        </p:txBody>
-      </p:sp>
-      <p:sp>
-        <p:nvSpPr>
-          <p:cNvPr id="121" name="PlaceHolder 7"/>
+            <a:endParaRPr b="0" lang="en-US" sz="3200" spc="-1" strike="noStrike">
+              <a:solidFill>
+                <a:srgbClr val="000000"/>
+              </a:solidFill>
+              <a:latin typeface="Arial"/>
+            </a:endParaRPr>
+          </a:p>
+        </p:txBody>
+      </p:sp>
+      <p:sp>
+        <p:nvSpPr>
+          <p:cNvPr id="123" name="PlaceHolder 7"/>
           <p:cNvSpPr>
             <a:spLocks noGrp="1"/>
           </p:cNvSpPr>
@@ -940,15 +909,12 @@
           </a:bodyPr>
           <a:p>
             <a:pPr indent="0">
-              <a:lnSpc>
-                <a:spcPct val="90000"/>
-              </a:lnSpc>
               <a:spcBef>
                 <a:spcPts val="1417"/>
               </a:spcBef>
               <a:buNone/>
             </a:pPr>
-            <a:endParaRPr b="0" lang="en-US" sz="2800" spc="-1" strike="noStrike">
+            <a:endParaRPr b="0" lang="en-US" sz="3200" spc="-1" strike="noStrike">
               <a:solidFill>
                 <a:srgbClr val="000000"/>
               </a:solidFill>
@@ -991,7 +957,7 @@
         <p:txBody>
           <a:bodyPr/>
           <a:p>
-            <a:fld id="{9BB3695D-3B09-442F-87D3-6AE820A2B694}" type="slidenum">
+            <a:fld id="{9274D39E-4AA2-43DA-8CD6-425632D3587D}" type="slidenum">
               <a:t>&lt;#&gt;</a:t>
             </a:fld>
           </a:p>
@@ -1074,7 +1040,7 @@
         <p:txBody>
           <a:bodyPr/>
           <a:p>
-            <a:fld id="{F15E030A-EFA5-44CD-AB82-0AB80640133B}" type="slidenum">
+            <a:fld id="{8433853B-A2D4-4AC6-AB8F-A9AFC5CB581D}" type="slidenum">
               <a:t>&lt;#&gt;</a:t>
             </a:fld>
           </a:p>
@@ -1125,7 +1091,7 @@
       </p:grpSpPr>
       <p:sp>
         <p:nvSpPr>
-          <p:cNvPr id="208" name="PlaceHolder 1"/>
+          <p:cNvPr id="210" name="PlaceHolder 1"/>
           <p:cNvSpPr>
             <a:spLocks noGrp="1"/>
           </p:cNvSpPr>
@@ -1151,21 +1117,21 @@
             <a:noAutofit/>
           </a:bodyPr>
           <a:p>
-            <a:pPr indent="0">
+            <a:pPr indent="0" algn="ctr">
               <a:buNone/>
             </a:pPr>
-            <a:endParaRPr b="0" lang="en-US" sz="1800" spc="-1" strike="noStrike">
-              <a:solidFill>
-                <a:srgbClr val="000000"/>
-              </a:solidFill>
-              <a:latin typeface="Arial"/>
-            </a:endParaRPr>
-          </a:p>
-        </p:txBody>
-      </p:sp>
-      <p:sp>
-        <p:nvSpPr>
-          <p:cNvPr id="209" name="PlaceHolder 2"/>
+            <a:endParaRPr b="0" lang="en-US" sz="4400" spc="-1" strike="noStrike">
+              <a:solidFill>
+                <a:srgbClr val="000000"/>
+              </a:solidFill>
+              <a:latin typeface="Arial"/>
+            </a:endParaRPr>
+          </a:p>
+        </p:txBody>
+      </p:sp>
+      <p:sp>
+        <p:nvSpPr>
+          <p:cNvPr id="211" name="PlaceHolder 2"/>
           <p:cNvSpPr>
             <a:spLocks noGrp="1"/>
           </p:cNvSpPr>
@@ -1237,7 +1203,7 @@
         <p:txBody>
           <a:bodyPr/>
           <a:p>
-            <a:fld id="{0D1BBFB8-6ECE-4601-9487-AAA0FAF7E89E}" type="slidenum">
+            <a:fld id="{734DB06B-28E1-4BE1-946B-A64824ACB847}" type="slidenum">
               <a:t>&lt;#&gt;</a:t>
             </a:fld>
           </a:p>
@@ -1288,7 +1254,7 @@
       </p:grpSpPr>
       <p:sp>
         <p:nvSpPr>
-          <p:cNvPr id="210" name="PlaceHolder 1"/>
+          <p:cNvPr id="212" name="PlaceHolder 1"/>
           <p:cNvSpPr>
             <a:spLocks noGrp="1"/>
           </p:cNvSpPr>
@@ -1314,21 +1280,21 @@
             <a:noAutofit/>
           </a:bodyPr>
           <a:p>
-            <a:pPr indent="0">
+            <a:pPr indent="0" algn="ctr">
               <a:buNone/>
             </a:pPr>
-            <a:endParaRPr b="0" lang="en-US" sz="1800" spc="-1" strike="noStrike">
-              <a:solidFill>
-                <a:srgbClr val="000000"/>
-              </a:solidFill>
-              <a:latin typeface="Arial"/>
-            </a:endParaRPr>
-          </a:p>
-        </p:txBody>
-      </p:sp>
-      <p:sp>
-        <p:nvSpPr>
-          <p:cNvPr id="211" name="PlaceHolder 2"/>
+            <a:endParaRPr b="0" lang="en-US" sz="4400" spc="-1" strike="noStrike">
+              <a:solidFill>
+                <a:srgbClr val="000000"/>
+              </a:solidFill>
+              <a:latin typeface="Arial"/>
+            </a:endParaRPr>
+          </a:p>
+        </p:txBody>
+      </p:sp>
+      <p:sp>
+        <p:nvSpPr>
+          <p:cNvPr id="213" name="PlaceHolder 2"/>
           <p:cNvSpPr>
             <a:spLocks noGrp="1"/>
           </p:cNvSpPr>
@@ -1355,15 +1321,12 @@
           </a:bodyPr>
           <a:p>
             <a:pPr indent="0">
-              <a:lnSpc>
-                <a:spcPct val="90000"/>
-              </a:lnSpc>
               <a:spcBef>
                 <a:spcPts val="1417"/>
               </a:spcBef>
               <a:buNone/>
             </a:pPr>
-            <a:endParaRPr b="0" lang="en-US" sz="2800" spc="-1" strike="noStrike">
+            <a:endParaRPr b="0" lang="en-US" sz="3200" spc="-1" strike="noStrike">
               <a:solidFill>
                 <a:srgbClr val="000000"/>
               </a:solidFill>
@@ -1406,7 +1369,7 @@
         <p:txBody>
           <a:bodyPr/>
           <a:p>
-            <a:fld id="{A5E363B8-2A4B-4538-A26A-79014AC230FC}" type="slidenum">
+            <a:fld id="{9A43FA64-C6D2-4366-AABD-CC192BECA49C}" type="slidenum">
               <a:t>&lt;#&gt;</a:t>
             </a:fld>
           </a:p>
@@ -1457,7 +1420,7 @@
       </p:grpSpPr>
       <p:sp>
         <p:nvSpPr>
-          <p:cNvPr id="212" name="PlaceHolder 1"/>
+          <p:cNvPr id="214" name="PlaceHolder 1"/>
           <p:cNvSpPr>
             <a:spLocks noGrp="1"/>
           </p:cNvSpPr>
@@ -1483,21 +1446,21 @@
             <a:noAutofit/>
           </a:bodyPr>
           <a:p>
-            <a:pPr indent="0">
+            <a:pPr indent="0" algn="ctr">
               <a:buNone/>
             </a:pPr>
-            <a:endParaRPr b="0" lang="en-US" sz="1800" spc="-1" strike="noStrike">
-              <a:solidFill>
-                <a:srgbClr val="000000"/>
-              </a:solidFill>
-              <a:latin typeface="Arial"/>
-            </a:endParaRPr>
-          </a:p>
-        </p:txBody>
-      </p:sp>
-      <p:sp>
-        <p:nvSpPr>
-          <p:cNvPr id="213" name="PlaceHolder 2"/>
+            <a:endParaRPr b="0" lang="en-US" sz="4400" spc="-1" strike="noStrike">
+              <a:solidFill>
+                <a:srgbClr val="000000"/>
+              </a:solidFill>
+              <a:latin typeface="Arial"/>
+            </a:endParaRPr>
+          </a:p>
+        </p:txBody>
+      </p:sp>
+      <p:sp>
+        <p:nvSpPr>
+          <p:cNvPr id="215" name="PlaceHolder 2"/>
           <p:cNvSpPr>
             <a:spLocks noGrp="1"/>
           </p:cNvSpPr>
@@ -1524,26 +1487,23 @@
           </a:bodyPr>
           <a:p>
             <a:pPr indent="0">
-              <a:lnSpc>
-                <a:spcPct val="90000"/>
-              </a:lnSpc>
               <a:spcBef>
                 <a:spcPts val="1417"/>
               </a:spcBef>
               <a:buNone/>
             </a:pPr>
-            <a:endParaRPr b="0" lang="en-US" sz="2800" spc="-1" strike="noStrike">
-              <a:solidFill>
-                <a:srgbClr val="000000"/>
-              </a:solidFill>
-              <a:latin typeface="Arial"/>
-            </a:endParaRPr>
-          </a:p>
-        </p:txBody>
-      </p:sp>
-      <p:sp>
-        <p:nvSpPr>
-          <p:cNvPr id="214" name="PlaceHolder 3"/>
+            <a:endParaRPr b="0" lang="en-US" sz="3200" spc="-1" strike="noStrike">
+              <a:solidFill>
+                <a:srgbClr val="000000"/>
+              </a:solidFill>
+              <a:latin typeface="Arial"/>
+            </a:endParaRPr>
+          </a:p>
+        </p:txBody>
+      </p:sp>
+      <p:sp>
+        <p:nvSpPr>
+          <p:cNvPr id="216" name="PlaceHolder 3"/>
           <p:cNvSpPr>
             <a:spLocks noGrp="1"/>
           </p:cNvSpPr>
@@ -1570,15 +1530,12 @@
           </a:bodyPr>
           <a:p>
             <a:pPr indent="0">
-              <a:lnSpc>
-                <a:spcPct val="90000"/>
-              </a:lnSpc>
               <a:spcBef>
                 <a:spcPts val="1417"/>
               </a:spcBef>
               <a:buNone/>
             </a:pPr>
-            <a:endParaRPr b="0" lang="en-US" sz="2800" spc="-1" strike="noStrike">
+            <a:endParaRPr b="0" lang="en-US" sz="3200" spc="-1" strike="noStrike">
               <a:solidFill>
                 <a:srgbClr val="000000"/>
               </a:solidFill>
@@ -1621,7 +1578,7 @@
         <p:txBody>
           <a:bodyPr/>
           <a:p>
-            <a:fld id="{84FEFA6B-A5BD-46A2-8AD1-FDB7A2EF0978}" type="slidenum">
+            <a:fld id="{722112A3-B53D-40DA-BE62-479049CA2D60}" type="slidenum">
               <a:t>&lt;#&gt;</a:t>
             </a:fld>
           </a:p>
@@ -1672,7 +1629,7 @@
       </p:grpSpPr>
       <p:sp>
         <p:nvSpPr>
-          <p:cNvPr id="215" name="PlaceHolder 1"/>
+          <p:cNvPr id="217" name="PlaceHolder 1"/>
           <p:cNvSpPr>
             <a:spLocks noGrp="1"/>
           </p:cNvSpPr>
@@ -1698,10 +1655,10 @@
             <a:noAutofit/>
           </a:bodyPr>
           <a:p>
-            <a:pPr indent="0">
+            <a:pPr indent="0" algn="ctr">
               <a:buNone/>
             </a:pPr>
-            <a:endParaRPr b="0" lang="en-US" sz="1800" spc="-1" strike="noStrike">
+            <a:endParaRPr b="0" lang="en-US" sz="4400" spc="-1" strike="noStrike">
               <a:solidFill>
                 <a:srgbClr val="000000"/>
               </a:solidFill>
@@ -1744,7 +1701,7 @@
         <p:txBody>
           <a:bodyPr/>
           <a:p>
-            <a:fld id="{36CF3CA9-7C76-4C23-9F49-A1F9FE926608}" type="slidenum">
+            <a:fld id="{34468558-8F81-45B3-BE78-83B7144DB041}" type="slidenum">
               <a:t>&lt;#&gt;</a:t>
             </a:fld>
           </a:p>
@@ -1795,7 +1752,7 @@
       </p:grpSpPr>
       <p:sp>
         <p:nvSpPr>
-          <p:cNvPr id="216" name="PlaceHolder 1"/>
+          <p:cNvPr id="218" name="PlaceHolder 1"/>
           <p:cNvSpPr>
             <a:spLocks noGrp="1"/>
           </p:cNvSpPr>
@@ -1865,7 +1822,7 @@
         <p:txBody>
           <a:bodyPr/>
           <a:p>
-            <a:fld id="{FCC9B1DD-99C6-40A3-8485-E1A40F896FAE}" type="slidenum">
+            <a:fld id="{581F8DC9-AA6F-4B0B-93B4-4551ED95AEF9}" type="slidenum">
               <a:t>&lt;#&gt;</a:t>
             </a:fld>
           </a:p>
@@ -1916,7 +1873,7 @@
       </p:grpSpPr>
       <p:sp>
         <p:nvSpPr>
-          <p:cNvPr id="217" name="PlaceHolder 1"/>
+          <p:cNvPr id="219" name="PlaceHolder 1"/>
           <p:cNvSpPr>
             <a:spLocks noGrp="1"/>
           </p:cNvSpPr>
@@ -1942,21 +1899,21 @@
             <a:noAutofit/>
           </a:bodyPr>
           <a:p>
-            <a:pPr indent="0">
+            <a:pPr indent="0" algn="ctr">
               <a:buNone/>
             </a:pPr>
-            <a:endParaRPr b="0" lang="en-US" sz="1800" spc="-1" strike="noStrike">
-              <a:solidFill>
-                <a:srgbClr val="000000"/>
-              </a:solidFill>
-              <a:latin typeface="Arial"/>
-            </a:endParaRPr>
-          </a:p>
-        </p:txBody>
-      </p:sp>
-      <p:sp>
-        <p:nvSpPr>
-          <p:cNvPr id="218" name="PlaceHolder 2"/>
+            <a:endParaRPr b="0" lang="en-US" sz="4400" spc="-1" strike="noStrike">
+              <a:solidFill>
+                <a:srgbClr val="000000"/>
+              </a:solidFill>
+              <a:latin typeface="Arial"/>
+            </a:endParaRPr>
+          </a:p>
+        </p:txBody>
+      </p:sp>
+      <p:sp>
+        <p:nvSpPr>
+          <p:cNvPr id="220" name="PlaceHolder 2"/>
           <p:cNvSpPr>
             <a:spLocks noGrp="1"/>
           </p:cNvSpPr>
@@ -1983,26 +1940,23 @@
           </a:bodyPr>
           <a:p>
             <a:pPr indent="0">
-              <a:lnSpc>
-                <a:spcPct val="90000"/>
-              </a:lnSpc>
               <a:spcBef>
                 <a:spcPts val="1417"/>
               </a:spcBef>
               <a:buNone/>
             </a:pPr>
-            <a:endParaRPr b="0" lang="en-US" sz="2800" spc="-1" strike="noStrike">
-              <a:solidFill>
-                <a:srgbClr val="000000"/>
-              </a:solidFill>
-              <a:latin typeface="Arial"/>
-            </a:endParaRPr>
-          </a:p>
-        </p:txBody>
-      </p:sp>
-      <p:sp>
-        <p:nvSpPr>
-          <p:cNvPr id="219" name="PlaceHolder 3"/>
+            <a:endParaRPr b="0" lang="en-US" sz="3200" spc="-1" strike="noStrike">
+              <a:solidFill>
+                <a:srgbClr val="000000"/>
+              </a:solidFill>
+              <a:latin typeface="Arial"/>
+            </a:endParaRPr>
+          </a:p>
+        </p:txBody>
+      </p:sp>
+      <p:sp>
+        <p:nvSpPr>
+          <p:cNvPr id="221" name="PlaceHolder 3"/>
           <p:cNvSpPr>
             <a:spLocks noGrp="1"/>
           </p:cNvSpPr>
@@ -2029,26 +1983,23 @@
           </a:bodyPr>
           <a:p>
             <a:pPr indent="0">
-              <a:lnSpc>
-                <a:spcPct val="90000"/>
-              </a:lnSpc>
               <a:spcBef>
                 <a:spcPts val="1417"/>
               </a:spcBef>
               <a:buNone/>
             </a:pPr>
-            <a:endParaRPr b="0" lang="en-US" sz="2800" spc="-1" strike="noStrike">
-              <a:solidFill>
-                <a:srgbClr val="000000"/>
-              </a:solidFill>
-              <a:latin typeface="Arial"/>
-            </a:endParaRPr>
-          </a:p>
-        </p:txBody>
-      </p:sp>
-      <p:sp>
-        <p:nvSpPr>
-          <p:cNvPr id="220" name="PlaceHolder 4"/>
+            <a:endParaRPr b="0" lang="en-US" sz="3200" spc="-1" strike="noStrike">
+              <a:solidFill>
+                <a:srgbClr val="000000"/>
+              </a:solidFill>
+              <a:latin typeface="Arial"/>
+            </a:endParaRPr>
+          </a:p>
+        </p:txBody>
+      </p:sp>
+      <p:sp>
+        <p:nvSpPr>
+          <p:cNvPr id="222" name="PlaceHolder 4"/>
           <p:cNvSpPr>
             <a:spLocks noGrp="1"/>
           </p:cNvSpPr>
@@ -2075,15 +2026,12 @@
           </a:bodyPr>
           <a:p>
             <a:pPr indent="0">
-              <a:lnSpc>
-                <a:spcPct val="90000"/>
-              </a:lnSpc>
               <a:spcBef>
                 <a:spcPts val="1417"/>
               </a:spcBef>
               <a:buNone/>
             </a:pPr>
-            <a:endParaRPr b="0" lang="en-US" sz="2800" spc="-1" strike="noStrike">
+            <a:endParaRPr b="0" lang="en-US" sz="3200" spc="-1" strike="noStrike">
               <a:solidFill>
                 <a:srgbClr val="000000"/>
               </a:solidFill>
@@ -2126,7 +2074,7 @@
         <p:txBody>
           <a:bodyPr/>
           <a:p>
-            <a:fld id="{318B7D4C-FA82-4D35-9B2C-A4671E96112C}" type="slidenum">
+            <a:fld id="{EDEF07FF-1002-453E-B79B-7997ACE5089C}" type="slidenum">
               <a:t>&lt;#&gt;</a:t>
             </a:fld>
           </a:p>
@@ -2177,7 +2125,7 @@
       </p:grpSpPr>
       <p:sp>
         <p:nvSpPr>
-          <p:cNvPr id="86" name="PlaceHolder 1"/>
+          <p:cNvPr id="88" name="PlaceHolder 1"/>
           <p:cNvSpPr>
             <a:spLocks noGrp="1"/>
           </p:cNvSpPr>
@@ -2203,21 +2151,21 @@
             <a:noAutofit/>
           </a:bodyPr>
           <a:p>
-            <a:pPr indent="0">
+            <a:pPr indent="0" algn="ctr">
               <a:buNone/>
             </a:pPr>
-            <a:endParaRPr b="0" lang="en-US" sz="1800" spc="-1" strike="noStrike">
-              <a:solidFill>
-                <a:srgbClr val="000000"/>
-              </a:solidFill>
-              <a:latin typeface="Arial"/>
-            </a:endParaRPr>
-          </a:p>
-        </p:txBody>
-      </p:sp>
-      <p:sp>
-        <p:nvSpPr>
-          <p:cNvPr id="87" name="PlaceHolder 2"/>
+            <a:endParaRPr b="0" lang="en-US" sz="4400" spc="-1" strike="noStrike">
+              <a:solidFill>
+                <a:srgbClr val="000000"/>
+              </a:solidFill>
+              <a:latin typeface="Arial"/>
+            </a:endParaRPr>
+          </a:p>
+        </p:txBody>
+      </p:sp>
+      <p:sp>
+        <p:nvSpPr>
+          <p:cNvPr id="89" name="PlaceHolder 2"/>
           <p:cNvSpPr>
             <a:spLocks noGrp="1"/>
           </p:cNvSpPr>
@@ -2289,7 +2237,7 @@
         <p:txBody>
           <a:bodyPr/>
           <a:p>
-            <a:fld id="{24CDE016-4100-42F5-8ED7-91C10CD5E47C}" type="slidenum">
+            <a:fld id="{3562FD87-3291-4A75-B5F2-54847DE55E78}" type="slidenum">
               <a:t>&lt;#&gt;</a:t>
             </a:fld>
           </a:p>
@@ -2340,7 +2288,7 @@
       </p:grpSpPr>
       <p:sp>
         <p:nvSpPr>
-          <p:cNvPr id="221" name="PlaceHolder 1"/>
+          <p:cNvPr id="223" name="PlaceHolder 1"/>
           <p:cNvSpPr>
             <a:spLocks noGrp="1"/>
           </p:cNvSpPr>
@@ -2366,21 +2314,21 @@
             <a:noAutofit/>
           </a:bodyPr>
           <a:p>
-            <a:pPr indent="0">
+            <a:pPr indent="0" algn="ctr">
               <a:buNone/>
             </a:pPr>
-            <a:endParaRPr b="0" lang="en-US" sz="1800" spc="-1" strike="noStrike">
-              <a:solidFill>
-                <a:srgbClr val="000000"/>
-              </a:solidFill>
-              <a:latin typeface="Arial"/>
-            </a:endParaRPr>
-          </a:p>
-        </p:txBody>
-      </p:sp>
-      <p:sp>
-        <p:nvSpPr>
-          <p:cNvPr id="222" name="PlaceHolder 2"/>
+            <a:endParaRPr b="0" lang="en-US" sz="4400" spc="-1" strike="noStrike">
+              <a:solidFill>
+                <a:srgbClr val="000000"/>
+              </a:solidFill>
+              <a:latin typeface="Arial"/>
+            </a:endParaRPr>
+          </a:p>
+        </p:txBody>
+      </p:sp>
+      <p:sp>
+        <p:nvSpPr>
+          <p:cNvPr id="224" name="PlaceHolder 2"/>
           <p:cNvSpPr>
             <a:spLocks noGrp="1"/>
           </p:cNvSpPr>
@@ -2407,26 +2355,23 @@
           </a:bodyPr>
           <a:p>
             <a:pPr indent="0">
-              <a:lnSpc>
-                <a:spcPct val="90000"/>
-              </a:lnSpc>
               <a:spcBef>
                 <a:spcPts val="1417"/>
               </a:spcBef>
               <a:buNone/>
             </a:pPr>
-            <a:endParaRPr b="0" lang="en-US" sz="2800" spc="-1" strike="noStrike">
-              <a:solidFill>
-                <a:srgbClr val="000000"/>
-              </a:solidFill>
-              <a:latin typeface="Arial"/>
-            </a:endParaRPr>
-          </a:p>
-        </p:txBody>
-      </p:sp>
-      <p:sp>
-        <p:nvSpPr>
-          <p:cNvPr id="223" name="PlaceHolder 3"/>
+            <a:endParaRPr b="0" lang="en-US" sz="3200" spc="-1" strike="noStrike">
+              <a:solidFill>
+                <a:srgbClr val="000000"/>
+              </a:solidFill>
+              <a:latin typeface="Arial"/>
+            </a:endParaRPr>
+          </a:p>
+        </p:txBody>
+      </p:sp>
+      <p:sp>
+        <p:nvSpPr>
+          <p:cNvPr id="225" name="PlaceHolder 3"/>
           <p:cNvSpPr>
             <a:spLocks noGrp="1"/>
           </p:cNvSpPr>
@@ -2453,26 +2398,23 @@
           </a:bodyPr>
           <a:p>
             <a:pPr indent="0">
-              <a:lnSpc>
-                <a:spcPct val="90000"/>
-              </a:lnSpc>
               <a:spcBef>
                 <a:spcPts val="1417"/>
               </a:spcBef>
               <a:buNone/>
             </a:pPr>
-            <a:endParaRPr b="0" lang="en-US" sz="2800" spc="-1" strike="noStrike">
-              <a:solidFill>
-                <a:srgbClr val="000000"/>
-              </a:solidFill>
-              <a:latin typeface="Arial"/>
-            </a:endParaRPr>
-          </a:p>
-        </p:txBody>
-      </p:sp>
-      <p:sp>
-        <p:nvSpPr>
-          <p:cNvPr id="224" name="PlaceHolder 4"/>
+            <a:endParaRPr b="0" lang="en-US" sz="3200" spc="-1" strike="noStrike">
+              <a:solidFill>
+                <a:srgbClr val="000000"/>
+              </a:solidFill>
+              <a:latin typeface="Arial"/>
+            </a:endParaRPr>
+          </a:p>
+        </p:txBody>
+      </p:sp>
+      <p:sp>
+        <p:nvSpPr>
+          <p:cNvPr id="226" name="PlaceHolder 4"/>
           <p:cNvSpPr>
             <a:spLocks noGrp="1"/>
           </p:cNvSpPr>
@@ -2499,15 +2441,12 @@
           </a:bodyPr>
           <a:p>
             <a:pPr indent="0">
-              <a:lnSpc>
-                <a:spcPct val="90000"/>
-              </a:lnSpc>
               <a:spcBef>
                 <a:spcPts val="1417"/>
               </a:spcBef>
               <a:buNone/>
             </a:pPr>
-            <a:endParaRPr b="0" lang="en-US" sz="2800" spc="-1" strike="noStrike">
+            <a:endParaRPr b="0" lang="en-US" sz="3200" spc="-1" strike="noStrike">
               <a:solidFill>
                 <a:srgbClr val="000000"/>
               </a:solidFill>
@@ -2550,7 +2489,7 @@
         <p:txBody>
           <a:bodyPr/>
           <a:p>
-            <a:fld id="{C8CA1036-8C6F-49C4-9DD6-E7779114E6C9}" type="slidenum">
+            <a:fld id="{0DED2FEF-1E87-4DF9-8DF8-D08B62F58350}" type="slidenum">
               <a:t>&lt;#&gt;</a:t>
             </a:fld>
           </a:p>
@@ -2601,7 +2540,7 @@
       </p:grpSpPr>
       <p:sp>
         <p:nvSpPr>
-          <p:cNvPr id="225" name="PlaceHolder 1"/>
+          <p:cNvPr id="227" name="PlaceHolder 1"/>
           <p:cNvSpPr>
             <a:spLocks noGrp="1"/>
           </p:cNvSpPr>
@@ -2627,21 +2566,21 @@
             <a:noAutofit/>
           </a:bodyPr>
           <a:p>
-            <a:pPr indent="0">
+            <a:pPr indent="0" algn="ctr">
               <a:buNone/>
             </a:pPr>
-            <a:endParaRPr b="0" lang="en-US" sz="1800" spc="-1" strike="noStrike">
-              <a:solidFill>
-                <a:srgbClr val="000000"/>
-              </a:solidFill>
-              <a:latin typeface="Arial"/>
-            </a:endParaRPr>
-          </a:p>
-        </p:txBody>
-      </p:sp>
-      <p:sp>
-        <p:nvSpPr>
-          <p:cNvPr id="226" name="PlaceHolder 2"/>
+            <a:endParaRPr b="0" lang="en-US" sz="4400" spc="-1" strike="noStrike">
+              <a:solidFill>
+                <a:srgbClr val="000000"/>
+              </a:solidFill>
+              <a:latin typeface="Arial"/>
+            </a:endParaRPr>
+          </a:p>
+        </p:txBody>
+      </p:sp>
+      <p:sp>
+        <p:nvSpPr>
+          <p:cNvPr id="228" name="PlaceHolder 2"/>
           <p:cNvSpPr>
             <a:spLocks noGrp="1"/>
           </p:cNvSpPr>
@@ -2668,26 +2607,23 @@
           </a:bodyPr>
           <a:p>
             <a:pPr indent="0">
-              <a:lnSpc>
-                <a:spcPct val="90000"/>
-              </a:lnSpc>
               <a:spcBef>
                 <a:spcPts val="1417"/>
               </a:spcBef>
               <a:buNone/>
             </a:pPr>
-            <a:endParaRPr b="0" lang="en-US" sz="2800" spc="-1" strike="noStrike">
-              <a:solidFill>
-                <a:srgbClr val="000000"/>
-              </a:solidFill>
-              <a:latin typeface="Arial"/>
-            </a:endParaRPr>
-          </a:p>
-        </p:txBody>
-      </p:sp>
-      <p:sp>
-        <p:nvSpPr>
-          <p:cNvPr id="227" name="PlaceHolder 3"/>
+            <a:endParaRPr b="0" lang="en-US" sz="3200" spc="-1" strike="noStrike">
+              <a:solidFill>
+                <a:srgbClr val="000000"/>
+              </a:solidFill>
+              <a:latin typeface="Arial"/>
+            </a:endParaRPr>
+          </a:p>
+        </p:txBody>
+      </p:sp>
+      <p:sp>
+        <p:nvSpPr>
+          <p:cNvPr id="229" name="PlaceHolder 3"/>
           <p:cNvSpPr>
             <a:spLocks noGrp="1"/>
           </p:cNvSpPr>
@@ -2714,26 +2650,23 @@
           </a:bodyPr>
           <a:p>
             <a:pPr indent="0">
-              <a:lnSpc>
-                <a:spcPct val="90000"/>
-              </a:lnSpc>
               <a:spcBef>
                 <a:spcPts val="1417"/>
               </a:spcBef>
               <a:buNone/>
             </a:pPr>
-            <a:endParaRPr b="0" lang="en-US" sz="2800" spc="-1" strike="noStrike">
-              <a:solidFill>
-                <a:srgbClr val="000000"/>
-              </a:solidFill>
-              <a:latin typeface="Arial"/>
-            </a:endParaRPr>
-          </a:p>
-        </p:txBody>
-      </p:sp>
-      <p:sp>
-        <p:nvSpPr>
-          <p:cNvPr id="228" name="PlaceHolder 4"/>
+            <a:endParaRPr b="0" lang="en-US" sz="3200" spc="-1" strike="noStrike">
+              <a:solidFill>
+                <a:srgbClr val="000000"/>
+              </a:solidFill>
+              <a:latin typeface="Arial"/>
+            </a:endParaRPr>
+          </a:p>
+        </p:txBody>
+      </p:sp>
+      <p:sp>
+        <p:nvSpPr>
+          <p:cNvPr id="230" name="PlaceHolder 4"/>
           <p:cNvSpPr>
             <a:spLocks noGrp="1"/>
           </p:cNvSpPr>
@@ -2760,15 +2693,12 @@
           </a:bodyPr>
           <a:p>
             <a:pPr indent="0">
-              <a:lnSpc>
-                <a:spcPct val="90000"/>
-              </a:lnSpc>
               <a:spcBef>
                 <a:spcPts val="1417"/>
               </a:spcBef>
               <a:buNone/>
             </a:pPr>
-            <a:endParaRPr b="0" lang="en-US" sz="2800" spc="-1" strike="noStrike">
+            <a:endParaRPr b="0" lang="en-US" sz="3200" spc="-1" strike="noStrike">
               <a:solidFill>
                 <a:srgbClr val="000000"/>
               </a:solidFill>
@@ -2811,7 +2741,7 @@
         <p:txBody>
           <a:bodyPr/>
           <a:p>
-            <a:fld id="{8AA5FFA1-1495-49D2-9314-96080E312B8E}" type="slidenum">
+            <a:fld id="{191E0953-87D6-48DA-90AF-A708042DCB63}" type="slidenum">
               <a:t>&lt;#&gt;</a:t>
             </a:fld>
           </a:p>
@@ -2862,7 +2792,7 @@
       </p:grpSpPr>
       <p:sp>
         <p:nvSpPr>
-          <p:cNvPr id="229" name="PlaceHolder 1"/>
+          <p:cNvPr id="231" name="PlaceHolder 1"/>
           <p:cNvSpPr>
             <a:spLocks noGrp="1"/>
           </p:cNvSpPr>
@@ -2888,21 +2818,21 @@
             <a:noAutofit/>
           </a:bodyPr>
           <a:p>
-            <a:pPr indent="0">
+            <a:pPr indent="0" algn="ctr">
               <a:buNone/>
             </a:pPr>
-            <a:endParaRPr b="0" lang="en-US" sz="1800" spc="-1" strike="noStrike">
-              <a:solidFill>
-                <a:srgbClr val="000000"/>
-              </a:solidFill>
-              <a:latin typeface="Arial"/>
-            </a:endParaRPr>
-          </a:p>
-        </p:txBody>
-      </p:sp>
-      <p:sp>
-        <p:nvSpPr>
-          <p:cNvPr id="230" name="PlaceHolder 2"/>
+            <a:endParaRPr b="0" lang="en-US" sz="4400" spc="-1" strike="noStrike">
+              <a:solidFill>
+                <a:srgbClr val="000000"/>
+              </a:solidFill>
+              <a:latin typeface="Arial"/>
+            </a:endParaRPr>
+          </a:p>
+        </p:txBody>
+      </p:sp>
+      <p:sp>
+        <p:nvSpPr>
+          <p:cNvPr id="232" name="PlaceHolder 2"/>
           <p:cNvSpPr>
             <a:spLocks noGrp="1"/>
           </p:cNvSpPr>
@@ -2929,26 +2859,23 @@
           </a:bodyPr>
           <a:p>
             <a:pPr indent="0">
-              <a:lnSpc>
-                <a:spcPct val="90000"/>
-              </a:lnSpc>
               <a:spcBef>
                 <a:spcPts val="1417"/>
               </a:spcBef>
               <a:buNone/>
             </a:pPr>
-            <a:endParaRPr b="0" lang="en-US" sz="2800" spc="-1" strike="noStrike">
-              <a:solidFill>
-                <a:srgbClr val="000000"/>
-              </a:solidFill>
-              <a:latin typeface="Arial"/>
-            </a:endParaRPr>
-          </a:p>
-        </p:txBody>
-      </p:sp>
-      <p:sp>
-        <p:nvSpPr>
-          <p:cNvPr id="231" name="PlaceHolder 3"/>
+            <a:endParaRPr b="0" lang="en-US" sz="3200" spc="-1" strike="noStrike">
+              <a:solidFill>
+                <a:srgbClr val="000000"/>
+              </a:solidFill>
+              <a:latin typeface="Arial"/>
+            </a:endParaRPr>
+          </a:p>
+        </p:txBody>
+      </p:sp>
+      <p:sp>
+        <p:nvSpPr>
+          <p:cNvPr id="233" name="PlaceHolder 3"/>
           <p:cNvSpPr>
             <a:spLocks noGrp="1"/>
           </p:cNvSpPr>
@@ -2975,15 +2902,12 @@
           </a:bodyPr>
           <a:p>
             <a:pPr indent="0">
-              <a:lnSpc>
-                <a:spcPct val="90000"/>
-              </a:lnSpc>
               <a:spcBef>
                 <a:spcPts val="1417"/>
               </a:spcBef>
               <a:buNone/>
             </a:pPr>
-            <a:endParaRPr b="0" lang="en-US" sz="2800" spc="-1" strike="noStrike">
+            <a:endParaRPr b="0" lang="en-US" sz="3200" spc="-1" strike="noStrike">
               <a:solidFill>
                 <a:srgbClr val="000000"/>
               </a:solidFill>
@@ -3026,7 +2950,7 @@
         <p:txBody>
           <a:bodyPr/>
           <a:p>
-            <a:fld id="{67CCA356-8509-48F1-873B-494D48AA1D58}" type="slidenum">
+            <a:fld id="{8DE8F4B4-3401-4BE3-BEE9-4BEFFD1471D9}" type="slidenum">
               <a:t>&lt;#&gt;</a:t>
             </a:fld>
           </a:p>
@@ -3077,7 +3001,7 @@
       </p:grpSpPr>
       <p:sp>
         <p:nvSpPr>
-          <p:cNvPr id="232" name="PlaceHolder 1"/>
+          <p:cNvPr id="234" name="PlaceHolder 1"/>
           <p:cNvSpPr>
             <a:spLocks noGrp="1"/>
           </p:cNvSpPr>
@@ -3103,21 +3027,21 @@
             <a:noAutofit/>
           </a:bodyPr>
           <a:p>
-            <a:pPr indent="0">
+            <a:pPr indent="0" algn="ctr">
               <a:buNone/>
             </a:pPr>
-            <a:endParaRPr b="0" lang="en-US" sz="1800" spc="-1" strike="noStrike">
-              <a:solidFill>
-                <a:srgbClr val="000000"/>
-              </a:solidFill>
-              <a:latin typeface="Arial"/>
-            </a:endParaRPr>
-          </a:p>
-        </p:txBody>
-      </p:sp>
-      <p:sp>
-        <p:nvSpPr>
-          <p:cNvPr id="233" name="PlaceHolder 2"/>
+            <a:endParaRPr b="0" lang="en-US" sz="4400" spc="-1" strike="noStrike">
+              <a:solidFill>
+                <a:srgbClr val="000000"/>
+              </a:solidFill>
+              <a:latin typeface="Arial"/>
+            </a:endParaRPr>
+          </a:p>
+        </p:txBody>
+      </p:sp>
+      <p:sp>
+        <p:nvSpPr>
+          <p:cNvPr id="235" name="PlaceHolder 2"/>
           <p:cNvSpPr>
             <a:spLocks noGrp="1"/>
           </p:cNvSpPr>
@@ -3144,26 +3068,23 @@
           </a:bodyPr>
           <a:p>
             <a:pPr indent="0">
-              <a:lnSpc>
-                <a:spcPct val="90000"/>
-              </a:lnSpc>
               <a:spcBef>
                 <a:spcPts val="1417"/>
               </a:spcBef>
               <a:buNone/>
             </a:pPr>
-            <a:endParaRPr b="0" lang="en-US" sz="2800" spc="-1" strike="noStrike">
-              <a:solidFill>
-                <a:srgbClr val="000000"/>
-              </a:solidFill>
-              <a:latin typeface="Arial"/>
-            </a:endParaRPr>
-          </a:p>
-        </p:txBody>
-      </p:sp>
-      <p:sp>
-        <p:nvSpPr>
-          <p:cNvPr id="234" name="PlaceHolder 3"/>
+            <a:endParaRPr b="0" lang="en-US" sz="3200" spc="-1" strike="noStrike">
+              <a:solidFill>
+                <a:srgbClr val="000000"/>
+              </a:solidFill>
+              <a:latin typeface="Arial"/>
+            </a:endParaRPr>
+          </a:p>
+        </p:txBody>
+      </p:sp>
+      <p:sp>
+        <p:nvSpPr>
+          <p:cNvPr id="236" name="PlaceHolder 3"/>
           <p:cNvSpPr>
             <a:spLocks noGrp="1"/>
           </p:cNvSpPr>
@@ -3190,26 +3111,23 @@
           </a:bodyPr>
           <a:p>
             <a:pPr indent="0">
-              <a:lnSpc>
-                <a:spcPct val="90000"/>
-              </a:lnSpc>
               <a:spcBef>
                 <a:spcPts val="1417"/>
               </a:spcBef>
               <a:buNone/>
             </a:pPr>
-            <a:endParaRPr b="0" lang="en-US" sz="2800" spc="-1" strike="noStrike">
-              <a:solidFill>
-                <a:srgbClr val="000000"/>
-              </a:solidFill>
-              <a:latin typeface="Arial"/>
-            </a:endParaRPr>
-          </a:p>
-        </p:txBody>
-      </p:sp>
-      <p:sp>
-        <p:nvSpPr>
-          <p:cNvPr id="235" name="PlaceHolder 4"/>
+            <a:endParaRPr b="0" lang="en-US" sz="3200" spc="-1" strike="noStrike">
+              <a:solidFill>
+                <a:srgbClr val="000000"/>
+              </a:solidFill>
+              <a:latin typeface="Arial"/>
+            </a:endParaRPr>
+          </a:p>
+        </p:txBody>
+      </p:sp>
+      <p:sp>
+        <p:nvSpPr>
+          <p:cNvPr id="237" name="PlaceHolder 4"/>
           <p:cNvSpPr>
             <a:spLocks noGrp="1"/>
           </p:cNvSpPr>
@@ -3236,26 +3154,23 @@
           </a:bodyPr>
           <a:p>
             <a:pPr indent="0">
-              <a:lnSpc>
-                <a:spcPct val="90000"/>
-              </a:lnSpc>
               <a:spcBef>
                 <a:spcPts val="1417"/>
               </a:spcBef>
               <a:buNone/>
             </a:pPr>
-            <a:endParaRPr b="0" lang="en-US" sz="2800" spc="-1" strike="noStrike">
-              <a:solidFill>
-                <a:srgbClr val="000000"/>
-              </a:solidFill>
-              <a:latin typeface="Arial"/>
-            </a:endParaRPr>
-          </a:p>
-        </p:txBody>
-      </p:sp>
-      <p:sp>
-        <p:nvSpPr>
-          <p:cNvPr id="236" name="PlaceHolder 5"/>
+            <a:endParaRPr b="0" lang="en-US" sz="3200" spc="-1" strike="noStrike">
+              <a:solidFill>
+                <a:srgbClr val="000000"/>
+              </a:solidFill>
+              <a:latin typeface="Arial"/>
+            </a:endParaRPr>
+          </a:p>
+        </p:txBody>
+      </p:sp>
+      <p:sp>
+        <p:nvSpPr>
+          <p:cNvPr id="238" name="PlaceHolder 5"/>
           <p:cNvSpPr>
             <a:spLocks noGrp="1"/>
           </p:cNvSpPr>
@@ -3282,15 +3197,12 @@
           </a:bodyPr>
           <a:p>
             <a:pPr indent="0">
-              <a:lnSpc>
-                <a:spcPct val="90000"/>
-              </a:lnSpc>
               <a:spcBef>
                 <a:spcPts val="1417"/>
               </a:spcBef>
               <a:buNone/>
             </a:pPr>
-            <a:endParaRPr b="0" lang="en-US" sz="2800" spc="-1" strike="noStrike">
+            <a:endParaRPr b="0" lang="en-US" sz="3200" spc="-1" strike="noStrike">
               <a:solidFill>
                 <a:srgbClr val="000000"/>
               </a:solidFill>
@@ -3333,7 +3245,7 @@
         <p:txBody>
           <a:bodyPr/>
           <a:p>
-            <a:fld id="{C9AF102A-5EB8-4E10-A7CA-C28392BE3913}" type="slidenum">
+            <a:fld id="{23310948-0708-49E3-B595-CBD4B7C01D37}" type="slidenum">
               <a:t>&lt;#&gt;</a:t>
             </a:fld>
           </a:p>
@@ -3384,7 +3296,7 @@
       </p:grpSpPr>
       <p:sp>
         <p:nvSpPr>
-          <p:cNvPr id="237" name="PlaceHolder 1"/>
+          <p:cNvPr id="239" name="PlaceHolder 1"/>
           <p:cNvSpPr>
             <a:spLocks noGrp="1"/>
           </p:cNvSpPr>
@@ -3410,21 +3322,21 @@
             <a:noAutofit/>
           </a:bodyPr>
           <a:p>
-            <a:pPr indent="0">
+            <a:pPr indent="0" algn="ctr">
               <a:buNone/>
             </a:pPr>
-            <a:endParaRPr b="0" lang="en-US" sz="1800" spc="-1" strike="noStrike">
-              <a:solidFill>
-                <a:srgbClr val="000000"/>
-              </a:solidFill>
-              <a:latin typeface="Arial"/>
-            </a:endParaRPr>
-          </a:p>
-        </p:txBody>
-      </p:sp>
-      <p:sp>
-        <p:nvSpPr>
-          <p:cNvPr id="238" name="PlaceHolder 2"/>
+            <a:endParaRPr b="0" lang="en-US" sz="4400" spc="-1" strike="noStrike">
+              <a:solidFill>
+                <a:srgbClr val="000000"/>
+              </a:solidFill>
+              <a:latin typeface="Arial"/>
+            </a:endParaRPr>
+          </a:p>
+        </p:txBody>
+      </p:sp>
+      <p:sp>
+        <p:nvSpPr>
+          <p:cNvPr id="240" name="PlaceHolder 2"/>
           <p:cNvSpPr>
             <a:spLocks noGrp="1"/>
           </p:cNvSpPr>
@@ -3451,26 +3363,23 @@
           </a:bodyPr>
           <a:p>
             <a:pPr indent="0">
-              <a:lnSpc>
-                <a:spcPct val="90000"/>
-              </a:lnSpc>
               <a:spcBef>
                 <a:spcPts val="1417"/>
               </a:spcBef>
               <a:buNone/>
             </a:pPr>
-            <a:endParaRPr b="0" lang="en-US" sz="2800" spc="-1" strike="noStrike">
-              <a:solidFill>
-                <a:srgbClr val="000000"/>
-              </a:solidFill>
-              <a:latin typeface="Arial"/>
-            </a:endParaRPr>
-          </a:p>
-        </p:txBody>
-      </p:sp>
-      <p:sp>
-        <p:nvSpPr>
-          <p:cNvPr id="239" name="PlaceHolder 3"/>
+            <a:endParaRPr b="0" lang="en-US" sz="3200" spc="-1" strike="noStrike">
+              <a:solidFill>
+                <a:srgbClr val="000000"/>
+              </a:solidFill>
+              <a:latin typeface="Arial"/>
+            </a:endParaRPr>
+          </a:p>
+        </p:txBody>
+      </p:sp>
+      <p:sp>
+        <p:nvSpPr>
+          <p:cNvPr id="241" name="PlaceHolder 3"/>
           <p:cNvSpPr>
             <a:spLocks noGrp="1"/>
           </p:cNvSpPr>
@@ -3497,26 +3406,23 @@
           </a:bodyPr>
           <a:p>
             <a:pPr indent="0">
-              <a:lnSpc>
-                <a:spcPct val="90000"/>
-              </a:lnSpc>
               <a:spcBef>
                 <a:spcPts val="1417"/>
               </a:spcBef>
               <a:buNone/>
             </a:pPr>
-            <a:endParaRPr b="0" lang="en-US" sz="2800" spc="-1" strike="noStrike">
-              <a:solidFill>
-                <a:srgbClr val="000000"/>
-              </a:solidFill>
-              <a:latin typeface="Arial"/>
-            </a:endParaRPr>
-          </a:p>
-        </p:txBody>
-      </p:sp>
-      <p:sp>
-        <p:nvSpPr>
-          <p:cNvPr id="240" name="PlaceHolder 4"/>
+            <a:endParaRPr b="0" lang="en-US" sz="3200" spc="-1" strike="noStrike">
+              <a:solidFill>
+                <a:srgbClr val="000000"/>
+              </a:solidFill>
+              <a:latin typeface="Arial"/>
+            </a:endParaRPr>
+          </a:p>
+        </p:txBody>
+      </p:sp>
+      <p:sp>
+        <p:nvSpPr>
+          <p:cNvPr id="242" name="PlaceHolder 4"/>
           <p:cNvSpPr>
             <a:spLocks noGrp="1"/>
           </p:cNvSpPr>
@@ -3543,26 +3449,23 @@
           </a:bodyPr>
           <a:p>
             <a:pPr indent="0">
-              <a:lnSpc>
-                <a:spcPct val="90000"/>
-              </a:lnSpc>
               <a:spcBef>
                 <a:spcPts val="1417"/>
               </a:spcBef>
               <a:buNone/>
             </a:pPr>
-            <a:endParaRPr b="0" lang="en-US" sz="2800" spc="-1" strike="noStrike">
-              <a:solidFill>
-                <a:srgbClr val="000000"/>
-              </a:solidFill>
-              <a:latin typeface="Arial"/>
-            </a:endParaRPr>
-          </a:p>
-        </p:txBody>
-      </p:sp>
-      <p:sp>
-        <p:nvSpPr>
-          <p:cNvPr id="241" name="PlaceHolder 5"/>
+            <a:endParaRPr b="0" lang="en-US" sz="3200" spc="-1" strike="noStrike">
+              <a:solidFill>
+                <a:srgbClr val="000000"/>
+              </a:solidFill>
+              <a:latin typeface="Arial"/>
+            </a:endParaRPr>
+          </a:p>
+        </p:txBody>
+      </p:sp>
+      <p:sp>
+        <p:nvSpPr>
+          <p:cNvPr id="243" name="PlaceHolder 5"/>
           <p:cNvSpPr>
             <a:spLocks noGrp="1"/>
           </p:cNvSpPr>
@@ -3589,26 +3492,23 @@
           </a:bodyPr>
           <a:p>
             <a:pPr indent="0">
-              <a:lnSpc>
-                <a:spcPct val="90000"/>
-              </a:lnSpc>
               <a:spcBef>
                 <a:spcPts val="1417"/>
               </a:spcBef>
               <a:buNone/>
             </a:pPr>
-            <a:endParaRPr b="0" lang="en-US" sz="2800" spc="-1" strike="noStrike">
-              <a:solidFill>
-                <a:srgbClr val="000000"/>
-              </a:solidFill>
-              <a:latin typeface="Arial"/>
-            </a:endParaRPr>
-          </a:p>
-        </p:txBody>
-      </p:sp>
-      <p:sp>
-        <p:nvSpPr>
-          <p:cNvPr id="242" name="PlaceHolder 6"/>
+            <a:endParaRPr b="0" lang="en-US" sz="3200" spc="-1" strike="noStrike">
+              <a:solidFill>
+                <a:srgbClr val="000000"/>
+              </a:solidFill>
+              <a:latin typeface="Arial"/>
+            </a:endParaRPr>
+          </a:p>
+        </p:txBody>
+      </p:sp>
+      <p:sp>
+        <p:nvSpPr>
+          <p:cNvPr id="244" name="PlaceHolder 6"/>
           <p:cNvSpPr>
             <a:spLocks noGrp="1"/>
           </p:cNvSpPr>
@@ -3635,26 +3535,23 @@
           </a:bodyPr>
           <a:p>
             <a:pPr indent="0">
-              <a:lnSpc>
-                <a:spcPct val="90000"/>
-              </a:lnSpc>
               <a:spcBef>
                 <a:spcPts val="1417"/>
               </a:spcBef>
               <a:buNone/>
             </a:pPr>
-            <a:endParaRPr b="0" lang="en-US" sz="2800" spc="-1" strike="noStrike">
-              <a:solidFill>
-                <a:srgbClr val="000000"/>
-              </a:solidFill>
-              <a:latin typeface="Arial"/>
-            </a:endParaRPr>
-          </a:p>
-        </p:txBody>
-      </p:sp>
-      <p:sp>
-        <p:nvSpPr>
-          <p:cNvPr id="243" name="PlaceHolder 7"/>
+            <a:endParaRPr b="0" lang="en-US" sz="3200" spc="-1" strike="noStrike">
+              <a:solidFill>
+                <a:srgbClr val="000000"/>
+              </a:solidFill>
+              <a:latin typeface="Arial"/>
+            </a:endParaRPr>
+          </a:p>
+        </p:txBody>
+      </p:sp>
+      <p:sp>
+        <p:nvSpPr>
+          <p:cNvPr id="245" name="PlaceHolder 7"/>
           <p:cNvSpPr>
             <a:spLocks noGrp="1"/>
           </p:cNvSpPr>
@@ -3681,15 +3578,12 @@
           </a:bodyPr>
           <a:p>
             <a:pPr indent="0">
-              <a:lnSpc>
-                <a:spcPct val="90000"/>
-              </a:lnSpc>
               <a:spcBef>
                 <a:spcPts val="1417"/>
               </a:spcBef>
               <a:buNone/>
             </a:pPr>
-            <a:endParaRPr b="0" lang="en-US" sz="2800" spc="-1" strike="noStrike">
+            <a:endParaRPr b="0" lang="en-US" sz="3200" spc="-1" strike="noStrike">
               <a:solidFill>
                 <a:srgbClr val="000000"/>
               </a:solidFill>
@@ -3732,7 +3626,7 @@
         <p:txBody>
           <a:bodyPr/>
           <a:p>
-            <a:fld id="{7CDD6051-8BAD-4F4D-8920-AB0A81847C37}" type="slidenum">
+            <a:fld id="{FAA084F1-75CF-4C1D-A8E4-B1C8057E3126}" type="slidenum">
               <a:t>&lt;#&gt;</a:t>
             </a:fld>
           </a:p>
@@ -3783,7 +3677,7 @@
       </p:grpSpPr>
       <p:sp>
         <p:nvSpPr>
-          <p:cNvPr id="88" name="PlaceHolder 1"/>
+          <p:cNvPr id="90" name="PlaceHolder 1"/>
           <p:cNvSpPr>
             <a:spLocks noGrp="1"/>
           </p:cNvSpPr>
@@ -3809,21 +3703,21 @@
             <a:noAutofit/>
           </a:bodyPr>
           <a:p>
-            <a:pPr indent="0">
+            <a:pPr indent="0" algn="ctr">
               <a:buNone/>
             </a:pPr>
-            <a:endParaRPr b="0" lang="en-US" sz="1800" spc="-1" strike="noStrike">
-              <a:solidFill>
-                <a:srgbClr val="000000"/>
-              </a:solidFill>
-              <a:latin typeface="Arial"/>
-            </a:endParaRPr>
-          </a:p>
-        </p:txBody>
-      </p:sp>
-      <p:sp>
-        <p:nvSpPr>
-          <p:cNvPr id="89" name="PlaceHolder 2"/>
+            <a:endParaRPr b="0" lang="en-US" sz="4400" spc="-1" strike="noStrike">
+              <a:solidFill>
+                <a:srgbClr val="000000"/>
+              </a:solidFill>
+              <a:latin typeface="Arial"/>
+            </a:endParaRPr>
+          </a:p>
+        </p:txBody>
+      </p:sp>
+      <p:sp>
+        <p:nvSpPr>
+          <p:cNvPr id="91" name="PlaceHolder 2"/>
           <p:cNvSpPr>
             <a:spLocks noGrp="1"/>
           </p:cNvSpPr>
@@ -3850,15 +3744,12 @@
           </a:bodyPr>
           <a:p>
             <a:pPr indent="0">
-              <a:lnSpc>
-                <a:spcPct val="90000"/>
-              </a:lnSpc>
               <a:spcBef>
                 <a:spcPts val="1417"/>
               </a:spcBef>
               <a:buNone/>
             </a:pPr>
-            <a:endParaRPr b="0" lang="en-US" sz="2800" spc="-1" strike="noStrike">
+            <a:endParaRPr b="0" lang="en-US" sz="3200" spc="-1" strike="noStrike">
               <a:solidFill>
                 <a:srgbClr val="000000"/>
               </a:solidFill>
@@ -3901,7 +3792,7 @@
         <p:txBody>
           <a:bodyPr/>
           <a:p>
-            <a:fld id="{39FBD22B-7A9B-43E9-A422-CC0006246261}" type="slidenum">
+            <a:fld id="{5450B63D-CF51-4331-9F03-99772A80C9BA}" type="slidenum">
               <a:t>&lt;#&gt;</a:t>
             </a:fld>
           </a:p>
@@ -3952,7 +3843,7 @@
       </p:grpSpPr>
       <p:sp>
         <p:nvSpPr>
-          <p:cNvPr id="90" name="PlaceHolder 1"/>
+          <p:cNvPr id="92" name="PlaceHolder 1"/>
           <p:cNvSpPr>
             <a:spLocks noGrp="1"/>
           </p:cNvSpPr>
@@ -3978,21 +3869,21 @@
             <a:noAutofit/>
           </a:bodyPr>
           <a:p>
-            <a:pPr indent="0">
+            <a:pPr indent="0" algn="ctr">
               <a:buNone/>
             </a:pPr>
-            <a:endParaRPr b="0" lang="en-US" sz="1800" spc="-1" strike="noStrike">
-              <a:solidFill>
-                <a:srgbClr val="000000"/>
-              </a:solidFill>
-              <a:latin typeface="Arial"/>
-            </a:endParaRPr>
-          </a:p>
-        </p:txBody>
-      </p:sp>
-      <p:sp>
-        <p:nvSpPr>
-          <p:cNvPr id="91" name="PlaceHolder 2"/>
+            <a:endParaRPr b="0" lang="en-US" sz="4400" spc="-1" strike="noStrike">
+              <a:solidFill>
+                <a:srgbClr val="000000"/>
+              </a:solidFill>
+              <a:latin typeface="Arial"/>
+            </a:endParaRPr>
+          </a:p>
+        </p:txBody>
+      </p:sp>
+      <p:sp>
+        <p:nvSpPr>
+          <p:cNvPr id="93" name="PlaceHolder 2"/>
           <p:cNvSpPr>
             <a:spLocks noGrp="1"/>
           </p:cNvSpPr>
@@ -4019,26 +3910,23 @@
           </a:bodyPr>
           <a:p>
             <a:pPr indent="0">
-              <a:lnSpc>
-                <a:spcPct val="90000"/>
-              </a:lnSpc>
               <a:spcBef>
                 <a:spcPts val="1417"/>
               </a:spcBef>
               <a:buNone/>
             </a:pPr>
-            <a:endParaRPr b="0" lang="en-US" sz="2800" spc="-1" strike="noStrike">
-              <a:solidFill>
-                <a:srgbClr val="000000"/>
-              </a:solidFill>
-              <a:latin typeface="Arial"/>
-            </a:endParaRPr>
-          </a:p>
-        </p:txBody>
-      </p:sp>
-      <p:sp>
-        <p:nvSpPr>
-          <p:cNvPr id="92" name="PlaceHolder 3"/>
+            <a:endParaRPr b="0" lang="en-US" sz="3200" spc="-1" strike="noStrike">
+              <a:solidFill>
+                <a:srgbClr val="000000"/>
+              </a:solidFill>
+              <a:latin typeface="Arial"/>
+            </a:endParaRPr>
+          </a:p>
+        </p:txBody>
+      </p:sp>
+      <p:sp>
+        <p:nvSpPr>
+          <p:cNvPr id="94" name="PlaceHolder 3"/>
           <p:cNvSpPr>
             <a:spLocks noGrp="1"/>
           </p:cNvSpPr>
@@ -4065,15 +3953,12 @@
           </a:bodyPr>
           <a:p>
             <a:pPr indent="0">
-              <a:lnSpc>
-                <a:spcPct val="90000"/>
-              </a:lnSpc>
               <a:spcBef>
                 <a:spcPts val="1417"/>
               </a:spcBef>
               <a:buNone/>
             </a:pPr>
-            <a:endParaRPr b="0" lang="en-US" sz="2800" spc="-1" strike="noStrike">
+            <a:endParaRPr b="0" lang="en-US" sz="3200" spc="-1" strike="noStrike">
               <a:solidFill>
                 <a:srgbClr val="000000"/>
               </a:solidFill>
@@ -4116,7 +4001,7 @@
         <p:txBody>
           <a:bodyPr/>
           <a:p>
-            <a:fld id="{FAE40204-4CA7-45CF-92AE-BA31251739B7}" type="slidenum">
+            <a:fld id="{DFA065A3-5DFD-41B0-8A40-28EF1B955A0E}" type="slidenum">
               <a:t>&lt;#&gt;</a:t>
             </a:fld>
           </a:p>
@@ -4167,7 +4052,7 @@
       </p:grpSpPr>
       <p:sp>
         <p:nvSpPr>
-          <p:cNvPr id="93" name="PlaceHolder 1"/>
+          <p:cNvPr id="95" name="PlaceHolder 1"/>
           <p:cNvSpPr>
             <a:spLocks noGrp="1"/>
           </p:cNvSpPr>
@@ -4193,10 +4078,10 @@
             <a:noAutofit/>
           </a:bodyPr>
           <a:p>
-            <a:pPr indent="0">
+            <a:pPr indent="0" algn="ctr">
               <a:buNone/>
             </a:pPr>
-            <a:endParaRPr b="0" lang="en-US" sz="1800" spc="-1" strike="noStrike">
+            <a:endParaRPr b="0" lang="en-US" sz="4400" spc="-1" strike="noStrike">
               <a:solidFill>
                 <a:srgbClr val="000000"/>
               </a:solidFill>
@@ -4239,7 +4124,7 @@
         <p:txBody>
           <a:bodyPr/>
           <a:p>
-            <a:fld id="{5EBA21D0-5BDA-43D3-8BF2-E7F535CE6277}" type="slidenum">
+            <a:fld id="{9BB14079-D531-4A93-A407-8872EDD5D331}" type="slidenum">
               <a:t>&lt;#&gt;</a:t>
             </a:fld>
           </a:p>
@@ -4290,7 +4175,7 @@
       </p:grpSpPr>
       <p:sp>
         <p:nvSpPr>
-          <p:cNvPr id="94" name="PlaceHolder 1"/>
+          <p:cNvPr id="96" name="PlaceHolder 1"/>
           <p:cNvSpPr>
             <a:spLocks noGrp="1"/>
           </p:cNvSpPr>
@@ -4360,7 +4245,7 @@
         <p:txBody>
           <a:bodyPr/>
           <a:p>
-            <a:fld id="{23392B5A-73D9-4BFF-A484-A9078293ADBC}" type="slidenum">
+            <a:fld id="{82DEA3C7-4DC0-46C8-80A1-68C1CCE4C210}" type="slidenum">
               <a:t>&lt;#&gt;</a:t>
             </a:fld>
           </a:p>
@@ -4411,7 +4296,7 @@
       </p:grpSpPr>
       <p:sp>
         <p:nvSpPr>
-          <p:cNvPr id="95" name="PlaceHolder 1"/>
+          <p:cNvPr id="97" name="PlaceHolder 1"/>
           <p:cNvSpPr>
             <a:spLocks noGrp="1"/>
           </p:cNvSpPr>
@@ -4437,21 +4322,21 @@
             <a:noAutofit/>
           </a:bodyPr>
           <a:p>
-            <a:pPr indent="0">
+            <a:pPr indent="0" algn="ctr">
               <a:buNone/>
             </a:pPr>
-            <a:endParaRPr b="0" lang="en-US" sz="1800" spc="-1" strike="noStrike">
-              <a:solidFill>
-                <a:srgbClr val="000000"/>
-              </a:solidFill>
-              <a:latin typeface="Arial"/>
-            </a:endParaRPr>
-          </a:p>
-        </p:txBody>
-      </p:sp>
-      <p:sp>
-        <p:nvSpPr>
-          <p:cNvPr id="96" name="PlaceHolder 2"/>
+            <a:endParaRPr b="0" lang="en-US" sz="4400" spc="-1" strike="noStrike">
+              <a:solidFill>
+                <a:srgbClr val="000000"/>
+              </a:solidFill>
+              <a:latin typeface="Arial"/>
+            </a:endParaRPr>
+          </a:p>
+        </p:txBody>
+      </p:sp>
+      <p:sp>
+        <p:nvSpPr>
+          <p:cNvPr id="98" name="PlaceHolder 2"/>
           <p:cNvSpPr>
             <a:spLocks noGrp="1"/>
           </p:cNvSpPr>
@@ -4478,26 +4363,23 @@
           </a:bodyPr>
           <a:p>
             <a:pPr indent="0">
-              <a:lnSpc>
-                <a:spcPct val="90000"/>
-              </a:lnSpc>
               <a:spcBef>
                 <a:spcPts val="1417"/>
               </a:spcBef>
               <a:buNone/>
             </a:pPr>
-            <a:endParaRPr b="0" lang="en-US" sz="2800" spc="-1" strike="noStrike">
-              <a:solidFill>
-                <a:srgbClr val="000000"/>
-              </a:solidFill>
-              <a:latin typeface="Arial"/>
-            </a:endParaRPr>
-          </a:p>
-        </p:txBody>
-      </p:sp>
-      <p:sp>
-        <p:nvSpPr>
-          <p:cNvPr id="97" name="PlaceHolder 3"/>
+            <a:endParaRPr b="0" lang="en-US" sz="3200" spc="-1" strike="noStrike">
+              <a:solidFill>
+                <a:srgbClr val="000000"/>
+              </a:solidFill>
+              <a:latin typeface="Arial"/>
+            </a:endParaRPr>
+          </a:p>
+        </p:txBody>
+      </p:sp>
+      <p:sp>
+        <p:nvSpPr>
+          <p:cNvPr id="99" name="PlaceHolder 3"/>
           <p:cNvSpPr>
             <a:spLocks noGrp="1"/>
           </p:cNvSpPr>
@@ -4524,26 +4406,23 @@
           </a:bodyPr>
           <a:p>
             <a:pPr indent="0">
-              <a:lnSpc>
-                <a:spcPct val="90000"/>
-              </a:lnSpc>
               <a:spcBef>
                 <a:spcPts val="1417"/>
               </a:spcBef>
               <a:buNone/>
             </a:pPr>
-            <a:endParaRPr b="0" lang="en-US" sz="2800" spc="-1" strike="noStrike">
-              <a:solidFill>
-                <a:srgbClr val="000000"/>
-              </a:solidFill>
-              <a:latin typeface="Arial"/>
-            </a:endParaRPr>
-          </a:p>
-        </p:txBody>
-      </p:sp>
-      <p:sp>
-        <p:nvSpPr>
-          <p:cNvPr id="98" name="PlaceHolder 4"/>
+            <a:endParaRPr b="0" lang="en-US" sz="3200" spc="-1" strike="noStrike">
+              <a:solidFill>
+                <a:srgbClr val="000000"/>
+              </a:solidFill>
+              <a:latin typeface="Arial"/>
+            </a:endParaRPr>
+          </a:p>
+        </p:txBody>
+      </p:sp>
+      <p:sp>
+        <p:nvSpPr>
+          <p:cNvPr id="100" name="PlaceHolder 4"/>
           <p:cNvSpPr>
             <a:spLocks noGrp="1"/>
           </p:cNvSpPr>
@@ -4570,15 +4449,12 @@
           </a:bodyPr>
           <a:p>
             <a:pPr indent="0">
-              <a:lnSpc>
-                <a:spcPct val="90000"/>
-              </a:lnSpc>
               <a:spcBef>
                 <a:spcPts val="1417"/>
               </a:spcBef>
               <a:buNone/>
             </a:pPr>
-            <a:endParaRPr b="0" lang="en-US" sz="2800" spc="-1" strike="noStrike">
+            <a:endParaRPr b="0" lang="en-US" sz="3200" spc="-1" strike="noStrike">
               <a:solidFill>
                 <a:srgbClr val="000000"/>
               </a:solidFill>
@@ -4621,7 +4497,7 @@
         <p:txBody>
           <a:bodyPr/>
           <a:p>
-            <a:fld id="{5B6CB46D-9BD7-4227-85D7-7DCA694F0AFB}" type="slidenum">
+            <a:fld id="{73F8F685-A616-4F1D-A227-FA67B56BA86C}" type="slidenum">
               <a:t>&lt;#&gt;</a:t>
             </a:fld>
           </a:p>
@@ -4672,7 +4548,7 @@
       </p:grpSpPr>
       <p:sp>
         <p:nvSpPr>
-          <p:cNvPr id="99" name="PlaceHolder 1"/>
+          <p:cNvPr id="101" name="PlaceHolder 1"/>
           <p:cNvSpPr>
             <a:spLocks noGrp="1"/>
           </p:cNvSpPr>
@@ -4698,21 +4574,21 @@
             <a:noAutofit/>
           </a:bodyPr>
           <a:p>
-            <a:pPr indent="0">
+            <a:pPr indent="0" algn="ctr">
               <a:buNone/>
             </a:pPr>
-            <a:endParaRPr b="0" lang="en-US" sz="1800" spc="-1" strike="noStrike">
-              <a:solidFill>
-                <a:srgbClr val="000000"/>
-              </a:solidFill>
-              <a:latin typeface="Arial"/>
-            </a:endParaRPr>
-          </a:p>
-        </p:txBody>
-      </p:sp>
-      <p:sp>
-        <p:nvSpPr>
-          <p:cNvPr id="100" name="PlaceHolder 2"/>
+            <a:endParaRPr b="0" lang="en-US" sz="4400" spc="-1" strike="noStrike">
+              <a:solidFill>
+                <a:srgbClr val="000000"/>
+              </a:solidFill>
+              <a:latin typeface="Arial"/>
+            </a:endParaRPr>
+          </a:p>
+        </p:txBody>
+      </p:sp>
+      <p:sp>
+        <p:nvSpPr>
+          <p:cNvPr id="102" name="PlaceHolder 2"/>
           <p:cNvSpPr>
             <a:spLocks noGrp="1"/>
           </p:cNvSpPr>
@@ -4739,26 +4615,23 @@
           </a:bodyPr>
           <a:p>
             <a:pPr indent="0">
-              <a:lnSpc>
-                <a:spcPct val="90000"/>
-              </a:lnSpc>
               <a:spcBef>
                 <a:spcPts val="1417"/>
               </a:spcBef>
               <a:buNone/>
             </a:pPr>
-            <a:endParaRPr b="0" lang="en-US" sz="2800" spc="-1" strike="noStrike">
-              <a:solidFill>
-                <a:srgbClr val="000000"/>
-              </a:solidFill>
-              <a:latin typeface="Arial"/>
-            </a:endParaRPr>
-          </a:p>
-        </p:txBody>
-      </p:sp>
-      <p:sp>
-        <p:nvSpPr>
-          <p:cNvPr id="101" name="PlaceHolder 3"/>
+            <a:endParaRPr b="0" lang="en-US" sz="3200" spc="-1" strike="noStrike">
+              <a:solidFill>
+                <a:srgbClr val="000000"/>
+              </a:solidFill>
+              <a:latin typeface="Arial"/>
+            </a:endParaRPr>
+          </a:p>
+        </p:txBody>
+      </p:sp>
+      <p:sp>
+        <p:nvSpPr>
+          <p:cNvPr id="103" name="PlaceHolder 3"/>
           <p:cNvSpPr>
             <a:spLocks noGrp="1"/>
           </p:cNvSpPr>
@@ -4785,26 +4658,23 @@
           </a:bodyPr>
           <a:p>
             <a:pPr indent="0">
-              <a:lnSpc>
-                <a:spcPct val="90000"/>
-              </a:lnSpc>
               <a:spcBef>
                 <a:spcPts val="1417"/>
               </a:spcBef>
               <a:buNone/>
             </a:pPr>
-            <a:endParaRPr b="0" lang="en-US" sz="2800" spc="-1" strike="noStrike">
-              <a:solidFill>
-                <a:srgbClr val="000000"/>
-              </a:solidFill>
-              <a:latin typeface="Arial"/>
-            </a:endParaRPr>
-          </a:p>
-        </p:txBody>
-      </p:sp>
-      <p:sp>
-        <p:nvSpPr>
-          <p:cNvPr id="102" name="PlaceHolder 4"/>
+            <a:endParaRPr b="0" lang="en-US" sz="3200" spc="-1" strike="noStrike">
+              <a:solidFill>
+                <a:srgbClr val="000000"/>
+              </a:solidFill>
+              <a:latin typeface="Arial"/>
+            </a:endParaRPr>
+          </a:p>
+        </p:txBody>
+      </p:sp>
+      <p:sp>
+        <p:nvSpPr>
+          <p:cNvPr id="104" name="PlaceHolder 4"/>
           <p:cNvSpPr>
             <a:spLocks noGrp="1"/>
           </p:cNvSpPr>
@@ -4831,15 +4701,12 @@
           </a:bodyPr>
           <a:p>
             <a:pPr indent="0">
-              <a:lnSpc>
-                <a:spcPct val="90000"/>
-              </a:lnSpc>
               <a:spcBef>
                 <a:spcPts val="1417"/>
               </a:spcBef>
               <a:buNone/>
             </a:pPr>
-            <a:endParaRPr b="0" lang="en-US" sz="2800" spc="-1" strike="noStrike">
+            <a:endParaRPr b="0" lang="en-US" sz="3200" spc="-1" strike="noStrike">
               <a:solidFill>
                 <a:srgbClr val="000000"/>
               </a:solidFill>
@@ -4882,7 +4749,7 @@
         <p:txBody>
           <a:bodyPr/>
           <a:p>
-            <a:fld id="{96F9E968-F3AF-4A4C-A489-B75F2E7E4E85}" type="slidenum">
+            <a:fld id="{665372C8-9EDD-4B42-A1B6-8591CF051BE7}" type="slidenum">
               <a:t>&lt;#&gt;</a:t>
             </a:fld>
           </a:p>
@@ -4933,7 +4800,7 @@
       </p:grpSpPr>
       <p:sp>
         <p:nvSpPr>
-          <p:cNvPr id="103" name="PlaceHolder 1"/>
+          <p:cNvPr id="105" name="PlaceHolder 1"/>
           <p:cNvSpPr>
             <a:spLocks noGrp="1"/>
           </p:cNvSpPr>
@@ -4959,21 +4826,21 @@
             <a:noAutofit/>
           </a:bodyPr>
           <a:p>
-            <a:pPr indent="0">
+            <a:pPr indent="0" algn="ctr">
               <a:buNone/>
             </a:pPr>
-            <a:endParaRPr b="0" lang="en-US" sz="1800" spc="-1" strike="noStrike">
-              <a:solidFill>
-                <a:srgbClr val="000000"/>
-              </a:solidFill>
-              <a:latin typeface="Arial"/>
-            </a:endParaRPr>
-          </a:p>
-        </p:txBody>
-      </p:sp>
-      <p:sp>
-        <p:nvSpPr>
-          <p:cNvPr id="104" name="PlaceHolder 2"/>
+            <a:endParaRPr b="0" lang="en-US" sz="4400" spc="-1" strike="noStrike">
+              <a:solidFill>
+                <a:srgbClr val="000000"/>
+              </a:solidFill>
+              <a:latin typeface="Arial"/>
+            </a:endParaRPr>
+          </a:p>
+        </p:txBody>
+      </p:sp>
+      <p:sp>
+        <p:nvSpPr>
+          <p:cNvPr id="106" name="PlaceHolder 2"/>
           <p:cNvSpPr>
             <a:spLocks noGrp="1"/>
           </p:cNvSpPr>
@@ -5000,26 +4867,23 @@
           </a:bodyPr>
           <a:p>
             <a:pPr indent="0">
-              <a:lnSpc>
-                <a:spcPct val="90000"/>
-              </a:lnSpc>
               <a:spcBef>
                 <a:spcPts val="1417"/>
               </a:spcBef>
               <a:buNone/>
             </a:pPr>
-            <a:endParaRPr b="0" lang="en-US" sz="2800" spc="-1" strike="noStrike">
-              <a:solidFill>
-                <a:srgbClr val="000000"/>
-              </a:solidFill>
-              <a:latin typeface="Arial"/>
-            </a:endParaRPr>
-          </a:p>
-        </p:txBody>
-      </p:sp>
-      <p:sp>
-        <p:nvSpPr>
-          <p:cNvPr id="105" name="PlaceHolder 3"/>
+            <a:endParaRPr b="0" lang="en-US" sz="3200" spc="-1" strike="noStrike">
+              <a:solidFill>
+                <a:srgbClr val="000000"/>
+              </a:solidFill>
+              <a:latin typeface="Arial"/>
+            </a:endParaRPr>
+          </a:p>
+        </p:txBody>
+      </p:sp>
+      <p:sp>
+        <p:nvSpPr>
+          <p:cNvPr id="107" name="PlaceHolder 3"/>
           <p:cNvSpPr>
             <a:spLocks noGrp="1"/>
           </p:cNvSpPr>
@@ -5046,26 +4910,23 @@
           </a:bodyPr>
           <a:p>
             <a:pPr indent="0">
-              <a:lnSpc>
-                <a:spcPct val="90000"/>
-              </a:lnSpc>
               <a:spcBef>
                 <a:spcPts val="1417"/>
               </a:spcBef>
               <a:buNone/>
             </a:pPr>
-            <a:endParaRPr b="0" lang="en-US" sz="2800" spc="-1" strike="noStrike">
-              <a:solidFill>
-                <a:srgbClr val="000000"/>
-              </a:solidFill>
-              <a:latin typeface="Arial"/>
-            </a:endParaRPr>
-          </a:p>
-        </p:txBody>
-      </p:sp>
-      <p:sp>
-        <p:nvSpPr>
-          <p:cNvPr id="106" name="PlaceHolder 4"/>
+            <a:endParaRPr b="0" lang="en-US" sz="3200" spc="-1" strike="noStrike">
+              <a:solidFill>
+                <a:srgbClr val="000000"/>
+              </a:solidFill>
+              <a:latin typeface="Arial"/>
+            </a:endParaRPr>
+          </a:p>
+        </p:txBody>
+      </p:sp>
+      <p:sp>
+        <p:nvSpPr>
+          <p:cNvPr id="108" name="PlaceHolder 4"/>
           <p:cNvSpPr>
             <a:spLocks noGrp="1"/>
           </p:cNvSpPr>
@@ -5092,15 +4953,12 @@
           </a:bodyPr>
           <a:p>
             <a:pPr indent="0">
-              <a:lnSpc>
-                <a:spcPct val="90000"/>
-              </a:lnSpc>
               <a:spcBef>
                 <a:spcPts val="1417"/>
               </a:spcBef>
               <a:buNone/>
             </a:pPr>
-            <a:endParaRPr b="0" lang="en-US" sz="2800" spc="-1" strike="noStrike">
+            <a:endParaRPr b="0" lang="en-US" sz="3200" spc="-1" strike="noStrike">
               <a:solidFill>
                 <a:srgbClr val="000000"/>
               </a:solidFill>
@@ -5143,7 +5001,7 @@
         <p:txBody>
           <a:bodyPr/>
           <a:p>
-            <a:fld id="{FAD8A1DB-9161-4DE5-B53D-0F253261DEB1}" type="slidenum">
+            <a:fld id="{8612FDB9-2268-4612-9182-C5C50293D602}" type="slidenum">
               <a:t>&lt;#&gt;</a:t>
             </a:fld>
           </a:p>
@@ -5208,7 +5066,7 @@
         <p:spPr>
           <a:xfrm>
             <a:off x="540000" y="306360"/>
-            <a:ext cx="721080" cy="1080"/>
+            <a:ext cx="721800" cy="1800"/>
           </a:xfrm>
           <a:prstGeom prst="bentConnector3">
             <a:avLst>
@@ -5227,18 +5085,21 @@
         <p:nvCxnSpPr>
           <p:cNvPr id="1" name="Elbow Connector 86"/>
           <p:cNvCxnSpPr>
-            <a:stCxn id="2" idx="6"/>
+            <a:stCxn id="2" idx="1"/>
             <a:endCxn id="3" idx="2"/>
           </p:cNvCxnSpPr>
           <p:nvPr/>
         </p:nvCxnSpPr>
         <p:spPr>
-          <a:xfrm>
-            <a:off x="719280" y="486000"/>
-            <a:ext cx="361080" cy="360"/>
-          </a:xfrm>
-          <a:prstGeom prst="bentConnector2">
-            <a:avLst/>
+          <a:xfrm flipH="1" rot="16200000">
+            <a:off x="6096240" y="3249720"/>
+            <a:ext cx="195120" cy="4413600"/>
+          </a:xfrm>
+          <a:prstGeom prst="bentConnector4">
+            <a:avLst>
+              <a:gd name="adj1" fmla="val 0"/>
+              <a:gd name="adj2" fmla="val 0"/>
+            </a:avLst>
           </a:prstGeom>
           <a:ln w="18000">
             <a:solidFill>
@@ -5257,7 +5118,7 @@
         <p:spPr>
           <a:xfrm>
             <a:off x="863640" y="702360"/>
-            <a:ext cx="73080" cy="720"/>
+            <a:ext cx="73800" cy="1440"/>
           </a:xfrm>
           <a:prstGeom prst="bentConnector3">
             <a:avLst>
@@ -5283,8 +5144,8 @@
         </p:nvCxnSpPr>
         <p:spPr>
           <a:xfrm>
-            <a:off x="719280" y="126000"/>
-            <a:ext cx="361080" cy="360"/>
+            <a:off x="718560" y="125640"/>
+            <a:ext cx="361800" cy="360"/>
           </a:xfrm>
           <a:prstGeom prst="bentConnector2">
             <a:avLst/>
@@ -5308,8 +5169,8 @@
         </p:nvCxnSpPr>
         <p:spPr>
           <a:xfrm>
-            <a:off x="863280" y="954000"/>
-            <a:ext cx="73080" cy="360"/>
+            <a:off x="862560" y="953640"/>
+            <a:ext cx="73800" cy="360"/>
           </a:xfrm>
           <a:prstGeom prst="bentConnector2">
             <a:avLst/>
@@ -5333,8 +5194,8 @@
         </p:nvCxnSpPr>
         <p:spPr>
           <a:xfrm rot="10800000">
-            <a:off x="538560" y="1350000"/>
-            <a:ext cx="721080" cy="360"/>
+            <a:off x="537120" y="1349640"/>
+            <a:ext cx="721800" cy="360"/>
           </a:xfrm>
           <a:prstGeom prst="bentConnector2">
             <a:avLst/>
@@ -5358,8 +5219,8 @@
         </p:nvCxnSpPr>
         <p:spPr>
           <a:xfrm rot="10800000">
-            <a:off x="718560" y="1170000"/>
-            <a:ext cx="361080" cy="360"/>
+            <a:off x="717120" y="1169640"/>
+            <a:ext cx="361800" cy="360"/>
           </a:xfrm>
           <a:prstGeom prst="bentConnector2">
             <a:avLst/>
@@ -5383,8 +5244,8 @@
         </p:nvCxnSpPr>
         <p:spPr>
           <a:xfrm rot="10800000">
-            <a:off x="718560" y="1530000"/>
-            <a:ext cx="361080" cy="360"/>
+            <a:off x="717120" y="1529640"/>
+            <a:ext cx="361800" cy="360"/>
           </a:xfrm>
           <a:prstGeom prst="bentConnector2">
             <a:avLst/>
@@ -5408,8 +5269,8 @@
         </p:nvCxnSpPr>
         <p:spPr>
           <a:xfrm rot="10800000">
-            <a:off x="862560" y="1746000"/>
-            <a:ext cx="73080" cy="360"/>
+            <a:off x="861120" y="1745640"/>
+            <a:ext cx="73800" cy="360"/>
           </a:xfrm>
           <a:prstGeom prst="bentConnector2">
             <a:avLst/>
@@ -5433,8 +5294,8 @@
         </p:nvCxnSpPr>
         <p:spPr>
           <a:xfrm rot="10800000">
-            <a:off x="862560" y="1998000"/>
-            <a:ext cx="73080" cy="360"/>
+            <a:off x="861120" y="1997640"/>
+            <a:ext cx="73800" cy="360"/>
           </a:xfrm>
           <a:prstGeom prst="bentConnector2">
             <a:avLst/>
@@ -5458,8 +5319,8 @@
         </p:nvCxnSpPr>
         <p:spPr>
           <a:xfrm>
-            <a:off x="539280" y="2394000"/>
-            <a:ext cx="721080" cy="360"/>
+            <a:off x="538560" y="2393640"/>
+            <a:ext cx="721800" cy="360"/>
           </a:xfrm>
           <a:prstGeom prst="bentConnector2">
             <a:avLst/>
@@ -5483,8 +5344,8 @@
         </p:nvCxnSpPr>
         <p:spPr>
           <a:xfrm>
-            <a:off x="719280" y="2214000"/>
-            <a:ext cx="361080" cy="360"/>
+            <a:off x="718560" y="2213640"/>
+            <a:ext cx="361800" cy="360"/>
           </a:xfrm>
           <a:prstGeom prst="bentConnector2">
             <a:avLst/>
@@ -5508,8 +5369,8 @@
         </p:nvCxnSpPr>
         <p:spPr>
           <a:xfrm>
-            <a:off x="719280" y="2583360"/>
-            <a:ext cx="361080" cy="360"/>
+            <a:off x="718560" y="2583000"/>
+            <a:ext cx="361800" cy="360"/>
           </a:xfrm>
           <a:prstGeom prst="bentConnector2">
             <a:avLst/>
@@ -5533,8 +5394,8 @@
         </p:nvCxnSpPr>
         <p:spPr>
           <a:xfrm>
-            <a:off x="863280" y="2799360"/>
-            <a:ext cx="73080" cy="360"/>
+            <a:off x="862560" y="2799000"/>
+            <a:ext cx="73800" cy="360"/>
           </a:xfrm>
           <a:prstGeom prst="bentConnector2">
             <a:avLst/>
@@ -5558,8 +5419,8 @@
         </p:nvCxnSpPr>
         <p:spPr>
           <a:xfrm>
-            <a:off x="863280" y="3051360"/>
-            <a:ext cx="73080" cy="360"/>
+            <a:off x="862560" y="3051000"/>
+            <a:ext cx="73800" cy="360"/>
           </a:xfrm>
           <a:prstGeom prst="bentConnector2">
             <a:avLst/>
@@ -5583,8 +5444,8 @@
         </p:nvCxnSpPr>
         <p:spPr>
           <a:xfrm rot="10800000">
-            <a:off x="538560" y="3447360"/>
-            <a:ext cx="721080" cy="360"/>
+            <a:off x="537120" y="3447000"/>
+            <a:ext cx="721800" cy="360"/>
           </a:xfrm>
           <a:prstGeom prst="bentConnector2">
             <a:avLst/>
@@ -5608,8 +5469,8 @@
         </p:nvCxnSpPr>
         <p:spPr>
           <a:xfrm rot="10800000">
-            <a:off x="737280" y="3267360"/>
-            <a:ext cx="361080" cy="360"/>
+            <a:off x="735840" y="3267000"/>
+            <a:ext cx="361800" cy="360"/>
           </a:xfrm>
           <a:prstGeom prst="bentConnector2">
             <a:avLst/>
@@ -5633,8 +5494,8 @@
         </p:nvCxnSpPr>
         <p:spPr>
           <a:xfrm rot="10800000">
-            <a:off x="727920" y="3636360"/>
-            <a:ext cx="361080" cy="360"/>
+            <a:off x="726480" y="3636000"/>
+            <a:ext cx="361800" cy="360"/>
           </a:xfrm>
           <a:prstGeom prst="bentConnector2">
             <a:avLst/>
@@ -5658,8 +5519,8 @@
         </p:nvCxnSpPr>
         <p:spPr>
           <a:xfrm rot="10800000">
-            <a:off x="871920" y="3852360"/>
-            <a:ext cx="73080" cy="360"/>
+            <a:off x="870480" y="3852000"/>
+            <a:ext cx="73800" cy="360"/>
           </a:xfrm>
           <a:prstGeom prst="bentConnector2">
             <a:avLst/>
@@ -5683,8 +5544,8 @@
         </p:nvCxnSpPr>
         <p:spPr>
           <a:xfrm rot="10800000">
-            <a:off x="871920" y="4104360"/>
-            <a:ext cx="73080" cy="360"/>
+            <a:off x="870480" y="4104000"/>
+            <a:ext cx="73800" cy="360"/>
           </a:xfrm>
           <a:prstGeom prst="bentConnector2">
             <a:avLst/>
@@ -5708,8 +5569,8 @@
         </p:nvCxnSpPr>
         <p:spPr>
           <a:xfrm>
-            <a:off x="548640" y="4500360"/>
-            <a:ext cx="721080" cy="360"/>
+            <a:off x="547920" y="4500000"/>
+            <a:ext cx="721800" cy="360"/>
           </a:xfrm>
           <a:prstGeom prst="bentConnector2">
             <a:avLst/>
@@ -5733,8 +5594,8 @@
         </p:nvCxnSpPr>
         <p:spPr>
           <a:xfrm>
-            <a:off x="728640" y="4320360"/>
-            <a:ext cx="361080" cy="360"/>
+            <a:off x="727920" y="4320000"/>
+            <a:ext cx="361800" cy="360"/>
           </a:xfrm>
           <a:prstGeom prst="bentConnector2">
             <a:avLst/>
@@ -5758,8 +5619,8 @@
         </p:nvCxnSpPr>
         <p:spPr>
           <a:xfrm>
-            <a:off x="728640" y="4680360"/>
-            <a:ext cx="361080" cy="360"/>
+            <a:off x="727920" y="4680000"/>
+            <a:ext cx="361800" cy="360"/>
           </a:xfrm>
           <a:prstGeom prst="bentConnector2">
             <a:avLst/>
@@ -5783,8 +5644,8 @@
         </p:nvCxnSpPr>
         <p:spPr>
           <a:xfrm>
-            <a:off x="872640" y="4896360"/>
-            <a:ext cx="73080" cy="360"/>
+            <a:off x="871920" y="4896000"/>
+            <a:ext cx="73800" cy="360"/>
           </a:xfrm>
           <a:prstGeom prst="bentConnector2">
             <a:avLst/>
@@ -5808,8 +5669,8 @@
         </p:nvCxnSpPr>
         <p:spPr>
           <a:xfrm>
-            <a:off x="872640" y="5148360"/>
-            <a:ext cx="73080" cy="360"/>
+            <a:off x="871920" y="5148000"/>
+            <a:ext cx="73800" cy="360"/>
           </a:xfrm>
           <a:prstGeom prst="bentConnector2">
             <a:avLst/>
@@ -5833,8 +5694,8 @@
         </p:nvCxnSpPr>
         <p:spPr>
           <a:xfrm rot="10800000">
-            <a:off x="547920" y="5544360"/>
-            <a:ext cx="721080" cy="360"/>
+            <a:off x="546480" y="5544000"/>
+            <a:ext cx="721800" cy="360"/>
           </a:xfrm>
           <a:prstGeom prst="bentConnector2">
             <a:avLst/>
@@ -5858,8 +5719,8 @@
         </p:nvCxnSpPr>
         <p:spPr>
           <a:xfrm rot="10800000">
-            <a:off x="727920" y="5364360"/>
-            <a:ext cx="361080" cy="360"/>
+            <a:off x="726480" y="5364000"/>
+            <a:ext cx="361800" cy="360"/>
           </a:xfrm>
           <a:prstGeom prst="bentConnector2">
             <a:avLst/>
@@ -5881,7 +5742,7 @@
         <p:spPr>
           <a:xfrm>
             <a:off x="1260000" y="216360"/>
-            <a:ext cx="179280" cy="179280"/>
+            <a:ext cx="178560" cy="178560"/>
           </a:xfrm>
           <a:prstGeom prst="ellipse">
             <a:avLst/>
@@ -5924,14 +5785,14 @@
       </p:sp>
       <p:sp>
         <p:nvSpPr>
-          <p:cNvPr id="3" name="Oval 2"/>
+          <p:cNvPr id="78" name="Oval 2"/>
           <p:cNvSpPr/>
           <p:nvPr/>
         </p:nvSpPr>
         <p:spPr>
           <a:xfrm>
             <a:off x="1080000" y="396360"/>
-            <a:ext cx="179280" cy="179280"/>
+            <a:ext cx="178560" cy="178560"/>
           </a:xfrm>
           <a:prstGeom prst="ellipse">
             <a:avLst/>
@@ -5981,7 +5842,7 @@
         <p:spPr>
           <a:xfrm>
             <a:off x="1080000" y="36360"/>
-            <a:ext cx="179280" cy="179280"/>
+            <a:ext cx="178560" cy="178560"/>
           </a:xfrm>
           <a:prstGeom prst="ellipse">
             <a:avLst/>
@@ -6024,14 +5885,14 @@
       </p:sp>
       <p:sp>
         <p:nvSpPr>
-          <p:cNvPr id="78" name="Oval 5"/>
+          <p:cNvPr id="79" name="Oval 5"/>
           <p:cNvSpPr/>
           <p:nvPr/>
         </p:nvSpPr>
         <p:spPr>
           <a:xfrm>
             <a:off x="936000" y="612360"/>
-            <a:ext cx="179280" cy="179280"/>
+            <a:ext cx="178560" cy="178560"/>
           </a:xfrm>
           <a:prstGeom prst="ellipse">
             <a:avLst/>
@@ -6081,7 +5942,7 @@
         <p:spPr>
           <a:xfrm>
             <a:off x="936000" y="864360"/>
-            <a:ext cx="179280" cy="179280"/>
+            <a:ext cx="178560" cy="178560"/>
           </a:xfrm>
           <a:prstGeom prst="ellipse">
             <a:avLst/>
@@ -6130,8 +5991,8 @@
         </p:nvSpPr>
         <p:spPr>
           <a:xfrm flipH="1">
-            <a:off x="1259280" y="1260360"/>
-            <a:ext cx="179280" cy="179280"/>
+            <a:off x="1258560" y="1260360"/>
+            <a:ext cx="178560" cy="178560"/>
           </a:xfrm>
           <a:prstGeom prst="ellipse">
             <a:avLst/>
@@ -6180,8 +6041,8 @@
         </p:nvSpPr>
         <p:spPr>
           <a:xfrm flipH="1">
-            <a:off x="1079280" y="1080360"/>
-            <a:ext cx="179280" cy="179280"/>
+            <a:off x="1078560" y="1080360"/>
+            <a:ext cx="178560" cy="178560"/>
           </a:xfrm>
           <a:prstGeom prst="ellipse">
             <a:avLst/>
@@ -6230,8 +6091,8 @@
         </p:nvSpPr>
         <p:spPr>
           <a:xfrm flipH="1">
-            <a:off x="1079280" y="1440360"/>
-            <a:ext cx="179280" cy="179280"/>
+            <a:off x="1078560" y="1440360"/>
+            <a:ext cx="178560" cy="178560"/>
           </a:xfrm>
           <a:prstGeom prst="ellipse">
             <a:avLst/>
@@ -6280,8 +6141,8 @@
         </p:nvSpPr>
         <p:spPr>
           <a:xfrm flipH="1">
-            <a:off x="935280" y="1656360"/>
-            <a:ext cx="179280" cy="179280"/>
+            <a:off x="934560" y="1656360"/>
+            <a:ext cx="178560" cy="178560"/>
           </a:xfrm>
           <a:prstGeom prst="ellipse">
             <a:avLst/>
@@ -6330,8 +6191,8 @@
         </p:nvSpPr>
         <p:spPr>
           <a:xfrm flipH="1">
-            <a:off x="935280" y="1908360"/>
-            <a:ext cx="179280" cy="179280"/>
+            <a:off x="934560" y="1908360"/>
+            <a:ext cx="178560" cy="178560"/>
           </a:xfrm>
           <a:prstGeom prst="ellipse">
             <a:avLst/>
@@ -6381,7 +6242,7 @@
         <p:spPr>
           <a:xfrm>
             <a:off x="1260000" y="2304360"/>
-            <a:ext cx="179280" cy="179280"/>
+            <a:ext cx="178560" cy="178560"/>
           </a:xfrm>
           <a:prstGeom prst="ellipse">
             <a:avLst/>
@@ -6431,7 +6292,7 @@
         <p:spPr>
           <a:xfrm>
             <a:off x="1080000" y="2124360"/>
-            <a:ext cx="179280" cy="179280"/>
+            <a:ext cx="178560" cy="178560"/>
           </a:xfrm>
           <a:prstGeom prst="ellipse">
             <a:avLst/>
@@ -6481,7 +6342,7 @@
         <p:spPr>
           <a:xfrm>
             <a:off x="1080000" y="2493720"/>
-            <a:ext cx="179280" cy="179280"/>
+            <a:ext cx="178560" cy="178560"/>
           </a:xfrm>
           <a:prstGeom prst="ellipse">
             <a:avLst/>
@@ -6531,7 +6392,7 @@
         <p:spPr>
           <a:xfrm>
             <a:off x="936000" y="2709720"/>
-            <a:ext cx="179280" cy="179280"/>
+            <a:ext cx="178560" cy="178560"/>
           </a:xfrm>
           <a:prstGeom prst="ellipse">
             <a:avLst/>
@@ -6581,7 +6442,7 @@
         <p:spPr>
           <a:xfrm>
             <a:off x="936000" y="2961720"/>
-            <a:ext cx="179280" cy="179280"/>
+            <a:ext cx="178560" cy="178560"/>
           </a:xfrm>
           <a:prstGeom prst="ellipse">
             <a:avLst/>
@@ -6630,8 +6491,8 @@
         </p:nvSpPr>
         <p:spPr>
           <a:xfrm flipH="1">
-            <a:off x="1259280" y="3357720"/>
-            <a:ext cx="179280" cy="179280"/>
+            <a:off x="1258560" y="3357720"/>
+            <a:ext cx="178560" cy="178560"/>
           </a:xfrm>
           <a:prstGeom prst="ellipse">
             <a:avLst/>
@@ -6680,8 +6541,8 @@
         </p:nvSpPr>
         <p:spPr>
           <a:xfrm flipH="1">
-            <a:off x="1098000" y="3177720"/>
-            <a:ext cx="179280" cy="179280"/>
+            <a:off x="1097280" y="3177720"/>
+            <a:ext cx="178560" cy="178560"/>
           </a:xfrm>
           <a:prstGeom prst="ellipse">
             <a:avLst/>
@@ -6730,8 +6591,8 @@
         </p:nvSpPr>
         <p:spPr>
           <a:xfrm flipH="1">
-            <a:off x="1088640" y="3546720"/>
-            <a:ext cx="179280" cy="179280"/>
+            <a:off x="1087920" y="3546720"/>
+            <a:ext cx="178560" cy="178560"/>
           </a:xfrm>
           <a:prstGeom prst="ellipse">
             <a:avLst/>
@@ -6780,8 +6641,8 @@
         </p:nvSpPr>
         <p:spPr>
           <a:xfrm flipH="1">
-            <a:off x="944640" y="3762720"/>
-            <a:ext cx="179280" cy="179280"/>
+            <a:off x="943920" y="3762720"/>
+            <a:ext cx="178560" cy="178560"/>
           </a:xfrm>
           <a:prstGeom prst="ellipse">
             <a:avLst/>
@@ -6830,8 +6691,8 @@
         </p:nvSpPr>
         <p:spPr>
           <a:xfrm flipH="1">
-            <a:off x="944640" y="4014720"/>
-            <a:ext cx="179280" cy="179280"/>
+            <a:off x="943920" y="4014720"/>
+            <a:ext cx="178560" cy="178560"/>
           </a:xfrm>
           <a:prstGeom prst="ellipse">
             <a:avLst/>
@@ -6881,7 +6742,7 @@
         <p:spPr>
           <a:xfrm>
             <a:off x="1269360" y="4410720"/>
-            <a:ext cx="179280" cy="179280"/>
+            <a:ext cx="178560" cy="178560"/>
           </a:xfrm>
           <a:prstGeom prst="ellipse">
             <a:avLst/>
@@ -6931,7 +6792,7 @@
         <p:spPr>
           <a:xfrm>
             <a:off x="1089360" y="4230720"/>
-            <a:ext cx="179280" cy="179280"/>
+            <a:ext cx="178560" cy="178560"/>
           </a:xfrm>
           <a:prstGeom prst="ellipse">
             <a:avLst/>
@@ -6981,7 +6842,7 @@
         <p:spPr>
           <a:xfrm>
             <a:off x="1089360" y="4590720"/>
-            <a:ext cx="179280" cy="179280"/>
+            <a:ext cx="178560" cy="178560"/>
           </a:xfrm>
           <a:prstGeom prst="ellipse">
             <a:avLst/>
@@ -7031,7 +6892,7 @@
         <p:spPr>
           <a:xfrm>
             <a:off x="945360" y="4806720"/>
-            <a:ext cx="179280" cy="179280"/>
+            <a:ext cx="178560" cy="178560"/>
           </a:xfrm>
           <a:prstGeom prst="ellipse">
             <a:avLst/>
@@ -7081,7 +6942,7 @@
         <p:spPr>
           <a:xfrm>
             <a:off x="945360" y="5058720"/>
-            <a:ext cx="179280" cy="179280"/>
+            <a:ext cx="178560" cy="178560"/>
           </a:xfrm>
           <a:prstGeom prst="ellipse">
             <a:avLst/>
@@ -7130,8 +6991,8 @@
         </p:nvSpPr>
         <p:spPr>
           <a:xfrm flipH="1">
-            <a:off x="368640" y="5454720"/>
-            <a:ext cx="179280" cy="179280"/>
+            <a:off x="367920" y="5454720"/>
+            <a:ext cx="178560" cy="178560"/>
           </a:xfrm>
           <a:prstGeom prst="ellipse">
             <a:avLst/>
@@ -7180,8 +7041,8 @@
         </p:nvSpPr>
         <p:spPr>
           <a:xfrm flipH="1">
-            <a:off x="548640" y="5274720"/>
-            <a:ext cx="179280" cy="179280"/>
+            <a:off x="547920" y="5274720"/>
+            <a:ext cx="178560" cy="178560"/>
           </a:xfrm>
           <a:prstGeom prst="ellipse">
             <a:avLst/>
@@ -7224,14 +7085,14 @@
       </p:sp>
       <p:sp>
         <p:nvSpPr>
-          <p:cNvPr id="79" name="Oval 79"/>
+          <p:cNvPr id="80" name="Oval 79"/>
           <p:cNvSpPr/>
           <p:nvPr/>
         </p:nvSpPr>
         <p:spPr>
           <a:xfrm>
             <a:off x="360000" y="216360"/>
-            <a:ext cx="179280" cy="179280"/>
+            <a:ext cx="178560" cy="178560"/>
           </a:xfrm>
           <a:prstGeom prst="ellipse">
             <a:avLst/>
@@ -7274,14 +7135,14 @@
       </p:sp>
       <p:sp>
         <p:nvSpPr>
-          <p:cNvPr id="2" name="Oval 1"/>
+          <p:cNvPr id="81" name="Oval 1"/>
           <p:cNvSpPr/>
           <p:nvPr/>
         </p:nvSpPr>
         <p:spPr>
           <a:xfrm>
             <a:off x="540000" y="396360"/>
-            <a:ext cx="179280" cy="179280"/>
+            <a:ext cx="178560" cy="178560"/>
           </a:xfrm>
           <a:prstGeom prst="ellipse">
             <a:avLst/>
@@ -7331,7 +7192,7 @@
         <p:spPr>
           <a:xfrm>
             <a:off x="540000" y="36360"/>
-            <a:ext cx="179280" cy="179280"/>
+            <a:ext cx="178560" cy="178560"/>
           </a:xfrm>
           <a:prstGeom prst="ellipse">
             <a:avLst/>
@@ -7374,14 +7235,14 @@
       </p:sp>
       <p:sp>
         <p:nvSpPr>
-          <p:cNvPr id="80" name="Oval 4"/>
+          <p:cNvPr id="82" name="Oval 4"/>
           <p:cNvSpPr/>
           <p:nvPr/>
         </p:nvSpPr>
         <p:spPr>
           <a:xfrm>
             <a:off x="684000" y="612360"/>
-            <a:ext cx="179280" cy="179280"/>
+            <a:ext cx="178560" cy="178560"/>
           </a:xfrm>
           <a:prstGeom prst="ellipse">
             <a:avLst/>
@@ -7431,7 +7292,7 @@
         <p:spPr>
           <a:xfrm>
             <a:off x="684000" y="864360"/>
-            <a:ext cx="179280" cy="179280"/>
+            <a:ext cx="178560" cy="178560"/>
           </a:xfrm>
           <a:prstGeom prst="ellipse">
             <a:avLst/>
@@ -7480,8 +7341,8 @@
         </p:nvSpPr>
         <p:spPr>
           <a:xfrm flipH="1">
-            <a:off x="359280" y="1260360"/>
-            <a:ext cx="179280" cy="179280"/>
+            <a:off x="358560" y="1260360"/>
+            <a:ext cx="178560" cy="178560"/>
           </a:xfrm>
           <a:prstGeom prst="ellipse">
             <a:avLst/>
@@ -7530,8 +7391,8 @@
         </p:nvSpPr>
         <p:spPr>
           <a:xfrm flipH="1">
-            <a:off x="539280" y="1080360"/>
-            <a:ext cx="179280" cy="179280"/>
+            <a:off x="538560" y="1080360"/>
+            <a:ext cx="178560" cy="178560"/>
           </a:xfrm>
           <a:prstGeom prst="ellipse">
             <a:avLst/>
@@ -7580,8 +7441,8 @@
         </p:nvSpPr>
         <p:spPr>
           <a:xfrm flipH="1">
-            <a:off x="539280" y="1440360"/>
-            <a:ext cx="179280" cy="179280"/>
+            <a:off x="538560" y="1440360"/>
+            <a:ext cx="178560" cy="178560"/>
           </a:xfrm>
           <a:prstGeom prst="ellipse">
             <a:avLst/>
@@ -7630,8 +7491,8 @@
         </p:nvSpPr>
         <p:spPr>
           <a:xfrm flipH="1">
-            <a:off x="683280" y="1656360"/>
-            <a:ext cx="179280" cy="179280"/>
+            <a:off x="682560" y="1656360"/>
+            <a:ext cx="178560" cy="178560"/>
           </a:xfrm>
           <a:prstGeom prst="ellipse">
             <a:avLst/>
@@ -7680,8 +7541,8 @@
         </p:nvSpPr>
         <p:spPr>
           <a:xfrm flipH="1">
-            <a:off x="683280" y="1908360"/>
-            <a:ext cx="179280" cy="179280"/>
+            <a:off x="682560" y="1908360"/>
+            <a:ext cx="178560" cy="178560"/>
           </a:xfrm>
           <a:prstGeom prst="ellipse">
             <a:avLst/>
@@ -7731,7 +7592,7 @@
         <p:spPr>
           <a:xfrm>
             <a:off x="360000" y="2304360"/>
-            <a:ext cx="179280" cy="179280"/>
+            <a:ext cx="178560" cy="178560"/>
           </a:xfrm>
           <a:prstGeom prst="ellipse">
             <a:avLst/>
@@ -7781,7 +7642,7 @@
         <p:spPr>
           <a:xfrm>
             <a:off x="540000" y="2124360"/>
-            <a:ext cx="179280" cy="179280"/>
+            <a:ext cx="178560" cy="178560"/>
           </a:xfrm>
           <a:prstGeom prst="ellipse">
             <a:avLst/>
@@ -7831,7 +7692,7 @@
         <p:spPr>
           <a:xfrm>
             <a:off x="540000" y="2493720"/>
-            <a:ext cx="179280" cy="179280"/>
+            <a:ext cx="178560" cy="178560"/>
           </a:xfrm>
           <a:prstGeom prst="ellipse">
             <a:avLst/>
@@ -7881,7 +7742,7 @@
         <p:spPr>
           <a:xfrm>
             <a:off x="684000" y="2709720"/>
-            <a:ext cx="179280" cy="179280"/>
+            <a:ext cx="178560" cy="178560"/>
           </a:xfrm>
           <a:prstGeom prst="ellipse">
             <a:avLst/>
@@ -7931,7 +7792,7 @@
         <p:spPr>
           <a:xfrm>
             <a:off x="684000" y="2961720"/>
-            <a:ext cx="179280" cy="179280"/>
+            <a:ext cx="178560" cy="178560"/>
           </a:xfrm>
           <a:prstGeom prst="ellipse">
             <a:avLst/>
@@ -7980,8 +7841,8 @@
         </p:nvSpPr>
         <p:spPr>
           <a:xfrm flipH="1">
-            <a:off x="359280" y="3357720"/>
-            <a:ext cx="179280" cy="179280"/>
+            <a:off x="358560" y="3357720"/>
+            <a:ext cx="178560" cy="178560"/>
           </a:xfrm>
           <a:prstGeom prst="ellipse">
             <a:avLst/>
@@ -8030,8 +7891,8 @@
         </p:nvSpPr>
         <p:spPr>
           <a:xfrm flipH="1">
-            <a:off x="558000" y="3177720"/>
-            <a:ext cx="179280" cy="179280"/>
+            <a:off x="557280" y="3177720"/>
+            <a:ext cx="178560" cy="178560"/>
           </a:xfrm>
           <a:prstGeom prst="ellipse">
             <a:avLst/>
@@ -8080,8 +7941,8 @@
         </p:nvSpPr>
         <p:spPr>
           <a:xfrm flipH="1">
-            <a:off x="548640" y="3546720"/>
-            <a:ext cx="179280" cy="179280"/>
+            <a:off x="547920" y="3546720"/>
+            <a:ext cx="178560" cy="178560"/>
           </a:xfrm>
           <a:prstGeom prst="ellipse">
             <a:avLst/>
@@ -8130,8 +7991,8 @@
         </p:nvSpPr>
         <p:spPr>
           <a:xfrm flipH="1">
-            <a:off x="692640" y="3762720"/>
-            <a:ext cx="179280" cy="179280"/>
+            <a:off x="691920" y="3762720"/>
+            <a:ext cx="178560" cy="178560"/>
           </a:xfrm>
           <a:prstGeom prst="ellipse">
             <a:avLst/>
@@ -8180,8 +8041,8 @@
         </p:nvSpPr>
         <p:spPr>
           <a:xfrm flipH="1">
-            <a:off x="692640" y="4014720"/>
-            <a:ext cx="179280" cy="179280"/>
+            <a:off x="691920" y="4014720"/>
+            <a:ext cx="178560" cy="178560"/>
           </a:xfrm>
           <a:prstGeom prst="ellipse">
             <a:avLst/>
@@ -8231,7 +8092,7 @@
         <p:spPr>
           <a:xfrm>
             <a:off x="369360" y="4410720"/>
-            <a:ext cx="179280" cy="179280"/>
+            <a:ext cx="178560" cy="178560"/>
           </a:xfrm>
           <a:prstGeom prst="ellipse">
             <a:avLst/>
@@ -8281,7 +8142,7 @@
         <p:spPr>
           <a:xfrm>
             <a:off x="549360" y="4230720"/>
-            <a:ext cx="179280" cy="179280"/>
+            <a:ext cx="178560" cy="178560"/>
           </a:xfrm>
           <a:prstGeom prst="ellipse">
             <a:avLst/>
@@ -8331,7 +8192,7 @@
         <p:spPr>
           <a:xfrm>
             <a:off x="549360" y="4590720"/>
-            <a:ext cx="179280" cy="179280"/>
+            <a:ext cx="178560" cy="178560"/>
           </a:xfrm>
           <a:prstGeom prst="ellipse">
             <a:avLst/>
@@ -8381,7 +8242,7 @@
         <p:spPr>
           <a:xfrm>
             <a:off x="693360" y="4806720"/>
-            <a:ext cx="179280" cy="179280"/>
+            <a:ext cx="178560" cy="178560"/>
           </a:xfrm>
           <a:prstGeom prst="ellipse">
             <a:avLst/>
@@ -8431,7 +8292,7 @@
         <p:spPr>
           <a:xfrm>
             <a:off x="693360" y="5058720"/>
-            <a:ext cx="179280" cy="179280"/>
+            <a:ext cx="178560" cy="178560"/>
           </a:xfrm>
           <a:prstGeom prst="ellipse">
             <a:avLst/>
@@ -8480,8 +8341,8 @@
         </p:nvSpPr>
         <p:spPr>
           <a:xfrm flipH="1">
-            <a:off x="1268640" y="5454720"/>
-            <a:ext cx="179280" cy="179280"/>
+            <a:off x="1267920" y="5454720"/>
+            <a:ext cx="178560" cy="178560"/>
           </a:xfrm>
           <a:prstGeom prst="ellipse">
             <a:avLst/>
@@ -8530,8 +8391,8 @@
         </p:nvSpPr>
         <p:spPr>
           <a:xfrm flipH="1">
-            <a:off x="1088640" y="5274720"/>
-            <a:ext cx="179280" cy="179280"/>
+            <a:off x="1087920" y="5274720"/>
+            <a:ext cx="178560" cy="178560"/>
           </a:xfrm>
           <a:prstGeom prst="ellipse">
             <a:avLst/>
@@ -8574,617 +8435,7 @@
       </p:sp>
       <p:sp>
         <p:nvSpPr>
-          <p:cNvPr id="81" name="PlaceHolder 1"/>
-          <p:cNvSpPr>
-            <a:spLocks noGrp="1"/>
-          </p:cNvSpPr>
-          <p:nvPr>
-            <p:ph type="title"/>
-          </p:nvPr>
-        </p:nvSpPr>
-        <p:spPr>
-          <a:xfrm>
-            <a:off x="1620000" y="216000"/>
-            <a:ext cx="8099280" cy="935280"/>
-          </a:xfrm>
-          <a:prstGeom prst="rect">
-            <a:avLst/>
-          </a:prstGeom>
-          <a:noFill/>
-          <a:ln w="0">
-            <a:noFill/>
-          </a:ln>
-        </p:spPr>
-        <p:txBody>
-          <a:bodyPr lIns="0" rIns="0" tIns="0" bIns="0" anchor="ctr">
-            <a:noAutofit/>
-          </a:bodyPr>
-          <a:p>
-            <a:pPr indent="0">
-              <a:buNone/>
-            </a:pPr>
-            <a:r>
-              <a:rPr b="0" lang="en-US" sz="4400" spc="-1" strike="noStrike">
-                <a:solidFill>
-                  <a:srgbClr val="000000"/>
-                </a:solidFill>
-                <a:latin typeface="Arial"/>
-              </a:rPr>
-              <a:t>Click to edit the title text </a:t>
-            </a:r>
-            <a:r>
-              <a:rPr b="0" lang="en-US" sz="4400" spc="-1" strike="noStrike">
-                <a:solidFill>
-                  <a:srgbClr val="000000"/>
-                </a:solidFill>
-                <a:latin typeface="Arial"/>
-              </a:rPr>
-              <a:t>format</a:t>
-            </a:r>
-            <a:endParaRPr b="0" lang="en-US" sz="4400" spc="-1" strike="noStrike">
-              <a:solidFill>
-                <a:srgbClr val="000000"/>
-              </a:solidFill>
-              <a:latin typeface="Arial"/>
-            </a:endParaRPr>
-          </a:p>
-        </p:txBody>
-      </p:sp>
-      <p:sp>
-        <p:nvSpPr>
-          <p:cNvPr id="82" name="PlaceHolder 2"/>
-          <p:cNvSpPr>
-            <a:spLocks noGrp="1"/>
-          </p:cNvSpPr>
-          <p:nvPr>
-            <p:ph type="body"/>
-          </p:nvPr>
-        </p:nvSpPr>
-        <p:spPr>
-          <a:xfrm>
-            <a:off x="1620000" y="1368000"/>
-            <a:ext cx="8099280" cy="3287520"/>
-          </a:xfrm>
-          <a:prstGeom prst="rect">
-            <a:avLst/>
-          </a:prstGeom>
-          <a:noFill/>
-          <a:ln w="0">
-            <a:noFill/>
-          </a:ln>
-        </p:spPr>
-        <p:txBody>
-          <a:bodyPr lIns="0" rIns="0" tIns="0" bIns="0" anchor="t">
-            <a:normAutofit/>
-          </a:bodyPr>
-          <a:p>
-            <a:pPr marL="432000" indent="-324000">
-              <a:lnSpc>
-                <a:spcPct val="90000"/>
-              </a:lnSpc>
-              <a:spcBef>
-                <a:spcPts val="1417"/>
-              </a:spcBef>
-              <a:buClr>
-                <a:srgbClr val="000000"/>
-              </a:buClr>
-              <a:buSzPct val="45000"/>
-              <a:buFont typeface="Wingdings" charset="2"/>
-              <a:buChar char=""/>
-            </a:pPr>
-            <a:r>
-              <a:rPr b="0" lang="en-US" sz="2800" spc="-1" strike="noStrike">
-                <a:solidFill>
-                  <a:srgbClr val="000000"/>
-                </a:solidFill>
-                <a:latin typeface="Arial"/>
-              </a:rPr>
-              <a:t>Click to edit the </a:t>
-            </a:r>
-            <a:r>
-              <a:rPr b="0" lang="en-US" sz="2800" spc="-1" strike="noStrike">
-                <a:solidFill>
-                  <a:srgbClr val="000000"/>
-                </a:solidFill>
-                <a:latin typeface="Arial"/>
-              </a:rPr>
-              <a:t>outline text </a:t>
-            </a:r>
-            <a:r>
-              <a:rPr b="0" lang="en-US" sz="2800" spc="-1" strike="noStrike">
-                <a:solidFill>
-                  <a:srgbClr val="000000"/>
-                </a:solidFill>
-                <a:latin typeface="Arial"/>
-              </a:rPr>
-              <a:t>format</a:t>
-            </a:r>
-            <a:endParaRPr b="0" lang="en-US" sz="2800" spc="-1" strike="noStrike">
-              <a:solidFill>
-                <a:srgbClr val="000000"/>
-              </a:solidFill>
-              <a:latin typeface="Arial"/>
-            </a:endParaRPr>
-          </a:p>
-          <a:p>
-            <a:pPr lvl="1" marL="864000" indent="-324000">
-              <a:lnSpc>
-                <a:spcPct val="90000"/>
-              </a:lnSpc>
-              <a:spcBef>
-                <a:spcPts val="1134"/>
-              </a:spcBef>
-              <a:buClr>
-                <a:srgbClr val="000000"/>
-              </a:buClr>
-              <a:buSzPct val="75000"/>
-              <a:buFont typeface="Symbol" charset="2"/>
-              <a:buChar char=""/>
-            </a:pPr>
-            <a:r>
-              <a:rPr b="0" lang="en-US" sz="2800" spc="-1" strike="noStrike">
-                <a:solidFill>
-                  <a:srgbClr val="000000"/>
-                </a:solidFill>
-                <a:latin typeface="Arial"/>
-              </a:rPr>
-              <a:t>Second </a:t>
-            </a:r>
-            <a:r>
-              <a:rPr b="0" lang="en-US" sz="2800" spc="-1" strike="noStrike">
-                <a:solidFill>
-                  <a:srgbClr val="000000"/>
-                </a:solidFill>
-                <a:latin typeface="Arial"/>
-              </a:rPr>
-              <a:t>Outline Level</a:t>
-            </a:r>
-            <a:endParaRPr b="0" lang="en-US" sz="2800" spc="-1" strike="noStrike">
-              <a:solidFill>
-                <a:srgbClr val="000000"/>
-              </a:solidFill>
-              <a:latin typeface="Arial"/>
-            </a:endParaRPr>
-          </a:p>
-          <a:p>
-            <a:pPr lvl="2" marL="1296000" indent="-288000">
-              <a:lnSpc>
-                <a:spcPct val="90000"/>
-              </a:lnSpc>
-              <a:spcBef>
-                <a:spcPts val="850"/>
-              </a:spcBef>
-              <a:buClr>
-                <a:srgbClr val="000000"/>
-              </a:buClr>
-              <a:buSzPct val="45000"/>
-              <a:buFont typeface="Wingdings" charset="2"/>
-              <a:buChar char=""/>
-            </a:pPr>
-            <a:r>
-              <a:rPr b="0" lang="en-US" sz="2800" spc="-1" strike="noStrike">
-                <a:solidFill>
-                  <a:srgbClr val="000000"/>
-                </a:solidFill>
-                <a:latin typeface="Arial"/>
-              </a:rPr>
-              <a:t>Third </a:t>
-            </a:r>
-            <a:r>
-              <a:rPr b="0" lang="en-US" sz="2800" spc="-1" strike="noStrike">
-                <a:solidFill>
-                  <a:srgbClr val="000000"/>
-                </a:solidFill>
-                <a:latin typeface="Arial"/>
-              </a:rPr>
-              <a:t>Outline </a:t>
-            </a:r>
-            <a:r>
-              <a:rPr b="0" lang="en-US" sz="2800" spc="-1" strike="noStrike">
-                <a:solidFill>
-                  <a:srgbClr val="000000"/>
-                </a:solidFill>
-                <a:latin typeface="Arial"/>
-              </a:rPr>
-              <a:t>Level</a:t>
-            </a:r>
-            <a:endParaRPr b="0" lang="en-US" sz="2800" spc="-1" strike="noStrike">
-              <a:solidFill>
-                <a:srgbClr val="000000"/>
-              </a:solidFill>
-              <a:latin typeface="Arial"/>
-            </a:endParaRPr>
-          </a:p>
-          <a:p>
-            <a:pPr lvl="3" marL="1728000" indent="-216000">
-              <a:lnSpc>
-                <a:spcPct val="90000"/>
-              </a:lnSpc>
-              <a:spcBef>
-                <a:spcPts val="567"/>
-              </a:spcBef>
-              <a:buClr>
-                <a:srgbClr val="000000"/>
-              </a:buClr>
-              <a:buSzPct val="75000"/>
-              <a:buFont typeface="Symbol" charset="2"/>
-              <a:buChar char=""/>
-            </a:pPr>
-            <a:r>
-              <a:rPr b="0" lang="en-US" sz="2800" spc="-1" strike="noStrike">
-                <a:solidFill>
-                  <a:srgbClr val="000000"/>
-                </a:solidFill>
-                <a:latin typeface="Arial"/>
-              </a:rPr>
-              <a:t>Fourth </a:t>
-            </a:r>
-            <a:r>
-              <a:rPr b="0" lang="en-US" sz="2800" spc="-1" strike="noStrike">
-                <a:solidFill>
-                  <a:srgbClr val="000000"/>
-                </a:solidFill>
-                <a:latin typeface="Arial"/>
-              </a:rPr>
-              <a:t>Outline </a:t>
-            </a:r>
-            <a:r>
-              <a:rPr b="0" lang="en-US" sz="2800" spc="-1" strike="noStrike">
-                <a:solidFill>
-                  <a:srgbClr val="000000"/>
-                </a:solidFill>
-                <a:latin typeface="Arial"/>
-              </a:rPr>
-              <a:t>Level</a:t>
-            </a:r>
-            <a:endParaRPr b="0" lang="en-US" sz="2800" spc="-1" strike="noStrike">
-              <a:solidFill>
-                <a:srgbClr val="000000"/>
-              </a:solidFill>
-              <a:latin typeface="Arial"/>
-            </a:endParaRPr>
-          </a:p>
-          <a:p>
-            <a:pPr lvl="4" marL="2160000" indent="-216000">
-              <a:lnSpc>
-                <a:spcPct val="90000"/>
-              </a:lnSpc>
-              <a:spcBef>
-                <a:spcPts val="283"/>
-              </a:spcBef>
-              <a:buClr>
-                <a:srgbClr val="000000"/>
-              </a:buClr>
-              <a:buSzPct val="45000"/>
-              <a:buFont typeface="Wingdings" charset="2"/>
-              <a:buChar char=""/>
-            </a:pPr>
-            <a:r>
-              <a:rPr b="0" lang="en-US" sz="2800" spc="-1" strike="noStrike">
-                <a:solidFill>
-                  <a:srgbClr val="000000"/>
-                </a:solidFill>
-                <a:latin typeface="Arial"/>
-              </a:rPr>
-              <a:t>Fifth </a:t>
-            </a:r>
-            <a:r>
-              <a:rPr b="0" lang="en-US" sz="2800" spc="-1" strike="noStrike">
-                <a:solidFill>
-                  <a:srgbClr val="000000"/>
-                </a:solidFill>
-                <a:latin typeface="Arial"/>
-              </a:rPr>
-              <a:t>Outlin</a:t>
-            </a:r>
-            <a:r>
-              <a:rPr b="0" lang="en-US" sz="2800" spc="-1" strike="noStrike">
-                <a:solidFill>
-                  <a:srgbClr val="000000"/>
-                </a:solidFill>
-                <a:latin typeface="Arial"/>
-              </a:rPr>
-              <a:t>e </a:t>
-            </a:r>
-            <a:r>
-              <a:rPr b="0" lang="en-US" sz="2800" spc="-1" strike="noStrike">
-                <a:solidFill>
-                  <a:srgbClr val="000000"/>
-                </a:solidFill>
-                <a:latin typeface="Arial"/>
-              </a:rPr>
-              <a:t>Level</a:t>
-            </a:r>
-            <a:endParaRPr b="0" lang="en-US" sz="2800" spc="-1" strike="noStrike">
-              <a:solidFill>
-                <a:srgbClr val="000000"/>
-              </a:solidFill>
-              <a:latin typeface="Arial"/>
-            </a:endParaRPr>
-          </a:p>
-          <a:p>
-            <a:pPr lvl="5" marL="2592000" indent="-216000">
-              <a:lnSpc>
-                <a:spcPct val="90000"/>
-              </a:lnSpc>
-              <a:spcBef>
-                <a:spcPts val="283"/>
-              </a:spcBef>
-              <a:buClr>
-                <a:srgbClr val="000000"/>
-              </a:buClr>
-              <a:buSzPct val="45000"/>
-              <a:buFont typeface="Wingdings" charset="2"/>
-              <a:buChar char=""/>
-            </a:pPr>
-            <a:r>
-              <a:rPr b="0" lang="en-US" sz="2800" spc="-1" strike="noStrike">
-                <a:solidFill>
-                  <a:srgbClr val="000000"/>
-                </a:solidFill>
-                <a:latin typeface="Arial"/>
-              </a:rPr>
-              <a:t>Six</a:t>
-            </a:r>
-            <a:r>
-              <a:rPr b="0" lang="en-US" sz="2800" spc="-1" strike="noStrike">
-                <a:solidFill>
-                  <a:srgbClr val="000000"/>
-                </a:solidFill>
-                <a:latin typeface="Arial"/>
-              </a:rPr>
-              <a:t>th </a:t>
-            </a:r>
-            <a:r>
-              <a:rPr b="0" lang="en-US" sz="2800" spc="-1" strike="noStrike">
-                <a:solidFill>
-                  <a:srgbClr val="000000"/>
-                </a:solidFill>
-                <a:latin typeface="Arial"/>
-              </a:rPr>
-              <a:t>Out</a:t>
-            </a:r>
-            <a:r>
-              <a:rPr b="0" lang="en-US" sz="2800" spc="-1" strike="noStrike">
-                <a:solidFill>
-                  <a:srgbClr val="000000"/>
-                </a:solidFill>
-                <a:latin typeface="Arial"/>
-              </a:rPr>
-              <a:t>line </a:t>
-            </a:r>
-            <a:r>
-              <a:rPr b="0" lang="en-US" sz="2800" spc="-1" strike="noStrike">
-                <a:solidFill>
-                  <a:srgbClr val="000000"/>
-                </a:solidFill>
-                <a:latin typeface="Arial"/>
-              </a:rPr>
-              <a:t>Lev</a:t>
-            </a:r>
-            <a:r>
-              <a:rPr b="0" lang="en-US" sz="2800" spc="-1" strike="noStrike">
-                <a:solidFill>
-                  <a:srgbClr val="000000"/>
-                </a:solidFill>
-                <a:latin typeface="Arial"/>
-              </a:rPr>
-              <a:t>el</a:t>
-            </a:r>
-            <a:endParaRPr b="0" lang="en-US" sz="2800" spc="-1" strike="noStrike">
-              <a:solidFill>
-                <a:srgbClr val="000000"/>
-              </a:solidFill>
-              <a:latin typeface="Arial"/>
-            </a:endParaRPr>
-          </a:p>
-          <a:p>
-            <a:pPr lvl="6" marL="3024000" indent="-216000">
-              <a:lnSpc>
-                <a:spcPct val="90000"/>
-              </a:lnSpc>
-              <a:spcBef>
-                <a:spcPts val="283"/>
-              </a:spcBef>
-              <a:buClr>
-                <a:srgbClr val="000000"/>
-              </a:buClr>
-              <a:buSzPct val="45000"/>
-              <a:buFont typeface="Wingdings" charset="2"/>
-              <a:buChar char=""/>
-            </a:pPr>
-            <a:r>
-              <a:rPr b="0" lang="en-US" sz="2800" spc="-1" strike="noStrike">
-                <a:solidFill>
-                  <a:srgbClr val="000000"/>
-                </a:solidFill>
-                <a:latin typeface="Arial"/>
-              </a:rPr>
-              <a:t>S</a:t>
-            </a:r>
-            <a:r>
-              <a:rPr b="0" lang="en-US" sz="2800" spc="-1" strike="noStrike">
-                <a:solidFill>
-                  <a:srgbClr val="000000"/>
-                </a:solidFill>
-                <a:latin typeface="Arial"/>
-              </a:rPr>
-              <a:t>e</a:t>
-            </a:r>
-            <a:r>
-              <a:rPr b="0" lang="en-US" sz="2800" spc="-1" strike="noStrike">
-                <a:solidFill>
-                  <a:srgbClr val="000000"/>
-                </a:solidFill>
-                <a:latin typeface="Arial"/>
-              </a:rPr>
-              <a:t>v</a:t>
-            </a:r>
-            <a:r>
-              <a:rPr b="0" lang="en-US" sz="2800" spc="-1" strike="noStrike">
-                <a:solidFill>
-                  <a:srgbClr val="000000"/>
-                </a:solidFill>
-                <a:latin typeface="Arial"/>
-              </a:rPr>
-              <a:t>e</a:t>
-            </a:r>
-            <a:r>
-              <a:rPr b="0" lang="en-US" sz="2800" spc="-1" strike="noStrike">
-                <a:solidFill>
-                  <a:srgbClr val="000000"/>
-                </a:solidFill>
-                <a:latin typeface="Arial"/>
-              </a:rPr>
-              <a:t>n</a:t>
-            </a:r>
-            <a:r>
-              <a:rPr b="0" lang="en-US" sz="2800" spc="-1" strike="noStrike">
-                <a:solidFill>
-                  <a:srgbClr val="000000"/>
-                </a:solidFill>
-                <a:latin typeface="Arial"/>
-              </a:rPr>
-              <a:t>t</a:t>
-            </a:r>
-            <a:r>
-              <a:rPr b="0" lang="en-US" sz="2800" spc="-1" strike="noStrike">
-                <a:solidFill>
-                  <a:srgbClr val="000000"/>
-                </a:solidFill>
-                <a:latin typeface="Arial"/>
-              </a:rPr>
-              <a:t>h</a:t>
-            </a:r>
-            <a:r>
-              <a:rPr b="0" lang="en-US" sz="2800" spc="-1" strike="noStrike">
-                <a:solidFill>
-                  <a:srgbClr val="000000"/>
-                </a:solidFill>
-                <a:latin typeface="Arial"/>
-              </a:rPr>
-              <a:t> </a:t>
-            </a:r>
-            <a:r>
-              <a:rPr b="0" lang="en-US" sz="2800" spc="-1" strike="noStrike">
-                <a:solidFill>
-                  <a:srgbClr val="000000"/>
-                </a:solidFill>
-                <a:latin typeface="Arial"/>
-              </a:rPr>
-              <a:t>O</a:t>
-            </a:r>
-            <a:r>
-              <a:rPr b="0" lang="en-US" sz="2800" spc="-1" strike="noStrike">
-                <a:solidFill>
-                  <a:srgbClr val="000000"/>
-                </a:solidFill>
-                <a:latin typeface="Arial"/>
-              </a:rPr>
-              <a:t>u</a:t>
-            </a:r>
-            <a:r>
-              <a:rPr b="0" lang="en-US" sz="2800" spc="-1" strike="noStrike">
-                <a:solidFill>
-                  <a:srgbClr val="000000"/>
-                </a:solidFill>
-                <a:latin typeface="Arial"/>
-              </a:rPr>
-              <a:t>t</a:t>
-            </a:r>
-            <a:r>
-              <a:rPr b="0" lang="en-US" sz="2800" spc="-1" strike="noStrike">
-                <a:solidFill>
-                  <a:srgbClr val="000000"/>
-                </a:solidFill>
-                <a:latin typeface="Arial"/>
-              </a:rPr>
-              <a:t>li</a:t>
-            </a:r>
-            <a:r>
-              <a:rPr b="0" lang="en-US" sz="2800" spc="-1" strike="noStrike">
-                <a:solidFill>
-                  <a:srgbClr val="000000"/>
-                </a:solidFill>
-                <a:latin typeface="Arial"/>
-              </a:rPr>
-              <a:t>n</a:t>
-            </a:r>
-            <a:r>
-              <a:rPr b="0" lang="en-US" sz="2800" spc="-1" strike="noStrike">
-                <a:solidFill>
-                  <a:srgbClr val="000000"/>
-                </a:solidFill>
-                <a:latin typeface="Arial"/>
-              </a:rPr>
-              <a:t>e</a:t>
-            </a:r>
-            <a:r>
-              <a:rPr b="0" lang="en-US" sz="2800" spc="-1" strike="noStrike">
-                <a:solidFill>
-                  <a:srgbClr val="000000"/>
-                </a:solidFill>
-                <a:latin typeface="Arial"/>
-              </a:rPr>
-              <a:t> </a:t>
-            </a:r>
-            <a:r>
-              <a:rPr b="0" lang="en-US" sz="2800" spc="-1" strike="noStrike">
-                <a:solidFill>
-                  <a:srgbClr val="000000"/>
-                </a:solidFill>
-                <a:latin typeface="Arial"/>
-              </a:rPr>
-              <a:t>L</a:t>
-            </a:r>
-            <a:r>
-              <a:rPr b="0" lang="en-US" sz="2800" spc="-1" strike="noStrike">
-                <a:solidFill>
-                  <a:srgbClr val="000000"/>
-                </a:solidFill>
-                <a:latin typeface="Arial"/>
-              </a:rPr>
-              <a:t>e</a:t>
-            </a:r>
-            <a:r>
-              <a:rPr b="0" lang="en-US" sz="2800" spc="-1" strike="noStrike">
-                <a:solidFill>
-                  <a:srgbClr val="000000"/>
-                </a:solidFill>
-                <a:latin typeface="Arial"/>
-              </a:rPr>
-              <a:t>v</a:t>
-            </a:r>
-            <a:r>
-              <a:rPr b="0" lang="en-US" sz="2800" spc="-1" strike="noStrike">
-                <a:solidFill>
-                  <a:srgbClr val="000000"/>
-                </a:solidFill>
-                <a:latin typeface="Arial"/>
-              </a:rPr>
-              <a:t>e</a:t>
-            </a:r>
-            <a:r>
-              <a:rPr b="0" lang="en-US" sz="2800" spc="-1" strike="noStrike">
-                <a:solidFill>
-                  <a:srgbClr val="000000"/>
-                </a:solidFill>
-                <a:latin typeface="Arial"/>
-              </a:rPr>
-              <a:t>l</a:t>
-            </a:r>
-            <a:endParaRPr b="0" lang="en-US" sz="2800" spc="-1" strike="noStrike">
-              <a:solidFill>
-                <a:srgbClr val="000000"/>
-              </a:solidFill>
-              <a:latin typeface="Arial"/>
-            </a:endParaRPr>
-          </a:p>
-        </p:txBody>
-      </p:sp>
-      <p:sp>
-        <p:nvSpPr>
-          <p:cNvPr id="83" name="PlaceHolder 3"/>
+          <p:cNvPr id="83" name="PlaceHolder 1"/>
           <p:cNvSpPr>
             <a:spLocks noGrp="1"/>
           </p:cNvSpPr>
@@ -9195,7 +8446,7 @@
         <p:spPr>
           <a:xfrm>
             <a:off x="3987000" y="5164920"/>
-            <a:ext cx="3194280" cy="389880"/>
+            <a:ext cx="3193560" cy="389160"/>
           </a:xfrm>
           <a:prstGeom prst="rect">
             <a:avLst/>
@@ -9258,7 +8509,7 @@
       </p:sp>
       <p:sp>
         <p:nvSpPr>
-          <p:cNvPr id="84" name="PlaceHolder 4"/>
+          <p:cNvPr id="84" name="PlaceHolder 2"/>
           <p:cNvSpPr>
             <a:spLocks noGrp="1"/>
           </p:cNvSpPr>
@@ -9269,7 +8520,7 @@
         <p:spPr>
           <a:xfrm>
             <a:off x="7227000" y="5164920"/>
-            <a:ext cx="2347560" cy="389880"/>
+            <a:ext cx="2346840" cy="389160"/>
           </a:xfrm>
           <a:prstGeom prst="rect">
             <a:avLst/>
@@ -9311,7 +8562,7 @@
                 <a:tab algn="l" pos="0"/>
               </a:tabLst>
             </a:pPr>
-            <a:fld id="{78970371-1F55-491E-B7F0-EE6BA44F6B18}" type="slidenum">
+            <a:fld id="{B172DEF9-BD6D-4096-A579-516556F21CD2}" type="slidenum">
               <a:rPr b="0" lang="en-US" sz="1400" spc="-1" strike="noStrike">
                 <a:solidFill>
                   <a:srgbClr val="000000"/>
@@ -9332,7 +8583,7 @@
       </p:sp>
       <p:sp>
         <p:nvSpPr>
-          <p:cNvPr id="85" name="PlaceHolder 5"/>
+          <p:cNvPr id="85" name="PlaceHolder 3"/>
           <p:cNvSpPr>
             <a:spLocks noGrp="1"/>
           </p:cNvSpPr>
@@ -9343,7 +8594,7 @@
         <p:spPr>
           <a:xfrm>
             <a:off x="1584000" y="5164920"/>
-            <a:ext cx="2347560" cy="389880"/>
+            <a:ext cx="2346840" cy="389160"/>
           </a:xfrm>
           <a:prstGeom prst="rect">
             <a:avLst/>
@@ -9386,6 +8637,280 @@
                 <a:srgbClr val="000000"/>
               </a:solidFill>
               <a:latin typeface="Times New Roman"/>
+            </a:endParaRPr>
+          </a:p>
+        </p:txBody>
+      </p:sp>
+      <p:sp>
+        <p:nvSpPr>
+          <p:cNvPr id="86" name="PlaceHolder 4"/>
+          <p:cNvSpPr>
+            <a:spLocks noGrp="1"/>
+          </p:cNvSpPr>
+          <p:nvPr>
+            <p:ph type="title"/>
+          </p:nvPr>
+        </p:nvSpPr>
+        <p:spPr>
+          <a:xfrm>
+            <a:off x="504000" y="226080"/>
+            <a:ext cx="9072000" cy="946440"/>
+          </a:xfrm>
+          <a:prstGeom prst="rect">
+            <a:avLst/>
+          </a:prstGeom>
+          <a:noFill/>
+          <a:ln w="0">
+            <a:noFill/>
+          </a:ln>
+        </p:spPr>
+        <p:txBody>
+          <a:bodyPr lIns="0" rIns="0" tIns="0" bIns="0" anchor="ctr">
+            <a:noAutofit/>
+          </a:bodyPr>
+          <a:p>
+            <a:pPr indent="0" algn="ctr">
+              <a:buNone/>
+            </a:pPr>
+            <a:r>
+              <a:rPr b="0" lang="en-US" sz="4400" spc="-1" strike="noStrike">
+                <a:solidFill>
+                  <a:srgbClr val="000000"/>
+                </a:solidFill>
+                <a:latin typeface="Arial"/>
+              </a:rPr>
+              <a:t>Click to edit the title text format</a:t>
+            </a:r>
+            <a:endParaRPr b="0" lang="en-US" sz="4400" spc="-1" strike="noStrike">
+              <a:solidFill>
+                <a:srgbClr val="000000"/>
+              </a:solidFill>
+              <a:latin typeface="Arial"/>
+            </a:endParaRPr>
+          </a:p>
+        </p:txBody>
+      </p:sp>
+      <p:sp>
+        <p:nvSpPr>
+          <p:cNvPr id="87" name="PlaceHolder 5"/>
+          <p:cNvSpPr>
+            <a:spLocks noGrp="1"/>
+          </p:cNvSpPr>
+          <p:nvPr>
+            <p:ph type="body"/>
+          </p:nvPr>
+        </p:nvSpPr>
+        <p:spPr>
+          <a:xfrm>
+            <a:off x="504000" y="1326600"/>
+            <a:ext cx="9072000" cy="3288600"/>
+          </a:xfrm>
+          <a:prstGeom prst="rect">
+            <a:avLst/>
+          </a:prstGeom>
+          <a:noFill/>
+          <a:ln w="0">
+            <a:noFill/>
+          </a:ln>
+        </p:spPr>
+        <p:txBody>
+          <a:bodyPr lIns="0" rIns="0" tIns="0" bIns="0" anchor="t">
+            <a:normAutofit/>
+          </a:bodyPr>
+          <a:p>
+            <a:pPr marL="432000" indent="-324000">
+              <a:spcBef>
+                <a:spcPts val="1417"/>
+              </a:spcBef>
+              <a:buClr>
+                <a:srgbClr val="000000"/>
+              </a:buClr>
+              <a:buSzPct val="45000"/>
+              <a:buFont typeface="Wingdings" charset="2"/>
+              <a:buChar char=""/>
+            </a:pPr>
+            <a:r>
+              <a:rPr b="0" lang="en-US" sz="3200" spc="-1" strike="noStrike">
+                <a:solidFill>
+                  <a:srgbClr val="000000"/>
+                </a:solidFill>
+                <a:latin typeface="Arial"/>
+              </a:rPr>
+              <a:t>Click to edit the outline text format</a:t>
+            </a:r>
+            <a:endParaRPr b="0" lang="en-US" sz="3200" spc="-1" strike="noStrike">
+              <a:solidFill>
+                <a:srgbClr val="000000"/>
+              </a:solidFill>
+              <a:latin typeface="Arial"/>
+            </a:endParaRPr>
+          </a:p>
+          <a:p>
+            <a:pPr lvl="1" marL="864000" indent="-324000">
+              <a:spcBef>
+                <a:spcPts val="1134"/>
+              </a:spcBef>
+              <a:buClr>
+                <a:srgbClr val="000000"/>
+              </a:buClr>
+              <a:buSzPct val="75000"/>
+              <a:buFont typeface="Symbol" charset="2"/>
+              <a:buChar char=""/>
+            </a:pPr>
+            <a:r>
+              <a:rPr b="0" lang="en-US" sz="2800" spc="-1" strike="noStrike">
+                <a:solidFill>
+                  <a:srgbClr val="000000"/>
+                </a:solidFill>
+                <a:latin typeface="Arial"/>
+              </a:rPr>
+              <a:t>Second Outline Level</a:t>
+            </a:r>
+            <a:endParaRPr b="0" lang="en-US" sz="2800" spc="-1" strike="noStrike">
+              <a:solidFill>
+                <a:srgbClr val="000000"/>
+              </a:solidFill>
+              <a:latin typeface="Arial"/>
+            </a:endParaRPr>
+          </a:p>
+          <a:p>
+            <a:pPr lvl="2" marL="1296000" indent="-288000">
+              <a:spcBef>
+                <a:spcPts val="850"/>
+              </a:spcBef>
+              <a:buClr>
+                <a:srgbClr val="000000"/>
+              </a:buClr>
+              <a:buSzPct val="45000"/>
+              <a:buFont typeface="Wingdings" charset="2"/>
+              <a:buChar char=""/>
+            </a:pPr>
+            <a:r>
+              <a:rPr b="0" lang="en-US" sz="2400" spc="-1" strike="noStrike">
+                <a:solidFill>
+                  <a:srgbClr val="000000"/>
+                </a:solidFill>
+                <a:latin typeface="Arial"/>
+              </a:rPr>
+              <a:t>Third Outline Level</a:t>
+            </a:r>
+            <a:endParaRPr b="0" lang="en-US" sz="2400" spc="-1" strike="noStrike">
+              <a:solidFill>
+                <a:srgbClr val="000000"/>
+              </a:solidFill>
+              <a:latin typeface="Arial"/>
+            </a:endParaRPr>
+          </a:p>
+          <a:p>
+            <a:pPr lvl="3" marL="1728000" indent="-216000">
+              <a:spcBef>
+                <a:spcPts val="567"/>
+              </a:spcBef>
+              <a:buClr>
+                <a:srgbClr val="000000"/>
+              </a:buClr>
+              <a:buSzPct val="75000"/>
+              <a:buFont typeface="Symbol" charset="2"/>
+              <a:buChar char=""/>
+            </a:pPr>
+            <a:r>
+              <a:rPr b="0" lang="en-US" sz="2000" spc="-1" strike="noStrike">
+                <a:solidFill>
+                  <a:srgbClr val="000000"/>
+                </a:solidFill>
+                <a:latin typeface="Arial"/>
+              </a:rPr>
+              <a:t>Fourth Outline Level</a:t>
+            </a:r>
+            <a:endParaRPr b="0" lang="en-US" sz="2000" spc="-1" strike="noStrike">
+              <a:solidFill>
+                <a:srgbClr val="000000"/>
+              </a:solidFill>
+              <a:latin typeface="Arial"/>
+            </a:endParaRPr>
+          </a:p>
+          <a:p>
+            <a:pPr lvl="4" marL="2160000" indent="-216000">
+              <a:spcBef>
+                <a:spcPts val="283"/>
+              </a:spcBef>
+              <a:buClr>
+                <a:srgbClr val="000000"/>
+              </a:buClr>
+              <a:buSzPct val="45000"/>
+              <a:buFont typeface="Wingdings" charset="2"/>
+              <a:buChar char=""/>
+            </a:pPr>
+            <a:r>
+              <a:rPr b="0" lang="en-US" sz="2000" spc="-1" strike="noStrike">
+                <a:solidFill>
+                  <a:srgbClr val="000000"/>
+                </a:solidFill>
+                <a:latin typeface="Arial"/>
+              </a:rPr>
+              <a:t>Fifth Outline Level</a:t>
+            </a:r>
+            <a:endParaRPr b="0" lang="en-US" sz="2000" spc="-1" strike="noStrike">
+              <a:solidFill>
+                <a:srgbClr val="000000"/>
+              </a:solidFill>
+              <a:latin typeface="Arial"/>
+            </a:endParaRPr>
+          </a:p>
+          <a:p>
+            <a:pPr lvl="5" marL="2592000" indent="-216000">
+              <a:spcBef>
+                <a:spcPts val="283"/>
+              </a:spcBef>
+              <a:buClr>
+                <a:srgbClr val="000000"/>
+              </a:buClr>
+              <a:buSzPct val="45000"/>
+              <a:buFont typeface="Wingdings" charset="2"/>
+              <a:buChar char=""/>
+            </a:pPr>
+            <a:r>
+              <a:rPr b="0" lang="en-US" sz="2000" spc="-1" strike="noStrike">
+                <a:solidFill>
+                  <a:srgbClr val="000000"/>
+                </a:solidFill>
+                <a:latin typeface="Arial"/>
+              </a:rPr>
+              <a:t>Sixth Outline Level</a:t>
+            </a:r>
+            <a:endParaRPr b="0" lang="en-US" sz="2000" spc="-1" strike="noStrike">
+              <a:solidFill>
+                <a:srgbClr val="000000"/>
+              </a:solidFill>
+              <a:latin typeface="Arial"/>
+            </a:endParaRPr>
+          </a:p>
+          <a:p>
+            <a:pPr lvl="6" marL="3024000" indent="-216000">
+              <a:spcBef>
+                <a:spcPts val="283"/>
+              </a:spcBef>
+              <a:buClr>
+                <a:srgbClr val="000000"/>
+              </a:buClr>
+              <a:buSzPct val="45000"/>
+              <a:buFont typeface="Wingdings" charset="2"/>
+              <a:buChar char=""/>
+            </a:pPr>
+            <a:r>
+              <a:rPr b="0" lang="en-US" sz="2000" spc="-1" strike="noStrike">
+                <a:solidFill>
+                  <a:srgbClr val="000000"/>
+                </a:solidFill>
+                <a:latin typeface="Arial"/>
+              </a:rPr>
+              <a:t>Seventh Outline Level</a:t>
+            </a:r>
+            <a:endParaRPr b="0" lang="en-US" sz="2000" spc="-1" strike="noStrike">
+              <a:solidFill>
+                <a:srgbClr val="000000"/>
+              </a:solidFill>
+              <a:latin typeface="Arial"/>
             </a:endParaRPr>
           </a:p>
         </p:txBody>
@@ -9436,14 +8961,14 @@
       </p:grpSpPr>
       <p:cxnSp>
         <p:nvCxnSpPr>
-          <p:cNvPr id="122" name="Elbow Connector 121"/>
+          <p:cNvPr id="124" name="Elbow Connector 121"/>
           <p:cNvCxnSpPr/>
           <p:nvPr/>
         </p:nvCxnSpPr>
         <p:spPr>
           <a:xfrm>
             <a:off x="540000" y="306360"/>
-            <a:ext cx="721080" cy="1080"/>
+            <a:ext cx="721800" cy="1800"/>
           </a:xfrm>
           <a:prstGeom prst="bentConnector3">
             <a:avLst>
@@ -9460,17 +8985,17 @@
       </p:cxnSp>
       <p:cxnSp>
         <p:nvCxnSpPr>
-          <p:cNvPr id="123" name="Elbow Connector 122"/>
+          <p:cNvPr id="125" name="Elbow Connector 122"/>
           <p:cNvCxnSpPr>
-            <a:stCxn id="124" idx="6"/>
-            <a:endCxn id="125" idx="2"/>
+            <a:stCxn id="126" idx="6"/>
+            <a:endCxn id="127" idx="2"/>
           </p:cNvCxnSpPr>
           <p:nvPr/>
         </p:nvCxnSpPr>
         <p:spPr>
           <a:xfrm>
-            <a:off x="719280" y="486000"/>
-            <a:ext cx="361080" cy="360"/>
+            <a:off x="718560" y="485640"/>
+            <a:ext cx="361800" cy="360"/>
           </a:xfrm>
           <a:prstGeom prst="bentConnector2">
             <a:avLst/>
@@ -9485,17 +9010,17 @@
       </p:cxnSp>
       <p:cxnSp>
         <p:nvCxnSpPr>
-          <p:cNvPr id="126" name="Elbow Connector 125"/>
+          <p:cNvPr id="128" name="Elbow Connector 125"/>
           <p:cNvCxnSpPr>
-            <a:stCxn id="127" idx="6"/>
-            <a:endCxn id="128" idx="2"/>
+            <a:stCxn id="129" idx="6"/>
+            <a:endCxn id="130" idx="2"/>
           </p:cNvCxnSpPr>
           <p:nvPr/>
         </p:nvCxnSpPr>
         <p:spPr>
           <a:xfrm>
-            <a:off x="863280" y="702000"/>
-            <a:ext cx="73080" cy="360"/>
+            <a:off x="862560" y="701640"/>
+            <a:ext cx="73800" cy="360"/>
           </a:xfrm>
           <a:prstGeom prst="bentConnector2">
             <a:avLst/>
@@ -9510,17 +9035,17 @@
       </p:cxnSp>
       <p:cxnSp>
         <p:nvCxnSpPr>
-          <p:cNvPr id="129" name="Elbow Connector 128"/>
+          <p:cNvPr id="131" name="Elbow Connector 128"/>
           <p:cNvCxnSpPr>
-            <a:stCxn id="130" idx="6"/>
-            <a:endCxn id="131" idx="2"/>
+            <a:stCxn id="132" idx="6"/>
+            <a:endCxn id="133" idx="2"/>
           </p:cNvCxnSpPr>
           <p:nvPr/>
         </p:nvCxnSpPr>
         <p:spPr>
           <a:xfrm>
-            <a:off x="719280" y="126000"/>
-            <a:ext cx="361080" cy="360"/>
+            <a:off x="718560" y="125640"/>
+            <a:ext cx="361800" cy="360"/>
           </a:xfrm>
           <a:prstGeom prst="bentConnector2">
             <a:avLst/>
@@ -9535,17 +9060,17 @@
       </p:cxnSp>
       <p:cxnSp>
         <p:nvCxnSpPr>
-          <p:cNvPr id="132" name="Elbow Connector 131"/>
+          <p:cNvPr id="134" name="Elbow Connector 131"/>
           <p:cNvCxnSpPr>
-            <a:stCxn id="133" idx="6"/>
-            <a:endCxn id="134" idx="2"/>
+            <a:stCxn id="135" idx="6"/>
+            <a:endCxn id="136" idx="2"/>
           </p:cNvCxnSpPr>
           <p:nvPr/>
         </p:nvCxnSpPr>
         <p:spPr>
           <a:xfrm>
-            <a:off x="863280" y="954000"/>
-            <a:ext cx="73080" cy="360"/>
+            <a:off x="862560" y="953640"/>
+            <a:ext cx="73800" cy="360"/>
           </a:xfrm>
           <a:prstGeom prst="bentConnector2">
             <a:avLst/>
@@ -9560,17 +9085,17 @@
       </p:cxnSp>
       <p:cxnSp>
         <p:nvCxnSpPr>
-          <p:cNvPr id="135" name="Elbow Connector 134"/>
+          <p:cNvPr id="137" name="Elbow Connector 134"/>
           <p:cNvCxnSpPr>
-            <a:stCxn id="136" idx="6"/>
-            <a:endCxn id="137" idx="2"/>
+            <a:stCxn id="138" idx="6"/>
+            <a:endCxn id="139" idx="2"/>
           </p:cNvCxnSpPr>
           <p:nvPr/>
         </p:nvCxnSpPr>
         <p:spPr>
           <a:xfrm rot="10800000">
-            <a:off x="538560" y="1350000"/>
-            <a:ext cx="721080" cy="360"/>
+            <a:off x="537120" y="1349640"/>
+            <a:ext cx="721800" cy="360"/>
           </a:xfrm>
           <a:prstGeom prst="bentConnector2">
             <a:avLst/>
@@ -9585,17 +9110,17 @@
       </p:cxnSp>
       <p:cxnSp>
         <p:nvCxnSpPr>
-          <p:cNvPr id="138" name="Elbow Connector 137"/>
+          <p:cNvPr id="140" name="Elbow Connector 137"/>
           <p:cNvCxnSpPr>
-            <a:stCxn id="139" idx="6"/>
-            <a:endCxn id="140" idx="2"/>
+            <a:stCxn id="141" idx="6"/>
+            <a:endCxn id="142" idx="2"/>
           </p:cNvCxnSpPr>
           <p:nvPr/>
         </p:nvCxnSpPr>
         <p:spPr>
           <a:xfrm rot="10800000">
-            <a:off x="718560" y="1170000"/>
-            <a:ext cx="361080" cy="360"/>
+            <a:off x="717120" y="1169640"/>
+            <a:ext cx="361800" cy="360"/>
           </a:xfrm>
           <a:prstGeom prst="bentConnector2">
             <a:avLst/>
@@ -9610,17 +9135,17 @@
       </p:cxnSp>
       <p:cxnSp>
         <p:nvCxnSpPr>
-          <p:cNvPr id="141" name="Elbow Connector 140"/>
+          <p:cNvPr id="143" name="Elbow Connector 140"/>
           <p:cNvCxnSpPr>
-            <a:stCxn id="142" idx="6"/>
-            <a:endCxn id="143" idx="2"/>
+            <a:stCxn id="144" idx="6"/>
+            <a:endCxn id="145" idx="2"/>
           </p:cNvCxnSpPr>
           <p:nvPr/>
         </p:nvCxnSpPr>
         <p:spPr>
           <a:xfrm rot="10800000">
-            <a:off x="718560" y="1530000"/>
-            <a:ext cx="361080" cy="360"/>
+            <a:off x="717120" y="1529640"/>
+            <a:ext cx="361800" cy="360"/>
           </a:xfrm>
           <a:prstGeom prst="bentConnector2">
             <a:avLst/>
@@ -9635,17 +9160,17 @@
       </p:cxnSp>
       <p:cxnSp>
         <p:nvCxnSpPr>
-          <p:cNvPr id="144" name="Elbow Connector 143"/>
+          <p:cNvPr id="146" name="Elbow Connector 143"/>
           <p:cNvCxnSpPr>
-            <a:stCxn id="145" idx="6"/>
-            <a:endCxn id="146" idx="2"/>
+            <a:stCxn id="147" idx="6"/>
+            <a:endCxn id="148" idx="2"/>
           </p:cNvCxnSpPr>
           <p:nvPr/>
         </p:nvCxnSpPr>
         <p:spPr>
           <a:xfrm rot="10800000">
-            <a:off x="862560" y="1746000"/>
-            <a:ext cx="73080" cy="360"/>
+            <a:off x="861120" y="1745640"/>
+            <a:ext cx="73800" cy="360"/>
           </a:xfrm>
           <a:prstGeom prst="bentConnector2">
             <a:avLst/>
@@ -9660,17 +9185,17 @@
       </p:cxnSp>
       <p:cxnSp>
         <p:nvCxnSpPr>
-          <p:cNvPr id="147" name="Elbow Connector 146"/>
+          <p:cNvPr id="149" name="Elbow Connector 146"/>
           <p:cNvCxnSpPr>
-            <a:stCxn id="148" idx="6"/>
-            <a:endCxn id="149" idx="2"/>
+            <a:stCxn id="150" idx="6"/>
+            <a:endCxn id="151" idx="2"/>
           </p:cNvCxnSpPr>
           <p:nvPr/>
         </p:nvCxnSpPr>
         <p:spPr>
           <a:xfrm rot="10800000">
-            <a:off x="862560" y="1998000"/>
-            <a:ext cx="73080" cy="360"/>
+            <a:off x="861120" y="1997640"/>
+            <a:ext cx="73800" cy="360"/>
           </a:xfrm>
           <a:prstGeom prst="bentConnector2">
             <a:avLst/>
@@ -9685,17 +9210,17 @@
       </p:cxnSp>
       <p:cxnSp>
         <p:nvCxnSpPr>
-          <p:cNvPr id="150" name="Elbow Connector 149"/>
+          <p:cNvPr id="152" name="Elbow Connector 149"/>
           <p:cNvCxnSpPr>
-            <a:stCxn id="151" idx="6"/>
-            <a:endCxn id="152" idx="2"/>
+            <a:stCxn id="153" idx="6"/>
+            <a:endCxn id="154" idx="2"/>
           </p:cNvCxnSpPr>
           <p:nvPr/>
         </p:nvCxnSpPr>
         <p:spPr>
           <a:xfrm>
-            <a:off x="539280" y="2394000"/>
-            <a:ext cx="721080" cy="360"/>
+            <a:off x="538560" y="2393640"/>
+            <a:ext cx="721800" cy="360"/>
           </a:xfrm>
           <a:prstGeom prst="bentConnector2">
             <a:avLst/>
@@ -9710,17 +9235,17 @@
       </p:cxnSp>
       <p:cxnSp>
         <p:nvCxnSpPr>
-          <p:cNvPr id="153" name="Elbow Connector 152"/>
+          <p:cNvPr id="155" name="Elbow Connector 152"/>
           <p:cNvCxnSpPr>
-            <a:stCxn id="154" idx="6"/>
-            <a:endCxn id="155" idx="2"/>
+            <a:stCxn id="156" idx="6"/>
+            <a:endCxn id="157" idx="2"/>
           </p:cNvCxnSpPr>
           <p:nvPr/>
         </p:nvCxnSpPr>
         <p:spPr>
           <a:xfrm>
-            <a:off x="719280" y="2214000"/>
-            <a:ext cx="361080" cy="360"/>
+            <a:off x="718560" y="2213640"/>
+            <a:ext cx="361800" cy="360"/>
           </a:xfrm>
           <a:prstGeom prst="bentConnector2">
             <a:avLst/>
@@ -9735,17 +9260,17 @@
       </p:cxnSp>
       <p:cxnSp>
         <p:nvCxnSpPr>
-          <p:cNvPr id="156" name="Elbow Connector 155"/>
+          <p:cNvPr id="158" name="Elbow Connector 155"/>
           <p:cNvCxnSpPr>
-            <a:stCxn id="157" idx="6"/>
-            <a:endCxn id="158" idx="2"/>
+            <a:stCxn id="159" idx="6"/>
+            <a:endCxn id="160" idx="2"/>
           </p:cNvCxnSpPr>
           <p:nvPr/>
         </p:nvCxnSpPr>
         <p:spPr>
           <a:xfrm>
-            <a:off x="719280" y="2583360"/>
-            <a:ext cx="361080" cy="360"/>
+            <a:off x="718560" y="2583000"/>
+            <a:ext cx="361800" cy="360"/>
           </a:xfrm>
           <a:prstGeom prst="bentConnector2">
             <a:avLst/>
@@ -9760,17 +9285,17 @@
       </p:cxnSp>
       <p:cxnSp>
         <p:nvCxnSpPr>
-          <p:cNvPr id="159" name="Elbow Connector 158"/>
+          <p:cNvPr id="161" name="Elbow Connector 158"/>
           <p:cNvCxnSpPr>
-            <a:stCxn id="160" idx="6"/>
-            <a:endCxn id="161" idx="2"/>
+            <a:stCxn id="162" idx="6"/>
+            <a:endCxn id="163" idx="2"/>
           </p:cNvCxnSpPr>
           <p:nvPr/>
         </p:nvCxnSpPr>
         <p:spPr>
           <a:xfrm>
-            <a:off x="863280" y="2799360"/>
-            <a:ext cx="73080" cy="360"/>
+            <a:off x="862560" y="2799000"/>
+            <a:ext cx="73800" cy="360"/>
           </a:xfrm>
           <a:prstGeom prst="bentConnector2">
             <a:avLst/>
@@ -9785,17 +9310,17 @@
       </p:cxnSp>
       <p:cxnSp>
         <p:nvCxnSpPr>
-          <p:cNvPr id="162" name="Elbow Connector 161"/>
+          <p:cNvPr id="164" name="Elbow Connector 161"/>
           <p:cNvCxnSpPr>
-            <a:stCxn id="163" idx="6"/>
-            <a:endCxn id="164" idx="2"/>
+            <a:stCxn id="165" idx="6"/>
+            <a:endCxn id="166" idx="2"/>
           </p:cNvCxnSpPr>
           <p:nvPr/>
         </p:nvCxnSpPr>
         <p:spPr>
           <a:xfrm>
-            <a:off x="863280" y="3051360"/>
-            <a:ext cx="73080" cy="360"/>
+            <a:off x="862560" y="3051000"/>
+            <a:ext cx="73800" cy="360"/>
           </a:xfrm>
           <a:prstGeom prst="bentConnector2">
             <a:avLst/>
@@ -9810,17 +9335,17 @@
       </p:cxnSp>
       <p:cxnSp>
         <p:nvCxnSpPr>
-          <p:cNvPr id="165" name="Elbow Connector 164"/>
+          <p:cNvPr id="167" name="Elbow Connector 164"/>
           <p:cNvCxnSpPr>
-            <a:stCxn id="166" idx="6"/>
-            <a:endCxn id="167" idx="2"/>
+            <a:stCxn id="168" idx="6"/>
+            <a:endCxn id="169" idx="2"/>
           </p:cNvCxnSpPr>
           <p:nvPr/>
         </p:nvCxnSpPr>
         <p:spPr>
           <a:xfrm rot="10800000">
-            <a:off x="538560" y="3447360"/>
-            <a:ext cx="721080" cy="360"/>
+            <a:off x="537120" y="3447000"/>
+            <a:ext cx="721800" cy="360"/>
           </a:xfrm>
           <a:prstGeom prst="bentConnector2">
             <a:avLst/>
@@ -9835,17 +9360,17 @@
       </p:cxnSp>
       <p:cxnSp>
         <p:nvCxnSpPr>
-          <p:cNvPr id="168" name="Elbow Connector 167"/>
+          <p:cNvPr id="170" name="Elbow Connector 167"/>
           <p:cNvCxnSpPr>
-            <a:stCxn id="169" idx="6"/>
-            <a:endCxn id="170" idx="2"/>
+            <a:stCxn id="171" idx="6"/>
+            <a:endCxn id="172" idx="2"/>
           </p:cNvCxnSpPr>
           <p:nvPr/>
         </p:nvCxnSpPr>
         <p:spPr>
           <a:xfrm rot="10800000">
-            <a:off x="737280" y="3267360"/>
-            <a:ext cx="361080" cy="360"/>
+            <a:off x="735840" y="3267000"/>
+            <a:ext cx="361800" cy="360"/>
           </a:xfrm>
           <a:prstGeom prst="bentConnector2">
             <a:avLst/>
@@ -9860,17 +9385,17 @@
       </p:cxnSp>
       <p:cxnSp>
         <p:nvCxnSpPr>
-          <p:cNvPr id="171" name="Elbow Connector 170"/>
+          <p:cNvPr id="173" name="Elbow Connector 170"/>
           <p:cNvCxnSpPr>
-            <a:stCxn id="172" idx="6"/>
-            <a:endCxn id="173" idx="2"/>
+            <a:stCxn id="174" idx="6"/>
+            <a:endCxn id="175" idx="2"/>
           </p:cNvCxnSpPr>
           <p:nvPr/>
         </p:nvCxnSpPr>
         <p:spPr>
           <a:xfrm rot="10800000">
-            <a:off x="727920" y="3636360"/>
-            <a:ext cx="361080" cy="360"/>
+            <a:off x="726480" y="3636000"/>
+            <a:ext cx="361800" cy="360"/>
           </a:xfrm>
           <a:prstGeom prst="bentConnector2">
             <a:avLst/>
@@ -9885,17 +9410,17 @@
       </p:cxnSp>
       <p:cxnSp>
         <p:nvCxnSpPr>
-          <p:cNvPr id="174" name="Elbow Connector 173"/>
+          <p:cNvPr id="176" name="Elbow Connector 173"/>
           <p:cNvCxnSpPr>
-            <a:stCxn id="175" idx="6"/>
-            <a:endCxn id="176" idx="2"/>
+            <a:stCxn id="177" idx="6"/>
+            <a:endCxn id="178" idx="2"/>
           </p:cNvCxnSpPr>
           <p:nvPr/>
         </p:nvCxnSpPr>
         <p:spPr>
           <a:xfrm rot="10800000">
-            <a:off x="871920" y="3852360"/>
-            <a:ext cx="73080" cy="360"/>
+            <a:off x="870480" y="3852000"/>
+            <a:ext cx="73800" cy="360"/>
           </a:xfrm>
           <a:prstGeom prst="bentConnector2">
             <a:avLst/>
@@ -9910,17 +9435,17 @@
       </p:cxnSp>
       <p:cxnSp>
         <p:nvCxnSpPr>
-          <p:cNvPr id="177" name="Elbow Connector 176"/>
+          <p:cNvPr id="179" name="Elbow Connector 176"/>
           <p:cNvCxnSpPr>
-            <a:stCxn id="178" idx="6"/>
-            <a:endCxn id="179" idx="2"/>
+            <a:stCxn id="180" idx="6"/>
+            <a:endCxn id="181" idx="2"/>
           </p:cNvCxnSpPr>
           <p:nvPr/>
         </p:nvCxnSpPr>
         <p:spPr>
           <a:xfrm rot="10800000">
-            <a:off x="871920" y="4104360"/>
-            <a:ext cx="73080" cy="360"/>
+            <a:off x="870480" y="4104000"/>
+            <a:ext cx="73800" cy="360"/>
           </a:xfrm>
           <a:prstGeom prst="bentConnector2">
             <a:avLst/>
@@ -9935,17 +9460,17 @@
       </p:cxnSp>
       <p:cxnSp>
         <p:nvCxnSpPr>
-          <p:cNvPr id="180" name="Elbow Connector 179"/>
+          <p:cNvPr id="182" name="Elbow Connector 179"/>
           <p:cNvCxnSpPr>
-            <a:stCxn id="181" idx="6"/>
-            <a:endCxn id="182" idx="2"/>
+            <a:stCxn id="183" idx="6"/>
+            <a:endCxn id="184" idx="2"/>
           </p:cNvCxnSpPr>
           <p:nvPr/>
         </p:nvCxnSpPr>
         <p:spPr>
           <a:xfrm>
-            <a:off x="548640" y="4500360"/>
-            <a:ext cx="721080" cy="360"/>
+            <a:off x="547920" y="4500000"/>
+            <a:ext cx="721800" cy="360"/>
           </a:xfrm>
           <a:prstGeom prst="bentConnector2">
             <a:avLst/>
@@ -9960,17 +9485,17 @@
       </p:cxnSp>
       <p:cxnSp>
         <p:nvCxnSpPr>
-          <p:cNvPr id="183" name="Elbow Connector 182"/>
+          <p:cNvPr id="185" name="Elbow Connector 182"/>
           <p:cNvCxnSpPr>
-            <a:stCxn id="184" idx="6"/>
-            <a:endCxn id="185" idx="2"/>
+            <a:stCxn id="186" idx="6"/>
+            <a:endCxn id="187" idx="2"/>
           </p:cNvCxnSpPr>
           <p:nvPr/>
         </p:nvCxnSpPr>
         <p:spPr>
           <a:xfrm>
-            <a:off x="728640" y="4320360"/>
-            <a:ext cx="361080" cy="360"/>
+            <a:off x="727920" y="4320000"/>
+            <a:ext cx="361800" cy="360"/>
           </a:xfrm>
           <a:prstGeom prst="bentConnector2">
             <a:avLst/>
@@ -9985,17 +9510,17 @@
       </p:cxnSp>
       <p:cxnSp>
         <p:nvCxnSpPr>
-          <p:cNvPr id="186" name="Elbow Connector 185"/>
+          <p:cNvPr id="188" name="Elbow Connector 185"/>
           <p:cNvCxnSpPr>
-            <a:stCxn id="187" idx="6"/>
-            <a:endCxn id="188" idx="2"/>
+            <a:stCxn id="189" idx="6"/>
+            <a:endCxn id="190" idx="2"/>
           </p:cNvCxnSpPr>
           <p:nvPr/>
         </p:nvCxnSpPr>
         <p:spPr>
           <a:xfrm>
-            <a:off x="728640" y="4680360"/>
-            <a:ext cx="361080" cy="360"/>
+            <a:off x="727920" y="4680000"/>
+            <a:ext cx="361800" cy="360"/>
           </a:xfrm>
           <a:prstGeom prst="bentConnector2">
             <a:avLst/>
@@ -10010,17 +9535,17 @@
       </p:cxnSp>
       <p:cxnSp>
         <p:nvCxnSpPr>
-          <p:cNvPr id="189" name="Elbow Connector 188"/>
+          <p:cNvPr id="191" name="Elbow Connector 188"/>
           <p:cNvCxnSpPr>
-            <a:stCxn id="190" idx="6"/>
-            <a:endCxn id="191" idx="2"/>
+            <a:stCxn id="192" idx="6"/>
+            <a:endCxn id="193" idx="2"/>
           </p:cNvCxnSpPr>
           <p:nvPr/>
         </p:nvCxnSpPr>
         <p:spPr>
           <a:xfrm>
-            <a:off x="872640" y="4896360"/>
-            <a:ext cx="73080" cy="360"/>
+            <a:off x="871920" y="4896000"/>
+            <a:ext cx="73800" cy="360"/>
           </a:xfrm>
           <a:prstGeom prst="bentConnector2">
             <a:avLst/>
@@ -10035,17 +9560,17 @@
       </p:cxnSp>
       <p:cxnSp>
         <p:nvCxnSpPr>
-          <p:cNvPr id="192" name="Elbow Connector 191"/>
+          <p:cNvPr id="194" name="Elbow Connector 191"/>
           <p:cNvCxnSpPr>
-            <a:stCxn id="193" idx="6"/>
-            <a:endCxn id="194" idx="2"/>
+            <a:stCxn id="195" idx="6"/>
+            <a:endCxn id="196" idx="2"/>
           </p:cNvCxnSpPr>
           <p:nvPr/>
         </p:nvCxnSpPr>
         <p:spPr>
           <a:xfrm>
-            <a:off x="872640" y="5148360"/>
-            <a:ext cx="73080" cy="360"/>
+            <a:off x="871920" y="5148000"/>
+            <a:ext cx="73800" cy="360"/>
           </a:xfrm>
           <a:prstGeom prst="bentConnector2">
             <a:avLst/>
@@ -10060,17 +9585,17 @@
       </p:cxnSp>
       <p:cxnSp>
         <p:nvCxnSpPr>
-          <p:cNvPr id="195" name="Elbow Connector 194"/>
+          <p:cNvPr id="197" name="Elbow Connector 194"/>
           <p:cNvCxnSpPr>
-            <a:stCxn id="196" idx="6"/>
-            <a:endCxn id="197" idx="2"/>
+            <a:stCxn id="198" idx="6"/>
+            <a:endCxn id="199" idx="2"/>
           </p:cNvCxnSpPr>
           <p:nvPr/>
         </p:nvCxnSpPr>
         <p:spPr>
           <a:xfrm rot="10800000">
-            <a:off x="547920" y="5544360"/>
-            <a:ext cx="721080" cy="360"/>
+            <a:off x="546480" y="5544000"/>
+            <a:ext cx="721800" cy="360"/>
           </a:xfrm>
           <a:prstGeom prst="bentConnector2">
             <a:avLst/>
@@ -10085,17 +9610,17 @@
       </p:cxnSp>
       <p:cxnSp>
         <p:nvCxnSpPr>
-          <p:cNvPr id="198" name="Elbow Connector 197"/>
+          <p:cNvPr id="200" name="Elbow Connector 197"/>
           <p:cNvCxnSpPr>
-            <a:stCxn id="199" idx="6"/>
-            <a:endCxn id="200" idx="2"/>
+            <a:stCxn id="201" idx="6"/>
+            <a:endCxn id="202" idx="2"/>
           </p:cNvCxnSpPr>
           <p:nvPr/>
         </p:nvCxnSpPr>
         <p:spPr>
           <a:xfrm rot="10800000">
-            <a:off x="727920" y="5364360"/>
-            <a:ext cx="361080" cy="360"/>
+            <a:off x="726480" y="5364000"/>
+            <a:ext cx="361800" cy="360"/>
           </a:xfrm>
           <a:prstGeom prst="bentConnector2">
             <a:avLst/>
@@ -10110,14 +9635,14 @@
       </p:cxnSp>
       <p:sp>
         <p:nvSpPr>
-          <p:cNvPr id="201" name="Oval 200"/>
+          <p:cNvPr id="203" name="Oval 200"/>
           <p:cNvSpPr/>
           <p:nvPr/>
         </p:nvSpPr>
         <p:spPr>
           <a:xfrm>
             <a:off x="1260000" y="216360"/>
-            <a:ext cx="179280" cy="179280"/>
+            <a:ext cx="178560" cy="178560"/>
           </a:xfrm>
           <a:prstGeom prst="ellipse">
             <a:avLst/>
@@ -10160,14 +9685,14 @@
       </p:sp>
       <p:sp>
         <p:nvSpPr>
-          <p:cNvPr id="125" name="Oval 124"/>
+          <p:cNvPr id="127" name="Oval 124"/>
           <p:cNvSpPr/>
           <p:nvPr/>
         </p:nvSpPr>
         <p:spPr>
           <a:xfrm>
             <a:off x="1080000" y="396360"/>
-            <a:ext cx="179280" cy="179280"/>
+            <a:ext cx="178560" cy="178560"/>
           </a:xfrm>
           <a:prstGeom prst="ellipse">
             <a:avLst/>
@@ -10210,14 +9735,14 @@
       </p:sp>
       <p:sp>
         <p:nvSpPr>
-          <p:cNvPr id="131" name="Oval 130"/>
+          <p:cNvPr id="133" name="Oval 130"/>
           <p:cNvSpPr/>
           <p:nvPr/>
         </p:nvSpPr>
         <p:spPr>
           <a:xfrm>
             <a:off x="1080000" y="36360"/>
-            <a:ext cx="179280" cy="179280"/>
+            <a:ext cx="178560" cy="178560"/>
           </a:xfrm>
           <a:prstGeom prst="ellipse">
             <a:avLst/>
@@ -10260,14 +9785,14 @@
       </p:sp>
       <p:sp>
         <p:nvSpPr>
-          <p:cNvPr id="128" name="Oval 127"/>
+          <p:cNvPr id="130" name="Oval 127"/>
           <p:cNvSpPr/>
           <p:nvPr/>
         </p:nvSpPr>
         <p:spPr>
           <a:xfrm>
             <a:off x="936000" y="612360"/>
-            <a:ext cx="179280" cy="179280"/>
+            <a:ext cx="178560" cy="178560"/>
           </a:xfrm>
           <a:prstGeom prst="ellipse">
             <a:avLst/>
@@ -10310,14 +9835,14 @@
       </p:sp>
       <p:sp>
         <p:nvSpPr>
-          <p:cNvPr id="134" name="Oval 133"/>
+          <p:cNvPr id="136" name="Oval 133"/>
           <p:cNvSpPr/>
           <p:nvPr/>
         </p:nvSpPr>
         <p:spPr>
           <a:xfrm>
             <a:off x="936000" y="864360"/>
-            <a:ext cx="179280" cy="179280"/>
+            <a:ext cx="178560" cy="178560"/>
           </a:xfrm>
           <a:prstGeom prst="ellipse">
             <a:avLst/>
@@ -10360,14 +9885,14 @@
       </p:sp>
       <p:sp>
         <p:nvSpPr>
-          <p:cNvPr id="136" name="Oval 135"/>
+          <p:cNvPr id="138" name="Oval 135"/>
           <p:cNvSpPr/>
           <p:nvPr/>
         </p:nvSpPr>
         <p:spPr>
           <a:xfrm flipH="1">
-            <a:off x="1259280" y="1260360"/>
-            <a:ext cx="179280" cy="179280"/>
+            <a:off x="1258560" y="1260360"/>
+            <a:ext cx="178560" cy="178560"/>
           </a:xfrm>
           <a:prstGeom prst="ellipse">
             <a:avLst/>
@@ -10410,14 +9935,14 @@
       </p:sp>
       <p:sp>
         <p:nvSpPr>
-          <p:cNvPr id="139" name="Oval 138"/>
+          <p:cNvPr id="141" name="Oval 138"/>
           <p:cNvSpPr/>
           <p:nvPr/>
         </p:nvSpPr>
         <p:spPr>
           <a:xfrm flipH="1">
-            <a:off x="1079280" y="1080360"/>
-            <a:ext cx="179280" cy="179280"/>
+            <a:off x="1078560" y="1080360"/>
+            <a:ext cx="178560" cy="178560"/>
           </a:xfrm>
           <a:prstGeom prst="ellipse">
             <a:avLst/>
@@ -10460,14 +9985,14 @@
       </p:sp>
       <p:sp>
         <p:nvSpPr>
-          <p:cNvPr id="142" name="Oval 141"/>
+          <p:cNvPr id="144" name="Oval 141"/>
           <p:cNvSpPr/>
           <p:nvPr/>
         </p:nvSpPr>
         <p:spPr>
           <a:xfrm flipH="1">
-            <a:off x="1079280" y="1440360"/>
-            <a:ext cx="179280" cy="179280"/>
+            <a:off x="1078560" y="1440360"/>
+            <a:ext cx="178560" cy="178560"/>
           </a:xfrm>
           <a:prstGeom prst="ellipse">
             <a:avLst/>
@@ -10510,14 +10035,14 @@
       </p:sp>
       <p:sp>
         <p:nvSpPr>
-          <p:cNvPr id="145" name="Oval 144"/>
+          <p:cNvPr id="147" name="Oval 144"/>
           <p:cNvSpPr/>
           <p:nvPr/>
         </p:nvSpPr>
         <p:spPr>
           <a:xfrm flipH="1">
-            <a:off x="935280" y="1656360"/>
-            <a:ext cx="179280" cy="179280"/>
+            <a:off x="934560" y="1656360"/>
+            <a:ext cx="178560" cy="178560"/>
           </a:xfrm>
           <a:prstGeom prst="ellipse">
             <a:avLst/>
@@ -10560,14 +10085,14 @@
       </p:sp>
       <p:sp>
         <p:nvSpPr>
-          <p:cNvPr id="148" name="Oval 147"/>
+          <p:cNvPr id="150" name="Oval 147"/>
           <p:cNvSpPr/>
           <p:nvPr/>
         </p:nvSpPr>
         <p:spPr>
           <a:xfrm flipH="1">
-            <a:off x="935280" y="1908360"/>
-            <a:ext cx="179280" cy="179280"/>
+            <a:off x="934560" y="1908360"/>
+            <a:ext cx="178560" cy="178560"/>
           </a:xfrm>
           <a:prstGeom prst="ellipse">
             <a:avLst/>
@@ -10610,14 +10135,14 @@
       </p:sp>
       <p:sp>
         <p:nvSpPr>
-          <p:cNvPr id="152" name="Oval 151"/>
+          <p:cNvPr id="154" name="Oval 151"/>
           <p:cNvSpPr/>
           <p:nvPr/>
         </p:nvSpPr>
         <p:spPr>
           <a:xfrm>
             <a:off x="1260000" y="2304360"/>
-            <a:ext cx="179280" cy="179280"/>
+            <a:ext cx="178560" cy="178560"/>
           </a:xfrm>
           <a:prstGeom prst="ellipse">
             <a:avLst/>
@@ -10660,14 +10185,14 @@
       </p:sp>
       <p:sp>
         <p:nvSpPr>
-          <p:cNvPr id="155" name="Oval 154"/>
+          <p:cNvPr id="157" name="Oval 154"/>
           <p:cNvSpPr/>
           <p:nvPr/>
         </p:nvSpPr>
         <p:spPr>
           <a:xfrm>
             <a:off x="1080000" y="2124360"/>
-            <a:ext cx="179280" cy="179280"/>
+            <a:ext cx="178560" cy="178560"/>
           </a:xfrm>
           <a:prstGeom prst="ellipse">
             <a:avLst/>
@@ -10710,14 +10235,14 @@
       </p:sp>
       <p:sp>
         <p:nvSpPr>
-          <p:cNvPr id="158" name="Oval 157"/>
+          <p:cNvPr id="160" name="Oval 157"/>
           <p:cNvSpPr/>
           <p:nvPr/>
         </p:nvSpPr>
         <p:spPr>
           <a:xfrm>
             <a:off x="1080000" y="2493720"/>
-            <a:ext cx="179280" cy="179280"/>
+            <a:ext cx="178560" cy="178560"/>
           </a:xfrm>
           <a:prstGeom prst="ellipse">
             <a:avLst/>
@@ -10760,14 +10285,14 @@
       </p:sp>
       <p:sp>
         <p:nvSpPr>
-          <p:cNvPr id="161" name="Oval 160"/>
+          <p:cNvPr id="163" name="Oval 160"/>
           <p:cNvSpPr/>
           <p:nvPr/>
         </p:nvSpPr>
         <p:spPr>
           <a:xfrm>
             <a:off x="936000" y="2709720"/>
-            <a:ext cx="179280" cy="179280"/>
+            <a:ext cx="178560" cy="178560"/>
           </a:xfrm>
           <a:prstGeom prst="ellipse">
             <a:avLst/>
@@ -10810,14 +10335,14 @@
       </p:sp>
       <p:sp>
         <p:nvSpPr>
-          <p:cNvPr id="164" name="Oval 163"/>
+          <p:cNvPr id="166" name="Oval 163"/>
           <p:cNvSpPr/>
           <p:nvPr/>
         </p:nvSpPr>
         <p:spPr>
           <a:xfrm>
             <a:off x="936000" y="2961720"/>
-            <a:ext cx="179280" cy="179280"/>
+            <a:ext cx="178560" cy="178560"/>
           </a:xfrm>
           <a:prstGeom prst="ellipse">
             <a:avLst/>
@@ -10860,14 +10385,14 @@
       </p:sp>
       <p:sp>
         <p:nvSpPr>
-          <p:cNvPr id="166" name="Oval 165"/>
+          <p:cNvPr id="168" name="Oval 165"/>
           <p:cNvSpPr/>
           <p:nvPr/>
         </p:nvSpPr>
         <p:spPr>
           <a:xfrm flipH="1">
-            <a:off x="1259280" y="3357720"/>
-            <a:ext cx="179280" cy="179280"/>
+            <a:off x="1258560" y="3357720"/>
+            <a:ext cx="178560" cy="178560"/>
           </a:xfrm>
           <a:prstGeom prst="ellipse">
             <a:avLst/>
@@ -10910,14 +10435,14 @@
       </p:sp>
       <p:sp>
         <p:nvSpPr>
-          <p:cNvPr id="169" name="Oval 168"/>
+          <p:cNvPr id="171" name="Oval 168"/>
           <p:cNvSpPr/>
           <p:nvPr/>
         </p:nvSpPr>
         <p:spPr>
           <a:xfrm flipH="1">
-            <a:off x="1098000" y="3177720"/>
-            <a:ext cx="179280" cy="179280"/>
+            <a:off x="1097280" y="3177720"/>
+            <a:ext cx="178560" cy="178560"/>
           </a:xfrm>
           <a:prstGeom prst="ellipse">
             <a:avLst/>
@@ -10960,14 +10485,14 @@
       </p:sp>
       <p:sp>
         <p:nvSpPr>
-          <p:cNvPr id="172" name="Oval 171"/>
+          <p:cNvPr id="174" name="Oval 171"/>
           <p:cNvSpPr/>
           <p:nvPr/>
         </p:nvSpPr>
         <p:spPr>
           <a:xfrm flipH="1">
-            <a:off x="1088640" y="3546720"/>
-            <a:ext cx="179280" cy="179280"/>
+            <a:off x="1087920" y="3546720"/>
+            <a:ext cx="178560" cy="178560"/>
           </a:xfrm>
           <a:prstGeom prst="ellipse">
             <a:avLst/>
@@ -11010,14 +10535,14 @@
       </p:sp>
       <p:sp>
         <p:nvSpPr>
-          <p:cNvPr id="175" name="Oval 174"/>
+          <p:cNvPr id="177" name="Oval 174"/>
           <p:cNvSpPr/>
           <p:nvPr/>
         </p:nvSpPr>
         <p:spPr>
           <a:xfrm flipH="1">
-            <a:off x="944640" y="3762720"/>
-            <a:ext cx="179280" cy="179280"/>
+            <a:off x="943920" y="3762720"/>
+            <a:ext cx="178560" cy="178560"/>
           </a:xfrm>
           <a:prstGeom prst="ellipse">
             <a:avLst/>
@@ -11060,14 +10585,14 @@
       </p:sp>
       <p:sp>
         <p:nvSpPr>
-          <p:cNvPr id="178" name="Oval 177"/>
+          <p:cNvPr id="180" name="Oval 177"/>
           <p:cNvSpPr/>
           <p:nvPr/>
         </p:nvSpPr>
         <p:spPr>
           <a:xfrm flipH="1">
-            <a:off x="944640" y="4014720"/>
-            <a:ext cx="179280" cy="179280"/>
+            <a:off x="943920" y="4014720"/>
+            <a:ext cx="178560" cy="178560"/>
           </a:xfrm>
           <a:prstGeom prst="ellipse">
             <a:avLst/>
@@ -11110,14 +10635,14 @@
       </p:sp>
       <p:sp>
         <p:nvSpPr>
-          <p:cNvPr id="182" name="Oval 181"/>
+          <p:cNvPr id="184" name="Oval 181"/>
           <p:cNvSpPr/>
           <p:nvPr/>
         </p:nvSpPr>
         <p:spPr>
           <a:xfrm>
             <a:off x="1269360" y="4410720"/>
-            <a:ext cx="179280" cy="179280"/>
+            <a:ext cx="178560" cy="178560"/>
           </a:xfrm>
           <a:prstGeom prst="ellipse">
             <a:avLst/>
@@ -11160,14 +10685,14 @@
       </p:sp>
       <p:sp>
         <p:nvSpPr>
-          <p:cNvPr id="185" name="Oval 184"/>
+          <p:cNvPr id="187" name="Oval 184"/>
           <p:cNvSpPr/>
           <p:nvPr/>
         </p:nvSpPr>
         <p:spPr>
           <a:xfrm>
             <a:off x="1089360" y="4230720"/>
-            <a:ext cx="179280" cy="179280"/>
+            <a:ext cx="178560" cy="178560"/>
           </a:xfrm>
           <a:prstGeom prst="ellipse">
             <a:avLst/>
@@ -11210,14 +10735,14 @@
       </p:sp>
       <p:sp>
         <p:nvSpPr>
-          <p:cNvPr id="188" name="Oval 187"/>
+          <p:cNvPr id="190" name="Oval 187"/>
           <p:cNvSpPr/>
           <p:nvPr/>
         </p:nvSpPr>
         <p:spPr>
           <a:xfrm>
             <a:off x="1089360" y="4590720"/>
-            <a:ext cx="179280" cy="179280"/>
+            <a:ext cx="178560" cy="178560"/>
           </a:xfrm>
           <a:prstGeom prst="ellipse">
             <a:avLst/>
@@ -11260,14 +10785,14 @@
       </p:sp>
       <p:sp>
         <p:nvSpPr>
-          <p:cNvPr id="191" name="Oval 190"/>
+          <p:cNvPr id="193" name="Oval 190"/>
           <p:cNvSpPr/>
           <p:nvPr/>
         </p:nvSpPr>
         <p:spPr>
           <a:xfrm>
             <a:off x="945360" y="4806720"/>
-            <a:ext cx="179280" cy="179280"/>
+            <a:ext cx="178560" cy="178560"/>
           </a:xfrm>
           <a:prstGeom prst="ellipse">
             <a:avLst/>
@@ -11310,14 +10835,14 @@
       </p:sp>
       <p:sp>
         <p:nvSpPr>
-          <p:cNvPr id="194" name="Oval 193"/>
+          <p:cNvPr id="196" name="Oval 193"/>
           <p:cNvSpPr/>
           <p:nvPr/>
         </p:nvSpPr>
         <p:spPr>
           <a:xfrm>
             <a:off x="945360" y="5058720"/>
-            <a:ext cx="179280" cy="179280"/>
+            <a:ext cx="178560" cy="178560"/>
           </a:xfrm>
           <a:prstGeom prst="ellipse">
             <a:avLst/>
@@ -11360,14 +10885,14 @@
       </p:sp>
       <p:sp>
         <p:nvSpPr>
-          <p:cNvPr id="197" name="Oval 196"/>
+          <p:cNvPr id="199" name="Oval 196"/>
           <p:cNvSpPr/>
           <p:nvPr/>
         </p:nvSpPr>
         <p:spPr>
           <a:xfrm flipH="1">
-            <a:off x="368640" y="5454720"/>
-            <a:ext cx="179280" cy="179280"/>
+            <a:off x="367920" y="5454720"/>
+            <a:ext cx="178560" cy="178560"/>
           </a:xfrm>
           <a:prstGeom prst="ellipse">
             <a:avLst/>
@@ -11410,14 +10935,14 @@
       </p:sp>
       <p:sp>
         <p:nvSpPr>
-          <p:cNvPr id="200" name="Oval 199"/>
+          <p:cNvPr id="202" name="Oval 199"/>
           <p:cNvSpPr/>
           <p:nvPr/>
         </p:nvSpPr>
         <p:spPr>
           <a:xfrm flipH="1">
-            <a:off x="548640" y="5274720"/>
-            <a:ext cx="179280" cy="179280"/>
+            <a:off x="547920" y="5274720"/>
+            <a:ext cx="178560" cy="178560"/>
           </a:xfrm>
           <a:prstGeom prst="ellipse">
             <a:avLst/>
@@ -11460,14 +10985,14 @@
       </p:sp>
       <p:sp>
         <p:nvSpPr>
-          <p:cNvPr id="202" name="Oval 201"/>
+          <p:cNvPr id="204" name="Oval 201"/>
           <p:cNvSpPr/>
           <p:nvPr/>
         </p:nvSpPr>
         <p:spPr>
           <a:xfrm>
             <a:off x="360000" y="216360"/>
-            <a:ext cx="179280" cy="179280"/>
+            <a:ext cx="178560" cy="178560"/>
           </a:xfrm>
           <a:prstGeom prst="ellipse">
             <a:avLst/>
@@ -11510,14 +11035,14 @@
       </p:sp>
       <p:sp>
         <p:nvSpPr>
-          <p:cNvPr id="124" name="Oval 123"/>
+          <p:cNvPr id="126" name="Oval 123"/>
           <p:cNvSpPr/>
           <p:nvPr/>
         </p:nvSpPr>
         <p:spPr>
           <a:xfrm>
             <a:off x="540000" y="396360"/>
-            <a:ext cx="179280" cy="179280"/>
+            <a:ext cx="178560" cy="178560"/>
           </a:xfrm>
           <a:prstGeom prst="ellipse">
             <a:avLst/>
@@ -11560,14 +11085,14 @@
       </p:sp>
       <p:sp>
         <p:nvSpPr>
-          <p:cNvPr id="130" name="Oval 129"/>
+          <p:cNvPr id="132" name="Oval 129"/>
           <p:cNvSpPr/>
           <p:nvPr/>
         </p:nvSpPr>
         <p:spPr>
           <a:xfrm>
             <a:off x="540000" y="36360"/>
-            <a:ext cx="179280" cy="179280"/>
+            <a:ext cx="178560" cy="178560"/>
           </a:xfrm>
           <a:prstGeom prst="ellipse">
             <a:avLst/>
@@ -11610,14 +11135,14 @@
       </p:sp>
       <p:sp>
         <p:nvSpPr>
-          <p:cNvPr id="127" name="Oval 126"/>
+          <p:cNvPr id="129" name="Oval 126"/>
           <p:cNvSpPr/>
           <p:nvPr/>
         </p:nvSpPr>
         <p:spPr>
           <a:xfrm>
             <a:off x="684000" y="612360"/>
-            <a:ext cx="179280" cy="179280"/>
+            <a:ext cx="178560" cy="178560"/>
           </a:xfrm>
           <a:prstGeom prst="ellipse">
             <a:avLst/>
@@ -11660,14 +11185,14 @@
       </p:sp>
       <p:sp>
         <p:nvSpPr>
-          <p:cNvPr id="133" name="Oval 132"/>
+          <p:cNvPr id="135" name="Oval 132"/>
           <p:cNvSpPr/>
           <p:nvPr/>
         </p:nvSpPr>
         <p:spPr>
           <a:xfrm>
             <a:off x="684000" y="864360"/>
-            <a:ext cx="179280" cy="179280"/>
+            <a:ext cx="178560" cy="178560"/>
           </a:xfrm>
           <a:prstGeom prst="ellipse">
             <a:avLst/>
@@ -11710,14 +11235,14 @@
       </p:sp>
       <p:sp>
         <p:nvSpPr>
-          <p:cNvPr id="137" name="Oval 136"/>
+          <p:cNvPr id="139" name="Oval 136"/>
           <p:cNvSpPr/>
           <p:nvPr/>
         </p:nvSpPr>
         <p:spPr>
           <a:xfrm flipH="1">
-            <a:off x="359280" y="1260360"/>
-            <a:ext cx="179280" cy="179280"/>
+            <a:off x="358560" y="1260360"/>
+            <a:ext cx="178560" cy="178560"/>
           </a:xfrm>
           <a:prstGeom prst="ellipse">
             <a:avLst/>
@@ -11760,14 +11285,14 @@
       </p:sp>
       <p:sp>
         <p:nvSpPr>
-          <p:cNvPr id="140" name="Oval 139"/>
+          <p:cNvPr id="142" name="Oval 139"/>
           <p:cNvSpPr/>
           <p:nvPr/>
         </p:nvSpPr>
         <p:spPr>
           <a:xfrm flipH="1">
-            <a:off x="539280" y="1080360"/>
-            <a:ext cx="179280" cy="179280"/>
+            <a:off x="538560" y="1080360"/>
+            <a:ext cx="178560" cy="178560"/>
           </a:xfrm>
           <a:prstGeom prst="ellipse">
             <a:avLst/>
@@ -11810,14 +11335,14 @@
       </p:sp>
       <p:sp>
         <p:nvSpPr>
-          <p:cNvPr id="143" name="Oval 142"/>
+          <p:cNvPr id="145" name="Oval 142"/>
           <p:cNvSpPr/>
           <p:nvPr/>
         </p:nvSpPr>
         <p:spPr>
           <a:xfrm flipH="1">
-            <a:off x="539280" y="1440360"/>
-            <a:ext cx="179280" cy="179280"/>
+            <a:off x="538560" y="1440360"/>
+            <a:ext cx="178560" cy="178560"/>
           </a:xfrm>
           <a:prstGeom prst="ellipse">
             <a:avLst/>
@@ -11860,14 +11385,14 @@
       </p:sp>
       <p:sp>
         <p:nvSpPr>
-          <p:cNvPr id="146" name="Oval 145"/>
+          <p:cNvPr id="148" name="Oval 145"/>
           <p:cNvSpPr/>
           <p:nvPr/>
         </p:nvSpPr>
         <p:spPr>
           <a:xfrm flipH="1">
-            <a:off x="683280" y="1656360"/>
-            <a:ext cx="179280" cy="179280"/>
+            <a:off x="682560" y="1656360"/>
+            <a:ext cx="178560" cy="178560"/>
           </a:xfrm>
           <a:prstGeom prst="ellipse">
             <a:avLst/>
@@ -11910,14 +11435,14 @@
       </p:sp>
       <p:sp>
         <p:nvSpPr>
-          <p:cNvPr id="149" name="Oval 148"/>
+          <p:cNvPr id="151" name="Oval 148"/>
           <p:cNvSpPr/>
           <p:nvPr/>
         </p:nvSpPr>
         <p:spPr>
           <a:xfrm flipH="1">
-            <a:off x="683280" y="1908360"/>
-            <a:ext cx="179280" cy="179280"/>
+            <a:off x="682560" y="1908360"/>
+            <a:ext cx="178560" cy="178560"/>
           </a:xfrm>
           <a:prstGeom prst="ellipse">
             <a:avLst/>
@@ -11960,14 +11485,14 @@
       </p:sp>
       <p:sp>
         <p:nvSpPr>
-          <p:cNvPr id="151" name="Oval 150"/>
+          <p:cNvPr id="153" name="Oval 150"/>
           <p:cNvSpPr/>
           <p:nvPr/>
         </p:nvSpPr>
         <p:spPr>
           <a:xfrm>
             <a:off x="360000" y="2304360"/>
-            <a:ext cx="179280" cy="179280"/>
+            <a:ext cx="178560" cy="178560"/>
           </a:xfrm>
           <a:prstGeom prst="ellipse">
             <a:avLst/>
@@ -12010,14 +11535,14 @@
       </p:sp>
       <p:sp>
         <p:nvSpPr>
-          <p:cNvPr id="154" name="Oval 153"/>
+          <p:cNvPr id="156" name="Oval 153"/>
           <p:cNvSpPr/>
           <p:nvPr/>
         </p:nvSpPr>
         <p:spPr>
           <a:xfrm>
             <a:off x="540000" y="2124360"/>
-            <a:ext cx="179280" cy="179280"/>
+            <a:ext cx="178560" cy="178560"/>
           </a:xfrm>
           <a:prstGeom prst="ellipse">
             <a:avLst/>
@@ -12060,14 +11585,14 @@
       </p:sp>
       <p:sp>
         <p:nvSpPr>
-          <p:cNvPr id="157" name="Oval 156"/>
+          <p:cNvPr id="159" name="Oval 156"/>
           <p:cNvSpPr/>
           <p:nvPr/>
         </p:nvSpPr>
         <p:spPr>
           <a:xfrm>
             <a:off x="540000" y="2493720"/>
-            <a:ext cx="179280" cy="179280"/>
+            <a:ext cx="178560" cy="178560"/>
           </a:xfrm>
           <a:prstGeom prst="ellipse">
             <a:avLst/>
@@ -12110,14 +11635,14 @@
       </p:sp>
       <p:sp>
         <p:nvSpPr>
-          <p:cNvPr id="160" name="Oval 159"/>
+          <p:cNvPr id="162" name="Oval 159"/>
           <p:cNvSpPr/>
           <p:nvPr/>
         </p:nvSpPr>
         <p:spPr>
           <a:xfrm>
             <a:off x="684000" y="2709720"/>
-            <a:ext cx="179280" cy="179280"/>
+            <a:ext cx="178560" cy="178560"/>
           </a:xfrm>
           <a:prstGeom prst="ellipse">
             <a:avLst/>
@@ -12160,14 +11685,14 @@
       </p:sp>
       <p:sp>
         <p:nvSpPr>
-          <p:cNvPr id="163" name="Oval 162"/>
+          <p:cNvPr id="165" name="Oval 162"/>
           <p:cNvSpPr/>
           <p:nvPr/>
         </p:nvSpPr>
         <p:spPr>
           <a:xfrm>
             <a:off x="684000" y="2961720"/>
-            <a:ext cx="179280" cy="179280"/>
+            <a:ext cx="178560" cy="178560"/>
           </a:xfrm>
           <a:prstGeom prst="ellipse">
             <a:avLst/>
@@ -12210,14 +11735,14 @@
       </p:sp>
       <p:sp>
         <p:nvSpPr>
-          <p:cNvPr id="167" name="Oval 166"/>
+          <p:cNvPr id="169" name="Oval 166"/>
           <p:cNvSpPr/>
           <p:nvPr/>
         </p:nvSpPr>
         <p:spPr>
           <a:xfrm flipH="1">
-            <a:off x="359280" y="3357720"/>
-            <a:ext cx="179280" cy="179280"/>
+            <a:off x="358560" y="3357720"/>
+            <a:ext cx="178560" cy="178560"/>
           </a:xfrm>
           <a:prstGeom prst="ellipse">
             <a:avLst/>
@@ -12260,14 +11785,14 @@
       </p:sp>
       <p:sp>
         <p:nvSpPr>
-          <p:cNvPr id="170" name="Oval 169"/>
+          <p:cNvPr id="172" name="Oval 169"/>
           <p:cNvSpPr/>
           <p:nvPr/>
         </p:nvSpPr>
         <p:spPr>
           <a:xfrm flipH="1">
-            <a:off x="558000" y="3177720"/>
-            <a:ext cx="179280" cy="179280"/>
+            <a:off x="557280" y="3177720"/>
+            <a:ext cx="178560" cy="178560"/>
           </a:xfrm>
           <a:prstGeom prst="ellipse">
             <a:avLst/>
@@ -12310,14 +11835,14 @@
       </p:sp>
       <p:sp>
         <p:nvSpPr>
-          <p:cNvPr id="173" name="Oval 172"/>
+          <p:cNvPr id="175" name="Oval 172"/>
           <p:cNvSpPr/>
           <p:nvPr/>
         </p:nvSpPr>
         <p:spPr>
           <a:xfrm flipH="1">
-            <a:off x="548640" y="3546720"/>
-            <a:ext cx="179280" cy="179280"/>
+            <a:off x="547920" y="3546720"/>
+            <a:ext cx="178560" cy="178560"/>
           </a:xfrm>
           <a:prstGeom prst="ellipse">
             <a:avLst/>
@@ -12360,14 +11885,14 @@
       </p:sp>
       <p:sp>
         <p:nvSpPr>
-          <p:cNvPr id="176" name="Oval 175"/>
+          <p:cNvPr id="178" name="Oval 175"/>
           <p:cNvSpPr/>
           <p:nvPr/>
         </p:nvSpPr>
         <p:spPr>
           <a:xfrm flipH="1">
-            <a:off x="692640" y="3762720"/>
-            <a:ext cx="179280" cy="179280"/>
+            <a:off x="691920" y="3762720"/>
+            <a:ext cx="178560" cy="178560"/>
           </a:xfrm>
           <a:prstGeom prst="ellipse">
             <a:avLst/>
@@ -12410,14 +11935,14 @@
       </p:sp>
       <p:sp>
         <p:nvSpPr>
-          <p:cNvPr id="179" name="Oval 178"/>
+          <p:cNvPr id="181" name="Oval 178"/>
           <p:cNvSpPr/>
           <p:nvPr/>
         </p:nvSpPr>
         <p:spPr>
           <a:xfrm flipH="1">
-            <a:off x="692640" y="4014720"/>
-            <a:ext cx="179280" cy="179280"/>
+            <a:off x="691920" y="4014720"/>
+            <a:ext cx="178560" cy="178560"/>
           </a:xfrm>
           <a:prstGeom prst="ellipse">
             <a:avLst/>
@@ -12460,14 +11985,14 @@
       </p:sp>
       <p:sp>
         <p:nvSpPr>
-          <p:cNvPr id="181" name="Oval 180"/>
+          <p:cNvPr id="183" name="Oval 180"/>
           <p:cNvSpPr/>
           <p:nvPr/>
         </p:nvSpPr>
         <p:spPr>
           <a:xfrm>
             <a:off x="369360" y="4410720"/>
-            <a:ext cx="179280" cy="179280"/>
+            <a:ext cx="178560" cy="178560"/>
           </a:xfrm>
           <a:prstGeom prst="ellipse">
             <a:avLst/>
@@ -12510,14 +12035,14 @@
       </p:sp>
       <p:sp>
         <p:nvSpPr>
-          <p:cNvPr id="184" name="Oval 183"/>
+          <p:cNvPr id="186" name="Oval 183"/>
           <p:cNvSpPr/>
           <p:nvPr/>
         </p:nvSpPr>
         <p:spPr>
           <a:xfrm>
             <a:off x="549360" y="4230720"/>
-            <a:ext cx="179280" cy="179280"/>
+            <a:ext cx="178560" cy="178560"/>
           </a:xfrm>
           <a:prstGeom prst="ellipse">
             <a:avLst/>
@@ -12560,14 +12085,14 @@
       </p:sp>
       <p:sp>
         <p:nvSpPr>
-          <p:cNvPr id="187" name="Oval 186"/>
+          <p:cNvPr id="189" name="Oval 186"/>
           <p:cNvSpPr/>
           <p:nvPr/>
         </p:nvSpPr>
         <p:spPr>
           <a:xfrm>
             <a:off x="549360" y="4590720"/>
-            <a:ext cx="179280" cy="179280"/>
+            <a:ext cx="178560" cy="178560"/>
           </a:xfrm>
           <a:prstGeom prst="ellipse">
             <a:avLst/>
@@ -12610,14 +12135,14 @@
       </p:sp>
       <p:sp>
         <p:nvSpPr>
-          <p:cNvPr id="190" name="Oval 189"/>
+          <p:cNvPr id="192" name="Oval 189"/>
           <p:cNvSpPr/>
           <p:nvPr/>
         </p:nvSpPr>
         <p:spPr>
           <a:xfrm>
             <a:off x="693360" y="4806720"/>
-            <a:ext cx="179280" cy="179280"/>
+            <a:ext cx="178560" cy="178560"/>
           </a:xfrm>
           <a:prstGeom prst="ellipse">
             <a:avLst/>
@@ -12660,14 +12185,14 @@
       </p:sp>
       <p:sp>
         <p:nvSpPr>
-          <p:cNvPr id="193" name="Oval 192"/>
+          <p:cNvPr id="195" name="Oval 192"/>
           <p:cNvSpPr/>
           <p:nvPr/>
         </p:nvSpPr>
         <p:spPr>
           <a:xfrm>
             <a:off x="693360" y="5058720"/>
-            <a:ext cx="179280" cy="179280"/>
+            <a:ext cx="178560" cy="178560"/>
           </a:xfrm>
           <a:prstGeom prst="ellipse">
             <a:avLst/>
@@ -12710,14 +12235,14 @@
       </p:sp>
       <p:sp>
         <p:nvSpPr>
-          <p:cNvPr id="196" name="Oval 195"/>
+          <p:cNvPr id="198" name="Oval 195"/>
           <p:cNvSpPr/>
           <p:nvPr/>
         </p:nvSpPr>
         <p:spPr>
           <a:xfrm flipH="1">
-            <a:off x="1268640" y="5454720"/>
-            <a:ext cx="179280" cy="179280"/>
+            <a:off x="1267920" y="5454720"/>
+            <a:ext cx="178560" cy="178560"/>
           </a:xfrm>
           <a:prstGeom prst="ellipse">
             <a:avLst/>
@@ -12760,14 +12285,14 @@
       </p:sp>
       <p:sp>
         <p:nvSpPr>
-          <p:cNvPr id="199" name="Oval 198"/>
+          <p:cNvPr id="201" name="Oval 198"/>
           <p:cNvSpPr/>
           <p:nvPr/>
         </p:nvSpPr>
         <p:spPr>
           <a:xfrm flipH="1">
-            <a:off x="1088640" y="5274720"/>
-            <a:ext cx="179280" cy="179280"/>
+            <a:off x="1087920" y="5274720"/>
+            <a:ext cx="178560" cy="178560"/>
           </a:xfrm>
           <a:prstGeom prst="ellipse">
             <a:avLst/>
@@ -12810,7 +12335,7 @@
       </p:sp>
       <p:sp>
         <p:nvSpPr>
-          <p:cNvPr id="203" name="PlaceHolder 1"/>
+          <p:cNvPr id="205" name="PlaceHolder 1"/>
           <p:cNvSpPr>
             <a:spLocks noGrp="1"/>
           </p:cNvSpPr>
@@ -12821,7 +12346,7 @@
         <p:spPr>
           <a:xfrm>
             <a:off x="3987000" y="5164920"/>
-            <a:ext cx="3194280" cy="389880"/>
+            <a:ext cx="3193560" cy="389160"/>
           </a:xfrm>
           <a:prstGeom prst="rect">
             <a:avLst/>
@@ -12884,7 +12409,7 @@
       </p:sp>
       <p:sp>
         <p:nvSpPr>
-          <p:cNvPr id="204" name="PlaceHolder 2"/>
+          <p:cNvPr id="206" name="PlaceHolder 2"/>
           <p:cNvSpPr>
             <a:spLocks noGrp="1"/>
           </p:cNvSpPr>
@@ -12895,7 +12420,7 @@
         <p:spPr>
           <a:xfrm>
             <a:off x="7227000" y="5164920"/>
-            <a:ext cx="2347560" cy="389880"/>
+            <a:ext cx="2346840" cy="389160"/>
           </a:xfrm>
           <a:prstGeom prst="rect">
             <a:avLst/>
@@ -12937,7 +12462,7 @@
                 <a:tab algn="l" pos="0"/>
               </a:tabLst>
             </a:pPr>
-            <a:fld id="{3E12D02E-6BFB-4692-A99A-4659A20B13A7}" type="slidenum">
+            <a:fld id="{C2371621-4B1D-4633-BF8B-51169FC32703}" type="slidenum">
               <a:rPr b="0" lang="en-US" sz="1400" spc="-1" strike="noStrike">
                 <a:solidFill>
                   <a:srgbClr val="000000"/>
@@ -12958,7 +12483,7 @@
       </p:sp>
       <p:sp>
         <p:nvSpPr>
-          <p:cNvPr id="205" name="PlaceHolder 3"/>
+          <p:cNvPr id="207" name="PlaceHolder 3"/>
           <p:cNvSpPr>
             <a:spLocks noGrp="1"/>
           </p:cNvSpPr>
@@ -12969,7 +12494,7 @@
         <p:spPr>
           <a:xfrm>
             <a:off x="1584000" y="5164920"/>
-            <a:ext cx="2347560" cy="389880"/>
+            <a:ext cx="2346840" cy="389160"/>
           </a:xfrm>
           <a:prstGeom prst="rect">
             <a:avLst/>
@@ -13018,7 +12543,7 @@
       </p:sp>
       <p:sp>
         <p:nvSpPr>
-          <p:cNvPr id="206" name="PlaceHolder 4"/>
+          <p:cNvPr id="208" name="PlaceHolder 4"/>
           <p:cNvSpPr>
             <a:spLocks noGrp="1"/>
           </p:cNvSpPr>
@@ -13044,11 +12569,11 @@
             <a:noAutofit/>
           </a:bodyPr>
           <a:p>
-            <a:pPr indent="0">
+            <a:pPr indent="0" algn="ctr">
               <a:buNone/>
             </a:pPr>
             <a:r>
-              <a:rPr b="0" lang="en-US" sz="1800" spc="-1" strike="noStrike">
+              <a:rPr b="0" lang="en-US" sz="4400" spc="-1" strike="noStrike">
                 <a:solidFill>
                   <a:srgbClr val="000000"/>
                 </a:solidFill>
@@ -13056,18 +12581,18 @@
               </a:rPr>
               <a:t>Click to edit the title text format</a:t>
             </a:r>
-            <a:endParaRPr b="0" lang="en-US" sz="1800" spc="-1" strike="noStrike">
-              <a:solidFill>
-                <a:srgbClr val="000000"/>
-              </a:solidFill>
-              <a:latin typeface="Arial"/>
-            </a:endParaRPr>
-          </a:p>
-        </p:txBody>
-      </p:sp>
-      <p:sp>
-        <p:nvSpPr>
-          <p:cNvPr id="207" name="PlaceHolder 5"/>
+            <a:endParaRPr b="0" lang="en-US" sz="4400" spc="-1" strike="noStrike">
+              <a:solidFill>
+                <a:srgbClr val="000000"/>
+              </a:solidFill>
+              <a:latin typeface="Arial"/>
+            </a:endParaRPr>
+          </a:p>
+        </p:txBody>
+      </p:sp>
+      <p:sp>
+        <p:nvSpPr>
+          <p:cNvPr id="209" name="PlaceHolder 5"/>
           <p:cNvSpPr>
             <a:spLocks noGrp="1"/>
           </p:cNvSpPr>
@@ -13094,9 +12619,6 @@
           </a:bodyPr>
           <a:p>
             <a:pPr marL="432000" indent="-324000">
-              <a:lnSpc>
-                <a:spcPct val="90000"/>
-              </a:lnSpc>
               <a:spcBef>
                 <a:spcPts val="1417"/>
               </a:spcBef>
@@ -13106,6 +12628,34 @@
               <a:buSzPct val="45000"/>
               <a:buFont typeface="Wingdings" charset="2"/>
               <a:buChar char=""/>
+            </a:pPr>
+            <a:r>
+              <a:rPr b="0" lang="en-US" sz="3200" spc="-1" strike="noStrike">
+                <a:solidFill>
+                  <a:srgbClr val="000000"/>
+                </a:solidFill>
+                <a:latin typeface="Arial"/>
+              </a:rPr>
+              <a:t>Click to edit the outline text format</a:t>
+            </a:r>
+            <a:endParaRPr b="0" lang="en-US" sz="3200" spc="-1" strike="noStrike">
+              <a:solidFill>
+                <a:srgbClr val="000000"/>
+              </a:solidFill>
+              <a:latin typeface="Arial"/>
+            </a:endParaRPr>
+          </a:p>
+          <a:p>
+            <a:pPr lvl="1" marL="864000" indent="-324000">
+              <a:spcBef>
+                <a:spcPts val="1134"/>
+              </a:spcBef>
+              <a:buClr>
+                <a:srgbClr val="000000"/>
+              </a:buClr>
+              <a:buSzPct val="75000"/>
+              <a:buFont typeface="Symbol" charset="2"/>
+              <a:buChar char=""/>
             </a:pPr>
             <a:r>
               <a:rPr b="0" lang="en-US" sz="2800" spc="-1" strike="noStrike">
@@ -13114,7 +12664,7 @@
                 </a:solidFill>
                 <a:latin typeface="Arial"/>
               </a:rPr>
-              <a:t>Click to edit the outline text format</a:t>
+              <a:t>Second Outline Level</a:t>
             </a:r>
             <a:endParaRPr b="0" lang="en-US" sz="2800" spc="-1" strike="noStrike">
               <a:solidFill>
@@ -13124,12 +12674,37 @@
             </a:endParaRPr>
           </a:p>
           <a:p>
-            <a:pPr lvl="1" marL="864000" indent="-324000">
-              <a:lnSpc>
-                <a:spcPct val="90000"/>
-              </a:lnSpc>
+            <a:pPr lvl="2" marL="1296000" indent="-288000">
               <a:spcBef>
-                <a:spcPts val="1134"/>
+                <a:spcPts val="850"/>
+              </a:spcBef>
+              <a:buClr>
+                <a:srgbClr val="000000"/>
+              </a:buClr>
+              <a:buSzPct val="45000"/>
+              <a:buFont typeface="Wingdings" charset="2"/>
+              <a:buChar char=""/>
+            </a:pPr>
+            <a:r>
+              <a:rPr b="0" lang="en-US" sz="2400" spc="-1" strike="noStrike">
+                <a:solidFill>
+                  <a:srgbClr val="000000"/>
+                </a:solidFill>
+                <a:latin typeface="Arial"/>
+              </a:rPr>
+              <a:t>Third Outline Level</a:t>
+            </a:r>
+            <a:endParaRPr b="0" lang="en-US" sz="2400" spc="-1" strike="noStrike">
+              <a:solidFill>
+                <a:srgbClr val="000000"/>
+              </a:solidFill>
+              <a:latin typeface="Arial"/>
+            </a:endParaRPr>
+          </a:p>
+          <a:p>
+            <a:pPr lvl="3" marL="1728000" indent="-216000">
+              <a:spcBef>
+                <a:spcPts val="567"/>
               </a:spcBef>
               <a:buClr>
                 <a:srgbClr val="000000"/>
@@ -13145,7 +12720,7 @@
                 </a:solidFill>
                 <a:latin typeface="Arial"/>
               </a:rPr>
-              <a:t>Second Outline Level</a:t>
+              <a:t>Fourth Outline Level</a:t>
             </a:r>
             <a:endParaRPr b="0" lang="en-US" sz="2000" spc="-1" strike="noStrike">
               <a:solidFill>
@@ -13155,72 +12730,7 @@
             </a:endParaRPr>
           </a:p>
           <a:p>
-            <a:pPr lvl="2" marL="1296000" indent="-288000">
-              <a:lnSpc>
-                <a:spcPct val="90000"/>
-              </a:lnSpc>
-              <a:spcBef>
-                <a:spcPts val="850"/>
-              </a:spcBef>
-              <a:buClr>
-                <a:srgbClr val="000000"/>
-              </a:buClr>
-              <a:buSzPct val="45000"/>
-              <a:buFont typeface="Wingdings" charset="2"/>
-              <a:buChar char=""/>
-            </a:pPr>
-            <a:r>
-              <a:rPr b="0" lang="en-US" sz="1800" spc="-1" strike="noStrike">
-                <a:solidFill>
-                  <a:srgbClr val="000000"/>
-                </a:solidFill>
-                <a:latin typeface="Arial"/>
-              </a:rPr>
-              <a:t>Third Outline Level</a:t>
-            </a:r>
-            <a:endParaRPr b="0" lang="en-US" sz="1800" spc="-1" strike="noStrike">
-              <a:solidFill>
-                <a:srgbClr val="000000"/>
-              </a:solidFill>
-              <a:latin typeface="Arial"/>
-            </a:endParaRPr>
-          </a:p>
-          <a:p>
-            <a:pPr lvl="3" marL="1728000" indent="-216000">
-              <a:lnSpc>
-                <a:spcPct val="90000"/>
-              </a:lnSpc>
-              <a:spcBef>
-                <a:spcPts val="567"/>
-              </a:spcBef>
-              <a:buClr>
-                <a:srgbClr val="000000"/>
-              </a:buClr>
-              <a:buSzPct val="75000"/>
-              <a:buFont typeface="Symbol" charset="2"/>
-              <a:buChar char=""/>
-            </a:pPr>
-            <a:r>
-              <a:rPr b="0" lang="en-US" sz="1800" spc="-1" strike="noStrike">
-                <a:solidFill>
-                  <a:srgbClr val="000000"/>
-                </a:solidFill>
-                <a:latin typeface="Arial"/>
-              </a:rPr>
-              <a:t>Fourth Outline Level</a:t>
-            </a:r>
-            <a:endParaRPr b="0" lang="en-US" sz="1800" spc="-1" strike="noStrike">
-              <a:solidFill>
-                <a:srgbClr val="000000"/>
-              </a:solidFill>
-              <a:latin typeface="Arial"/>
-            </a:endParaRPr>
-          </a:p>
-          <a:p>
             <a:pPr lvl="4" marL="2160000" indent="-216000">
-              <a:lnSpc>
-                <a:spcPct val="90000"/>
-              </a:lnSpc>
               <a:spcBef>
                 <a:spcPts val="283"/>
               </a:spcBef>
@@ -13249,9 +12759,6 @@
           </a:p>
           <a:p>
             <a:pPr lvl="5" marL="2592000" indent="-216000">
-              <a:lnSpc>
-                <a:spcPct val="90000"/>
-              </a:lnSpc>
               <a:spcBef>
                 <a:spcPts val="283"/>
               </a:spcBef>
@@ -13280,9 +12787,6 @@
           </a:p>
           <a:p>
             <a:pPr lvl="6" marL="3024000" indent="-216000">
-              <a:lnSpc>
-                <a:spcPct val="90000"/>
-              </a:lnSpc>
               <a:spcBef>
                 <a:spcPts val="283"/>
               </a:spcBef>
@@ -13350,7 +12854,7 @@
       </p:grpSpPr>
       <p:sp>
         <p:nvSpPr>
-          <p:cNvPr id="244" name="PlaceHolder 1"/>
+          <p:cNvPr id="246" name="PlaceHolder 1"/>
           <p:cNvSpPr>
             <a:spLocks noGrp="1"/>
           </p:cNvSpPr>
@@ -13361,7 +12865,7 @@
         <p:spPr>
           <a:xfrm>
             <a:off x="1620000" y="216000"/>
-            <a:ext cx="8099280" cy="935280"/>
+            <a:ext cx="8098560" cy="934560"/>
           </a:xfrm>
           <a:prstGeom prst="rect">
             <a:avLst/>
@@ -13386,27 +12890,47 @@
               </a:tabLst>
             </a:pPr>
             <a:r>
-              <a:rPr b="0" lang="en-US" sz="3300" spc="-1" strike="noStrike">
+              <a:rPr b="0" lang="en-US" sz="4000" spc="-1" strike="noStrike">
                 <a:solidFill>
                   <a:srgbClr val="050505"/>
                 </a:solidFill>
-                <a:latin typeface="Times New Roman"/>
+                <a:latin typeface="Open Sans"/>
                 <a:ea typeface="DejaVu Sans"/>
               </a:rPr>
-              <a:t>Chutes and Ladders in Java</a:t>
+              <a:t>Chutes and </a:t>
             </a:r>
-            <a:endParaRPr b="0" lang="en-US" sz="3300" spc="-1" strike="noStrike">
-              <a:solidFill>
-                <a:srgbClr val="000000"/>
-              </a:solidFill>
-              <a:latin typeface="Arial"/>
-            </a:endParaRPr>
-          </a:p>
-        </p:txBody>
-      </p:sp>
-      <p:sp>
-        <p:nvSpPr>
-          <p:cNvPr id="245" name="PlaceHolder 2"/>
+            <a:r>
+              <a:rPr b="0" lang="en-US" sz="4000" spc="-1" strike="noStrike">
+                <a:solidFill>
+                  <a:srgbClr val="050505"/>
+                </a:solidFill>
+                <a:latin typeface="Open Sans"/>
+                <a:ea typeface="DejaVu Sans"/>
+              </a:rPr>
+              <a:t>Ladders</a:t>
+            </a:r>
+            <a:r>
+              <a:rPr b="0" lang="en-US" sz="4000" spc="-1" strike="noStrike">
+                <a:solidFill>
+                  <a:srgbClr val="050505"/>
+                </a:solidFill>
+                <a:latin typeface="Open Sans"/>
+                <a:ea typeface="DejaVu Sans"/>
+              </a:rPr>
+              <a:t> in Java</a:t>
+            </a:r>
+            <a:endParaRPr b="0" lang="en-US" sz="4000" spc="-1" strike="noStrike">
+              <a:solidFill>
+                <a:srgbClr val="000000"/>
+              </a:solidFill>
+              <a:latin typeface="Open Sans"/>
+            </a:endParaRPr>
+          </a:p>
+        </p:txBody>
+      </p:sp>
+      <p:sp>
+        <p:nvSpPr>
+          <p:cNvPr id="247" name="PlaceHolder 2"/>
           <p:cNvSpPr>
             <a:spLocks noGrp="1"/>
           </p:cNvSpPr>
@@ -13417,7 +12941,7 @@
         <p:spPr>
           <a:xfrm>
             <a:off x="1620000" y="1368000"/>
-            <a:ext cx="8099280" cy="3287520"/>
+            <a:ext cx="8098560" cy="3286800"/>
           </a:xfrm>
           <a:prstGeom prst="rect">
             <a:avLst/>
@@ -13449,7 +12973,7 @@
                 <a:solidFill>
                   <a:srgbClr val="000000"/>
                 </a:solidFill>
-                <a:latin typeface="Times New Roman"/>
+                <a:latin typeface="Open Sans"/>
                 <a:ea typeface="DejaVu Sans"/>
               </a:rPr>
               <a:t>Written by:</a:t>
@@ -13458,7 +12982,7 @@
               <a:solidFill>
                 <a:srgbClr val="000000"/>
               </a:solidFill>
-              <a:latin typeface="Arial"/>
+              <a:latin typeface="Open Sans"/>
             </a:endParaRPr>
           </a:p>
           <a:p>
@@ -13474,11 +12998,11 @@
                 <a:tab algn="l" pos="0"/>
               </a:tabLst>
             </a:pPr>
-            <a:endParaRPr b="0" lang="en-US" sz="1100" spc="-1" strike="noStrike">
-              <a:solidFill>
-                <a:srgbClr val="000000"/>
-              </a:solidFill>
-              <a:latin typeface="Arial"/>
+            <a:endParaRPr b="0" lang="en-US" sz="3200" spc="-1" strike="noStrike">
+              <a:solidFill>
+                <a:srgbClr val="000000"/>
+              </a:solidFill>
+              <a:latin typeface="Open Sans"/>
             </a:endParaRPr>
           </a:p>
           <a:p>
@@ -13499,7 +13023,7 @@
                 <a:solidFill>
                   <a:srgbClr val="000000"/>
                 </a:solidFill>
-                <a:latin typeface="Times New Roman"/>
+                <a:latin typeface="Open Sans"/>
                 <a:ea typeface="DejaVu Sans"/>
               </a:rPr>
               <a:t>Ryan, Christina, David, Donnie, Joshua, and Bruce</a:t>
@@ -13508,7 +13032,7 @@
               <a:solidFill>
                 <a:srgbClr val="000000"/>
               </a:solidFill>
-              <a:latin typeface="Arial"/>
+              <a:latin typeface="Open Sans"/>
             </a:endParaRPr>
           </a:p>
         </p:txBody>
@@ -13527,7 +13051,7 @@
         <p:txBody>
           <a:bodyPr/>
           <a:p>
-            <a:fld id="{B32DC72E-16A4-455E-9950-820E700EC1D9}" type="slidenum">
+            <a:fld id="{C66D9067-722F-4FAA-81CB-F140462EA00A}" type="slidenum">
               <a:t>1</a:t>
             </a:fld>
           </a:p>
@@ -13565,7 +13089,7 @@
       </p:grpSpPr>
       <p:sp>
         <p:nvSpPr>
-          <p:cNvPr id="246" name="PlaceHolder 1"/>
+          <p:cNvPr id="248" name="PlaceHolder 1"/>
           <p:cNvSpPr>
             <a:spLocks noGrp="1"/>
           </p:cNvSpPr>
@@ -13576,7 +13100,7 @@
         <p:spPr>
           <a:xfrm>
             <a:off x="1620000" y="216000"/>
-            <a:ext cx="8099280" cy="935280"/>
+            <a:ext cx="8098560" cy="934560"/>
           </a:xfrm>
           <a:prstGeom prst="rect">
             <a:avLst/>
@@ -13605,23 +13129,23 @@
                 <a:solidFill>
                   <a:srgbClr val="050505"/>
                 </a:solidFill>
-                <a:latin typeface="Times New Roman"/>
+                <a:latin typeface="Open Sans"/>
                 <a:ea typeface="DejaVu Sans"/>
               </a:rPr>
-              <a:t>Task</a:t>
+              <a:t>Project Requirements</a:t>
             </a:r>
             <a:endParaRPr b="0" lang="en-US" sz="3300" spc="-1" strike="noStrike">
               <a:solidFill>
                 <a:srgbClr val="000000"/>
               </a:solidFill>
-              <a:latin typeface="Arial"/>
-            </a:endParaRPr>
-          </a:p>
-        </p:txBody>
-      </p:sp>
-      <p:sp>
-        <p:nvSpPr>
-          <p:cNvPr id="247" name="PlaceHolder 2"/>
+              <a:latin typeface="Open Sans"/>
+            </a:endParaRPr>
+          </a:p>
+        </p:txBody>
+      </p:sp>
+      <p:sp>
+        <p:nvSpPr>
+          <p:cNvPr id="249" name="PlaceHolder 2"/>
           <p:cNvSpPr>
             <a:spLocks noGrp="1"/>
           </p:cNvSpPr>
@@ -13632,7 +13156,7 @@
         <p:spPr>
           <a:xfrm>
             <a:off x="1620000" y="1368000"/>
-            <a:ext cx="8099280" cy="3287520"/>
+            <a:ext cx="8098560" cy="3286800"/>
           </a:xfrm>
           <a:prstGeom prst="rect">
             <a:avLst/>
@@ -13669,7 +13193,7 @@
                 <a:solidFill>
                   <a:srgbClr val="050505"/>
                 </a:solidFill>
-                <a:latin typeface="Arial"/>
+                <a:latin typeface="Open Sans"/>
                 <a:ea typeface="DejaVu Sans"/>
               </a:rPr>
               <a:t>2-4 Players</a:t>
@@ -13678,7 +13202,7 @@
               <a:solidFill>
                 <a:srgbClr val="000000"/>
               </a:solidFill>
-              <a:latin typeface="Arial"/>
+              <a:latin typeface="Open Sans"/>
             </a:endParaRPr>
           </a:p>
           <a:p>
@@ -13704,7 +13228,7 @@
                 <a:solidFill>
                   <a:srgbClr val="050505"/>
                 </a:solidFill>
-                <a:latin typeface="Arial"/>
+                <a:latin typeface="Open Sans"/>
                 <a:ea typeface="DejaVu Sans"/>
               </a:rPr>
               <a:t>10x10 Board</a:t>
@@ -13713,7 +13237,7 @@
               <a:solidFill>
                 <a:srgbClr val="000000"/>
               </a:solidFill>
-              <a:latin typeface="Arial"/>
+              <a:latin typeface="Open Sans"/>
             </a:endParaRPr>
           </a:p>
           <a:p>
@@ -13739,7 +13263,7 @@
                 <a:solidFill>
                   <a:srgbClr val="050505"/>
                 </a:solidFill>
-                <a:latin typeface="Arial"/>
+                <a:latin typeface="Open Sans"/>
                 <a:ea typeface="DejaVu Sans"/>
               </a:rPr>
               <a:t>Dice rolls</a:t>
@@ -13748,7 +13272,7 @@
               <a:solidFill>
                 <a:srgbClr val="000000"/>
               </a:solidFill>
-              <a:latin typeface="Arial"/>
+              <a:latin typeface="Open Sans"/>
             </a:endParaRPr>
           </a:p>
           <a:p>
@@ -13774,7 +13298,7 @@
                 <a:solidFill>
                   <a:srgbClr val="050505"/>
                 </a:solidFill>
-                <a:latin typeface="Arial"/>
+                <a:latin typeface="Open Sans"/>
                 <a:ea typeface="DejaVu Sans"/>
               </a:rPr>
               <a:t>Chute and Ladder functionality</a:t>
@@ -13783,7 +13307,7 @@
               <a:solidFill>
                 <a:srgbClr val="000000"/>
               </a:solidFill>
-              <a:latin typeface="Arial"/>
+              <a:latin typeface="Open Sans"/>
             </a:endParaRPr>
           </a:p>
           <a:p>
@@ -13809,7 +13333,7 @@
                 <a:solidFill>
                   <a:srgbClr val="050505"/>
                 </a:solidFill>
-                <a:latin typeface="Arial"/>
+                <a:latin typeface="Open Sans"/>
                 <a:ea typeface="DejaVu Sans"/>
               </a:rPr>
               <a:t>Report winner at square 100</a:t>
@@ -13818,7 +13342,7 @@
               <a:solidFill>
                 <a:srgbClr val="000000"/>
               </a:solidFill>
-              <a:latin typeface="Arial"/>
+              <a:latin typeface="Open Sans"/>
             </a:endParaRPr>
           </a:p>
           <a:p>
@@ -13844,7 +13368,7 @@
                 <a:solidFill>
                   <a:srgbClr val="050505"/>
                 </a:solidFill>
-                <a:latin typeface="Arial"/>
+                <a:latin typeface="Open Sans"/>
                 <a:ea typeface="DejaVu Sans"/>
               </a:rPr>
               <a:t>Write winner</a:t>
@@ -13853,7 +13377,7 @@
               <a:solidFill>
                 <a:srgbClr val="000000"/>
               </a:solidFill>
-              <a:latin typeface="Arial"/>
+              <a:latin typeface="Open Sans"/>
             </a:endParaRPr>
           </a:p>
         </p:txBody>
@@ -13872,7 +13396,7 @@
         <p:txBody>
           <a:bodyPr/>
           <a:p>
-            <a:fld id="{C07B977E-25D2-49D1-B08D-9DF3B48A04D3}" type="slidenum">
+            <a:fld id="{B25CF2F3-CB87-4802-9A0B-3DA0A4DAAC87}" type="slidenum">
               <a:t>2</a:t>
             </a:fld>
           </a:p>
@@ -13910,7 +13434,7 @@
       </p:grpSpPr>
       <p:sp>
         <p:nvSpPr>
-          <p:cNvPr id="248" name="PlaceHolder 1"/>
+          <p:cNvPr id="250" name="PlaceHolder 1"/>
           <p:cNvSpPr>
             <a:spLocks noGrp="1"/>
           </p:cNvSpPr>
@@ -13921,7 +13445,7 @@
         <p:spPr>
           <a:xfrm>
             <a:off x="1656000" y="216000"/>
-            <a:ext cx="3865680" cy="935280"/>
+            <a:ext cx="3864960" cy="934560"/>
           </a:xfrm>
           <a:prstGeom prst="rect">
             <a:avLst/>
@@ -13950,7 +13474,7 @@
                 <a:solidFill>
                   <a:srgbClr val="050505"/>
                 </a:solidFill>
-                <a:latin typeface="Times New Roman"/>
+                <a:latin typeface="Open Sans"/>
                 <a:ea typeface="DejaVu Sans"/>
               </a:rPr>
               <a:t>Board</a:t>
@@ -13959,14 +13483,14 @@
               <a:solidFill>
                 <a:srgbClr val="000000"/>
               </a:solidFill>
-              <a:latin typeface="Arial"/>
-            </a:endParaRPr>
-          </a:p>
-        </p:txBody>
-      </p:sp>
-      <p:sp>
-        <p:nvSpPr>
-          <p:cNvPr id="249" name="PlaceHolder 2"/>
+              <a:latin typeface="Open Sans"/>
+            </a:endParaRPr>
+          </a:p>
+        </p:txBody>
+      </p:sp>
+      <p:sp>
+        <p:nvSpPr>
+          <p:cNvPr id="251" name="PlaceHolder 2"/>
           <p:cNvSpPr>
             <a:spLocks noGrp="1"/>
           </p:cNvSpPr>
@@ -13977,7 +13501,7 @@
         <p:spPr>
           <a:xfrm>
             <a:off x="1620000" y="1368000"/>
-            <a:ext cx="3865680" cy="3287520"/>
+            <a:ext cx="3637800" cy="3286800"/>
           </a:xfrm>
           <a:prstGeom prst="rect">
             <a:avLst/>
@@ -14014,23 +13538,23 @@
                 <a:solidFill>
                   <a:srgbClr val="050505"/>
                 </a:solidFill>
-                <a:latin typeface="Arial"/>
+                <a:latin typeface="Open Sans"/>
                 <a:ea typeface="DejaVu Sans"/>
               </a:rPr>
-              <a:t>Dynamically print board based on Token values</a:t>
+              <a:t>Dynamically print board based on Token coordinates </a:t>
             </a:r>
             <a:endParaRPr b="0" lang="en-US" sz="2400" spc="-1" strike="noStrike">
               <a:solidFill>
                 <a:srgbClr val="000000"/>
               </a:solidFill>
-              <a:latin typeface="Arial"/>
+              <a:latin typeface="Open Sans"/>
             </a:endParaRPr>
           </a:p>
         </p:txBody>
       </p:sp>
       <p:pic>
         <p:nvPicPr>
-          <p:cNvPr id="250" name="Picture 249" descr=""/>
+          <p:cNvPr id="252" name="Picture 249" descr=""/>
           <p:cNvPicPr/>
           <p:nvPr/>
         </p:nvPicPr>
@@ -14040,8 +13564,8 @@
         </p:blipFill>
         <p:spPr>
           <a:xfrm>
-            <a:off x="5486400" y="228600"/>
-            <a:ext cx="3729600" cy="5041080"/>
+            <a:off x="5630400" y="228600"/>
+            <a:ext cx="3728880" cy="5040360"/>
           </a:xfrm>
           <a:prstGeom prst="rect">
             <a:avLst/>
@@ -14065,7 +13589,7 @@
         <p:txBody>
           <a:bodyPr/>
           <a:p>
-            <a:fld id="{1E225293-F7F4-4ED2-A870-1242B0797882}" type="slidenum">
+            <a:fld id="{DDDB72A2-3ADB-4C5D-8125-C59AEB474D27}" type="slidenum">
               <a:t>3</a:t>
             </a:fld>
           </a:p>
@@ -14103,7 +13627,7 @@
       </p:grpSpPr>
       <p:sp>
         <p:nvSpPr>
-          <p:cNvPr id="251" name="PlaceHolder 1"/>
+          <p:cNvPr id="253" name="PlaceHolder 1"/>
           <p:cNvSpPr>
             <a:spLocks noGrp="1"/>
           </p:cNvSpPr>
@@ -14114,7 +13638,7 @@
         <p:spPr>
           <a:xfrm>
             <a:off x="1620000" y="216000"/>
-            <a:ext cx="8099280" cy="935280"/>
+            <a:ext cx="8098560" cy="934560"/>
           </a:xfrm>
           <a:prstGeom prst="rect">
             <a:avLst/>
@@ -14143,7 +13667,7 @@
                 <a:solidFill>
                   <a:srgbClr val="050505"/>
                 </a:solidFill>
-                <a:latin typeface="Times New Roman"/>
+                <a:latin typeface="Open Sans"/>
                 <a:ea typeface="DejaVu Sans"/>
               </a:rPr>
               <a:t>Board cont.</a:t>
@@ -14152,14 +13676,14 @@
               <a:solidFill>
                 <a:srgbClr val="000000"/>
               </a:solidFill>
-              <a:latin typeface="Arial"/>
+              <a:latin typeface="Open Sans"/>
             </a:endParaRPr>
           </a:p>
         </p:txBody>
       </p:sp>
       <p:pic>
         <p:nvPicPr>
-          <p:cNvPr id="252" name="Picture 251" descr=""/>
+          <p:cNvPr id="254" name="Picture 251" descr=""/>
           <p:cNvPicPr/>
           <p:nvPr/>
         </p:nvPicPr>
@@ -14170,7 +13694,7 @@
         <p:spPr>
           <a:xfrm>
             <a:off x="2475000" y="1371600"/>
-            <a:ext cx="6391080" cy="3481200"/>
+            <a:ext cx="6390360" cy="3480480"/>
           </a:xfrm>
           <a:prstGeom prst="rect">
             <a:avLst/>
@@ -14194,7 +13718,7 @@
         <p:txBody>
           <a:bodyPr/>
           <a:p>
-            <a:fld id="{5A4C2ADF-EFEA-4A53-BF02-B035F8AF2E73}" type="slidenum">
+            <a:fld id="{6A752370-A935-45D7-862A-7B926FA17219}" type="slidenum">
               <a:t>4</a:t>
             </a:fld>
           </a:p>
@@ -14232,7 +13756,7 @@
       </p:grpSpPr>
       <p:sp>
         <p:nvSpPr>
-          <p:cNvPr id="253" name="PlaceHolder 1"/>
+          <p:cNvPr id="255" name="PlaceHolder 1"/>
           <p:cNvSpPr>
             <a:spLocks noGrp="1"/>
           </p:cNvSpPr>
@@ -14242,8 +13766,8 @@
         </p:nvSpPr>
         <p:spPr>
           <a:xfrm>
-            <a:off x="1620000" y="216000"/>
-            <a:ext cx="8099280" cy="935280"/>
+            <a:off x="2016000" y="216000"/>
+            <a:ext cx="2169360" cy="934560"/>
           </a:xfrm>
           <a:prstGeom prst="rect">
             <a:avLst/>
@@ -14272,23 +13796,23 @@
                 <a:solidFill>
                   <a:srgbClr val="050505"/>
                 </a:solidFill>
-                <a:latin typeface="Times New Roman"/>
+                <a:latin typeface="Open Sans"/>
                 <a:ea typeface="DejaVu Sans"/>
               </a:rPr>
-              <a:t>Score</a:t>
+              <a:t>Token</a:t>
             </a:r>
             <a:endParaRPr b="0" lang="en-US" sz="3300" spc="-1" strike="noStrike">
               <a:solidFill>
                 <a:srgbClr val="000000"/>
               </a:solidFill>
-              <a:latin typeface="Arial"/>
-            </a:endParaRPr>
-          </a:p>
-        </p:txBody>
-      </p:sp>
-      <p:sp>
-        <p:nvSpPr>
-          <p:cNvPr id="254" name="PlaceHolder 2"/>
+              <a:latin typeface="Open Sans"/>
+            </a:endParaRPr>
+          </a:p>
+        </p:txBody>
+      </p:sp>
+      <p:sp>
+        <p:nvSpPr>
+          <p:cNvPr id="256" name="PlaceHolder 2"/>
           <p:cNvSpPr>
             <a:spLocks noGrp="1"/>
           </p:cNvSpPr>
@@ -14299,7 +13823,7 @@
         <p:spPr>
           <a:xfrm>
             <a:off x="1620000" y="1368000"/>
-            <a:ext cx="4094280" cy="3287520"/>
+            <a:ext cx="3179160" cy="3286800"/>
           </a:xfrm>
           <a:prstGeom prst="rect">
             <a:avLst/>
@@ -14336,58 +13860,23 @@
                 <a:solidFill>
                   <a:srgbClr val="050505"/>
                 </a:solidFill>
-                <a:latin typeface="Arial"/>
+                <a:latin typeface="Open Sans"/>
                 <a:ea typeface="DejaVu Sans"/>
               </a:rPr>
-              <a:t>Class level scope to print each players score</a:t>
+              <a:t>Stores player information and coordinates </a:t>
             </a:r>
             <a:endParaRPr b="0" lang="en-US" sz="2400" spc="-1" strike="noStrike">
               <a:solidFill>
                 <a:srgbClr val="000000"/>
               </a:solidFill>
-              <a:latin typeface="Arial"/>
-            </a:endParaRPr>
-          </a:p>
-          <a:p>
-            <a:pPr marL="432000" indent="-324000">
-              <a:lnSpc>
-                <a:spcPct val="100000"/>
-              </a:lnSpc>
-              <a:spcBef>
-                <a:spcPts val="1001"/>
-              </a:spcBef>
-              <a:spcAft>
-                <a:spcPts val="1060"/>
-              </a:spcAft>
-              <a:buClr>
-                <a:srgbClr val="000000"/>
-              </a:buClr>
-              <a:buSzPct val="40000"/>
-              <a:buFont typeface="Wingdings" charset="2"/>
-              <a:buChar char=""/>
-            </a:pPr>
-            <a:r>
-              <a:rPr b="0" lang="en-US" sz="2400" spc="-1" strike="noStrike">
-                <a:solidFill>
-                  <a:srgbClr val="050505"/>
-                </a:solidFill>
-                <a:latin typeface="Arial"/>
-                <a:ea typeface="DejaVu Sans"/>
-              </a:rPr>
-              <a:t>Writes player number and score to winners.txt</a:t>
-            </a:r>
-            <a:endParaRPr b="0" lang="en-US" sz="2400" spc="-1" strike="noStrike">
-              <a:solidFill>
-                <a:srgbClr val="000000"/>
-              </a:solidFill>
-              <a:latin typeface="Arial"/>
+              <a:latin typeface="Open Sans"/>
             </a:endParaRPr>
           </a:p>
         </p:txBody>
       </p:sp>
       <p:pic>
         <p:nvPicPr>
-          <p:cNvPr id="255" name="Picture 254" descr=""/>
+          <p:cNvPr id="257" name="Picture 257" descr=""/>
           <p:cNvPicPr/>
           <p:nvPr/>
         </p:nvPicPr>
@@ -14397,8 +13886,8 @@
         </p:blipFill>
         <p:spPr>
           <a:xfrm>
-            <a:off x="2916000" y="3200400"/>
-            <a:ext cx="6301080" cy="1828080"/>
+            <a:off x="4572000" y="673200"/>
+            <a:ext cx="5027760" cy="3993480"/>
           </a:xfrm>
           <a:prstGeom prst="rect">
             <a:avLst/>
@@ -14422,7 +13911,7 @@
         <p:txBody>
           <a:bodyPr/>
           <a:p>
-            <a:fld id="{AA5E6D00-DFDE-4F5B-8EB8-C4B48B92E0A9}" type="slidenum">
+            <a:fld id="{F87C59D5-71CC-4EF7-A1BE-52DE7EE57E7E}" type="slidenum">
               <a:t>5</a:t>
             </a:fld>
           </a:p>
@@ -14460,7 +13949,7 @@
       </p:grpSpPr>
       <p:sp>
         <p:nvSpPr>
-          <p:cNvPr id="256" name="PlaceHolder 1"/>
+          <p:cNvPr id="258" name="PlaceHolder 1"/>
           <p:cNvSpPr>
             <a:spLocks noGrp="1"/>
           </p:cNvSpPr>
@@ -14470,201 +13959,8 @@
         </p:nvSpPr>
         <p:spPr>
           <a:xfrm>
-            <a:off x="2016000" y="216000"/>
-            <a:ext cx="2170080" cy="935280"/>
-          </a:xfrm>
-          <a:prstGeom prst="rect">
-            <a:avLst/>
-          </a:prstGeom>
-          <a:noFill/>
-          <a:ln w="0">
-            <a:noFill/>
-          </a:ln>
-        </p:spPr>
-        <p:txBody>
-          <a:bodyPr lIns="0" rIns="0" tIns="0" bIns="0" anchor="ctr">
-            <a:normAutofit/>
-          </a:bodyPr>
-          <a:p>
-            <a:pPr indent="0" algn="ctr">
-              <a:lnSpc>
-                <a:spcPct val="100000"/>
-              </a:lnSpc>
-              <a:buNone/>
-              <a:tabLst>
-                <a:tab algn="l" pos="0"/>
-              </a:tabLst>
-            </a:pPr>
-            <a:r>
-              <a:rPr b="0" lang="en-US" sz="3300" spc="-1" strike="noStrike">
-                <a:solidFill>
-                  <a:srgbClr val="050505"/>
-                </a:solidFill>
-                <a:latin typeface="Times New Roman"/>
-                <a:ea typeface="DejaVu Sans"/>
-              </a:rPr>
-              <a:t>Token</a:t>
-            </a:r>
-            <a:endParaRPr b="0" lang="en-US" sz="3300" spc="-1" strike="noStrike">
-              <a:solidFill>
-                <a:srgbClr val="000000"/>
-              </a:solidFill>
-              <a:latin typeface="Arial"/>
-            </a:endParaRPr>
-          </a:p>
-        </p:txBody>
-      </p:sp>
-      <p:sp>
-        <p:nvSpPr>
-          <p:cNvPr id="257" name="PlaceHolder 2"/>
-          <p:cNvSpPr>
-            <a:spLocks noGrp="1"/>
-          </p:cNvSpPr>
-          <p:nvPr>
-            <p:ph/>
-          </p:nvPr>
-        </p:nvSpPr>
-        <p:spPr>
-          <a:xfrm>
-            <a:off x="1620000" y="1368000"/>
-            <a:ext cx="3179880" cy="3287520"/>
-          </a:xfrm>
-          <a:prstGeom prst="rect">
-            <a:avLst/>
-          </a:prstGeom>
-          <a:noFill/>
-          <a:ln w="0">
-            <a:noFill/>
-          </a:ln>
-        </p:spPr>
-        <p:txBody>
-          <a:bodyPr lIns="0" rIns="0" tIns="0" bIns="0" anchor="t">
-            <a:normAutofit/>
-          </a:bodyPr>
-          <a:p>
-            <a:pPr marL="432000" indent="-324000">
-              <a:lnSpc>
-                <a:spcPct val="100000"/>
-              </a:lnSpc>
-              <a:spcBef>
-                <a:spcPts val="1001"/>
-              </a:spcBef>
-              <a:spcAft>
-                <a:spcPts val="1060"/>
-              </a:spcAft>
-              <a:buClr>
-                <a:srgbClr val="000000"/>
-              </a:buClr>
-              <a:buSzPct val="40000"/>
-              <a:buFont typeface="Wingdings" charset="2"/>
-              <a:buChar char=""/>
-            </a:pPr>
-            <a:r>
-              <a:rPr b="0" lang="en-US" sz="2400" spc="-1" strike="noStrike">
-                <a:solidFill>
-                  <a:srgbClr val="050505"/>
-                </a:solidFill>
-                <a:latin typeface="Arial"/>
-                <a:ea typeface="DejaVu Sans"/>
-              </a:rPr>
-              <a:t>Stores player information and coordinates </a:t>
-            </a:r>
-            <a:endParaRPr b="0" lang="en-US" sz="2400" spc="-1" strike="noStrike">
-              <a:solidFill>
-                <a:srgbClr val="000000"/>
-              </a:solidFill>
-              <a:latin typeface="Arial"/>
-            </a:endParaRPr>
-          </a:p>
-        </p:txBody>
-      </p:sp>
-      <p:pic>
-        <p:nvPicPr>
-          <p:cNvPr id="258" name="Picture 257" descr=""/>
-          <p:cNvPicPr/>
-          <p:nvPr/>
-        </p:nvPicPr>
-        <p:blipFill>
-          <a:blip r:embed="rId1"/>
-          <a:stretch/>
-        </p:blipFill>
-        <p:spPr>
-          <a:xfrm>
-            <a:off x="4343400" y="673200"/>
-            <a:ext cx="5257080" cy="3994200"/>
-          </a:xfrm>
-          <a:prstGeom prst="rect">
-            <a:avLst/>
-          </a:prstGeom>
-          <a:ln w="18000">
-            <a:noFill/>
-          </a:ln>
-        </p:spPr>
-      </p:pic>
-      <p:sp>
-        <p:nvSpPr>
-          <p:cNvPr id="4" name="PlaceHolder 3"/>
-          <p:cNvSpPr>
-            <a:spLocks noGrp="1"/>
-          </p:cNvSpPr>
-          <p:nvPr>
-            <p:ph type="sldNum" idx="5"/>
-          </p:nvPr>
-        </p:nvSpPr>
-        <p:spPr/>
-        <p:txBody>
-          <a:bodyPr/>
-          <a:p>
-            <a:fld id="{96B01C56-10F2-4F8F-944B-10712BF15203}" type="slidenum">
-              <a:t>6</a:t>
-            </a:fld>
-          </a:p>
-        </p:txBody>
-      </p:sp>
-    </p:spTree>
-  </p:cSld>
-  <mc:AlternateContent>
-    <mc:Choice Requires="p14">
-      <p:transition spd="slow" p14:dur="2000"/>
-    </mc:Choice>
-    <mc:Fallback>
-      <p:transition spd="slow"/>
-    </mc:Fallback>
-  </mc:AlternateContent>
-</p:sld>
-</file>
-
-<file path=ppt/slides/slide7.xml><?xml version="1.0" encoding="utf-8"?>
-<p:sld xmlns:a="http://schemas.openxmlformats.org/drawingml/2006/main" xmlns:p="http://schemas.openxmlformats.org/presentationml/2006/main" xmlns:r="http://schemas.openxmlformats.org/officeDocument/2006/relationships" xmlns:p14="http://schemas.microsoft.com/office/powerpoint/2010/main" xmlns:p15="http://schemas.microsoft.com/office/powerpoint/2012/main" xmlns:mc="http://schemas.openxmlformats.org/markup-compatibility/2006">
-  <p:cSld>
-    <p:spTree>
-      <p:nvGrpSpPr>
-        <p:cNvPr id="1" name=""/>
-        <p:cNvGrpSpPr/>
-        <p:nvPr/>
-      </p:nvGrpSpPr>
-      <p:grpSpPr>
-        <a:xfrm>
-          <a:off x="0" y="0"/>
-          <a:ext cx="0" cy="0"/>
-          <a:chOff x="0" y="0"/>
-          <a:chExt cx="0" cy="0"/>
-        </a:xfrm>
-      </p:grpSpPr>
-      <p:sp>
-        <p:nvSpPr>
-          <p:cNvPr id="259" name="PlaceHolder 1"/>
-          <p:cNvSpPr>
-            <a:spLocks noGrp="1"/>
-          </p:cNvSpPr>
-          <p:nvPr>
-            <p:ph type="title"/>
-          </p:nvPr>
-        </p:nvSpPr>
-        <p:spPr>
-          <a:xfrm>
             <a:off x="3368880" y="230760"/>
-            <a:ext cx="4094640" cy="935280"/>
+            <a:ext cx="4093920" cy="934560"/>
           </a:xfrm>
           <a:prstGeom prst="rect">
             <a:avLst/>
@@ -14693,7 +13989,7 @@
                 <a:solidFill>
                   <a:srgbClr val="000000"/>
                 </a:solidFill>
-                <a:latin typeface="Arial"/>
+                <a:latin typeface="Open Sans"/>
                 <a:ea typeface="DejaVu Sans"/>
               </a:rPr>
               <a:t>Dice</a:t>
@@ -14702,14 +13998,14 @@
               <a:solidFill>
                 <a:srgbClr val="000000"/>
               </a:solidFill>
-              <a:latin typeface="Arial"/>
+              <a:latin typeface="Open Sans"/>
             </a:endParaRPr>
           </a:p>
         </p:txBody>
       </p:sp>
       <p:pic>
         <p:nvPicPr>
-          <p:cNvPr id="260" name="Picture 259" descr=""/>
+          <p:cNvPr id="259" name="Picture 259" descr=""/>
           <p:cNvPicPr/>
           <p:nvPr/>
         </p:nvPicPr>
@@ -14720,7 +14016,7 @@
         <p:spPr>
           <a:xfrm>
             <a:off x="6122520" y="2194560"/>
-            <a:ext cx="3208680" cy="3232800"/>
+            <a:ext cx="3207960" cy="3232080"/>
           </a:xfrm>
           <a:prstGeom prst="rect">
             <a:avLst/>
@@ -14732,14 +14028,14 @@
       </p:pic>
       <p:sp>
         <p:nvSpPr>
-          <p:cNvPr id="261" name="PlaceHolder 3"/>
+          <p:cNvPr id="260" name="PlaceHolder 3"/>
           <p:cNvSpPr/>
           <p:nvPr/>
         </p:nvSpPr>
         <p:spPr>
           <a:xfrm>
             <a:off x="2057400" y="1371600"/>
-            <a:ext cx="7517160" cy="853920"/>
+            <a:ext cx="7516440" cy="853200"/>
           </a:xfrm>
           <a:prstGeom prst="rect">
             <a:avLst/>
@@ -14779,7 +14075,7 @@
                 <a:solidFill>
                   <a:srgbClr val="050505"/>
                 </a:solidFill>
-                <a:latin typeface="Arial"/>
+                <a:latin typeface="Open Sans"/>
                 <a:ea typeface="DejaVu Sans"/>
               </a:rPr>
               <a:t>Uses Processing library to generate and animate an integer and its associated die. </a:t>
@@ -14788,14 +14084,14 @@
               <a:solidFill>
                 <a:srgbClr val="000000"/>
               </a:solidFill>
-              <a:latin typeface="Arial"/>
+              <a:latin typeface="Open Sans"/>
             </a:endParaRPr>
           </a:p>
         </p:txBody>
       </p:sp>
       <p:pic>
         <p:nvPicPr>
-          <p:cNvPr id="262" name="" descr="">
+          <p:cNvPr id="261" name="" descr="">
             <a:hlinkClick r:id="" action="ppaction://media"/>
           </p:cNvPr>
           <p:cNvPicPr/>
@@ -14817,7 +14113,7 @@
         <p:spPr>
           <a:xfrm>
             <a:off x="2251440" y="2194560"/>
-            <a:ext cx="3291120" cy="3438000"/>
+            <a:ext cx="3290400" cy="3437280"/>
           </a:xfrm>
           <a:prstGeom prst="rect">
             <a:avLst/>
@@ -14841,8 +14137,8 @@
         <p:txBody>
           <a:bodyPr/>
           <a:p>
-            <a:fld id="{A638F805-A9E8-47B5-A575-3BE1689DCAD3}" type="slidenum">
-              <a:t>7</a:t>
+            <a:fld id="{91129086-A453-40C7-B31F-DDBB00C060C0}" type="slidenum">
+              <a:t>6</a:t>
             </a:fld>
           </a:p>
         </p:txBody>
@@ -14887,7 +14183,7 @@
                                       <p:cBhvr>
                                         <p:cTn id="6" dur="5700" fill="hold"/>
                                         <p:tgtEl>
-                                          <p:spTgt spid="262"/>
+                                          <p:spTgt spid="261"/>
                                         </p:tgtEl>
                                       </p:cBhvr>
                                     </p:cmd>
@@ -14922,7 +14218,7 @@
                 <p:stCondLst>
                   <p:cond delay="0" evt="onClick">
                     <p:tgtEl>
-                      <p:spTgt spid="262"/>
+                      <p:spTgt spid="261"/>
                     </p:tgtEl>
                   </p:cond>
                 </p:stCondLst>
@@ -14932,7 +14228,7 @@
                       <p:stCondLst>
                         <p:cond delay="0" evt="onClick">
                           <p:tgtEl>
-                            <p:spTgt spid="262"/>
+                            <p:spTgt spid="261"/>
                           </p:tgtEl>
                         </p:cond>
                       </p:stCondLst>
@@ -14953,7 +14249,7 @@
                                       <p:cBhvr>
                                         <p:cTn id="11" dur="1" fill="hold"/>
                                         <p:tgtEl>
-                                          <p:spTgt spid="262"/>
+                                          <p:spTgt spid="261"/>
                                         </p:tgtEl>
                                       </p:cBhvr>
                                     </p:cmd>
@@ -14988,6 +14284,839 @@
       </p:par>
     </p:tnLst>
   </p:timing>
+</p:sld>
+</file>
+
+<file path=ppt/slides/slide7.xml><?xml version="1.0" encoding="utf-8"?>
+<p:sld xmlns:a="http://schemas.openxmlformats.org/drawingml/2006/main" xmlns:p="http://schemas.openxmlformats.org/presentationml/2006/main" xmlns:r="http://schemas.openxmlformats.org/officeDocument/2006/relationships" xmlns:p14="http://schemas.microsoft.com/office/powerpoint/2010/main" xmlns:p15="http://schemas.microsoft.com/office/powerpoint/2012/main" xmlns:mc="http://schemas.openxmlformats.org/markup-compatibility/2006">
+  <p:cSld>
+    <p:spTree>
+      <p:nvGrpSpPr>
+        <p:cNvPr id="1" name=""/>
+        <p:cNvGrpSpPr/>
+        <p:nvPr/>
+      </p:nvGrpSpPr>
+      <p:grpSpPr>
+        <a:xfrm>
+          <a:off x="0" y="0"/>
+          <a:ext cx="0" cy="0"/>
+          <a:chOff x="0" y="0"/>
+          <a:chExt cx="0" cy="0"/>
+        </a:xfrm>
+      </p:grpSpPr>
+      <p:sp>
+        <p:nvSpPr>
+          <p:cNvPr id="262" name="PlaceHolder 1"/>
+          <p:cNvSpPr>
+            <a:spLocks noGrp="1"/>
+          </p:cNvSpPr>
+          <p:nvPr>
+            <p:ph type="title"/>
+          </p:nvPr>
+        </p:nvSpPr>
+        <p:spPr>
+          <a:xfrm>
+            <a:off x="1620000" y="216000"/>
+            <a:ext cx="4095000" cy="934560"/>
+          </a:xfrm>
+          <a:prstGeom prst="rect">
+            <a:avLst/>
+          </a:prstGeom>
+          <a:noFill/>
+          <a:ln w="0">
+            <a:noFill/>
+          </a:ln>
+        </p:spPr>
+        <p:txBody>
+          <a:bodyPr lIns="0" rIns="0" tIns="0" bIns="0" anchor="ctr">
+            <a:normAutofit/>
+          </a:bodyPr>
+          <a:p>
+            <a:pPr indent="0" algn="ctr">
+              <a:lnSpc>
+                <a:spcPct val="100000"/>
+              </a:lnSpc>
+              <a:buNone/>
+              <a:tabLst>
+                <a:tab algn="l" pos="0"/>
+              </a:tabLst>
+            </a:pPr>
+            <a:r>
+              <a:rPr b="0" lang="en-US" sz="3300" spc="-1" strike="noStrike">
+                <a:solidFill>
+                  <a:srgbClr val="050505"/>
+                </a:solidFill>
+                <a:latin typeface="Open Sans"/>
+                <a:ea typeface="DejaVu Sans"/>
+              </a:rPr>
+              <a:t>DiceAnalogue</a:t>
+            </a:r>
+            <a:endParaRPr b="0" lang="en-US" sz="3300" spc="-1" strike="noStrike">
+              <a:solidFill>
+                <a:srgbClr val="000000"/>
+              </a:solidFill>
+              <a:latin typeface="Open Sans"/>
+            </a:endParaRPr>
+          </a:p>
+        </p:txBody>
+      </p:sp>
+      <p:sp>
+        <p:nvSpPr>
+          <p:cNvPr id="263" name="PlaceHolder 2"/>
+          <p:cNvSpPr>
+            <a:spLocks noGrp="1"/>
+          </p:cNvSpPr>
+          <p:nvPr>
+            <p:ph/>
+          </p:nvPr>
+        </p:nvSpPr>
+        <p:spPr>
+          <a:xfrm>
+            <a:off x="1620000" y="1368000"/>
+            <a:ext cx="4093560" cy="3286800"/>
+          </a:xfrm>
+          <a:prstGeom prst="rect">
+            <a:avLst/>
+          </a:prstGeom>
+          <a:noFill/>
+          <a:ln w="0">
+            <a:noFill/>
+          </a:ln>
+        </p:spPr>
+        <p:txBody>
+          <a:bodyPr lIns="0" rIns="0" tIns="0" bIns="0" anchor="t">
+            <a:normAutofit/>
+          </a:bodyPr>
+          <a:p>
+            <a:pPr marL="432000" indent="-324000">
+              <a:lnSpc>
+                <a:spcPct val="100000"/>
+              </a:lnSpc>
+              <a:spcBef>
+                <a:spcPts val="1001"/>
+              </a:spcBef>
+              <a:spcAft>
+                <a:spcPts val="1060"/>
+              </a:spcAft>
+              <a:buClr>
+                <a:srgbClr val="000000"/>
+              </a:buClr>
+              <a:buSzPct val="40000"/>
+              <a:buFont typeface="Wingdings" charset="2"/>
+              <a:buChar char=""/>
+            </a:pPr>
+            <a:r>
+              <a:rPr b="0" lang="en-US" sz="2400" spc="-1" strike="noStrike">
+                <a:solidFill>
+                  <a:srgbClr val="050505"/>
+                </a:solidFill>
+                <a:latin typeface="Open Sans"/>
+                <a:ea typeface="DejaVu Sans"/>
+              </a:rPr>
+              <a:t>Receives an integer to print ascii art of the die.</a:t>
+            </a:r>
+            <a:endParaRPr b="0" lang="en-US" sz="2400" spc="-1" strike="noStrike">
+              <a:solidFill>
+                <a:srgbClr val="000000"/>
+              </a:solidFill>
+              <a:latin typeface="Open Sans"/>
+            </a:endParaRPr>
+          </a:p>
+        </p:txBody>
+      </p:sp>
+      <p:pic>
+        <p:nvPicPr>
+          <p:cNvPr id="264" name="" descr=""/>
+          <p:cNvPicPr/>
+          <p:nvPr/>
+        </p:nvPicPr>
+        <p:blipFill>
+          <a:blip r:embed="rId1"/>
+          <a:stretch/>
+        </p:blipFill>
+        <p:spPr>
+          <a:xfrm>
+            <a:off x="2057400" y="3200400"/>
+            <a:ext cx="3428640" cy="952200"/>
+          </a:xfrm>
+          <a:prstGeom prst="rect">
+            <a:avLst/>
+          </a:prstGeom>
+          <a:ln w="0">
+            <a:noFill/>
+          </a:ln>
+        </p:spPr>
+      </p:pic>
+      <p:pic>
+        <p:nvPicPr>
+          <p:cNvPr id="265" name="" descr=""/>
+          <p:cNvPicPr/>
+          <p:nvPr/>
+        </p:nvPicPr>
+        <p:blipFill>
+          <a:blip r:embed="rId2"/>
+          <a:stretch/>
+        </p:blipFill>
+        <p:spPr>
+          <a:xfrm>
+            <a:off x="6105960" y="565200"/>
+            <a:ext cx="1209240" cy="1275840"/>
+          </a:xfrm>
+          <a:prstGeom prst="rect">
+            <a:avLst/>
+          </a:prstGeom>
+          <a:ln w="0">
+            <a:noFill/>
+          </a:ln>
+        </p:spPr>
+      </p:pic>
+      <p:pic>
+        <p:nvPicPr>
+          <p:cNvPr id="266" name="" descr=""/>
+          <p:cNvPicPr/>
+          <p:nvPr/>
+        </p:nvPicPr>
+        <p:blipFill>
+          <a:blip r:embed="rId3"/>
+          <a:stretch/>
+        </p:blipFill>
+        <p:spPr>
+          <a:xfrm>
+            <a:off x="7772400" y="565200"/>
+            <a:ext cx="1199880" cy="1266480"/>
+          </a:xfrm>
+          <a:prstGeom prst="rect">
+            <a:avLst/>
+          </a:prstGeom>
+          <a:ln w="0">
+            <a:noFill/>
+          </a:ln>
+        </p:spPr>
+      </p:pic>
+      <p:pic>
+        <p:nvPicPr>
+          <p:cNvPr id="267" name="" descr=""/>
+          <p:cNvPicPr/>
+          <p:nvPr/>
+        </p:nvPicPr>
+        <p:blipFill>
+          <a:blip r:embed="rId4"/>
+          <a:stretch/>
+        </p:blipFill>
+        <p:spPr>
+          <a:xfrm>
+            <a:off x="6108120" y="2070360"/>
+            <a:ext cx="1171080" cy="1238040"/>
+          </a:xfrm>
+          <a:prstGeom prst="rect">
+            <a:avLst/>
+          </a:prstGeom>
+          <a:ln w="0">
+            <a:noFill/>
+          </a:ln>
+        </p:spPr>
+      </p:pic>
+      <p:pic>
+        <p:nvPicPr>
+          <p:cNvPr id="268" name="" descr=""/>
+          <p:cNvPicPr/>
+          <p:nvPr/>
+        </p:nvPicPr>
+        <p:blipFill>
+          <a:blip r:embed="rId5"/>
+          <a:stretch/>
+        </p:blipFill>
+        <p:spPr>
+          <a:xfrm>
+            <a:off x="7772400" y="2022840"/>
+            <a:ext cx="1209240" cy="1285560"/>
+          </a:xfrm>
+          <a:prstGeom prst="rect">
+            <a:avLst/>
+          </a:prstGeom>
+          <a:ln w="0">
+            <a:noFill/>
+          </a:ln>
+        </p:spPr>
+      </p:pic>
+      <p:pic>
+        <p:nvPicPr>
+          <p:cNvPr id="269" name="" descr=""/>
+          <p:cNvPicPr/>
+          <p:nvPr/>
+        </p:nvPicPr>
+        <p:blipFill>
+          <a:blip r:embed="rId6"/>
+          <a:stretch/>
+        </p:blipFill>
+        <p:spPr>
+          <a:xfrm>
+            <a:off x="6105960" y="3537000"/>
+            <a:ext cx="1209240" cy="1314000"/>
+          </a:xfrm>
+          <a:prstGeom prst="rect">
+            <a:avLst/>
+          </a:prstGeom>
+          <a:ln w="0">
+            <a:noFill/>
+          </a:ln>
+        </p:spPr>
+      </p:pic>
+      <p:pic>
+        <p:nvPicPr>
+          <p:cNvPr id="270" name="" descr=""/>
+          <p:cNvPicPr/>
+          <p:nvPr/>
+        </p:nvPicPr>
+        <p:blipFill>
+          <a:blip r:embed="rId7"/>
+          <a:stretch/>
+        </p:blipFill>
+        <p:spPr>
+          <a:xfrm>
+            <a:off x="7772400" y="3537000"/>
+            <a:ext cx="1180800" cy="1266480"/>
+          </a:xfrm>
+          <a:prstGeom prst="rect">
+            <a:avLst/>
+          </a:prstGeom>
+          <a:ln w="0">
+            <a:noFill/>
+          </a:ln>
+        </p:spPr>
+      </p:pic>
+      <p:sp>
+        <p:nvSpPr>
+          <p:cNvPr id="4" name="PlaceHolder 3"/>
+          <p:cNvSpPr>
+            <a:spLocks noGrp="1"/>
+          </p:cNvSpPr>
+          <p:nvPr>
+            <p:ph type="sldNum" idx="5"/>
+          </p:nvPr>
+        </p:nvSpPr>
+        <p:spPr/>
+        <p:txBody>
+          <a:bodyPr/>
+          <a:p>
+            <a:fld id="{5A062055-5EA3-465C-8026-9BCB1ADC7ADF}" type="slidenum">
+              <a:t>7</a:t>
+            </a:fld>
+          </a:p>
+        </p:txBody>
+      </p:sp>
+    </p:spTree>
+  </p:cSld>
+  <mc:AlternateContent>
+    <mc:Choice Requires="p14">
+      <p:transition spd="slow" p14:dur="2000"/>
+    </mc:Choice>
+    <mc:Fallback>
+      <p:transition spd="slow"/>
+    </mc:Fallback>
+  </mc:AlternateContent>
+</p:sld>
+</file>
+
+<file path=ppt/slides/slide8.xml><?xml version="1.0" encoding="utf-8"?>
+<p:sld xmlns:a="http://schemas.openxmlformats.org/drawingml/2006/main" xmlns:p="http://schemas.openxmlformats.org/presentationml/2006/main" xmlns:r="http://schemas.openxmlformats.org/officeDocument/2006/relationships" xmlns:p14="http://schemas.microsoft.com/office/powerpoint/2010/main" xmlns:p15="http://schemas.microsoft.com/office/powerpoint/2012/main" xmlns:mc="http://schemas.openxmlformats.org/markup-compatibility/2006">
+  <p:cSld>
+    <p:spTree>
+      <p:nvGrpSpPr>
+        <p:cNvPr id="1" name=""/>
+        <p:cNvGrpSpPr/>
+        <p:nvPr/>
+      </p:nvGrpSpPr>
+      <p:grpSpPr>
+        <a:xfrm>
+          <a:off x="0" y="0"/>
+          <a:ext cx="0" cy="0"/>
+          <a:chOff x="0" y="0"/>
+          <a:chExt cx="0" cy="0"/>
+        </a:xfrm>
+      </p:grpSpPr>
+      <p:sp>
+        <p:nvSpPr>
+          <p:cNvPr id="271" name="PlaceHolder 1"/>
+          <p:cNvSpPr>
+            <a:spLocks noGrp="1"/>
+          </p:cNvSpPr>
+          <p:nvPr>
+            <p:ph type="title"/>
+          </p:nvPr>
+        </p:nvSpPr>
+        <p:spPr>
+          <a:xfrm>
+            <a:off x="1620000" y="216000"/>
+            <a:ext cx="4095000" cy="934560"/>
+          </a:xfrm>
+          <a:prstGeom prst="rect">
+            <a:avLst/>
+          </a:prstGeom>
+          <a:noFill/>
+          <a:ln w="0">
+            <a:noFill/>
+          </a:ln>
+        </p:spPr>
+        <p:txBody>
+          <a:bodyPr lIns="0" rIns="0" tIns="0" bIns="0" anchor="ctr">
+            <a:normAutofit/>
+          </a:bodyPr>
+          <a:p>
+            <a:pPr indent="0" algn="ctr">
+              <a:lnSpc>
+                <a:spcPct val="100000"/>
+              </a:lnSpc>
+              <a:buNone/>
+              <a:tabLst>
+                <a:tab algn="l" pos="0"/>
+              </a:tabLst>
+            </a:pPr>
+            <a:r>
+              <a:rPr b="0" lang="en-US" sz="3300" spc="-1" strike="noStrike">
+                <a:solidFill>
+                  <a:srgbClr val="050505"/>
+                </a:solidFill>
+                <a:latin typeface="Open Sans"/>
+                <a:ea typeface="DejaVu Sans"/>
+              </a:rPr>
+              <a:t>Score</a:t>
+            </a:r>
+            <a:endParaRPr b="0" lang="en-US" sz="3300" spc="-1" strike="noStrike">
+              <a:solidFill>
+                <a:srgbClr val="000000"/>
+              </a:solidFill>
+              <a:latin typeface="Open Sans"/>
+            </a:endParaRPr>
+          </a:p>
+        </p:txBody>
+      </p:sp>
+      <p:sp>
+        <p:nvSpPr>
+          <p:cNvPr id="272" name="PlaceHolder 2"/>
+          <p:cNvSpPr>
+            <a:spLocks noGrp="1"/>
+          </p:cNvSpPr>
+          <p:nvPr>
+            <p:ph/>
+          </p:nvPr>
+        </p:nvSpPr>
+        <p:spPr>
+          <a:xfrm>
+            <a:off x="1620000" y="1368000"/>
+            <a:ext cx="4093560" cy="3286800"/>
+          </a:xfrm>
+          <a:prstGeom prst="rect">
+            <a:avLst/>
+          </a:prstGeom>
+          <a:noFill/>
+          <a:ln w="0">
+            <a:noFill/>
+          </a:ln>
+        </p:spPr>
+        <p:txBody>
+          <a:bodyPr lIns="0" rIns="0" tIns="0" bIns="0" anchor="t">
+            <a:normAutofit/>
+          </a:bodyPr>
+          <a:p>
+            <a:pPr marL="432000" indent="-324000">
+              <a:lnSpc>
+                <a:spcPct val="100000"/>
+              </a:lnSpc>
+              <a:spcBef>
+                <a:spcPts val="1001"/>
+              </a:spcBef>
+              <a:spcAft>
+                <a:spcPts val="1060"/>
+              </a:spcAft>
+              <a:buClr>
+                <a:srgbClr val="000000"/>
+              </a:buClr>
+              <a:buSzPct val="40000"/>
+              <a:buFont typeface="Wingdings" charset="2"/>
+              <a:buChar char=""/>
+            </a:pPr>
+            <a:r>
+              <a:rPr b="0" lang="en-US" sz="2400" spc="-1" strike="noStrike">
+                <a:solidFill>
+                  <a:srgbClr val="050505"/>
+                </a:solidFill>
+                <a:latin typeface="Open Sans"/>
+                <a:ea typeface="DejaVu Sans"/>
+              </a:rPr>
+              <a:t>Class level scope to print each players score</a:t>
+            </a:r>
+            <a:endParaRPr b="0" lang="en-US" sz="2400" spc="-1" strike="noStrike">
+              <a:solidFill>
+                <a:srgbClr val="000000"/>
+              </a:solidFill>
+              <a:latin typeface="Open Sans"/>
+            </a:endParaRPr>
+          </a:p>
+          <a:p>
+            <a:pPr marL="432000" indent="-324000">
+              <a:lnSpc>
+                <a:spcPct val="100000"/>
+              </a:lnSpc>
+              <a:spcBef>
+                <a:spcPts val="1001"/>
+              </a:spcBef>
+              <a:spcAft>
+                <a:spcPts val="1060"/>
+              </a:spcAft>
+              <a:buClr>
+                <a:srgbClr val="000000"/>
+              </a:buClr>
+              <a:buSzPct val="40000"/>
+              <a:buFont typeface="Wingdings" charset="2"/>
+              <a:buChar char=""/>
+            </a:pPr>
+            <a:r>
+              <a:rPr b="0" lang="en-US" sz="2400" spc="-1" strike="noStrike">
+                <a:solidFill>
+                  <a:srgbClr val="050505"/>
+                </a:solidFill>
+                <a:latin typeface="Open Sans"/>
+                <a:ea typeface="DejaVu Sans"/>
+              </a:rPr>
+              <a:t>Writes player number and score to winners.txt</a:t>
+            </a:r>
+            <a:endParaRPr b="0" lang="en-US" sz="2400" spc="-1" strike="noStrike">
+              <a:solidFill>
+                <a:srgbClr val="000000"/>
+              </a:solidFill>
+              <a:latin typeface="Open Sans"/>
+            </a:endParaRPr>
+          </a:p>
+        </p:txBody>
+      </p:sp>
+      <p:pic>
+        <p:nvPicPr>
+          <p:cNvPr id="273" name="Picture 254" descr=""/>
+          <p:cNvPicPr/>
+          <p:nvPr/>
+        </p:nvPicPr>
+        <p:blipFill>
+          <a:blip r:embed="rId1"/>
+          <a:stretch/>
+        </p:blipFill>
+        <p:spPr>
+          <a:xfrm>
+            <a:off x="1929240" y="3430440"/>
+            <a:ext cx="6300360" cy="1827360"/>
+          </a:xfrm>
+          <a:prstGeom prst="rect">
+            <a:avLst/>
+          </a:prstGeom>
+          <a:ln w="18000">
+            <a:noFill/>
+          </a:ln>
+        </p:spPr>
+      </p:pic>
+      <p:pic>
+        <p:nvPicPr>
+          <p:cNvPr id="274" name="" descr=""/>
+          <p:cNvPicPr/>
+          <p:nvPr/>
+        </p:nvPicPr>
+        <p:blipFill>
+          <a:blip r:embed="rId2"/>
+          <a:stretch/>
+        </p:blipFill>
+        <p:spPr>
+          <a:xfrm>
+            <a:off x="8229600" y="1143000"/>
+            <a:ext cx="1371600" cy="1822320"/>
+          </a:xfrm>
+          <a:prstGeom prst="rect">
+            <a:avLst/>
+          </a:prstGeom>
+          <a:ln w="0">
+            <a:noFill/>
+          </a:ln>
+        </p:spPr>
+      </p:pic>
+      <p:pic>
+        <p:nvPicPr>
+          <p:cNvPr id="275" name="" descr=""/>
+          <p:cNvPicPr/>
+          <p:nvPr/>
+        </p:nvPicPr>
+        <p:blipFill>
+          <a:blip r:embed="rId3"/>
+          <a:stretch/>
+        </p:blipFill>
+        <p:spPr>
+          <a:xfrm>
+            <a:off x="5943600" y="1368000"/>
+            <a:ext cx="1963440" cy="1374840"/>
+          </a:xfrm>
+          <a:prstGeom prst="rect">
+            <a:avLst/>
+          </a:prstGeom>
+          <a:ln w="0">
+            <a:noFill/>
+          </a:ln>
+        </p:spPr>
+      </p:pic>
+      <p:sp>
+        <p:nvSpPr>
+          <p:cNvPr id="4" name="PlaceHolder 3"/>
+          <p:cNvSpPr>
+            <a:spLocks noGrp="1"/>
+          </p:cNvSpPr>
+          <p:nvPr>
+            <p:ph type="sldNum" idx="5"/>
+          </p:nvPr>
+        </p:nvSpPr>
+        <p:spPr/>
+        <p:txBody>
+          <a:bodyPr/>
+          <a:p>
+            <a:fld id="{26968449-D7B9-411C-A2D1-7BBFF7D02B77}" type="slidenum">
+              <a:t>8</a:t>
+            </a:fld>
+          </a:p>
+        </p:txBody>
+      </p:sp>
+    </p:spTree>
+  </p:cSld>
+  <mc:AlternateContent>
+    <mc:Choice Requires="p14">
+      <p:transition spd="slow" p14:dur="2000"/>
+    </mc:Choice>
+    <mc:Fallback>
+      <p:transition spd="slow"/>
+    </mc:Fallback>
+  </mc:AlternateContent>
+</p:sld>
+</file>
+
+<file path=ppt/slides/slide9.xml><?xml version="1.0" encoding="utf-8"?>
+<p:sld xmlns:a="http://schemas.openxmlformats.org/drawingml/2006/main" xmlns:p="http://schemas.openxmlformats.org/presentationml/2006/main" xmlns:r="http://schemas.openxmlformats.org/officeDocument/2006/relationships" xmlns:p14="http://schemas.microsoft.com/office/powerpoint/2010/main" xmlns:p15="http://schemas.microsoft.com/office/powerpoint/2012/main" xmlns:mc="http://schemas.openxmlformats.org/markup-compatibility/2006">
+  <p:cSld>
+    <p:spTree>
+      <p:nvGrpSpPr>
+        <p:cNvPr id="1" name=""/>
+        <p:cNvGrpSpPr/>
+        <p:nvPr/>
+      </p:nvGrpSpPr>
+      <p:grpSpPr>
+        <a:xfrm>
+          <a:off x="0" y="0"/>
+          <a:ext cx="0" cy="0"/>
+          <a:chOff x="0" y="0"/>
+          <a:chExt cx="0" cy="0"/>
+        </a:xfrm>
+      </p:grpSpPr>
+      <p:sp>
+        <p:nvSpPr>
+          <p:cNvPr id="276" name="PlaceHolder 1"/>
+          <p:cNvSpPr>
+            <a:spLocks noGrp="1"/>
+          </p:cNvSpPr>
+          <p:nvPr>
+            <p:ph type="title"/>
+          </p:nvPr>
+        </p:nvSpPr>
+        <p:spPr>
+          <a:xfrm>
+            <a:off x="1620000" y="216000"/>
+            <a:ext cx="8098560" cy="934560"/>
+          </a:xfrm>
+          <a:prstGeom prst="rect">
+            <a:avLst/>
+          </a:prstGeom>
+          <a:noFill/>
+          <a:ln w="0">
+            <a:noFill/>
+          </a:ln>
+        </p:spPr>
+        <p:txBody>
+          <a:bodyPr lIns="0" rIns="0" tIns="0" bIns="0" anchor="ctr">
+            <a:normAutofit/>
+          </a:bodyPr>
+          <a:p>
+            <a:pPr indent="0" algn="ctr">
+              <a:lnSpc>
+                <a:spcPct val="100000"/>
+              </a:lnSpc>
+              <a:buNone/>
+              <a:tabLst>
+                <a:tab algn="l" pos="0"/>
+              </a:tabLst>
+            </a:pPr>
+            <a:r>
+              <a:rPr b="0" lang="en-US" sz="3300" spc="-1" strike="noStrike">
+                <a:solidFill>
+                  <a:srgbClr val="050505"/>
+                </a:solidFill>
+                <a:latin typeface="Open Sans"/>
+                <a:ea typeface="DejaVu Sans"/>
+              </a:rPr>
+              <a:t>ChutesAndLadders</a:t>
+            </a:r>
+            <a:endParaRPr b="0" lang="en-US" sz="3300" spc="-1" strike="noStrike">
+              <a:solidFill>
+                <a:srgbClr val="000000"/>
+              </a:solidFill>
+              <a:latin typeface="Open Sans"/>
+            </a:endParaRPr>
+          </a:p>
+        </p:txBody>
+      </p:sp>
+      <p:sp>
+        <p:nvSpPr>
+          <p:cNvPr id="277" name="PlaceHolder 2"/>
+          <p:cNvSpPr>
+            <a:spLocks noGrp="1"/>
+          </p:cNvSpPr>
+          <p:nvPr>
+            <p:ph/>
+          </p:nvPr>
+        </p:nvSpPr>
+        <p:spPr>
+          <a:xfrm>
+            <a:off x="1620000" y="1368000"/>
+            <a:ext cx="4093560" cy="3286800"/>
+          </a:xfrm>
+          <a:prstGeom prst="rect">
+            <a:avLst/>
+          </a:prstGeom>
+          <a:noFill/>
+          <a:ln w="0">
+            <a:noFill/>
+          </a:ln>
+        </p:spPr>
+        <p:txBody>
+          <a:bodyPr lIns="0" rIns="0" tIns="0" bIns="0" anchor="t">
+            <a:normAutofit/>
+          </a:bodyPr>
+          <a:p>
+            <a:pPr marL="432000" indent="-324000">
+              <a:lnSpc>
+                <a:spcPct val="100000"/>
+              </a:lnSpc>
+              <a:spcBef>
+                <a:spcPts val="1001"/>
+              </a:spcBef>
+              <a:spcAft>
+                <a:spcPts val="1060"/>
+              </a:spcAft>
+              <a:buClr>
+                <a:srgbClr val="000000"/>
+              </a:buClr>
+              <a:buSzPct val="40000"/>
+              <a:buFont typeface="Wingdings" charset="2"/>
+              <a:buChar char=""/>
+            </a:pPr>
+            <a:r>
+              <a:rPr b="0" lang="en-US" sz="2400" spc="-1" strike="noStrike">
+                <a:solidFill>
+                  <a:srgbClr val="050505"/>
+                </a:solidFill>
+                <a:latin typeface="Open Sans"/>
+                <a:ea typeface="DejaVu Sans"/>
+              </a:rPr>
+              <a:t>Main game logic</a:t>
+            </a:r>
+            <a:endParaRPr b="0" lang="en-US" sz="2400" spc="-1" strike="noStrike">
+              <a:solidFill>
+                <a:srgbClr val="000000"/>
+              </a:solidFill>
+              <a:latin typeface="Open Sans"/>
+            </a:endParaRPr>
+          </a:p>
+          <a:p>
+            <a:pPr marL="432000" indent="-324000">
+              <a:lnSpc>
+                <a:spcPct val="100000"/>
+              </a:lnSpc>
+              <a:spcBef>
+                <a:spcPts val="1001"/>
+              </a:spcBef>
+              <a:spcAft>
+                <a:spcPts val="1060"/>
+              </a:spcAft>
+              <a:buClr>
+                <a:srgbClr val="000000"/>
+              </a:buClr>
+              <a:buSzPct val="40000"/>
+              <a:buFont typeface="Wingdings" charset="2"/>
+              <a:buChar char=""/>
+            </a:pPr>
+            <a:r>
+              <a:rPr b="0" lang="en-US" sz="2400" spc="-1" strike="noStrike">
+                <a:solidFill>
+                  <a:srgbClr val="050505"/>
+                </a:solidFill>
+                <a:latin typeface="Open Sans"/>
+                <a:ea typeface="DejaVu Sans"/>
+              </a:rPr>
+              <a:t>Handles looping through player turns and generating integers for rolls</a:t>
+            </a:r>
+            <a:endParaRPr b="0" lang="en-US" sz="2400" spc="-1" strike="noStrike">
+              <a:solidFill>
+                <a:srgbClr val="000000"/>
+              </a:solidFill>
+              <a:latin typeface="Open Sans"/>
+            </a:endParaRPr>
+          </a:p>
+        </p:txBody>
+      </p:sp>
+      <p:pic>
+        <p:nvPicPr>
+          <p:cNvPr id="278" name="" descr=""/>
+          <p:cNvPicPr/>
+          <p:nvPr/>
+        </p:nvPicPr>
+        <p:blipFill>
+          <a:blip r:embed="rId1"/>
+          <a:stretch/>
+        </p:blipFill>
+        <p:spPr>
+          <a:xfrm>
+            <a:off x="6172200" y="2057400"/>
+            <a:ext cx="3438000" cy="961560"/>
+          </a:xfrm>
+          <a:prstGeom prst="rect">
+            <a:avLst/>
+          </a:prstGeom>
+          <a:ln w="0">
+            <a:noFill/>
+          </a:ln>
+        </p:spPr>
+      </p:pic>
+      <p:sp>
+        <p:nvSpPr>
+          <p:cNvPr id="4" name="PlaceHolder 3"/>
+          <p:cNvSpPr>
+            <a:spLocks noGrp="1"/>
+          </p:cNvSpPr>
+          <p:nvPr>
+            <p:ph type="sldNum" idx="5"/>
+          </p:nvPr>
+        </p:nvSpPr>
+        <p:spPr/>
+        <p:txBody>
+          <a:bodyPr/>
+          <a:p>
+            <a:fld id="{A225FA44-42A0-4036-B81D-D68D484F3BC1}" type="slidenum">
+              <a:t>9</a:t>
+            </a:fld>
+          </a:p>
+        </p:txBody>
+      </p:sp>
+    </p:spTree>
+  </p:cSld>
+  <mc:AlternateContent>
+    <mc:Choice Requires="p14">
+      <p:transition spd="slow" p14:dur="2000"/>
+    </mc:Choice>
+    <mc:Fallback>
+      <p:transition spd="slow"/>
+    </mc:Fallback>
+  </mc:AlternateContent>
 </p:sld>
 </file>
 
